--- a/CPSC-24500/Week01/2016SpringW01SlidesLecture.pptx
+++ b/CPSC-24500/Week01/2016SpringW01SlidesLecture.pptx
@@ -5,7 +5,7 @@
     <p:sldMasterId id="2147483648" r:id="rId4"/>
   </p:sldMasterIdLst>
   <p:notesMasterIdLst>
-    <p:notesMasterId r:id="rId38"/>
+    <p:notesMasterId r:id="rId39"/>
   </p:notesMasterIdLst>
   <p:sldIdLst>
     <p:sldId id="330" r:id="rId5"/>
@@ -41,6 +41,7 @@
     <p:sldId id="322" r:id="rId35"/>
     <p:sldId id="324" r:id="rId36"/>
     <p:sldId id="339" r:id="rId37"/>
+    <p:sldId id="351" r:id="rId38"/>
   </p:sldIdLst>
   <p:sldSz cx="12192000" cy="6858000"/>
   <p:notesSz cx="7315200" cy="9601200"/>
@@ -3683,7 +3684,92 @@
           <a:bodyPr/>
           <a:lstStyle/>
           <a:p>
+            <a:r>
+              <a:rPr lang="en-US" sz="1000" dirty="0"/>
+              <a:t>It (mostly) doesn’t matter if all you are doing is setting (or getting) the values.</a:t>
+            </a:r>
+          </a:p>
+          <a:p>
             <a:endParaRPr lang="en-US" sz="1000" dirty="0"/>
+          </a:p>
+          <a:p>
+            <a:r>
+              <a:rPr lang="en-US" sz="1000" dirty="0"/>
+              <a:t>Why use Setters &amp; Getters?</a:t>
+            </a:r>
+          </a:p>
+          <a:p>
+            <a:pPr marL="171450" indent="-171450">
+              <a:buFont typeface="Arial" panose="020B0604020202020204" pitchFamily="34" charset="0"/>
+              <a:buChar char="•"/>
+            </a:pPr>
+            <a:r>
+              <a:rPr lang="en-US" sz="1000" dirty="0"/>
+              <a:t>Because 2 weeks (months, years) from now when you realize that your setter needs to do more than just set the value, you'll also realize that the property has been used directly in 238 other classes.</a:t>
+            </a:r>
+          </a:p>
+          <a:p>
+            <a:pPr marL="171450" marR="0" lvl="0" indent="-171450" algn="l" defTabSz="914400" rtl="0" eaLnBrk="1" fontAlgn="auto" latinLnBrk="0" hangingPunct="1">
+              <a:lnSpc>
+                <a:spcPct val="100000"/>
+              </a:lnSpc>
+              <a:spcBef>
+                <a:spcPts val="0"/>
+              </a:spcBef>
+              <a:spcAft>
+                <a:spcPts val="0"/>
+              </a:spcAft>
+              <a:buClrTx/>
+              <a:buSzTx/>
+              <a:buFont typeface="Arial" panose="020B0604020202020204" pitchFamily="34" charset="0"/>
+              <a:buChar char="•"/>
+              <a:tabLst/>
+              <a:defRPr/>
+            </a:pPr>
+            <a:r>
+              <a:rPr lang="en-US" sz="1000" dirty="0"/>
+              <a:t>Validation</a:t>
+            </a:r>
+          </a:p>
+          <a:p>
+            <a:pPr marL="171450" indent="-171450">
+              <a:buFont typeface="Arial" panose="020B0604020202020204" pitchFamily="34" charset="0"/>
+              <a:buChar char="•"/>
+            </a:pPr>
+            <a:r>
+              <a:rPr lang="en-US" sz="1000" dirty="0"/>
+              <a:t>Optimization</a:t>
+            </a:r>
+          </a:p>
+          <a:p>
+            <a:pPr marL="171450" indent="-171450">
+              <a:buFont typeface="Arial" panose="020B0604020202020204" pitchFamily="34" charset="0"/>
+              <a:buChar char="•"/>
+            </a:pPr>
+            <a:r>
+              <a:rPr lang="en-US" sz="1000" dirty="0"/>
+              <a:t>Change the values (English to metric)</a:t>
+            </a:r>
+          </a:p>
+          <a:p>
+            <a:pPr marL="171450" indent="-171450">
+              <a:buFont typeface="Arial" panose="020B0604020202020204" pitchFamily="34" charset="0"/>
+              <a:buChar char="•"/>
+            </a:pPr>
+            <a:r>
+              <a:rPr lang="en-US" sz="1000" dirty="0"/>
+              <a:t>Debugging breakpoint</a:t>
+            </a:r>
+          </a:p>
+          <a:p>
+            <a:pPr marL="171450" indent="-171450">
+              <a:buFont typeface="Arial" panose="020B0604020202020204" pitchFamily="34" charset="0"/>
+              <a:buChar char="•"/>
+            </a:pPr>
+            <a:r>
+              <a:rPr lang="en-US" sz="1000" dirty="0"/>
+              <a:t>Some libraries expect this</a:t>
+            </a:r>
           </a:p>
         </p:txBody>
       </p:sp>
@@ -3714,6 +3800,164 @@
     <p:extLst>
       <p:ext uri="{BB962C8B-B14F-4D97-AF65-F5344CB8AC3E}">
         <p14:creationId xmlns:p14="http://schemas.microsoft.com/office/powerpoint/2010/main" val="1908608686"/>
+      </p:ext>
+    </p:extLst>
+  </p:cSld>
+  <p:clrMapOvr>
+    <a:masterClrMapping/>
+  </p:clrMapOvr>
+</p:notes>
+</file>
+
+<file path=ppt/notesSlides/notesSlide34.xml><?xml version="1.0" encoding="utf-8"?>
+<p:notes xmlns:a="http://schemas.openxmlformats.org/drawingml/2006/main" xmlns:r="http://schemas.openxmlformats.org/officeDocument/2006/relationships" xmlns:p="http://schemas.openxmlformats.org/presentationml/2006/main">
+  <p:cSld>
+    <p:spTree>
+      <p:nvGrpSpPr>
+        <p:cNvPr id="1" name=""/>
+        <p:cNvGrpSpPr/>
+        <p:nvPr/>
+      </p:nvGrpSpPr>
+      <p:grpSpPr>
+        <a:xfrm>
+          <a:off x="0" y="0"/>
+          <a:ext cx="0" cy="0"/>
+          <a:chOff x="0" y="0"/>
+          <a:chExt cx="0" cy="0"/>
+        </a:xfrm>
+      </p:grpSpPr>
+      <p:sp>
+        <p:nvSpPr>
+          <p:cNvPr id="2" name="Slide Image Placeholder 1"/>
+          <p:cNvSpPr>
+            <a:spLocks noGrp="1" noRot="1" noChangeAspect="1"/>
+          </p:cNvSpPr>
+          <p:nvPr>
+            <p:ph type="sldImg"/>
+          </p:nvPr>
+        </p:nvSpPr>
+        <p:spPr/>
+      </p:sp>
+      <p:sp>
+        <p:nvSpPr>
+          <p:cNvPr id="3" name="Notes Placeholder 2"/>
+          <p:cNvSpPr>
+            <a:spLocks noGrp="1"/>
+          </p:cNvSpPr>
+          <p:nvPr>
+            <p:ph type="body" idx="1"/>
+          </p:nvPr>
+        </p:nvSpPr>
+        <p:spPr/>
+        <p:txBody>
+          <a:bodyPr/>
+          <a:lstStyle/>
+          <a:p>
+            <a:r>
+              <a:rPr lang="en-US" sz="1000" dirty="0"/>
+              <a:t>Get this set up for yourself this week by compiling and running “HelloWorld”.</a:t>
+            </a:r>
+          </a:p>
+          <a:p>
+            <a:endParaRPr lang="en-US" sz="1000" dirty="0"/>
+          </a:p>
+          <a:p>
+            <a:r>
+              <a:rPr lang="en-US" sz="1000" dirty="0"/>
+              <a:t>I will be using the Microsoft Code Editor and the command link Java JDK to review and grade your assignments. Make CERTAIN that the assignments you submit compile an run in these environments. Lets start by submitting a single .java file for at least the first two weeks. Then we will consider extending our practices. </a:t>
+            </a:r>
+          </a:p>
+          <a:p>
+            <a:endParaRPr lang="en-US" sz="1000" dirty="0"/>
+          </a:p>
+          <a:p>
+            <a:r>
+              <a:rPr lang="en-US" sz="1000" dirty="0"/>
+              <a:t>I will be compiling your applications with the standard </a:t>
+            </a:r>
+            <a:r>
+              <a:rPr lang="en-US" sz="1000" dirty="0" err="1"/>
+              <a:t>javac</a:t>
+            </a:r>
+            <a:r>
+              <a:rPr lang="en-US" sz="1000" dirty="0"/>
+              <a:t> and java command line tools. For example, if you submitted a file named “ShapesApp.java”, I would expect:</a:t>
+            </a:r>
+          </a:p>
+          <a:p>
+            <a:r>
+              <a:rPr lang="en-US" sz="1000" dirty="0"/>
+              <a:t>To compile  it with the command “</a:t>
+            </a:r>
+            <a:r>
+              <a:rPr lang="en-US" sz="1000" dirty="0" err="1"/>
+              <a:t>javac</a:t>
+            </a:r>
+            <a:r>
+              <a:rPr lang="en-US" sz="1000" dirty="0"/>
+              <a:t> .\ShapesApp.java”</a:t>
+            </a:r>
+          </a:p>
+          <a:p>
+            <a:r>
+              <a:rPr lang="en-US" sz="1000" dirty="0"/>
+              <a:t>To run it with the command “java -</a:t>
+            </a:r>
+            <a:r>
+              <a:rPr lang="en-US" sz="1000" dirty="0" err="1"/>
+              <a:t>cp</a:t>
+            </a:r>
+            <a:r>
+              <a:rPr lang="en-US" sz="1000" dirty="0"/>
+              <a:t> . </a:t>
+            </a:r>
+            <a:r>
+              <a:rPr lang="en-US" sz="1000" dirty="0" err="1"/>
+              <a:t>ShapesApp</a:t>
+            </a:r>
+            <a:r>
+              <a:rPr lang="en-US" sz="1000" dirty="0"/>
+              <a:t>”</a:t>
+            </a:r>
+          </a:p>
+          <a:p>
+            <a:endParaRPr lang="en-US" sz="1000" dirty="0"/>
+          </a:p>
+          <a:p>
+            <a:r>
+              <a:rPr lang="en-US" sz="1000" dirty="0"/>
+              <a:t>You should test all assignments using this configuration BEFORE you turn them in for review and grading. </a:t>
+            </a:r>
+          </a:p>
+        </p:txBody>
+      </p:sp>
+      <p:sp>
+        <p:nvSpPr>
+          <p:cNvPr id="4" name="Slide Number Placeholder 3"/>
+          <p:cNvSpPr>
+            <a:spLocks noGrp="1"/>
+          </p:cNvSpPr>
+          <p:nvPr>
+            <p:ph type="sldNum" sz="quarter" idx="10"/>
+          </p:nvPr>
+        </p:nvSpPr>
+        <p:spPr/>
+        <p:txBody>
+          <a:bodyPr/>
+          <a:lstStyle/>
+          <a:p>
+            <a:fld id="{5394DE12-7B9B-46AA-AC19-C30A49928B9B}" type="slidenum">
+              <a:rPr lang="en-US" smtClean="0"/>
+              <a:t>34</a:t>
+            </a:fld>
+            <a:endParaRPr lang="en-US"/>
+          </a:p>
+        </p:txBody>
+      </p:sp>
+    </p:spTree>
+    <p:extLst>
+      <p:ext uri="{BB962C8B-B14F-4D97-AF65-F5344CB8AC3E}">
+        <p14:creationId xmlns:p14="http://schemas.microsoft.com/office/powerpoint/2010/main" val="7173753"/>
       </p:ext>
     </p:extLst>
   </p:cSld>
@@ -11688,20 +11932,15 @@
             <a:pPr lvl="1"/>
             <a:r>
               <a:rPr lang="en-US" sz="2800" dirty="0"/>
-              <a:t>Getters &amp; Setters</a:t>
+              <a:t>Setters &amp; Getters</a:t>
             </a:r>
           </a:p>
           <a:p>
             <a:pPr lvl="1"/>
             <a:r>
               <a:rPr lang="en-US" sz="2800" dirty="0"/>
-              <a:t>Java </a:t>
-            </a:r>
-            <a:r>
-              <a:rPr lang="en-US" sz="2800"/>
-              <a:t>Development Environment</a:t>
-            </a:r>
-            <a:endParaRPr lang="en-US" sz="2800" dirty="0"/>
+              <a:t>Java Development Environment Overview</a:t>
+            </a:r>
           </a:p>
           <a:p>
             <a:pPr marL="514350" indent="-514350">
@@ -15134,7 +15373,6 @@
               <a:rPr lang="en-US" sz="2000" dirty="0"/>
               <a:t>Although it can be difficult to learn at first, you will eventually find that object-oriented programming techniques will greatly expand what you can do as a software developer. By the end of this course, I think you will be quite proud of how much you can implement as a software developer. My job is to help you get to that point.</a:t>
             </a:r>
-            <a:endParaRPr lang="en-US" sz="2000" dirty="0"/>
           </a:p>
         </p:txBody>
       </p:sp>
@@ -16111,6 +16349,30 @@
           <a:chExt cx="0" cy="0"/>
         </a:xfrm>
       </p:grpSpPr>
+      <p:pic>
+        <p:nvPicPr>
+          <p:cNvPr id="5" name="Picture 4"/>
+          <p:cNvPicPr>
+            <a:picLocks noChangeAspect="1"/>
+          </p:cNvPicPr>
+          <p:nvPr/>
+        </p:nvPicPr>
+        <p:blipFill>
+          <a:blip r:embed="rId3"/>
+          <a:stretch>
+            <a:fillRect/>
+          </a:stretch>
+        </p:blipFill>
+        <p:spPr>
+          <a:xfrm>
+            <a:off x="5937953" y="1354577"/>
+            <a:ext cx="4114800" cy="4234608"/>
+          </a:xfrm>
+          <a:prstGeom prst="rect">
+            <a:avLst/>
+          </a:prstGeom>
+        </p:spPr>
+      </p:pic>
       <p:sp>
         <p:nvSpPr>
           <p:cNvPr id="9" name="Content Placeholder 2"/>
@@ -16303,7 +16565,7 @@
             </a:pPr>
             <a:r>
               <a:rPr lang="en-US" sz="1600" u="sng" dirty="0"/>
-              <a:t>Object -Oriented BMI:</a:t>
+              <a:t>Rectangle:</a:t>
             </a:r>
           </a:p>
           <a:p>
@@ -16339,35 +16601,11 @@
           <a:p>
             <a:r>
               <a:rPr lang="en-US" sz="3600" dirty="0"/>
-              <a:t>Encapsulation… and Getters &amp; Setters</a:t>
-            </a:r>
-          </a:p>
-        </p:txBody>
-      </p:sp>
-      <p:pic>
-        <p:nvPicPr>
-          <p:cNvPr id="6" name="Picture 5"/>
-          <p:cNvPicPr>
-            <a:picLocks noChangeAspect="1"/>
-          </p:cNvPicPr>
-          <p:nvPr/>
-        </p:nvPicPr>
-        <p:blipFill>
-          <a:blip r:embed="rId3"/>
-          <a:stretch>
-            <a:fillRect/>
-          </a:stretch>
-        </p:blipFill>
-        <p:spPr>
-          <a:xfrm>
-            <a:off x="933120" y="1354577"/>
-            <a:ext cx="4114800" cy="3904314"/>
-          </a:xfrm>
-          <a:prstGeom prst="rect">
-            <a:avLst/>
-          </a:prstGeom>
-        </p:spPr>
-      </p:pic>
+              <a:t>Encapsulation… and Setters &amp; Getters</a:t>
+            </a:r>
+          </a:p>
+        </p:txBody>
+      </p:sp>
       <p:sp>
         <p:nvSpPr>
           <p:cNvPr id="10" name="Content Placeholder 2"/>
@@ -16560,7 +16798,7 @@
             </a:pPr>
             <a:r>
               <a:rPr lang="en-US" sz="1600" u="sng" dirty="0"/>
-              <a:t>Encapsulated Object-Oriented BMI:</a:t>
+              <a:t>Rectangle with Setters:</a:t>
             </a:r>
           </a:p>
           <a:p>
@@ -16574,7 +16812,7 @@
       </p:sp>
       <p:pic>
         <p:nvPicPr>
-          <p:cNvPr id="11" name="Picture 10"/>
+          <p:cNvPr id="4" name="Picture 3"/>
           <p:cNvPicPr>
             <a:picLocks noChangeAspect="1"/>
           </p:cNvPicPr>
@@ -16588,8 +16826,8 @@
         </p:blipFill>
         <p:spPr>
           <a:xfrm>
-            <a:off x="5937953" y="1354578"/>
-            <a:ext cx="4114800" cy="3394503"/>
+            <a:off x="929024" y="1354577"/>
+            <a:ext cx="4114800" cy="3216876"/>
           </a:xfrm>
           <a:prstGeom prst="rect">
             <a:avLst/>
@@ -16600,6 +16838,253 @@
     <p:extLst>
       <p:ext uri="{BB962C8B-B14F-4D97-AF65-F5344CB8AC3E}">
         <p14:creationId xmlns:p14="http://schemas.microsoft.com/office/powerpoint/2010/main" val="461484499"/>
+      </p:ext>
+    </p:extLst>
+  </p:cSld>
+  <p:clrMapOvr>
+    <a:masterClrMapping/>
+  </p:clrMapOvr>
+</p:sld>
+</file>
+
+<file path=ppt/slides/slide34.xml><?xml version="1.0" encoding="utf-8"?>
+<p:sld xmlns:a="http://schemas.openxmlformats.org/drawingml/2006/main" xmlns:r="http://schemas.openxmlformats.org/officeDocument/2006/relationships" xmlns:p="http://schemas.openxmlformats.org/presentationml/2006/main">
+  <p:cSld>
+    <p:spTree>
+      <p:nvGrpSpPr>
+        <p:cNvPr id="1" name=""/>
+        <p:cNvGrpSpPr/>
+        <p:nvPr/>
+      </p:nvGrpSpPr>
+      <p:grpSpPr>
+        <a:xfrm>
+          <a:off x="0" y="0"/>
+          <a:ext cx="0" cy="0"/>
+          <a:chOff x="0" y="0"/>
+          <a:chExt cx="0" cy="0"/>
+        </a:xfrm>
+      </p:grpSpPr>
+      <p:sp>
+        <p:nvSpPr>
+          <p:cNvPr id="2" name="Title 1"/>
+          <p:cNvSpPr>
+            <a:spLocks noGrp="1"/>
+          </p:cNvSpPr>
+          <p:nvPr>
+            <p:ph type="title"/>
+          </p:nvPr>
+        </p:nvSpPr>
+        <p:spPr>
+          <a:xfrm>
+            <a:off x="811620" y="365126"/>
+            <a:ext cx="10515600" cy="757272"/>
+          </a:xfrm>
+        </p:spPr>
+        <p:txBody>
+          <a:bodyPr>
+            <a:normAutofit/>
+          </a:bodyPr>
+          <a:lstStyle/>
+          <a:p>
+            <a:r>
+              <a:rPr lang="en-US" sz="3600" dirty="0"/>
+              <a:t>Ja</a:t>
+            </a:r>
+            <a:r>
+              <a:rPr lang="en-US" sz="3600" dirty="0"/>
+              <a:t>v</a:t>
+            </a:r>
+            <a:r>
+              <a:rPr lang="en-US" sz="3600" dirty="0"/>
+              <a:t>a Development Environment Overview</a:t>
+            </a:r>
+          </a:p>
+        </p:txBody>
+      </p:sp>
+      <p:sp>
+        <p:nvSpPr>
+          <p:cNvPr id="7" name="Content Placeholder 2"/>
+          <p:cNvSpPr>
+            <a:spLocks noGrp="1"/>
+          </p:cNvSpPr>
+          <p:nvPr>
+            <p:ph idx="1"/>
+          </p:nvPr>
+        </p:nvSpPr>
+        <p:spPr>
+          <a:xfrm>
+            <a:off x="811620" y="1389690"/>
+            <a:ext cx="5488171" cy="4208352"/>
+          </a:xfrm>
+        </p:spPr>
+        <p:txBody>
+          <a:bodyPr>
+            <a:normAutofit/>
+          </a:bodyPr>
+          <a:lstStyle/>
+          <a:p>
+            <a:pPr marL="0" indent="0">
+              <a:buNone/>
+            </a:pPr>
+            <a:r>
+              <a:rPr lang="en-US" sz="2000" u="sng" dirty="0"/>
+              <a:t>Standard Java tools for this class include:</a:t>
+            </a:r>
+          </a:p>
+          <a:p>
+            <a:pPr>
+              <a:buFont typeface="Wingdings" panose="05000000000000000000" pitchFamily="2" charset="2"/>
+              <a:buChar char="§"/>
+            </a:pPr>
+            <a:r>
+              <a:rPr lang="en-US" sz="2000" dirty="0"/>
+              <a:t>Java SE Development Kit (</a:t>
+            </a:r>
+            <a:r>
+              <a:rPr lang="en-US" sz="2000" dirty="0"/>
+              <a:t>SDK) </a:t>
+            </a:r>
+            <a:r>
+              <a:rPr lang="en-US" sz="2000" dirty="0"/>
+              <a:t>8 from Oracle</a:t>
+            </a:r>
+          </a:p>
+          <a:p>
+            <a:pPr>
+              <a:buFont typeface="Wingdings" panose="05000000000000000000" pitchFamily="2" charset="2"/>
+              <a:buChar char="§"/>
+            </a:pPr>
+            <a:r>
+              <a:rPr lang="en-US" sz="2000" dirty="0"/>
+              <a:t>Text Editor</a:t>
+            </a:r>
+          </a:p>
+          <a:p>
+            <a:pPr>
+              <a:buFont typeface="Wingdings" panose="05000000000000000000" pitchFamily="2" charset="2"/>
+              <a:buChar char="§"/>
+            </a:pPr>
+            <a:endParaRPr lang="en-US" sz="2000" dirty="0"/>
+          </a:p>
+          <a:p>
+            <a:pPr marL="0" indent="0">
+              <a:buNone/>
+            </a:pPr>
+            <a:r>
+              <a:rPr lang="en-US" sz="2000" u="sng" dirty="0"/>
+              <a:t>Optional Tools:</a:t>
+            </a:r>
+          </a:p>
+          <a:p>
+            <a:pPr>
+              <a:buFont typeface="Wingdings" panose="05000000000000000000" pitchFamily="2" charset="2"/>
+              <a:buChar char="§"/>
+            </a:pPr>
+            <a:r>
+              <a:rPr lang="en-US" sz="2000" dirty="0" err="1"/>
+              <a:t>Git</a:t>
+            </a:r>
+            <a:r>
+              <a:rPr lang="en-US" sz="2000" dirty="0"/>
+              <a:t> and GitHub… let me know if you are interested in piloting this (highly recommended)</a:t>
+            </a:r>
+          </a:p>
+          <a:p>
+            <a:pPr>
+              <a:buFont typeface="Wingdings" panose="05000000000000000000" pitchFamily="2" charset="2"/>
+              <a:buChar char="§"/>
+            </a:pPr>
+            <a:r>
+              <a:rPr lang="en-US" sz="2000" dirty="0"/>
+              <a:t>Eclipse</a:t>
+            </a:r>
+          </a:p>
+          <a:p>
+            <a:pPr>
+              <a:buFont typeface="Wingdings" panose="05000000000000000000" pitchFamily="2" charset="2"/>
+              <a:buChar char="§"/>
+            </a:pPr>
+            <a:r>
+              <a:rPr lang="en-US" sz="2000" dirty="0"/>
+              <a:t>You are welcome to use addition tools, but please don’t make your assignments dependent on those tools.</a:t>
+            </a:r>
+          </a:p>
+          <a:p>
+            <a:pPr marL="0" indent="0">
+              <a:buNone/>
+            </a:pPr>
+            <a:endParaRPr lang="en-US" sz="2000" dirty="0"/>
+          </a:p>
+        </p:txBody>
+      </p:sp>
+      <p:pic>
+        <p:nvPicPr>
+          <p:cNvPr id="3" name="Picture 2"/>
+          <p:cNvPicPr>
+            <a:picLocks noChangeAspect="1"/>
+          </p:cNvPicPr>
+          <p:nvPr/>
+        </p:nvPicPr>
+        <p:blipFill>
+          <a:blip r:embed="rId3"/>
+          <a:stretch>
+            <a:fillRect/>
+          </a:stretch>
+        </p:blipFill>
+        <p:spPr>
+          <a:xfrm>
+            <a:off x="6680792" y="1389690"/>
+            <a:ext cx="4114800" cy="4089892"/>
+          </a:xfrm>
+          <a:prstGeom prst="rect">
+            <a:avLst/>
+          </a:prstGeom>
+        </p:spPr>
+      </p:pic>
+      <p:sp>
+        <p:nvSpPr>
+          <p:cNvPr id="6" name="Arrow: Right 5"/>
+          <p:cNvSpPr/>
+          <p:nvPr/>
+        </p:nvSpPr>
+        <p:spPr>
+          <a:xfrm>
+            <a:off x="5900188" y="1796902"/>
+            <a:ext cx="510363" cy="366823"/>
+          </a:xfrm>
+          <a:prstGeom prst="rightArrow">
+            <a:avLst/>
+          </a:prstGeom>
+        </p:spPr>
+        <p:style>
+          <a:lnRef idx="2">
+            <a:schemeClr val="accent1">
+              <a:shade val="50000"/>
+            </a:schemeClr>
+          </a:lnRef>
+          <a:fillRef idx="1">
+            <a:schemeClr val="accent1"/>
+          </a:fillRef>
+          <a:effectRef idx="0">
+            <a:schemeClr val="accent1"/>
+          </a:effectRef>
+          <a:fontRef idx="minor">
+            <a:schemeClr val="lt1"/>
+          </a:fontRef>
+        </p:style>
+        <p:txBody>
+          <a:bodyPr rtlCol="0" anchor="ctr"/>
+          <a:lstStyle/>
+          <a:p>
+            <a:pPr algn="ctr"/>
+            <a:endParaRPr lang="en-US"/>
+          </a:p>
+        </p:txBody>
+      </p:sp>
+    </p:spTree>
+    <p:extLst>
+      <p:ext uri="{BB962C8B-B14F-4D97-AF65-F5344CB8AC3E}">
+        <p14:creationId xmlns:p14="http://schemas.microsoft.com/office/powerpoint/2010/main" val="578627844"/>
       </p:ext>
     </p:extLst>
   </p:cSld>
@@ -16758,7 +17243,6 @@
               <a:rPr lang="en-US" dirty="0"/>
               <a:t>I’m looking forward to getting to know each of you, and I sincerely hope you will enjoy taking this class as much as I know that I will enjoy teaching it.</a:t>
             </a:r>
-            <a:endParaRPr lang="en-US" dirty="0"/>
           </a:p>
         </p:txBody>
       </p:sp>
@@ -18559,21 +19043,6 @@
 </file>
 
 <file path=customXml/item1.xml><?xml version="1.0" encoding="utf-8"?>
-<?mso-contentType ?>
-<FormTemplates xmlns="http://schemas.microsoft.com/sharepoint/v3/contenttype/forms">
-  <Display>DocumentLibraryForm</Display>
-  <Edit>DocumentLibraryForm</Edit>
-  <New>DocumentLibraryForm</New>
-</FormTemplates>
-</file>
-
-<file path=customXml/item2.xml><?xml version="1.0" encoding="utf-8"?>
-<p:properties xmlns:p="http://schemas.microsoft.com/office/2006/metadata/properties" xmlns:xsi="http://www.w3.org/2001/XMLSchema-instance" xmlns:pc="http://schemas.microsoft.com/office/infopath/2007/PartnerControls">
-  <documentManagement/>
-</p:properties>
-</file>
-
-<file path=customXml/item3.xml><?xml version="1.0" encoding="utf-8"?>
 <ct:contentTypeSchema xmlns:ct="http://schemas.microsoft.com/office/2006/metadata/contentType" xmlns:ma="http://schemas.microsoft.com/office/2006/metadata/properties/metaAttributes" ct:_="" ma:_="" ma:contentTypeName="Document" ma:contentTypeID="0x0101004E7FF26E314236448B954F3A97640002" ma:contentTypeVersion="0" ma:contentTypeDescription="Create a new document." ma:contentTypeScope="" ma:versionID="dcd134f7ef3b1aa8a267b1d1a9f0b332">
   <xsd:schema xmlns:xsd="http://www.w3.org/2001/XMLSchema" xmlns:xs="http://www.w3.org/2001/XMLSchema" xmlns:p="http://schemas.microsoft.com/office/2006/metadata/properties" targetNamespace="http://schemas.microsoft.com/office/2006/metadata/properties" ma:root="true" ma:fieldsID="fad425956ca267ea5e6d723b3f3bd6f1">
     <xsd:element name="properties">
@@ -18687,30 +19156,22 @@
 </ct:contentTypeSchema>
 </file>
 
-<file path=customXml/itemProps1.xml><?xml version="1.0" encoding="utf-8"?>
-<ds:datastoreItem xmlns:ds="http://schemas.openxmlformats.org/officeDocument/2006/customXml" ds:itemID="{87FD8B20-B89A-4B23-9329-175195DD4D8A}">
-  <ds:schemaRefs>
-    <ds:schemaRef ds:uri="http://schemas.microsoft.com/sharepoint/v3/contenttype/forms"/>
-  </ds:schemaRefs>
-</ds:datastoreItem>
+<file path=customXml/item2.xml><?xml version="1.0" encoding="utf-8"?>
+<p:properties xmlns:p="http://schemas.microsoft.com/office/2006/metadata/properties" xmlns:xsi="http://www.w3.org/2001/XMLSchema-instance" xmlns:pc="http://schemas.microsoft.com/office/infopath/2007/PartnerControls">
+  <documentManagement/>
+</p:properties>
 </file>
 
-<file path=customXml/itemProps2.xml><?xml version="1.0" encoding="utf-8"?>
-<ds:datastoreItem xmlns:ds="http://schemas.openxmlformats.org/officeDocument/2006/customXml" ds:itemID="{3473EA1A-2744-48E8-B2A3-4F89C0FC849C}">
-  <ds:schemaRefs>
-    <ds:schemaRef ds:uri="http://purl.org/dc/elements/1.1/"/>
-    <ds:schemaRef ds:uri="http://schemas.microsoft.com/office/2006/metadata/properties"/>
-    <ds:schemaRef ds:uri="http://schemas.microsoft.com/office/2006/documentManagement/types"/>
-    <ds:schemaRef ds:uri="http://purl.org/dc/terms/"/>
-    <ds:schemaRef ds:uri="http://schemas.openxmlformats.org/package/2006/metadata/core-properties"/>
-    <ds:schemaRef ds:uri="http://purl.org/dc/dcmitype/"/>
-    <ds:schemaRef ds:uri="http://schemas.microsoft.com/office/infopath/2007/PartnerControls"/>
-    <ds:schemaRef ds:uri="http://www.w3.org/XML/1998/namespace"/>
-  </ds:schemaRefs>
-</ds:datastoreItem>
+<file path=customXml/item3.xml><?xml version="1.0" encoding="utf-8"?>
+<?mso-contentType ?>
+<FormTemplates xmlns="http://schemas.microsoft.com/sharepoint/v3/contenttype/forms">
+  <Display>DocumentLibraryForm</Display>
+  <Edit>DocumentLibraryForm</Edit>
+  <New>DocumentLibraryForm</New>
+</FormTemplates>
 </file>
 
-<file path=customXml/itemProps3.xml><?xml version="1.0" encoding="utf-8"?>
+<file path=customXml/itemProps1.xml><?xml version="1.0" encoding="utf-8"?>
 <ds:datastoreItem xmlns:ds="http://schemas.openxmlformats.org/officeDocument/2006/customXml" ds:itemID="{A906A71E-D2C6-4CAA-8E79-10C504BC5F58}">
   <ds:schemaRefs>
     <ds:schemaRef ds:uri="http://schemas.microsoft.com/office/2006/metadata/contentType"/>
@@ -18724,4 +19185,27 @@
     <ds:schemaRef ds:uri="http://schemas.microsoft.com/office/infopath/2007/PartnerControls"/>
   </ds:schemaRefs>
 </ds:datastoreItem>
+</file>
+
+<file path=customXml/itemProps2.xml><?xml version="1.0" encoding="utf-8"?>
+<ds:datastoreItem xmlns:ds="http://schemas.openxmlformats.org/officeDocument/2006/customXml" ds:itemID="{3473EA1A-2744-48E8-B2A3-4F89C0FC849C}">
+  <ds:schemaRefs>
+    <ds:schemaRef ds:uri="http://purl.org/dc/terms/"/>
+    <ds:schemaRef ds:uri="http://schemas.openxmlformats.org/package/2006/metadata/core-properties"/>
+    <ds:schemaRef ds:uri="http://purl.org/dc/dcmitype/"/>
+    <ds:schemaRef ds:uri="http://schemas.microsoft.com/office/infopath/2007/PartnerControls"/>
+    <ds:schemaRef ds:uri="http://purl.org/dc/elements/1.1/"/>
+    <ds:schemaRef ds:uri="http://schemas.microsoft.com/office/2006/documentManagement/types"/>
+    <ds:schemaRef ds:uri="http://schemas.microsoft.com/office/2006/metadata/properties"/>
+    <ds:schemaRef ds:uri="http://www.w3.org/XML/1998/namespace"/>
+  </ds:schemaRefs>
+</ds:datastoreItem>
+</file>
+
+<file path=customXml/itemProps3.xml><?xml version="1.0" encoding="utf-8"?>
+<ds:datastoreItem xmlns:ds="http://schemas.openxmlformats.org/officeDocument/2006/customXml" ds:itemID="{87FD8B20-B89A-4B23-9329-175195DD4D8A}">
+  <ds:schemaRefs>
+    <ds:schemaRef ds:uri="http://schemas.microsoft.com/sharepoint/v3/contenttype/forms"/>
+  </ds:schemaRefs>
+</ds:datastoreItem>
 </file>
--- a/CPSC-24500/Week01/2016SpringW01SlidesLecture.pptx
+++ b/CPSC-24500/Week01/2016SpringW01SlidesLecture.pptx
@@ -1860,6 +1860,15 @@
               <a:t>I am not intending to review every part of documents that are out there. </a:t>
             </a:r>
           </a:p>
+          <a:p>
+            <a:endParaRPr lang="en-US" sz="1000" dirty="0"/>
+          </a:p>
+          <a:p>
+            <a:r>
+              <a:rPr lang="en-US" sz="1000" dirty="0"/>
+              <a:t>Please get your Java development environment set up this week. That’s not something that you will want to be messing with next week when we are working on our first MVC assignment. </a:t>
+            </a:r>
+          </a:p>
         </p:txBody>
       </p:sp>
       <p:sp>
@@ -3301,7 +3310,46 @@
           <a:bodyPr/>
           <a:lstStyle/>
           <a:p>
+            <a:r>
+              <a:rPr lang="en-US" sz="1000" dirty="0"/>
+              <a:t>First off Welcome! I’m glad you are here. My goal is to get every one of you through this class and to help you learn some object oriented  software development techniques along the way. Even if you don’t intend to be a professional software developer, many of the things that we learn will be valuable in related areas. </a:t>
+            </a:r>
+          </a:p>
+          <a:p>
             <a:endParaRPr lang="en-US" sz="1000" dirty="0"/>
+          </a:p>
+          <a:p>
+            <a:r>
+              <a:rPr lang="en-US" sz="1000" dirty="0"/>
+              <a:t>Object-oriented programming is the way that the industry develops modern complex sophisticate applications. There really isn’t a viable alternative to:</a:t>
+            </a:r>
+          </a:p>
+          <a:p>
+            <a:r>
+              <a:rPr lang="en-US" sz="1000" dirty="0"/>
+              <a:t>1 – Effectively leverage other peoples code… Graphical User Interfaces</a:t>
+            </a:r>
+          </a:p>
+          <a:p>
+            <a:r>
+              <a:rPr lang="en-US" sz="1000" dirty="0"/>
+              <a:t>2 – Develop, maintain, support, enhance large applications</a:t>
+            </a:r>
+          </a:p>
+          <a:p>
+            <a:r>
+              <a:rPr lang="en-US" sz="1000" dirty="0"/>
+              <a:t>3 – It will be a challenge at first to adjust your mindset… but I promise it will become easier and more natural </a:t>
+            </a:r>
+          </a:p>
+          <a:p>
+            <a:endParaRPr lang="en-US" sz="1000" dirty="0"/>
+          </a:p>
+          <a:p>
+            <a:r>
+              <a:rPr lang="en-US" sz="1000" dirty="0"/>
+              <a:t>You live in the Golden Age of software development. Many good jobs, wonderful tools, interesting and valuable problems to solve. </a:t>
+            </a:r>
           </a:p>
         </p:txBody>
       </p:sp>
@@ -3864,7 +3912,15 @@
           <a:p>
             <a:r>
               <a:rPr lang="en-US" sz="1000" dirty="0"/>
-              <a:t>I will be using the Microsoft Code Editor and the command link Java JDK to review and grade your assignments. Make CERTAIN that the assignments you submit compile an run in these environments. Lets start by submitting a single .java file for at least the first two weeks. Then we will consider extending our practices. </a:t>
+              <a:t>I will be using the Microsoft Code Editor and the </a:t>
+            </a:r>
+            <a:r>
+              <a:rPr lang="en-US" sz="1000"/>
+              <a:t>command line </a:t>
+            </a:r>
+            <a:r>
+              <a:rPr lang="en-US" sz="1000" dirty="0"/>
+              <a:t>Java JDK to review and grade your assignments. Make CERTAIN that the assignments you submit compile an run in these environments. Lets start by submitting a single .java file for at least the first two weeks. Then we will consider extending our practices. </a:t>
             </a:r>
           </a:p>
           <a:p>
@@ -4010,6 +4066,34 @@
         <p:txBody>
           <a:bodyPr/>
           <a:lstStyle/>
+          <a:p>
+            <a:r>
+              <a:rPr lang="en-US" sz="1000" dirty="0" err="1"/>
+              <a:t>Sooo</a:t>
+            </a:r>
+            <a:r>
+              <a:rPr lang="en-US" sz="1000" dirty="0"/>
+              <a:t>… in a moment, I am going to go around on the phone and ask everyone to give at least a brief introduction of yourself. At least your name and where you are dialing in from today. </a:t>
+            </a:r>
+          </a:p>
+          <a:p>
+            <a:r>
+              <a:rPr lang="en-US" sz="1000" dirty="0"/>
+              <a:t>This is from my Discussion Board post… I am asking all of you to provide a discussion board introduction post of your-self this week. </a:t>
+            </a:r>
+          </a:p>
+          <a:p>
+            <a:endParaRPr lang="en-US" sz="1000" dirty="0"/>
+          </a:p>
+          <a:p>
+            <a:r>
+              <a:rPr lang="en-US" sz="1000" dirty="0"/>
+              <a:t>Microsoft C/C++ 6… yes, this was before Visual C++ or Visual Studio. Mid-1990s. There was actually a lot of debate at that time as to if the benefits of C++ were sufficient to move from C. </a:t>
+            </a:r>
+          </a:p>
+          <a:p>
+            <a:endParaRPr lang="en-US" sz="1000" dirty="0"/>
+          </a:p>
           <a:p>
             <a:r>
               <a:rPr lang="en-US" sz="1000" dirty="0"/>
@@ -15360,7 +15444,7 @@
             </a:pPr>
             <a:r>
               <a:rPr lang="en-US" sz="2000" dirty="0"/>
-              <a:t>I am looking forward to working with you during the coming eight weeks. Object-oriented programming is a sophisticated software development method that will enable you to create modern, professional-looking software. It is also an essential tool to manage the ever increasing complexity of modern software and  information technology solutions.</a:t>
+              <a:t>I am looking forward to working with you during the coming eight weeks. Object-oriented programming is a sophisticated software development method that will enable you to create modern, professional-looking software. It is also an essential tool to manage the ever increasing complexity of modern software and information technology solutions.</a:t>
             </a:r>
           </a:p>
           <a:p>
@@ -16888,15 +16972,7 @@
           <a:p>
             <a:r>
               <a:rPr lang="en-US" sz="3600" dirty="0"/>
-              <a:t>Ja</a:t>
-            </a:r>
-            <a:r>
-              <a:rPr lang="en-US" sz="3600" dirty="0"/>
-              <a:t>v</a:t>
-            </a:r>
-            <a:r>
-              <a:rPr lang="en-US" sz="3600" dirty="0"/>
-              <a:t>a Development Environment Overview</a:t>
+              <a:t>Java Development Environment Overview</a:t>
             </a:r>
           </a:p>
         </p:txBody>
@@ -16938,15 +17014,7 @@
             </a:pPr>
             <a:r>
               <a:rPr lang="en-US" sz="2000" dirty="0"/>
-              <a:t>Java SE Development Kit (</a:t>
-            </a:r>
-            <a:r>
-              <a:rPr lang="en-US" sz="2000" dirty="0"/>
-              <a:t>SDK) </a:t>
-            </a:r>
-            <a:r>
-              <a:rPr lang="en-US" sz="2000" dirty="0"/>
-              <a:t>8 from Oracle</a:t>
+              <a:t>Java SE Development Kit (SDK) 8 from Oracle</a:t>
             </a:r>
           </a:p>
           <a:p>
@@ -17135,7 +17203,7 @@
           <a:p>
             <a:r>
               <a:rPr lang="en-US" sz="3600" dirty="0"/>
-              <a:t>Introductions… Discussion Board Posting</a:t>
+              <a:t>Introductions… My Discussion Board Posting</a:t>
             </a:r>
             <a:endParaRPr lang="en-US" sz="3600" b="1" i="1" u="sng" dirty="0"/>
           </a:p>
@@ -19043,6 +19111,12 @@
 </file>
 
 <file path=customXml/item1.xml><?xml version="1.0" encoding="utf-8"?>
+<p:properties xmlns:p="http://schemas.microsoft.com/office/2006/metadata/properties" xmlns:xsi="http://www.w3.org/2001/XMLSchema-instance" xmlns:pc="http://schemas.microsoft.com/office/infopath/2007/PartnerControls">
+  <documentManagement/>
+</p:properties>
+</file>
+
+<file path=customXml/item2.xml><?xml version="1.0" encoding="utf-8"?>
 <ct:contentTypeSchema xmlns:ct="http://schemas.microsoft.com/office/2006/metadata/contentType" xmlns:ma="http://schemas.microsoft.com/office/2006/metadata/properties/metaAttributes" ct:_="" ma:_="" ma:contentTypeName="Document" ma:contentTypeID="0x0101004E7FF26E314236448B954F3A97640002" ma:contentTypeVersion="0" ma:contentTypeDescription="Create a new document." ma:contentTypeScope="" ma:versionID="dcd134f7ef3b1aa8a267b1d1a9f0b332">
   <xsd:schema xmlns:xsd="http://www.w3.org/2001/XMLSchema" xmlns:xs="http://www.w3.org/2001/XMLSchema" xmlns:p="http://schemas.microsoft.com/office/2006/metadata/properties" targetNamespace="http://schemas.microsoft.com/office/2006/metadata/properties" ma:root="true" ma:fieldsID="fad425956ca267ea5e6d723b3f3bd6f1">
     <xsd:element name="properties">
@@ -19156,12 +19230,6 @@
 </ct:contentTypeSchema>
 </file>
 
-<file path=customXml/item2.xml><?xml version="1.0" encoding="utf-8"?>
-<p:properties xmlns:p="http://schemas.microsoft.com/office/2006/metadata/properties" xmlns:xsi="http://www.w3.org/2001/XMLSchema-instance" xmlns:pc="http://schemas.microsoft.com/office/infopath/2007/PartnerControls">
-  <documentManagement/>
-</p:properties>
-</file>
-
 <file path=customXml/item3.xml><?xml version="1.0" encoding="utf-8"?>
 <?mso-contentType ?>
 <FormTemplates xmlns="http://schemas.microsoft.com/sharepoint/v3/contenttype/forms">
@@ -19172,6 +19240,21 @@
 </file>
 
 <file path=customXml/itemProps1.xml><?xml version="1.0" encoding="utf-8"?>
+<ds:datastoreItem xmlns:ds="http://schemas.openxmlformats.org/officeDocument/2006/customXml" ds:itemID="{3473EA1A-2744-48E8-B2A3-4F89C0FC849C}">
+  <ds:schemaRefs>
+    <ds:schemaRef ds:uri="http://purl.org/dc/elements/1.1/"/>
+    <ds:schemaRef ds:uri="http://schemas.microsoft.com/office/2006/metadata/properties"/>
+    <ds:schemaRef ds:uri="http://purl.org/dc/terms/"/>
+    <ds:schemaRef ds:uri="http://schemas.microsoft.com/office/2006/documentManagement/types"/>
+    <ds:schemaRef ds:uri="http://purl.org/dc/dcmitype/"/>
+    <ds:schemaRef ds:uri="http://schemas.microsoft.com/office/infopath/2007/PartnerControls"/>
+    <ds:schemaRef ds:uri="http://schemas.openxmlformats.org/package/2006/metadata/core-properties"/>
+    <ds:schemaRef ds:uri="http://www.w3.org/XML/1998/namespace"/>
+  </ds:schemaRefs>
+</ds:datastoreItem>
+</file>
+
+<file path=customXml/itemProps2.xml><?xml version="1.0" encoding="utf-8"?>
 <ds:datastoreItem xmlns:ds="http://schemas.openxmlformats.org/officeDocument/2006/customXml" ds:itemID="{A906A71E-D2C6-4CAA-8E79-10C504BC5F58}">
   <ds:schemaRefs>
     <ds:schemaRef ds:uri="http://schemas.microsoft.com/office/2006/metadata/contentType"/>
@@ -19187,21 +19270,6 @@
 </ds:datastoreItem>
 </file>
 
-<file path=customXml/itemProps2.xml><?xml version="1.0" encoding="utf-8"?>
-<ds:datastoreItem xmlns:ds="http://schemas.openxmlformats.org/officeDocument/2006/customXml" ds:itemID="{3473EA1A-2744-48E8-B2A3-4F89C0FC849C}">
-  <ds:schemaRefs>
-    <ds:schemaRef ds:uri="http://purl.org/dc/terms/"/>
-    <ds:schemaRef ds:uri="http://schemas.openxmlformats.org/package/2006/metadata/core-properties"/>
-    <ds:schemaRef ds:uri="http://purl.org/dc/dcmitype/"/>
-    <ds:schemaRef ds:uri="http://schemas.microsoft.com/office/infopath/2007/PartnerControls"/>
-    <ds:schemaRef ds:uri="http://purl.org/dc/elements/1.1/"/>
-    <ds:schemaRef ds:uri="http://schemas.microsoft.com/office/2006/documentManagement/types"/>
-    <ds:schemaRef ds:uri="http://schemas.microsoft.com/office/2006/metadata/properties"/>
-    <ds:schemaRef ds:uri="http://www.w3.org/XML/1998/namespace"/>
-  </ds:schemaRefs>
-</ds:datastoreItem>
-</file>
-
 <file path=customXml/itemProps3.xml><?xml version="1.0" encoding="utf-8"?>
 <ds:datastoreItem xmlns:ds="http://schemas.openxmlformats.org/officeDocument/2006/customXml" ds:itemID="{87FD8B20-B89A-4B23-9329-175195DD4D8A}">
   <ds:schemaRefs>

--- a/CPSC-24500/Week01/2016SpringW01SlidesLecture.pptx
+++ b/CPSC-24500/Week01/2016SpringW01SlidesLecture.pptx
@@ -5,43 +5,42 @@
     <p:sldMasterId id="2147483648" r:id="rId4"/>
   </p:sldMasterIdLst>
   <p:notesMasterIdLst>
-    <p:notesMasterId r:id="rId39"/>
+    <p:notesMasterId r:id="rId38"/>
   </p:notesMasterIdLst>
   <p:sldIdLst>
-    <p:sldId id="330" r:id="rId5"/>
-    <p:sldId id="338" r:id="rId6"/>
-    <p:sldId id="342" r:id="rId7"/>
-    <p:sldId id="344" r:id="rId8"/>
-    <p:sldId id="345" r:id="rId9"/>
-    <p:sldId id="346" r:id="rId10"/>
-    <p:sldId id="347" r:id="rId11"/>
-    <p:sldId id="348" r:id="rId12"/>
-    <p:sldId id="350" r:id="rId13"/>
-    <p:sldId id="289" r:id="rId14"/>
-    <p:sldId id="266" r:id="rId15"/>
-    <p:sldId id="292" r:id="rId16"/>
-    <p:sldId id="268" r:id="rId17"/>
-    <p:sldId id="272" r:id="rId18"/>
-    <p:sldId id="270" r:id="rId19"/>
-    <p:sldId id="307" r:id="rId20"/>
-    <p:sldId id="326" r:id="rId21"/>
-    <p:sldId id="278" r:id="rId22"/>
-    <p:sldId id="327" r:id="rId23"/>
-    <p:sldId id="284" r:id="rId24"/>
-    <p:sldId id="328" r:id="rId25"/>
-    <p:sldId id="286" r:id="rId26"/>
-    <p:sldId id="287" r:id="rId27"/>
-    <p:sldId id="297" r:id="rId28"/>
-    <p:sldId id="301" r:id="rId29"/>
-    <p:sldId id="315" r:id="rId30"/>
-    <p:sldId id="318" r:id="rId31"/>
-    <p:sldId id="340" r:id="rId32"/>
-    <p:sldId id="319" r:id="rId33"/>
-    <p:sldId id="320" r:id="rId34"/>
-    <p:sldId id="322" r:id="rId35"/>
-    <p:sldId id="324" r:id="rId36"/>
-    <p:sldId id="339" r:id="rId37"/>
-    <p:sldId id="351" r:id="rId38"/>
+    <p:sldId id="352" r:id="rId5"/>
+    <p:sldId id="342" r:id="rId6"/>
+    <p:sldId id="344" r:id="rId7"/>
+    <p:sldId id="345" r:id="rId8"/>
+    <p:sldId id="346" r:id="rId9"/>
+    <p:sldId id="347" r:id="rId10"/>
+    <p:sldId id="348" r:id="rId11"/>
+    <p:sldId id="350" r:id="rId12"/>
+    <p:sldId id="289" r:id="rId13"/>
+    <p:sldId id="266" r:id="rId14"/>
+    <p:sldId id="292" r:id="rId15"/>
+    <p:sldId id="268" r:id="rId16"/>
+    <p:sldId id="272" r:id="rId17"/>
+    <p:sldId id="270" r:id="rId18"/>
+    <p:sldId id="307" r:id="rId19"/>
+    <p:sldId id="326" r:id="rId20"/>
+    <p:sldId id="278" r:id="rId21"/>
+    <p:sldId id="327" r:id="rId22"/>
+    <p:sldId id="284" r:id="rId23"/>
+    <p:sldId id="328" r:id="rId24"/>
+    <p:sldId id="286" r:id="rId25"/>
+    <p:sldId id="287" r:id="rId26"/>
+    <p:sldId id="297" r:id="rId27"/>
+    <p:sldId id="301" r:id="rId28"/>
+    <p:sldId id="315" r:id="rId29"/>
+    <p:sldId id="318" r:id="rId30"/>
+    <p:sldId id="340" r:id="rId31"/>
+    <p:sldId id="319" r:id="rId32"/>
+    <p:sldId id="320" r:id="rId33"/>
+    <p:sldId id="322" r:id="rId34"/>
+    <p:sldId id="324" r:id="rId35"/>
+    <p:sldId id="339" r:id="rId36"/>
+    <p:sldId id="351" r:id="rId37"/>
   </p:sldIdLst>
   <p:sldSz cx="12192000" cy="6858000"/>
   <p:notesSz cx="7315200" cy="9601200"/>
@@ -546,15 +545,16 @@
           <a:p>
             <a:r>
               <a:rPr lang="en-US" sz="1000" dirty="0"/>
-              <a:t>The intent of our lecture and discussion section is augment the information that was presented in this weeks videos and other documents. It is </a:t>
-            </a:r>
-            <a:r>
-              <a:rPr lang="en-US" sz="1000" u="sng" dirty="0"/>
-              <a:t>not</a:t>
-            </a:r>
+              <a:t>Questions are welcome at any point!</a:t>
+            </a:r>
+          </a:p>
+          <a:p>
+            <a:endParaRPr lang="en-US" sz="1000" dirty="0"/>
+          </a:p>
+          <a:p>
             <a:r>
               <a:rPr lang="en-US" sz="1000" dirty="0"/>
-              <a:t> the intent of this session to review all of the topics covered in other forms . My recommendation it to watch the videos that are made available at the beginning of the week. Then come ready on Tuesday to discuss at least the most important of those topics. </a:t>
+              <a:t>I am not intending to review every part of documents that are out there. </a:t>
             </a:r>
           </a:p>
           <a:p>
@@ -563,7 +563,7 @@
           <a:p>
             <a:r>
               <a:rPr lang="en-US" sz="1000" dirty="0"/>
-              <a:t>We will likely continue to evolve our lecture and discussion time. Comments and suggestions welcome!</a:t>
+              <a:t>If you have time this week. please get your Java development environment set up this week. That’s not something that you will want to be messing with next week when we are working on our first MVC assignment. </a:t>
             </a:r>
           </a:p>
         </p:txBody>
@@ -594,7 +594,7 @@
     </p:spTree>
     <p:extLst>
       <p:ext uri="{BB962C8B-B14F-4D97-AF65-F5344CB8AC3E}">
-        <p14:creationId xmlns:p14="http://schemas.microsoft.com/office/powerpoint/2010/main" val="2654488227"/>
+        <p14:creationId xmlns:p14="http://schemas.microsoft.com/office/powerpoint/2010/main" val="1342681023"/>
       </p:ext>
     </p:extLst>
   </p:cSld>
@@ -650,64 +650,28 @@
           <a:p>
             <a:r>
               <a:rPr lang="en-US" sz="1000" dirty="0"/>
-              <a:t>We have a lot of solid topics for our first week. You will quickly notice that three words are underlined. You will see references to object-oriented concepts, patterns, and principles throughout the week and throughout the class.</a:t>
-            </a:r>
-          </a:p>
-          <a:p>
-            <a:endParaRPr lang="en-US" sz="1000" u="sng" dirty="0"/>
-          </a:p>
-          <a:p>
-            <a:r>
-              <a:rPr lang="en-US" sz="1000" u="sng" dirty="0"/>
-              <a:t>Concepts</a:t>
-            </a:r>
+              <a:t>I will often start with definitions from Wikipedia and other sources. If you are struggling with a topic and/or would like more information, it can often be valuable to review the references. You should be able  to click on the [link] tag (possibly while holding the shift key down) in order open the reference in a browser. Please let me know if this is not working for you.  </a:t>
+            </a:r>
+          </a:p>
+          <a:p>
+            <a:endParaRPr lang="en-US" sz="1000" dirty="0"/>
+          </a:p>
+          <a:p>
+            <a:pPr lvl="0"/>
             <a:r>
               <a:rPr lang="en-US" sz="1000" dirty="0"/>
-              <a:t>: Practices, standards, and tools the effectively support object-oriented design and programming… I need to do enhance the BMI class to provide better Encapsulation and hide the height and weight properties (hours). </a:t>
-            </a:r>
-          </a:p>
-          <a:p>
-            <a:endParaRPr lang="en-US" sz="1000" u="sng" dirty="0"/>
-          </a:p>
-          <a:p>
-            <a:r>
-              <a:rPr lang="en-US" sz="1000" u="sng" dirty="0"/>
-              <a:t>Patterns</a:t>
-            </a:r>
+              <a:t>Walking through the slide, you will see that  words and terminology will be important as we discuss and learn new concepts. During the course I am sure you will notice that at times I will struggle with the attribute/property vs. data and method vs. procedure distinction when I am talking. I would like for us to try to make that distinction in our work  as we go through the term.</a:t>
+            </a:r>
+          </a:p>
+          <a:p>
+            <a:pPr lvl="0"/>
+            <a:endParaRPr lang="en-US" sz="1000" dirty="0"/>
+          </a:p>
+          <a:p>
+            <a:pPr lvl="0"/>
             <a:r>
               <a:rPr lang="en-US" sz="1000" dirty="0"/>
-              <a:t>: Well established templates for forging relationships between classes… I would like to generate the random Animal generator using a Factory pattern so it is more supportable (days)</a:t>
-            </a:r>
-          </a:p>
-          <a:p>
-            <a:endParaRPr lang="en-US" sz="1000" u="sng" dirty="0"/>
-          </a:p>
-          <a:p>
-            <a:r>
-              <a:rPr lang="en-US" sz="1000" u="sng" dirty="0"/>
-              <a:t>Principles</a:t>
-            </a:r>
-            <a:r>
-              <a:rPr lang="en-US" sz="1000" dirty="0"/>
-              <a:t>: Proven industry guidelines… Using a Factory Pattern is a good start; however, I think we should focus more on making sure that  we follow the Open Close Principle throughout our product (weeks+)</a:t>
-            </a:r>
-          </a:p>
-          <a:p>
-            <a:endParaRPr lang="en-US" sz="1000" dirty="0"/>
-          </a:p>
-          <a:p>
-            <a:r>
-              <a:rPr lang="en-US" sz="1000" dirty="0"/>
-              <a:t>If  you take a look through the topics you will hopefully see a few that are familiar; however, I suspect that many will be new. Don’t be concern, by the end of the week you will have some familiarity with all of them. You should also have resources that will let you go back and refresh you memory when you need to do that. </a:t>
-            </a:r>
-          </a:p>
-          <a:p>
-            <a:endParaRPr lang="en-US" sz="1000" dirty="0"/>
-          </a:p>
-          <a:p>
-            <a:r>
-              <a:rPr lang="en-US" sz="1000" dirty="0"/>
-              <a:t>I am going to divide the topics up into three or four sections so that we can focus and keep our energy. </a:t>
+              <a:t>For the purposes of this class, “attributes” and “properties” will be used interchangeably to describe variable belonging to a class or object. Also “procedures” and “functions” will be used interchangeably.</a:t>
             </a:r>
           </a:p>
         </p:txBody>
@@ -738,7 +702,7 @@
     </p:spTree>
     <p:extLst>
       <p:ext uri="{BB962C8B-B14F-4D97-AF65-F5344CB8AC3E}">
-        <p14:creationId xmlns:p14="http://schemas.microsoft.com/office/powerpoint/2010/main" val="4262655271"/>
+        <p14:creationId xmlns:p14="http://schemas.microsoft.com/office/powerpoint/2010/main" val="1839070082"/>
       </p:ext>
     </p:extLst>
   </p:cSld>
@@ -794,29 +758,23 @@
           <a:p>
             <a:r>
               <a:rPr lang="en-US" sz="1000" dirty="0"/>
-              <a:t>I will often start with definitions from Wikipedia and other sources. If you are struggling with a topic and/or would like more information, it can often be valuable to review the references. You should be able  to click on the [link] tag (possibly while holding the shift key down) in order open the reference in a browser. Please let me know if this is not working for you.  </a:t>
+              <a:t>Well let’s get started on a real-world example that will allow us to see how OOP is used, and to learn some of the basic concepts like classes and objects. I’ve picked a body mass index (BMI) calculator as our first example. If retrospect, I wish I would have used something with shapes or animals. However, I assure you that there will be no shortage of  shape and animal examples in the coming weeks. </a:t>
             </a:r>
           </a:p>
           <a:p>
             <a:endParaRPr lang="en-US" sz="1000" dirty="0"/>
           </a:p>
           <a:p>
-            <a:pPr lvl="0"/>
             <a:r>
               <a:rPr lang="en-US" sz="1000" dirty="0"/>
-              <a:t>Walking through the slide, you will see that  words and terminology will be important as we discuss and learn new concepts. During the course I am sure you will notice that at times I will struggle with the attribute/property vs. data and method vs. procedure distinction when I am talking. I would like for us to try to make that distinction in our work  as we go through the term.</a:t>
-            </a:r>
-          </a:p>
-          <a:p>
-            <a:pPr lvl="0"/>
+              <a:t>Can you see how data and procedures/functions map directly to call attributes and methods? Even though it is a directly mapping, it is still good to get our terminology correct. </a:t>
+            </a:r>
+          </a:p>
+          <a:p>
             <a:endParaRPr lang="en-US" sz="1000" dirty="0"/>
           </a:p>
           <a:p>
-            <a:pPr lvl="0"/>
-            <a:r>
-              <a:rPr lang="en-US" sz="1000" dirty="0"/>
-              <a:t>For the purposes of this class, “attributes” and “properties” will be used interchangeably to describe variable belonging to a class or object. Also “procedures” and “functions” will be used interchangeably.</a:t>
-            </a:r>
+            <a:endParaRPr lang="en-US" sz="1000" dirty="0"/>
           </a:p>
         </p:txBody>
       </p:sp>
@@ -846,7 +804,7 @@
     </p:spTree>
     <p:extLst>
       <p:ext uri="{BB962C8B-B14F-4D97-AF65-F5344CB8AC3E}">
-        <p14:creationId xmlns:p14="http://schemas.microsoft.com/office/powerpoint/2010/main" val="1839070082"/>
+        <p14:creationId xmlns:p14="http://schemas.microsoft.com/office/powerpoint/2010/main" val="3044362320"/>
       </p:ext>
     </p:extLst>
   </p:cSld>
@@ -902,7 +860,7 @@
           <a:p>
             <a:r>
               <a:rPr lang="en-US" sz="1000" dirty="0"/>
-              <a:t>Well let’s get started on a real-world example that will allow us to see how OOP is used, and to learn some of the basic concepts like classes and objects. I’ve picked a body mass index (BMI) calculator as our first example. If retrospect, I wish I would have used something with shapes or animals. However, I assure you that there will be no shortage of  shape and animal examples in the coming weeks. </a:t>
+              <a:t>Now let’s look at some real code examples. You will quickly notice that I like to use real code examples over philosophical discussion topics. I will try to make the more important coding examples available to you on my GitHub account. Let me know if you see something and would like a copy. </a:t>
             </a:r>
           </a:p>
           <a:p>
@@ -911,11 +869,69 @@
           <a:p>
             <a:r>
               <a:rPr lang="en-US" sz="1000" dirty="0"/>
-              <a:t>Can you see how data and procedures/functions map directly to call attributes and methods? Even though it is a directly mapping, it is still good to get our terminology correct. </a:t>
+              <a:t>We have quite a lot of code to look at here. Let’s start with the procedural C code. We have  data (height &amp; weight) and procedures (</a:t>
+            </a:r>
+            <a:r>
+              <a:rPr lang="en-US" sz="1000" dirty="0" err="1"/>
+              <a:t>CalcBMI</a:t>
+            </a:r>
+            <a:r>
+              <a:rPr lang="en-US" sz="1000" dirty="0"/>
+              <a:t>)…</a:t>
             </a:r>
           </a:p>
           <a:p>
             <a:endParaRPr lang="en-US" sz="1000" dirty="0"/>
+          </a:p>
+          <a:p>
+            <a:r>
+              <a:rPr lang="en-US" sz="1000" dirty="0"/>
+              <a:t>We have a pretty simple formula…</a:t>
+            </a:r>
+          </a:p>
+          <a:p>
+            <a:endParaRPr lang="en-US" sz="1000" dirty="0"/>
+          </a:p>
+          <a:p>
+            <a:r>
+              <a:rPr lang="en-US" sz="1000" dirty="0"/>
+              <a:t>When I coded this the first time I used ‘</a:t>
+            </a:r>
+            <a:r>
+              <a:rPr lang="en-US" sz="1000" dirty="0" err="1"/>
+              <a:t>int</a:t>
+            </a:r>
+            <a:r>
+              <a:rPr lang="en-US" sz="1000" dirty="0"/>
+              <a:t>’ instead of ‘float’ for all my variables. That  didn’t work very well. </a:t>
+            </a:r>
+          </a:p>
+          <a:p>
+            <a:endParaRPr lang="en-US" sz="1000" dirty="0"/>
+          </a:p>
+          <a:p>
+            <a:r>
+              <a:rPr lang="en-US" sz="1000" dirty="0"/>
+              <a:t>If  you look carefully you will see that we still have a logic problem in both of  our implantations. Don’t worry we are going to get back to fix that using some of our OOP concepts. </a:t>
+            </a:r>
+          </a:p>
+          <a:p>
+            <a:endParaRPr lang="en-US" sz="1000" dirty="0"/>
+          </a:p>
+          <a:p>
+            <a:r>
+              <a:rPr lang="en-US" sz="1000" dirty="0"/>
+              <a:t>For now let’s focus on looking through our first OOP Java implantation. We have our first class. Very nice, we will see many more of those. </a:t>
+            </a:r>
+          </a:p>
+          <a:p>
+            <a:endParaRPr lang="en-US" sz="1000" dirty="0"/>
+          </a:p>
+          <a:p>
+            <a:r>
+              <a:rPr lang="en-US" sz="1000" dirty="0"/>
+              <a:t>Let’s go to the next slide to take a closer look at our class. </a:t>
+            </a:r>
           </a:p>
           <a:p>
             <a:endParaRPr lang="en-US" sz="1000" dirty="0"/>
@@ -941,14 +957,14 @@
               <a:rPr lang="en-US" smtClean="0"/>
               <a:t>12</a:t>
             </a:fld>
-            <a:endParaRPr lang="en-US" dirty="0"/>
+            <a:endParaRPr lang="en-US"/>
           </a:p>
         </p:txBody>
       </p:sp>
     </p:spTree>
     <p:extLst>
       <p:ext uri="{BB962C8B-B14F-4D97-AF65-F5344CB8AC3E}">
-        <p14:creationId xmlns:p14="http://schemas.microsoft.com/office/powerpoint/2010/main" val="3044362320"/>
+        <p14:creationId xmlns:p14="http://schemas.microsoft.com/office/powerpoint/2010/main" val="3893416347"/>
       </p:ext>
     </p:extLst>
   </p:cSld>
@@ -1004,16 +1020,7 @@
           <a:p>
             <a:r>
               <a:rPr lang="en-US" sz="1000" dirty="0"/>
-              <a:t>Now let’s look at some real code examples. You will quickly notice that I like to use real code examples over philosophical discussion topics. I will try to make the more important coding examples available to you on my GitHub account. Let me know if you see something and would like a copy. </a:t>
-            </a:r>
-          </a:p>
-          <a:p>
-            <a:endParaRPr lang="en-US" sz="1000" dirty="0"/>
-          </a:p>
-          <a:p>
-            <a:r>
-              <a:rPr lang="en-US" sz="1000" dirty="0"/>
-              <a:t>We have quite a lot of code to look at here. Let’s start with the procedural C code. We have  data (height &amp; weight) and procedures (</a:t>
+              <a:t>There we have it, a class. It has attributes (height &amp; weight) and a method (</a:t>
             </a:r>
             <a:r>
               <a:rPr lang="en-US" sz="1000" dirty="0" err="1"/>
@@ -1021,7 +1028,7 @@
             </a:r>
             <a:r>
               <a:rPr lang="en-US" sz="1000" dirty="0"/>
-              <a:t>)…</a:t>
+              <a:t>). Still has the same logic problem… but let’s wait on that. </a:t>
             </a:r>
           </a:p>
           <a:p>
@@ -1030,55 +1037,8 @@
           <a:p>
             <a:r>
               <a:rPr lang="en-US" sz="1000" dirty="0"/>
-              <a:t>We have a pretty simple formula…</a:t>
-            </a:r>
-          </a:p>
-          <a:p>
-            <a:endParaRPr lang="en-US" sz="1000" dirty="0"/>
-          </a:p>
-          <a:p>
-            <a:r>
-              <a:rPr lang="en-US" sz="1000" dirty="0"/>
-              <a:t>When I coded this the first time I used ‘</a:t>
-            </a:r>
-            <a:r>
-              <a:rPr lang="en-US" sz="1000" dirty="0" err="1"/>
-              <a:t>int</a:t>
-            </a:r>
-            <a:r>
-              <a:rPr lang="en-US" sz="1000" dirty="0"/>
-              <a:t>’ instead of ‘float’ for all my variables. That  didn’t work very well. </a:t>
-            </a:r>
-          </a:p>
-          <a:p>
-            <a:endParaRPr lang="en-US" sz="1000" dirty="0"/>
-          </a:p>
-          <a:p>
-            <a:r>
-              <a:rPr lang="en-US" sz="1000" dirty="0"/>
-              <a:t>If  you look carefully you will see that we still have a logic problem in both of  our implantations. Don’t worry we are going to get back to fix that using some of our OOP concepts. </a:t>
-            </a:r>
-          </a:p>
-          <a:p>
-            <a:endParaRPr lang="en-US" sz="1000" dirty="0"/>
-          </a:p>
-          <a:p>
-            <a:r>
-              <a:rPr lang="en-US" sz="1000" dirty="0"/>
-              <a:t>For now let’s focus on looking through our first OOP Java implantation. We have our first class. Very nice, we will see many more of those. </a:t>
-            </a:r>
-          </a:p>
-          <a:p>
-            <a:endParaRPr lang="en-US" sz="1000" dirty="0"/>
-          </a:p>
-          <a:p>
-            <a:r>
-              <a:rPr lang="en-US" sz="1000" dirty="0"/>
-              <a:t>Let’s go to the next slide to take a closer look at our class. </a:t>
-            </a:r>
-          </a:p>
-          <a:p>
-            <a:endParaRPr lang="en-US" sz="1000" dirty="0"/>
+              <a:t>Now we need to be able to use our class to do something. For that we need to create an instance of our class. </a:t>
+            </a:r>
           </a:p>
         </p:txBody>
       </p:sp>
@@ -1108,7 +1068,7 @@
     </p:spTree>
     <p:extLst>
       <p:ext uri="{BB962C8B-B14F-4D97-AF65-F5344CB8AC3E}">
-        <p14:creationId xmlns:p14="http://schemas.microsoft.com/office/powerpoint/2010/main" val="3893416347"/>
+        <p14:creationId xmlns:p14="http://schemas.microsoft.com/office/powerpoint/2010/main" val="624647967"/>
       </p:ext>
     </p:extLst>
   </p:cSld>
@@ -1163,16 +1123,20 @@
           <a:lstStyle/>
           <a:p>
             <a:r>
+              <a:rPr lang="en-US" sz="1000" dirty="0" err="1"/>
+              <a:t>Ahhhh</a:t>
+            </a:r>
+            <a:r>
               <a:rPr lang="en-US" sz="1000" dirty="0"/>
-              <a:t>There we have it, a class. It has attributes (height &amp; weight) and a method (</a:t>
+              <a:t>… and we have an object “</a:t>
             </a:r>
             <a:r>
               <a:rPr lang="en-US" sz="1000" dirty="0" err="1"/>
-              <a:t>CalcBMI</a:t>
+              <a:t>myBMI</a:t>
             </a:r>
             <a:r>
               <a:rPr lang="en-US" sz="1000" dirty="0"/>
-              <a:t>). Still has the same logic problem… but let’s wait on that. </a:t>
+              <a:t>’ which is an instance off the class “BMI”. </a:t>
             </a:r>
           </a:p>
           <a:p>
@@ -1181,7 +1145,41 @@
           <a:p>
             <a:r>
               <a:rPr lang="en-US" sz="1000" dirty="0"/>
-              <a:t>Now we need to be able to use our class to do something. For that we need to create an instance of our class. </a:t>
+              <a:t>We use or </a:t>
+            </a:r>
+            <a:r>
+              <a:rPr lang="en-US" sz="1000" dirty="0" err="1"/>
+              <a:t>myBMI</a:t>
+            </a:r>
+            <a:r>
+              <a:rPr lang="en-US" sz="1000" dirty="0"/>
+              <a:t> object to set some properties and then we have it calculate BMI by calling “</a:t>
+            </a:r>
+            <a:r>
+              <a:rPr lang="en-US" sz="1000" dirty="0" err="1"/>
+              <a:t>my.BMI.CalcBMI</a:t>
+            </a:r>
+            <a:r>
+              <a:rPr lang="en-US" sz="1000" dirty="0"/>
+              <a:t>()”</a:t>
+            </a:r>
+          </a:p>
+          <a:p>
+            <a:endParaRPr lang="en-US" sz="1000" dirty="0"/>
+          </a:p>
+          <a:p>
+            <a:r>
+              <a:rPr lang="en-US" sz="1000" dirty="0"/>
+              <a:t>… and of course when we compile and run it, we get… the wrong answer. But it compiled and ran successfully. That’s something, right?</a:t>
+            </a:r>
+          </a:p>
+          <a:p>
+            <a:endParaRPr lang="en-US" sz="1000" dirty="0"/>
+          </a:p>
+          <a:p>
+            <a:r>
+              <a:rPr lang="en-US" sz="1000" dirty="0"/>
+              <a:t>I know you can’t wait to see how this BMI story ends, so that will be our starting point for Section 2. How to fix BMI using object-oriented concepts/techniques.</a:t>
             </a:r>
           </a:p>
         </p:txBody>
@@ -1212,7 +1210,7 @@
     </p:spTree>
     <p:extLst>
       <p:ext uri="{BB962C8B-B14F-4D97-AF65-F5344CB8AC3E}">
-        <p14:creationId xmlns:p14="http://schemas.microsoft.com/office/powerpoint/2010/main" val="624647967"/>
+        <p14:creationId xmlns:p14="http://schemas.microsoft.com/office/powerpoint/2010/main" val="2124252699"/>
       </p:ext>
     </p:extLst>
   </p:cSld>
@@ -1267,20 +1265,21 @@
           <a:lstStyle/>
           <a:p>
             <a:r>
-              <a:rPr lang="en-US" sz="1000" dirty="0" err="1"/>
-              <a:t>Ahhhh</a:t>
+              <a:rPr lang="en-US" sz="1000" u="sng" dirty="0"/>
+              <a:t>Helpful Interview Hint</a:t>
             </a:r>
             <a:r>
               <a:rPr lang="en-US" sz="1000" dirty="0"/>
-              <a:t>… and we have an object “</a:t>
-            </a:r>
-            <a:r>
-              <a:rPr lang="en-US" sz="1000" dirty="0" err="1"/>
-              <a:t>myBMI</a:t>
-            </a:r>
+              <a:t>: Whenever you are asked a conceptual question about object-programming in an software development interview (and you will be), answer confidently “Encapsulation”, “Inheritance”, and “Polymorphism”.</a:t>
+            </a:r>
+          </a:p>
+          <a:p>
+            <a:endParaRPr lang="en-US" sz="1000" dirty="0"/>
+          </a:p>
+          <a:p>
             <a:r>
               <a:rPr lang="en-US" sz="1000" dirty="0"/>
-              <a:t>’ which is an instance off the class “BMI”. </a:t>
+              <a:t>When asked what is Encapsulation (or how would you implement it), say, “I would limit or minimize variable scope and keep data attributes private as often as possible.”</a:t>
             </a:r>
           </a:p>
           <a:p>
@@ -1289,41 +1288,16 @@
           <a:p>
             <a:r>
               <a:rPr lang="en-US" sz="1000" dirty="0"/>
-              <a:t>We use or </a:t>
-            </a:r>
-            <a:r>
-              <a:rPr lang="en-US" sz="1000" dirty="0" err="1"/>
-              <a:t>myBMI</a:t>
-            </a:r>
+              <a:t>Now as we are going through our object-oriented examples, be thinking about how you would answer the “What is Inheritance?” and “What is Polymorphism?” interview questions. Note that answering them both with very brief examples can be very effective… and it is always best to use animals in you OOP interview examples. </a:t>
+            </a:r>
+          </a:p>
+          <a:p>
+            <a:endParaRPr lang="en-US" sz="1000" dirty="0"/>
+          </a:p>
+          <a:p>
             <a:r>
               <a:rPr lang="en-US" sz="1000" dirty="0"/>
-              <a:t> object to set some properties and then we have it calculate BMI by calling “</a:t>
-            </a:r>
-            <a:r>
-              <a:rPr lang="en-US" sz="1000" dirty="0" err="1"/>
-              <a:t>my.BMI.CalcBMI</a:t>
-            </a:r>
-            <a:r>
-              <a:rPr lang="en-US" sz="1000" dirty="0"/>
-              <a:t>()”</a:t>
-            </a:r>
-          </a:p>
-          <a:p>
-            <a:endParaRPr lang="en-US" sz="1000" dirty="0"/>
-          </a:p>
-          <a:p>
-            <a:r>
-              <a:rPr lang="en-US" sz="1000" dirty="0"/>
-              <a:t>… and of course when we compile and run it, we get… the wrong answer. But it compiled and ran successfully. That’s something, right?</a:t>
-            </a:r>
-          </a:p>
-          <a:p>
-            <a:endParaRPr lang="en-US" sz="1000" dirty="0"/>
-          </a:p>
-          <a:p>
-            <a:r>
-              <a:rPr lang="en-US" sz="1000" dirty="0"/>
-              <a:t>I know you can’t wait to see how this BMI story ends, so that will be our starting point for Section 2. How to fix BMI using object-oriented concepts/techniques.</a:t>
+              <a:t>Now we just need to make sure that we are able to effectively utilize these concepts after we get the job. Let’s start by walking through an example. </a:t>
             </a:r>
           </a:p>
         </p:txBody>
@@ -1354,7 +1328,7 @@
     </p:spTree>
     <p:extLst>
       <p:ext uri="{BB962C8B-B14F-4D97-AF65-F5344CB8AC3E}">
-        <p14:creationId xmlns:p14="http://schemas.microsoft.com/office/powerpoint/2010/main" val="2124252699"/>
+        <p14:creationId xmlns:p14="http://schemas.microsoft.com/office/powerpoint/2010/main" val="12424954"/>
       </p:ext>
     </p:extLst>
   </p:cSld>
@@ -1408,41 +1382,7 @@
           <a:bodyPr/>
           <a:lstStyle/>
           <a:p>
-            <a:r>
-              <a:rPr lang="en-US" sz="1000" u="sng" dirty="0"/>
-              <a:t>Helpful Interview Hint</a:t>
-            </a:r>
-            <a:r>
-              <a:rPr lang="en-US" sz="1000" dirty="0"/>
-              <a:t>: Whenever you are asked a conceptual question about object-programming in an software development interview (and you will be), answer confidently “Encapsulation”, “Inheritance”, and “Polymorphism”.</a:t>
-            </a:r>
-          </a:p>
-          <a:p>
-            <a:endParaRPr lang="en-US" sz="1000" dirty="0"/>
-          </a:p>
-          <a:p>
-            <a:r>
-              <a:rPr lang="en-US" sz="1000" dirty="0"/>
-              <a:t>When asked what is Encapsulation (or how would you implement it), say, “I would limit or minimize variable scope and keep data attributes private as often as possible.”</a:t>
-            </a:r>
-          </a:p>
-          <a:p>
-            <a:endParaRPr lang="en-US" sz="1000" dirty="0"/>
-          </a:p>
-          <a:p>
-            <a:r>
-              <a:rPr lang="en-US" sz="1000" dirty="0"/>
-              <a:t>Now as we are going through our object-oriented examples, be thinking about how you would answer the “What is Inheritance?” and “What is Polymorphism?” interview questions. Note that answering them both with very brief examples can be very effective… and it is always best to use animals in you OOP interview examples. </a:t>
-            </a:r>
-          </a:p>
-          <a:p>
-            <a:endParaRPr lang="en-US" sz="1000" dirty="0"/>
-          </a:p>
-          <a:p>
-            <a:r>
-              <a:rPr lang="en-US" sz="1000" dirty="0"/>
-              <a:t>Now we just need to make sure that we are able to effectively utilize these concepts after we get the job. Let’s start by walking through an example. </a:t>
-            </a:r>
+            <a:endParaRPr lang="en-US" dirty="0"/>
           </a:p>
         </p:txBody>
       </p:sp>
@@ -1472,7 +1412,7 @@
     </p:spTree>
     <p:extLst>
       <p:ext uri="{BB962C8B-B14F-4D97-AF65-F5344CB8AC3E}">
-        <p14:creationId xmlns:p14="http://schemas.microsoft.com/office/powerpoint/2010/main" val="12424954"/>
+        <p14:creationId xmlns:p14="http://schemas.microsoft.com/office/powerpoint/2010/main" val="288891706"/>
       </p:ext>
     </p:extLst>
   </p:cSld>
@@ -1526,7 +1466,72 @@
           <a:bodyPr/>
           <a:lstStyle/>
           <a:p>
-            <a:endParaRPr lang="en-US" dirty="0"/>
+            <a:r>
+              <a:rPr lang="en-US" sz="1000" dirty="0"/>
+              <a:t>First, let’s Encapsulate our code.</a:t>
+            </a:r>
+          </a:p>
+          <a:p>
+            <a:endParaRPr lang="en-US" sz="1000" dirty="0"/>
+          </a:p>
+          <a:p>
+            <a:pPr defTabSz="966612">
+              <a:defRPr/>
+            </a:pPr>
+            <a:r>
+              <a:rPr lang="en-US" sz="1000" dirty="0"/>
+              <a:t>#1 Rule for Encapsulation: Minimize class property and method scope and visibility: (1)none, (2)local, (3)method parameters, (4)private attribute, (5)protected attribute, and (6)public</a:t>
+            </a:r>
+          </a:p>
+          <a:p>
+            <a:endParaRPr lang="en-US" sz="1000" dirty="0"/>
+          </a:p>
+          <a:p>
+            <a:r>
+              <a:rPr lang="en-US" sz="1000" dirty="0"/>
+              <a:t>In this case we can’t eliminate our height and width properties, and we can’t make them local to our method. However, we can make them parameters to our </a:t>
+            </a:r>
+            <a:r>
+              <a:rPr lang="en-US" sz="1000" dirty="0" err="1"/>
+              <a:t>CalcBMI</a:t>
+            </a:r>
+            <a:r>
+              <a:rPr lang="en-US" sz="1000" dirty="0"/>
+              <a:t> method. That’s a nice simplification. It also makes it very unlikely that future changes will impact users of our BMI class.</a:t>
+            </a:r>
+          </a:p>
+          <a:p>
+            <a:endParaRPr lang="en-US" sz="1000" dirty="0"/>
+          </a:p>
+          <a:p>
+            <a:r>
+              <a:rPr lang="en-US" sz="1000" dirty="0"/>
+              <a:t>Consider: How would you add protective code around setting height to 0 in the initial code (height &gt; 2ft &amp; &lt;9ft)? … How about in our second encapsulated example? Once again consider reuse, testing, and additional modification if this were thousands of lines off code. </a:t>
+            </a:r>
+          </a:p>
+          <a:p>
+            <a:endParaRPr lang="en-US" sz="1000" dirty="0"/>
+          </a:p>
+          <a:p>
+            <a:r>
+              <a:rPr lang="en-US" sz="1000" dirty="0"/>
+              <a:t>This type of Encapsulation &amp; Information Hiding is a feature of nearly all modern development languages… not just object-oriented languages.</a:t>
+            </a:r>
+          </a:p>
+          <a:p>
+            <a:endParaRPr lang="en-US" sz="1000" dirty="0"/>
+          </a:p>
+          <a:p>
+            <a:endParaRPr lang="en-US" sz="1000" dirty="0"/>
+          </a:p>
+          <a:p>
+            <a:endParaRPr lang="en-US" sz="1000" dirty="0"/>
+          </a:p>
+          <a:p>
+            <a:endParaRPr lang="en-US" sz="1000" dirty="0"/>
+          </a:p>
+          <a:p>
+            <a:endParaRPr lang="en-US" sz="1000" dirty="0"/>
           </a:p>
         </p:txBody>
       </p:sp>
@@ -1556,7 +1561,7 @@
     </p:spTree>
     <p:extLst>
       <p:ext uri="{BB962C8B-B14F-4D97-AF65-F5344CB8AC3E}">
-        <p14:creationId xmlns:p14="http://schemas.microsoft.com/office/powerpoint/2010/main" val="288891706"/>
+        <p14:creationId xmlns:p14="http://schemas.microsoft.com/office/powerpoint/2010/main" val="3892029103"/>
       </p:ext>
     </p:extLst>
   </p:cSld>
@@ -1612,70 +1617,8 @@
           <a:p>
             <a:r>
               <a:rPr lang="en-US" sz="1000" dirty="0"/>
-              <a:t>First, let’s Encapsulate our code.</a:t>
-            </a:r>
-          </a:p>
-          <a:p>
-            <a:endParaRPr lang="en-US" sz="1000" dirty="0"/>
-          </a:p>
-          <a:p>
-            <a:pPr defTabSz="966612">
-              <a:defRPr/>
-            </a:pPr>
-            <a:r>
-              <a:rPr lang="en-US" sz="1000" dirty="0"/>
-              <a:t>#1 Rule for Encapsulation: Minimize class property and method scope and visibility: (1)none, (2)local, (3)method parameters, (4)private attribute, (5)protected attribute, and (6)public</a:t>
-            </a:r>
-          </a:p>
-          <a:p>
-            <a:endParaRPr lang="en-US" sz="1000" dirty="0"/>
-          </a:p>
-          <a:p>
-            <a:r>
-              <a:rPr lang="en-US" sz="1000" dirty="0"/>
-              <a:t>In this case we can’t eliminate our height and width properties, and we can’t make them local to our method. However, we can make them parameters to our </a:t>
-            </a:r>
-            <a:r>
-              <a:rPr lang="en-US" sz="1000" dirty="0" err="1"/>
-              <a:t>CalcBMI</a:t>
-            </a:r>
-            <a:r>
-              <a:rPr lang="en-US" sz="1000" dirty="0"/>
-              <a:t> method. That’s a nice simplification. It also makes it very unlikely that future changes will impact users of our BMI class.</a:t>
-            </a:r>
-          </a:p>
-          <a:p>
-            <a:endParaRPr lang="en-US" sz="1000" dirty="0"/>
-          </a:p>
-          <a:p>
-            <a:r>
-              <a:rPr lang="en-US" sz="1000" dirty="0"/>
-              <a:t>Consider: How would you add protective code around setting height to 0 in the initial code (height &gt; 2ft &amp; &lt;9ft)? … How about in our second encapsulated example? Once again consider reuse, testing, and additional modification if this were thousands of lines off code. </a:t>
-            </a:r>
-          </a:p>
-          <a:p>
-            <a:endParaRPr lang="en-US" sz="1000" dirty="0"/>
-          </a:p>
-          <a:p>
-            <a:r>
-              <a:rPr lang="en-US" sz="1000" dirty="0"/>
-              <a:t>This type of Encapsulation &amp; Information Hiding is a feature of nearly all modern development languages… not just object-oriented languages.</a:t>
-            </a:r>
-          </a:p>
-          <a:p>
-            <a:endParaRPr lang="en-US" sz="1000" dirty="0"/>
-          </a:p>
-          <a:p>
-            <a:endParaRPr lang="en-US" sz="1000" dirty="0"/>
-          </a:p>
-          <a:p>
-            <a:endParaRPr lang="en-US" sz="1000" dirty="0"/>
-          </a:p>
-          <a:p>
-            <a:endParaRPr lang="en-US" sz="1000" dirty="0"/>
-          </a:p>
-          <a:p>
-            <a:endParaRPr lang="en-US" sz="1000" dirty="0"/>
+              <a:t>The first of many “Shape” examples. We will get to a Abstraction example in a few minutes. </a:t>
+            </a:r>
           </a:p>
         </p:txBody>
       </p:sp>
@@ -1705,7 +1648,7 @@
     </p:spTree>
     <p:extLst>
       <p:ext uri="{BB962C8B-B14F-4D97-AF65-F5344CB8AC3E}">
-        <p14:creationId xmlns:p14="http://schemas.microsoft.com/office/powerpoint/2010/main" val="3892029103"/>
+        <p14:creationId xmlns:p14="http://schemas.microsoft.com/office/powerpoint/2010/main" val="20256060"/>
       </p:ext>
     </p:extLst>
   </p:cSld>
@@ -1761,8 +1704,94 @@
           <a:p>
             <a:r>
               <a:rPr lang="en-US" sz="1000" dirty="0"/>
-              <a:t>The first of many “Shape” examples. We will get to a Abstraction example in a few minutes. </a:t>
-            </a:r>
+              <a:t>And we have and example of Abstraction.</a:t>
+            </a:r>
+          </a:p>
+          <a:p>
+            <a:endParaRPr lang="en-US" sz="1000" b="1" dirty="0"/>
+          </a:p>
+          <a:p>
+            <a:r>
+              <a:rPr lang="en-US" sz="1000" dirty="0"/>
+              <a:t>Abstraction</a:t>
+            </a:r>
+          </a:p>
+          <a:p>
+            <a:r>
+              <a:rPr lang="en-US" sz="1000" dirty="0"/>
+              <a:t>Abstraction is another key concept. Something is abstract when it is a concept but is not concrete or defined enough to actually be built. Generally, in OO design, we start with abstract things, and then we build on them through inheritance. </a:t>
+            </a:r>
+          </a:p>
+          <a:p>
+            <a:r>
+              <a:rPr lang="en-US" sz="1000" dirty="0"/>
+              <a:t> </a:t>
+            </a:r>
+          </a:p>
+          <a:p>
+            <a:r>
+              <a:rPr lang="en-US" sz="1000" dirty="0"/>
+              <a:t>An </a:t>
+            </a:r>
+            <a:r>
+              <a:rPr lang="en-US" sz="1000" i="1" u="sng" dirty="0"/>
+              <a:t>abstract class</a:t>
+            </a:r>
+            <a:r>
+              <a:rPr lang="en-US" sz="1000" dirty="0"/>
+              <a:t> is one that has one or more </a:t>
+            </a:r>
+            <a:r>
+              <a:rPr lang="en-US" sz="1000" i="1" dirty="0"/>
+              <a:t>abstract methods</a:t>
+            </a:r>
+            <a:r>
+              <a:rPr lang="en-US" sz="1000" dirty="0"/>
+              <a:t>.</a:t>
+            </a:r>
+          </a:p>
+          <a:p>
+            <a:r>
+              <a:rPr lang="en-US" sz="1000" dirty="0"/>
+              <a:t>An </a:t>
+            </a:r>
+            <a:r>
+              <a:rPr lang="en-US" sz="1000" i="1" dirty="0"/>
+              <a:t>abstract method</a:t>
+            </a:r>
+            <a:r>
+              <a:rPr lang="en-US" sz="1000" dirty="0"/>
+              <a:t> is a method / function that has no body – just a name, return type, and parameters.</a:t>
+            </a:r>
+          </a:p>
+          <a:p>
+            <a:r>
+              <a:rPr lang="en-US" sz="1000" dirty="0"/>
+              <a:t>An </a:t>
+            </a:r>
+            <a:r>
+              <a:rPr lang="en-US" sz="1000" i="1" u="sng" dirty="0"/>
+              <a:t>interface</a:t>
+            </a:r>
+            <a:r>
+              <a:rPr lang="en-US" sz="1000" dirty="0"/>
+              <a:t> is the strictest interpretation of an abstract class – it is a data structure that consists entirely of abstract methods. In other words, none of its methods/functions have a body.</a:t>
+            </a:r>
+          </a:p>
+          <a:p>
+            <a:r>
+              <a:rPr lang="en-US" sz="1000" dirty="0"/>
+              <a:t> </a:t>
+            </a:r>
+          </a:p>
+          <a:p>
+            <a:r>
+              <a:rPr lang="en-US" sz="1000" dirty="0"/>
+              <a:t>Abstraction is related to inheritance. Often, when we construct families of related objects, we start the family with an abstract class that represents the least common denominator for everyone in that family. In other words, what do all classes that are part of that family have in common? We often (not always, but often) put that in an abstract class.</a:t>
+            </a:r>
+          </a:p>
+          <a:p>
+            <a:endParaRPr lang="en-US" sz="1000" dirty="0"/>
           </a:p>
         </p:txBody>
       </p:sp>
@@ -1785,14 +1814,14 @@
               <a:rPr lang="en-US" smtClean="0"/>
               <a:t>19</a:t>
             </a:fld>
-            <a:endParaRPr lang="en-US"/>
+            <a:endParaRPr lang="en-US" dirty="0"/>
           </a:p>
         </p:txBody>
       </p:sp>
     </p:spTree>
     <p:extLst>
       <p:ext uri="{BB962C8B-B14F-4D97-AF65-F5344CB8AC3E}">
-        <p14:creationId xmlns:p14="http://schemas.microsoft.com/office/powerpoint/2010/main" val="20256060"/>
+        <p14:creationId xmlns:p14="http://schemas.microsoft.com/office/powerpoint/2010/main" val="1205048906"/>
       </p:ext>
     </p:extLst>
   </p:cSld>
@@ -1848,7 +1877,7 @@
           <a:p>
             <a:r>
               <a:rPr lang="en-US" sz="1000" dirty="0"/>
-              <a:t>Questions are welcome at any point!</a:t>
+              <a:t>First off Welcome! I’m glad you are here. My goal is to get every one of you through this class and to help you learn some object oriented software development techniques along the way. Even if you don’t intend to be a professional software developer, many of the things that we learn will be valuable in related areas. </a:t>
             </a:r>
           </a:p>
           <a:p>
@@ -1857,7 +1886,25 @@
           <a:p>
             <a:r>
               <a:rPr lang="en-US" sz="1000" dirty="0"/>
-              <a:t>I am not intending to review every part of documents that are out there. </a:t>
+              <a:t>Object-oriented programming is the way that the industry develops modern complex sophisticate applications. There really isn’t a viable alternative to:</a:t>
+            </a:r>
+          </a:p>
+          <a:p>
+            <a:r>
+              <a:rPr lang="en-US" sz="1000" dirty="0"/>
+              <a:t>1 – Effectively leverage other peoples code… Graphical User Interfaces</a:t>
+            </a:r>
+          </a:p>
+          <a:p>
+            <a:r>
+              <a:rPr lang="en-US" sz="1000" dirty="0"/>
+              <a:t>2 – Develop, maintain, support, enhance large applications</a:t>
+            </a:r>
+          </a:p>
+          <a:p>
+            <a:r>
+              <a:rPr lang="en-US" sz="1000" dirty="0"/>
+              <a:t>3 – It will be a challenge at first to adjust your mindset… but I promise it will become easier and more natural </a:t>
             </a:r>
           </a:p>
           <a:p>
@@ -1866,7 +1913,7 @@
           <a:p>
             <a:r>
               <a:rPr lang="en-US" sz="1000" dirty="0"/>
-              <a:t>Please get your Java development environment set up this week. That’s not something that you will want to be messing with next week when we are working on our first MVC assignment. </a:t>
+              <a:t>You live in the Golden Age of software development. Many good jobs, wonderful tools, interesting and valuable problems to solve. </a:t>
             </a:r>
           </a:p>
         </p:txBody>
@@ -1897,7 +1944,7 @@
     </p:spTree>
     <p:extLst>
       <p:ext uri="{BB962C8B-B14F-4D97-AF65-F5344CB8AC3E}">
-        <p14:creationId xmlns:p14="http://schemas.microsoft.com/office/powerpoint/2010/main" val="1457151744"/>
+        <p14:creationId xmlns:p14="http://schemas.microsoft.com/office/powerpoint/2010/main" val="1467869537"/>
       </p:ext>
     </p:extLst>
   </p:cSld>
@@ -1953,90 +2000,33 @@
           <a:p>
             <a:r>
               <a:rPr lang="en-US" sz="1000" dirty="0"/>
-              <a:t>And we have and example of Abstraction.</a:t>
-            </a:r>
-          </a:p>
-          <a:p>
-            <a:endParaRPr lang="en-US" sz="1000" b="1" dirty="0"/>
+              <a:t>Example of polymorphism: a for loop that moves through the entries of a list. The list might be of a collection of related kinds of object. We can refer to each of the objects in the list through a generic variable (whose data type matches the one that all are ultimately related to). But, when we invoke a particular function that all members of the family share, each will respond by performing that function in their own specific way. For example, we could have a collection of Shape objects. We could refer to each entry in the Shape list through a generic Shape variable, even though the actual entries in the list are specific kinds of shapes – Circle, Rectangle, etc. All Shape objects might have the ability to calculate their own area. When we refer to an object in the list through a generic Shape variable and tell it to calculate its area, thanks to polymorphism, the circle version of the area() function will be called when we’re dealing with a circle, and the Rectangle version of area() will be called when we’re dealing with a rectangle, etc. </a:t>
+            </a:r>
+          </a:p>
+          <a:p>
+            <a:endParaRPr lang="en-US" sz="1000" dirty="0"/>
           </a:p>
           <a:p>
             <a:r>
               <a:rPr lang="en-US" sz="1000" dirty="0"/>
-              <a:t>Abstraction</a:t>
-            </a:r>
-          </a:p>
-          <a:p>
+              <a:t>The first time through the for loop, we’ll call the </a:t>
+            </a:r>
+            <a:r>
+              <a:rPr lang="en-US" sz="1000" dirty="0" err="1"/>
+              <a:t>Circle.area</a:t>
+            </a:r>
             <a:r>
               <a:rPr lang="en-US" sz="1000" dirty="0"/>
-              <a:t>Abstraction is another key concept. Something is abstract when it is a concept but is not concrete or defined enough to actually be built. Generally, in OO design, we start with abstract things, and then we build on them through inheritance. </a:t>
-            </a:r>
+              <a:t>() function – actually, we won’t; it will happen automatically. The next time through, we’ll call the Rectangle version, and then we’ll call the Triangle version.</a:t>
+            </a:r>
+          </a:p>
+          <a:p>
+            <a:endParaRPr lang="en-US" sz="1000" dirty="0"/>
           </a:p>
           <a:p>
             <a:r>
               <a:rPr lang="en-US" sz="1000" dirty="0"/>
-              <a:t> </a:t>
-            </a:r>
-          </a:p>
-          <a:p>
-            <a:r>
-              <a:rPr lang="en-US" sz="1000" dirty="0"/>
-              <a:t>An </a:t>
-            </a:r>
-            <a:r>
-              <a:rPr lang="en-US" sz="1000" i="1" u="sng" dirty="0"/>
-              <a:t>abstract class</a:t>
-            </a:r>
-            <a:r>
-              <a:rPr lang="en-US" sz="1000" dirty="0"/>
-              <a:t> is one that has one or more </a:t>
-            </a:r>
-            <a:r>
-              <a:rPr lang="en-US" sz="1000" i="1" dirty="0"/>
-              <a:t>abstract methods</a:t>
-            </a:r>
-            <a:r>
-              <a:rPr lang="en-US" sz="1000" dirty="0"/>
-              <a:t>.</a:t>
-            </a:r>
-          </a:p>
-          <a:p>
-            <a:r>
-              <a:rPr lang="en-US" sz="1000" dirty="0"/>
-              <a:t>An </a:t>
-            </a:r>
-            <a:r>
-              <a:rPr lang="en-US" sz="1000" i="1" dirty="0"/>
-              <a:t>abstract method</a:t>
-            </a:r>
-            <a:r>
-              <a:rPr lang="en-US" sz="1000" dirty="0"/>
-              <a:t> is a method / function that has no body – just a name, return type, and parameters.</a:t>
-            </a:r>
-          </a:p>
-          <a:p>
-            <a:r>
-              <a:rPr lang="en-US" sz="1000" dirty="0"/>
-              <a:t>An </a:t>
-            </a:r>
-            <a:r>
-              <a:rPr lang="en-US" sz="1000" i="1" u="sng" dirty="0"/>
-              <a:t>interface</a:t>
-            </a:r>
-            <a:r>
-              <a:rPr lang="en-US" sz="1000" dirty="0"/>
-              <a:t> is the strictest interpretation of an abstract class – it is a data structure that consists entirely of abstract methods. In other words, none of its methods/functions have a body.</a:t>
-            </a:r>
-          </a:p>
-          <a:p>
-            <a:r>
-              <a:rPr lang="en-US" sz="1000" dirty="0"/>
-              <a:t> </a:t>
-            </a:r>
-          </a:p>
-          <a:p>
-            <a:r>
-              <a:rPr lang="en-US" sz="1000" dirty="0"/>
-              <a:t>Abstraction is related to inheritance. Often, when we construct families of related objects, we start the family with an abstract class that represents the least common denominator for everyone in that family. In other words, what do all classes that are part of that family have in common? We often (not always, but often) put that in an abstract class.</a:t>
+              <a:t>Polymorphism is implemented behind the scenes using a Virtual Method Table (VMT). The VMT keeps track of where various related classes’ same-named functions are located in memory. Using the VMT, the operating system is able to figure out which code to implement when we tell each shape to fire its area() function.</a:t>
             </a:r>
           </a:p>
           <a:p>
@@ -2063,14 +2053,14 @@
               <a:rPr lang="en-US" smtClean="0"/>
               <a:t>20</a:t>
             </a:fld>
-            <a:endParaRPr lang="en-US" dirty="0"/>
+            <a:endParaRPr lang="en-US"/>
           </a:p>
         </p:txBody>
       </p:sp>
     </p:spTree>
     <p:extLst>
       <p:ext uri="{BB962C8B-B14F-4D97-AF65-F5344CB8AC3E}">
-        <p14:creationId xmlns:p14="http://schemas.microsoft.com/office/powerpoint/2010/main" val="1205048906"/>
+        <p14:creationId xmlns:p14="http://schemas.microsoft.com/office/powerpoint/2010/main" val="3922652898"/>
       </p:ext>
     </p:extLst>
   </p:cSld>
@@ -2126,7 +2116,15 @@
           <a:p>
             <a:r>
               <a:rPr lang="en-US" sz="1000" dirty="0"/>
-              <a:t>Example of polymorphism: a for loop that moves through the entries of a list. The list might be of a collection of related kinds of object. We can refer to each of the objects in the list through a generic variable (whose data type matches the one that all are ultimately related to). But, when we invoke a particular function that all members of the family share, each will respond by performing that function in their own specific way. For example, we could have a collection of Shape objects. We could refer to each entry in the Shape list through a generic Shape variable, even though the actual entries in the list are specific kinds of shapes – Circle, Rectangle, etc. All Shape objects might have the ability to calculate their own area. When we refer to an object in the list through a generic Shape variable and tell it to calculate its area, thanks to polymorphism, the circle version of the area() function will be called when we’re dealing with a circle, and the Rectangle version of area() will be called when we’re dealing with a rectangle, etc. </a:t>
+              <a:t>Polymorphism? Let’s do something new. Let’s do something with Animals, Abstraction, </a:t>
+            </a:r>
+            <a:r>
+              <a:rPr lang="en-US" sz="1000" dirty="0" err="1"/>
+              <a:t>Superclasses</a:t>
+            </a:r>
+            <a:r>
+              <a:rPr lang="en-US" sz="1000" dirty="0"/>
+              <a:t>, and Subclasses. Take a look at the class hierarchy on the left. Can you track it to the code on the right?</a:t>
             </a:r>
           </a:p>
           <a:p>
@@ -2135,15 +2133,39 @@
           <a:p>
             <a:r>
               <a:rPr lang="en-US" sz="1000" dirty="0"/>
-              <a:t>The first time through the for loop, we’ll call the </a:t>
+              <a:t>We have and Abstract class Animal that provides the template for an Abstract method “</a:t>
             </a:r>
             <a:r>
               <a:rPr lang="en-US" sz="1000" dirty="0" err="1"/>
-              <a:t>Circle.area</a:t>
+              <a:t>PrintYourAngrySound</a:t>
             </a:r>
             <a:r>
               <a:rPr lang="en-US" sz="1000" dirty="0"/>
-              <a:t>() function – actually, we won’t; it will happen automatically. The next time through, we’ll call the Rectangle version, and then we’ll call the Triangle version.</a:t>
+              <a:t>()”. We have Subclasses Dog and Cat who both Override “</a:t>
+            </a:r>
+            <a:r>
+              <a:rPr lang="en-US" sz="1000" dirty="0" err="1"/>
+              <a:t>PrintYour</a:t>
+            </a:r>
+            <a:r>
+              <a:rPr lang="en-US" sz="1000" dirty="0"/>
+              <a:t> </a:t>
+            </a:r>
+            <a:r>
+              <a:rPr lang="en-US" sz="1000" dirty="0" err="1"/>
+              <a:t>AngreeSound</a:t>
+            </a:r>
+            <a:r>
+              <a:rPr lang="en-US" sz="1000" dirty="0"/>
+              <a:t>()” as required. Then we have a </a:t>
+            </a:r>
+            <a:r>
+              <a:rPr lang="en-US" sz="1000" dirty="0" err="1"/>
+              <a:t>Bigcat</a:t>
+            </a:r>
+            <a:r>
+              <a:rPr lang="en-US" sz="1000" dirty="0"/>
+              <a:t> class that Extends Cat. We have seen all of these things before.</a:t>
             </a:r>
           </a:p>
           <a:p>
@@ -2152,11 +2174,59 @@
           <a:p>
             <a:r>
               <a:rPr lang="en-US" sz="1000" dirty="0"/>
-              <a:t>Polymorphism is implemented behind the scenes using a Virtual Method Table (VMT). The VMT keeps track of where various related classes’ same-named functions are located in memory. Using the VMT, the operating system is able to figure out which code to implement when we tell each shape to fire its area() function.</a:t>
+              <a:t>Now we have added the idea of Random numbers. Let’s ignore that for now. It’s enough to know that  the Random class that came  from “</a:t>
+            </a:r>
+            <a:r>
+              <a:rPr lang="en-US" sz="1000" dirty="0" err="1"/>
+              <a:t>java.util.Random</a:t>
+            </a:r>
+            <a:r>
+              <a:rPr lang="en-US" sz="1000" dirty="0"/>
+              <a:t>” generates random numbers. Who would  have guessed…</a:t>
             </a:r>
           </a:p>
           <a:p>
             <a:endParaRPr lang="en-US" sz="1000" dirty="0"/>
+          </a:p>
+          <a:p>
+            <a:r>
+              <a:rPr lang="en-US" sz="1000" dirty="0"/>
+              <a:t>Now for the finalize… Notice how “</a:t>
+            </a:r>
+            <a:r>
+              <a:rPr lang="en-US" sz="1000" dirty="0" err="1"/>
+              <a:t>someAnimal</a:t>
+            </a:r>
+            <a:r>
+              <a:rPr lang="en-US" sz="1000" dirty="0"/>
+              <a:t>” can behave like “Dog”, “Cat”, or “</a:t>
+            </a:r>
+            <a:r>
+              <a:rPr lang="en-US" sz="1000" dirty="0" err="1"/>
+              <a:t>Bigcat</a:t>
+            </a:r>
+            <a:r>
+              <a:rPr lang="en-US" sz="1000" dirty="0"/>
+              <a:t>” depending the random number generated. This is Polymorphism. </a:t>
+            </a:r>
+          </a:p>
+          <a:p>
+            <a:endParaRPr lang="en-US" sz="1000" dirty="0"/>
+          </a:p>
+          <a:p>
+            <a:r>
+              <a:rPr lang="en-US" sz="1000" dirty="0"/>
+              <a:t>Now can you come up with that brief animal based interview response for  Polymorphism. Be sure to throw in “oh yes, Polymorphism is usually implemented with virtual methods and a  virtual method table” to get full credit at the  interview. </a:t>
+            </a:r>
+          </a:p>
+          <a:p>
+            <a:endParaRPr lang="en-US" sz="1000" dirty="0"/>
+          </a:p>
+          <a:p>
+            <a:r>
+              <a:rPr lang="en-US" sz="1000" dirty="0"/>
+              <a:t>It may also be good to know what that actually means just in case one of the interviewers really know what a virtual method table is and has a follow up question. </a:t>
+            </a:r>
           </a:p>
         </p:txBody>
       </p:sp>
@@ -2186,7 +2256,7 @@
     </p:spTree>
     <p:extLst>
       <p:ext uri="{BB962C8B-B14F-4D97-AF65-F5344CB8AC3E}">
-        <p14:creationId xmlns:p14="http://schemas.microsoft.com/office/powerpoint/2010/main" val="3922652898"/>
+        <p14:creationId xmlns:p14="http://schemas.microsoft.com/office/powerpoint/2010/main" val="1620225859"/>
       </p:ext>
     </p:extLst>
   </p:cSld>
@@ -2242,117 +2312,104 @@
           <a:p>
             <a:r>
               <a:rPr lang="en-US" sz="1000" dirty="0"/>
-              <a:t>Polymorphism? Let’s do something new. Let’s do something with Animals, Abstraction, </a:t>
-            </a:r>
-            <a:r>
-              <a:rPr lang="en-US" sz="1000" dirty="0" err="1"/>
-              <a:t>Superclasses</a:t>
-            </a:r>
+              <a:t>Composition: An example of composition: the relationship between Face and Nose, Mouth, and Eye</a:t>
+            </a:r>
+          </a:p>
+          <a:p>
             <a:r>
               <a:rPr lang="en-US" sz="1000" dirty="0"/>
-              <a:t>, and Subclasses. Take a look at the class hierarchy on the left. Can you track it to the code on the right?</a:t>
+              <a:t>class Face {</a:t>
+            </a:r>
+          </a:p>
+          <a:p>
+            <a:r>
+              <a:rPr lang="en-US" sz="1000" dirty="0"/>
+              <a:t>	Nose n;</a:t>
+            </a:r>
+          </a:p>
+          <a:p>
+            <a:r>
+              <a:rPr lang="en-US" sz="1000" dirty="0"/>
+              <a:t>	Mouth m;</a:t>
+            </a:r>
+          </a:p>
+          <a:p>
+            <a:r>
+              <a:rPr lang="en-US" sz="1000" dirty="0"/>
+              <a:t>	Eye le;</a:t>
+            </a:r>
+          </a:p>
+          <a:p>
+            <a:r>
+              <a:rPr lang="en-US" sz="1000" dirty="0"/>
+              <a:t>	Eye re;</a:t>
+            </a:r>
+          </a:p>
+          <a:p>
+            <a:r>
+              <a:rPr lang="en-US" sz="1000" dirty="0"/>
+              <a:t>}</a:t>
+            </a:r>
+          </a:p>
+          <a:p>
+            <a:r>
+              <a:rPr lang="en-US" sz="1000" dirty="0"/>
+              <a:t> </a:t>
+            </a:r>
+          </a:p>
+          <a:p>
+            <a:r>
+              <a:rPr lang="en-US" sz="1000" dirty="0"/>
+              <a:t>We probably wouldn’t let the Nose, Mouth, or Eye objects live beyond the Face. They are owned exclusively by the Face. That’s what composition is: exclusive ownership.</a:t>
+            </a:r>
+          </a:p>
+          <a:p>
+            <a:r>
+              <a:rPr lang="en-US" sz="1000" dirty="0"/>
+              <a:t> </a:t>
+            </a:r>
+          </a:p>
+          <a:p>
+            <a:r>
+              <a:rPr lang="en-US" sz="1000" dirty="0"/>
+              <a:t>One clear sign that we are dealing with composition is if the owner (Face, for example) is responsible for actually creating the objects it owns. Then, clearly, the things that are owned – the Nose, Mouth, etc. – could not have existed on their own and are therefore exclusively owned by the owner object.</a:t>
+            </a:r>
+          </a:p>
+          <a:p>
+            <a:endParaRPr lang="en-US" sz="1000" b="1" dirty="0"/>
+          </a:p>
+          <a:p>
+            <a:r>
+              <a:rPr lang="en-US" sz="1000" dirty="0"/>
+              <a:t>Aggregation: Aggregation is also a form of ownership, but it’s non-exclusive ownership. The owned objects can live on and perhaps existed prior to the owned object. </a:t>
+            </a:r>
+          </a:p>
+          <a:p>
+            <a:r>
+              <a:rPr lang="en-US" sz="1000" dirty="0"/>
+              <a:t> </a:t>
+            </a:r>
+          </a:p>
+          <a:p>
+            <a:r>
+              <a:rPr lang="en-US" sz="1000" dirty="0"/>
+              <a:t>An example of aggregation: A library patron borrows a book. That’s not exclusive ownership, since several people can borrow a book over its lifetime.</a:t>
+            </a:r>
+          </a:p>
+          <a:p>
+            <a:r>
+              <a:rPr lang="en-US" sz="1000" dirty="0"/>
+              <a:t> </a:t>
+            </a:r>
+          </a:p>
+          <a:p>
+            <a:r>
+              <a:rPr lang="en-US" sz="1000" dirty="0"/>
+              <a:t>The easy way to tell if something is composition or aggregation is to ask if the owner is responsible for creating and destroying the thing that is owned. If so, it’s a composition relationship.</a:t>
             </a:r>
           </a:p>
           <a:p>
             <a:endParaRPr lang="en-US" sz="1000" dirty="0"/>
-          </a:p>
-          <a:p>
-            <a:r>
-              <a:rPr lang="en-US" sz="1000" dirty="0"/>
-              <a:t>We have and Abstract class Animal that provides the template for an Abstract method “</a:t>
-            </a:r>
-            <a:r>
-              <a:rPr lang="en-US" sz="1000" dirty="0" err="1"/>
-              <a:t>PrintYourAngrySound</a:t>
-            </a:r>
-            <a:r>
-              <a:rPr lang="en-US" sz="1000" dirty="0"/>
-              <a:t>()”. We have Subclasses Dog and Cat who both Override “</a:t>
-            </a:r>
-            <a:r>
-              <a:rPr lang="en-US" sz="1000" dirty="0" err="1"/>
-              <a:t>PrintYour</a:t>
-            </a:r>
-            <a:r>
-              <a:rPr lang="en-US" sz="1000" dirty="0"/>
-              <a:t> </a:t>
-            </a:r>
-            <a:r>
-              <a:rPr lang="en-US" sz="1000" dirty="0" err="1"/>
-              <a:t>AngreeSound</a:t>
-            </a:r>
-            <a:r>
-              <a:rPr lang="en-US" sz="1000" dirty="0"/>
-              <a:t>()” as required. Then we have a </a:t>
-            </a:r>
-            <a:r>
-              <a:rPr lang="en-US" sz="1000" dirty="0" err="1"/>
-              <a:t>Bigcat</a:t>
-            </a:r>
-            <a:r>
-              <a:rPr lang="en-US" sz="1000" dirty="0"/>
-              <a:t> class that Extends Cat. We have seen all of these things before.</a:t>
-            </a:r>
-          </a:p>
-          <a:p>
-            <a:endParaRPr lang="en-US" sz="1000" dirty="0"/>
-          </a:p>
-          <a:p>
-            <a:r>
-              <a:rPr lang="en-US" sz="1000" dirty="0"/>
-              <a:t>Now we have added the idea of Random numbers. Let’s ignore that for now. It’s enough to know that  the Random class that came  from “</a:t>
-            </a:r>
-            <a:r>
-              <a:rPr lang="en-US" sz="1000" dirty="0" err="1"/>
-              <a:t>java.util.Random</a:t>
-            </a:r>
-            <a:r>
-              <a:rPr lang="en-US" sz="1000" dirty="0"/>
-              <a:t>” generates random numbers. Who would  have guessed…</a:t>
-            </a:r>
-          </a:p>
-          <a:p>
-            <a:endParaRPr lang="en-US" sz="1000" dirty="0"/>
-          </a:p>
-          <a:p>
-            <a:r>
-              <a:rPr lang="en-US" sz="1000" dirty="0"/>
-              <a:t>Now for the finalize… Notice how “</a:t>
-            </a:r>
-            <a:r>
-              <a:rPr lang="en-US" sz="1000" dirty="0" err="1"/>
-              <a:t>someAnimal</a:t>
-            </a:r>
-            <a:r>
-              <a:rPr lang="en-US" sz="1000" dirty="0"/>
-              <a:t>” can behave like “Dog”, “Cat”, or “</a:t>
-            </a:r>
-            <a:r>
-              <a:rPr lang="en-US" sz="1000" dirty="0" err="1"/>
-              <a:t>Bigcat</a:t>
-            </a:r>
-            <a:r>
-              <a:rPr lang="en-US" sz="1000" dirty="0"/>
-              <a:t>” depending the random number generated. This is Polymorphism. </a:t>
-            </a:r>
-          </a:p>
-          <a:p>
-            <a:endParaRPr lang="en-US" sz="1000" dirty="0"/>
-          </a:p>
-          <a:p>
-            <a:r>
-              <a:rPr lang="en-US" sz="1000" dirty="0"/>
-              <a:t>Now can you come up with that brief animal based interview response for  Polymorphism. Be sure to throw in “oh yes, Polymorphism is usually implemented with virtual methods and a  virtual method table” to get full credit at the  interview. </a:t>
-            </a:r>
-          </a:p>
-          <a:p>
-            <a:endParaRPr lang="en-US" sz="1000" dirty="0"/>
-          </a:p>
-          <a:p>
-            <a:r>
-              <a:rPr lang="en-US" sz="1000" dirty="0"/>
-              <a:t>It may also be good to know what that actually means just in case one of the interviewers really know what a virtual method table is and has a follow up question. </a:t>
-            </a:r>
           </a:p>
         </p:txBody>
       </p:sp>
@@ -2382,7 +2439,7 @@
     </p:spTree>
     <p:extLst>
       <p:ext uri="{BB962C8B-B14F-4D97-AF65-F5344CB8AC3E}">
-        <p14:creationId xmlns:p14="http://schemas.microsoft.com/office/powerpoint/2010/main" val="1620225859"/>
+        <p14:creationId xmlns:p14="http://schemas.microsoft.com/office/powerpoint/2010/main" val="3265044190"/>
       </p:ext>
     </p:extLst>
   </p:cSld>
@@ -2438,100 +2495,39 @@
           <a:p>
             <a:r>
               <a:rPr lang="en-US" sz="1000" dirty="0"/>
-              <a:t>Composition: An example of composition: the relationship between Face and Nose, Mouth, and Eye</a:t>
-            </a:r>
-          </a:p>
-          <a:p>
+              <a:t>“Design Patterns: Elements of Reusable Object-Oriented Software” has been influential in defining software engineering patterns and is regarded as an important source for object-oriented design theory and practice. The authors are often referred to the “Gang of Four (</a:t>
+            </a:r>
+            <a:r>
+              <a:rPr lang="en-US" sz="1000" dirty="0" err="1"/>
+              <a:t>GoF</a:t>
+            </a:r>
             <a:r>
               <a:rPr lang="en-US" sz="1000" dirty="0"/>
-              <a:t>class Face {</a:t>
-            </a:r>
+              <a:t>)”</a:t>
+            </a:r>
+          </a:p>
+          <a:p>
+            <a:endParaRPr lang="en-US" sz="1000" dirty="0"/>
           </a:p>
           <a:p>
             <a:r>
               <a:rPr lang="en-US" sz="1000" dirty="0"/>
-              <a:t>	Nose n;</a:t>
-            </a:r>
+              <a:t>Interview tip: The answer to any question that references design patterns should include “Gang of Four”, “Reusable Object-Oriented Software”, and “Model-View-Controller”. Now let’s learn what those are. </a:t>
+            </a:r>
+          </a:p>
+          <a:p>
+            <a:endParaRPr lang="en-US" sz="1000" dirty="0"/>
           </a:p>
           <a:p>
             <a:r>
               <a:rPr lang="en-US" sz="1000" dirty="0"/>
-              <a:t>	Mouth m;</a:t>
+              <a:t>Why Use Patterns?</a:t>
             </a:r>
           </a:p>
           <a:p>
             <a:r>
               <a:rPr lang="en-US" sz="1000" dirty="0"/>
-              <a:t>	Eye le;</a:t>
-            </a:r>
-          </a:p>
-          <a:p>
-            <a:r>
-              <a:rPr lang="en-US" sz="1000" dirty="0"/>
-              <a:t>	Eye re;</a:t>
-            </a:r>
-          </a:p>
-          <a:p>
-            <a:r>
-              <a:rPr lang="en-US" sz="1000" dirty="0"/>
-              <a:t>}</a:t>
-            </a:r>
-          </a:p>
-          <a:p>
-            <a:r>
-              <a:rPr lang="en-US" sz="1000" dirty="0"/>
-              <a:t> </a:t>
-            </a:r>
-          </a:p>
-          <a:p>
-            <a:r>
-              <a:rPr lang="en-US" sz="1000" dirty="0"/>
-              <a:t>We probably wouldn’t let the Nose, Mouth, or Eye objects live beyond the Face. They are owned exclusively by the Face. That’s what composition is: exclusive ownership.</a:t>
-            </a:r>
-          </a:p>
-          <a:p>
-            <a:r>
-              <a:rPr lang="en-US" sz="1000" dirty="0"/>
-              <a:t> </a:t>
-            </a:r>
-          </a:p>
-          <a:p>
-            <a:r>
-              <a:rPr lang="en-US" sz="1000" dirty="0"/>
-              <a:t>One clear sign that we are dealing with composition is if the owner (Face, for example) is responsible for actually creating the objects it owns. Then, clearly, the things that are owned – the Nose, Mouth, etc. – could not have existed on their own and are therefore exclusively owned by the owner object.</a:t>
-            </a:r>
-          </a:p>
-          <a:p>
-            <a:endParaRPr lang="en-US" sz="1000" b="1" dirty="0"/>
-          </a:p>
-          <a:p>
-            <a:r>
-              <a:rPr lang="en-US" sz="1000" dirty="0"/>
-              <a:t>Aggregation: Aggregation is also a form of ownership, but it’s non-exclusive ownership. The owned objects can live on and perhaps existed prior to the owned object. </a:t>
-            </a:r>
-          </a:p>
-          <a:p>
-            <a:r>
-              <a:rPr lang="en-US" sz="1000" dirty="0"/>
-              <a:t> </a:t>
-            </a:r>
-          </a:p>
-          <a:p>
-            <a:r>
-              <a:rPr lang="en-US" sz="1000" dirty="0"/>
-              <a:t>An example of aggregation: A library patron borrows a book. That’s not exclusive ownership, since several people can borrow a book over its lifetime.</a:t>
-            </a:r>
-          </a:p>
-          <a:p>
-            <a:r>
-              <a:rPr lang="en-US" sz="1000" dirty="0"/>
-              <a:t> </a:t>
-            </a:r>
-          </a:p>
-          <a:p>
-            <a:r>
-              <a:rPr lang="en-US" sz="1000" dirty="0"/>
-              <a:t>The easy way to tell if something is composition or aggregation is to ask if the owner is responsible for creating and destroying the thing that is owned. If so, it’s a composition relationship.</a:t>
+              <a:t>Using patterns helps us write good software more regularly, because they are tried-and-true approaches to writing it.</a:t>
             </a:r>
           </a:p>
           <a:p>
@@ -2565,7 +2561,7 @@
     </p:spTree>
     <p:extLst>
       <p:ext uri="{BB962C8B-B14F-4D97-AF65-F5344CB8AC3E}">
-        <p14:creationId xmlns:p14="http://schemas.microsoft.com/office/powerpoint/2010/main" val="3265044190"/>
+        <p14:creationId xmlns:p14="http://schemas.microsoft.com/office/powerpoint/2010/main" val="1597468320"/>
       </p:ext>
     </p:extLst>
   </p:cSld>
@@ -2621,43 +2617,45 @@
           <a:p>
             <a:r>
               <a:rPr lang="en-US" sz="1000" dirty="0"/>
-              <a:t>“Design Patterns: Elements of Reusable Object-Oriented Software” has been influential in defining software engineering patterns and is regarded as an important source for object-oriented design theory and practice. The authors are often referred to the “Gang of Four (</a:t>
-            </a:r>
-            <a:r>
-              <a:rPr lang="en-US" sz="1000" dirty="0" err="1"/>
-              <a:t>GoF</a:t>
-            </a:r>
+              <a:t>Singleton are pretty easy to understand and come in very handy. A application Logfile class or Configuration file manager are common examples of singletons. </a:t>
+            </a:r>
+          </a:p>
+          <a:p>
+            <a:endParaRPr lang="en-US" sz="1000" dirty="0"/>
+          </a:p>
+          <a:p>
             <a:r>
               <a:rPr lang="en-US" sz="1000" dirty="0"/>
-              <a:t>)”</a:t>
-            </a:r>
-          </a:p>
-          <a:p>
-            <a:endParaRPr lang="en-US" sz="1000" dirty="0"/>
-          </a:p>
-          <a:p>
+              <a:t>Singleton (making sure there is just one instance of something to avoid conflicts - </a:t>
+            </a:r>
+            <a:r>
+              <a:rPr lang="en-US" sz="1000" u="sng" dirty="0">
+                <a:hlinkClick r:id="rId3"/>
+              </a:rPr>
+              <a:t>http://www.oodesign.com/singleton-pattern.html</a:t>
+            </a:r>
             <a:r>
               <a:rPr lang="en-US" sz="1000" dirty="0"/>
-              <a:t>Interview tip: The answer to any question that references design patterns should include “Gang of Four”, “Reusable Object-Oriented Software”, and “Model-View-Controller”. Now let’s learn what those are. </a:t>
-            </a:r>
-          </a:p>
-          <a:p>
-            <a:endParaRPr lang="en-US" sz="1000" dirty="0"/>
+              <a:t>) These are great for coordinating activity across multiple threads of execution or making sure there is a single point of control for a limited resource like a file or printer.</a:t>
+            </a:r>
           </a:p>
           <a:p>
             <a:r>
               <a:rPr lang="en-US" sz="1000" dirty="0"/>
-              <a:t>Why Use Patterns?</a:t>
+              <a:t> </a:t>
             </a:r>
           </a:p>
           <a:p>
             <a:r>
               <a:rPr lang="en-US" sz="1000" dirty="0"/>
-              <a:t>Using patterns helps us write good software more regularly, because they are tried-and-true approaches to writing it.</a:t>
-            </a:r>
-          </a:p>
-          <a:p>
-            <a:endParaRPr lang="en-US" sz="1000" dirty="0"/>
+              <a:t>A singleton can be written in Java by making the constructor for the class private and equipping the class with a static function that ensures that the constructor is called only if no other objects of that class already exist.</a:t>
+            </a:r>
+          </a:p>
+          <a:p>
+            <a:r>
+              <a:rPr lang="en-US" sz="1000" dirty="0"/>
+              <a:t> </a:t>
+            </a:r>
           </a:p>
         </p:txBody>
       </p:sp>
@@ -2687,7 +2685,7 @@
     </p:spTree>
     <p:extLst>
       <p:ext uri="{BB962C8B-B14F-4D97-AF65-F5344CB8AC3E}">
-        <p14:creationId xmlns:p14="http://schemas.microsoft.com/office/powerpoint/2010/main" val="1597468320"/>
+        <p14:creationId xmlns:p14="http://schemas.microsoft.com/office/powerpoint/2010/main" val="2315985070"/>
       </p:ext>
     </p:extLst>
   </p:cSld>
@@ -2743,7 +2741,45 @@
           <a:p>
             <a:r>
               <a:rPr lang="en-US" sz="1000" dirty="0"/>
-              <a:t>Singleton are pretty easy to understand and come in very handy. A application Logfile class or Configuration file manager are common examples of singletons. </a:t>
+              <a:t>An example would be a system that manages student data. We would want to segregate the Model (data) from the View (UI) for several reasons including that there will likely be many different Views that access the same </a:t>
+            </a:r>
+            <a:r>
+              <a:rPr lang="en-US" sz="1000" dirty="0" err="1"/>
+              <a:t>dataincluding</a:t>
+            </a:r>
+            <a:r>
+              <a:rPr lang="en-US" sz="1000" dirty="0"/>
+              <a:t>: </a:t>
+            </a:r>
+          </a:p>
+          <a:p>
+            <a:r>
+              <a:rPr lang="en-US" sz="1000" dirty="0"/>
+              <a:t>student view</a:t>
+            </a:r>
+          </a:p>
+          <a:p>
+            <a:r>
+              <a:rPr lang="en-US" sz="1000" dirty="0"/>
+              <a:t>faculty view </a:t>
+            </a:r>
+          </a:p>
+          <a:p>
+            <a:r>
+              <a:rPr lang="en-US" sz="1000" dirty="0"/>
+              <a:t>administrator view, </a:t>
+            </a:r>
+          </a:p>
+          <a:p>
+            <a:r>
+              <a:rPr lang="en-US" sz="1000" dirty="0"/>
+              <a:t>Web student view, </a:t>
+            </a:r>
+          </a:p>
+          <a:p>
+            <a:r>
+              <a:rPr lang="en-US" sz="1000" dirty="0"/>
+              <a:t>mobile student view, etc. </a:t>
             </a:r>
           </a:p>
           <a:p>
@@ -2752,35 +2788,60 @@
           <a:p>
             <a:r>
               <a:rPr lang="en-US" sz="1000" dirty="0"/>
-              <a:t>Singleton (making sure there is just one instance of something to avoid conflicts - </a:t>
-            </a:r>
-            <a:r>
-              <a:rPr lang="en-US" sz="1000" u="sng" dirty="0">
-                <a:hlinkClick r:id="rId3"/>
-              </a:rPr>
-              <a:t>http://www.oodesign.com/singleton-pattern.html</a:t>
-            </a:r>
+              <a:t>Evolution of UI and Data segregation</a:t>
+            </a:r>
+          </a:p>
+          <a:p>
+            <a:pPr marL="181240" indent="-181240">
+              <a:buFont typeface="Arial" panose="020B0604020202020204" pitchFamily="34" charset="0"/>
+              <a:buChar char="•"/>
+            </a:pPr>
             <a:r>
               <a:rPr lang="en-US" sz="1000" dirty="0"/>
-              <a:t>) These are great for coordinating activity across multiple threads of execution or making sure there is a single point of control for a limited resource like a file or printer.</a:t>
-            </a:r>
-          </a:p>
-          <a:p>
+              <a:t>Document-View (View was responsible for View-Controller functionality)</a:t>
+            </a:r>
+          </a:p>
+          <a:p>
+            <a:pPr marL="181240" indent="-181240">
+              <a:buFont typeface="Arial" panose="020B0604020202020204" pitchFamily="34" charset="0"/>
+              <a:buChar char="•"/>
+            </a:pPr>
             <a:r>
               <a:rPr lang="en-US" sz="1000" dirty="0"/>
-              <a:t> </a:t>
-            </a:r>
-          </a:p>
-          <a:p>
+              <a:t>Model-View-Controller</a:t>
+            </a:r>
+          </a:p>
+          <a:p>
+            <a:pPr marL="181240" indent="-181240" defTabSz="966612">
+              <a:buFont typeface="Arial" panose="020B0604020202020204" pitchFamily="34" charset="0"/>
+              <a:buChar char="•"/>
+              <a:defRPr/>
+            </a:pPr>
             <a:r>
               <a:rPr lang="en-US" sz="1000" dirty="0"/>
-              <a:t>A singleton can be written in Java by making the constructor for the class private and equipping the class with a static function that ensures that the constructor is called only if no other objects of that class already exist.</a:t>
-            </a:r>
-          </a:p>
-          <a:p>
+              <a:t>Model–View–</a:t>
+            </a:r>
+            <a:r>
+              <a:rPr lang="en-US" sz="1000" dirty="0" err="1"/>
+              <a:t>Viewmodel</a:t>
+            </a:r>
+            <a:endParaRPr lang="en-US" sz="1000" dirty="0"/>
+          </a:p>
+          <a:p>
+            <a:pPr marL="181240" indent="-181240" defTabSz="966612">
+              <a:buFont typeface="Arial" panose="020B0604020202020204" pitchFamily="34" charset="0"/>
+              <a:buChar char="•"/>
+              <a:defRPr/>
+            </a:pPr>
+            <a:endParaRPr lang="en-US" sz="1000" dirty="0"/>
+          </a:p>
+          <a:p>
+            <a:pPr defTabSz="966612">
+              <a:defRPr/>
+            </a:pPr>
             <a:r>
               <a:rPr lang="en-US" sz="1000" dirty="0"/>
-              <a:t> </a:t>
+              <a:t>Learn this Pattern!</a:t>
             </a:r>
           </a:p>
         </p:txBody>
@@ -2811,7 +2872,7 @@
     </p:spTree>
     <p:extLst>
       <p:ext uri="{BB962C8B-B14F-4D97-AF65-F5344CB8AC3E}">
-        <p14:creationId xmlns:p14="http://schemas.microsoft.com/office/powerpoint/2010/main" val="2315985070"/>
+        <p14:creationId xmlns:p14="http://schemas.microsoft.com/office/powerpoint/2010/main" val="1896517626"/>
       </p:ext>
     </p:extLst>
   </p:cSld>
@@ -2867,107 +2928,7 @@
           <a:p>
             <a:r>
               <a:rPr lang="en-US" sz="1000" dirty="0"/>
-              <a:t>An example would be a system that manages student data. We would want to segregate the Model (data) from the View (UI) for several reasons including that there will likely be many different Views that access the same </a:t>
-            </a:r>
-            <a:r>
-              <a:rPr lang="en-US" sz="1000" dirty="0" err="1"/>
-              <a:t>dataincluding</a:t>
-            </a:r>
-            <a:r>
-              <a:rPr lang="en-US" sz="1000" dirty="0"/>
-              <a:t>: </a:t>
-            </a:r>
-          </a:p>
-          <a:p>
-            <a:r>
-              <a:rPr lang="en-US" sz="1000" dirty="0"/>
-              <a:t>student view</a:t>
-            </a:r>
-          </a:p>
-          <a:p>
-            <a:r>
-              <a:rPr lang="en-US" sz="1000" dirty="0"/>
-              <a:t>faculty view </a:t>
-            </a:r>
-          </a:p>
-          <a:p>
-            <a:r>
-              <a:rPr lang="en-US" sz="1000" dirty="0"/>
-              <a:t>administrator view, </a:t>
-            </a:r>
-          </a:p>
-          <a:p>
-            <a:r>
-              <a:rPr lang="en-US" sz="1000" dirty="0"/>
-              <a:t>Web student view, </a:t>
-            </a:r>
-          </a:p>
-          <a:p>
-            <a:r>
-              <a:rPr lang="en-US" sz="1000" dirty="0"/>
-              <a:t>mobile student view, etc. </a:t>
-            </a:r>
-          </a:p>
-          <a:p>
-            <a:endParaRPr lang="en-US" sz="1000" dirty="0"/>
-          </a:p>
-          <a:p>
-            <a:r>
-              <a:rPr lang="en-US" sz="1000" dirty="0"/>
-              <a:t>Evolution of UI and Data segregation</a:t>
-            </a:r>
-          </a:p>
-          <a:p>
-            <a:pPr marL="181240" indent="-181240">
-              <a:buFont typeface="Arial" panose="020B0604020202020204" pitchFamily="34" charset="0"/>
-              <a:buChar char="•"/>
-            </a:pPr>
-            <a:r>
-              <a:rPr lang="en-US" sz="1000" dirty="0"/>
-              <a:t>Document-View (View was responsible for View-Controller functionality)</a:t>
-            </a:r>
-          </a:p>
-          <a:p>
-            <a:pPr marL="181240" indent="-181240">
-              <a:buFont typeface="Arial" panose="020B0604020202020204" pitchFamily="34" charset="0"/>
-              <a:buChar char="•"/>
-            </a:pPr>
-            <a:r>
-              <a:rPr lang="en-US" sz="1000" dirty="0"/>
-              <a:t>Model-View-Controller</a:t>
-            </a:r>
-          </a:p>
-          <a:p>
-            <a:pPr marL="181240" indent="-181240" defTabSz="966612">
-              <a:buFont typeface="Arial" panose="020B0604020202020204" pitchFamily="34" charset="0"/>
-              <a:buChar char="•"/>
-              <a:defRPr/>
-            </a:pPr>
-            <a:r>
-              <a:rPr lang="en-US" sz="1000" dirty="0"/>
-              <a:t>Model–View–</a:t>
-            </a:r>
-            <a:r>
-              <a:rPr lang="en-US" sz="1000" dirty="0" err="1"/>
-              <a:t>Viewmodel</a:t>
-            </a:r>
-            <a:endParaRPr lang="en-US" sz="1000" dirty="0"/>
-          </a:p>
-          <a:p>
-            <a:pPr marL="181240" indent="-181240" defTabSz="966612">
-              <a:buFont typeface="Arial" panose="020B0604020202020204" pitchFamily="34" charset="0"/>
-              <a:buChar char="•"/>
-              <a:defRPr/>
-            </a:pPr>
-            <a:endParaRPr lang="en-US" sz="1000" dirty="0"/>
-          </a:p>
-          <a:p>
-            <a:pPr defTabSz="966612">
-              <a:defRPr/>
-            </a:pPr>
-            <a:r>
-              <a:rPr lang="en-US" sz="1000" dirty="0"/>
-              <a:t>Learn this Pattern!</a:t>
+              <a:t>Our procedural (C) implementation of BMI would be a great example of Immobility… maybe a good example of  all three of these.  </a:t>
             </a:r>
           </a:p>
         </p:txBody>
@@ -2998,7 +2959,7 @@
     </p:spTree>
     <p:extLst>
       <p:ext uri="{BB962C8B-B14F-4D97-AF65-F5344CB8AC3E}">
-        <p14:creationId xmlns:p14="http://schemas.microsoft.com/office/powerpoint/2010/main" val="1896517626"/>
+        <p14:creationId xmlns:p14="http://schemas.microsoft.com/office/powerpoint/2010/main" val="3067745442"/>
       </p:ext>
     </p:extLst>
   </p:cSld>
@@ -3085,7 +3046,7 @@
     </p:spTree>
     <p:extLst>
       <p:ext uri="{BB962C8B-B14F-4D97-AF65-F5344CB8AC3E}">
-        <p14:creationId xmlns:p14="http://schemas.microsoft.com/office/powerpoint/2010/main" val="3067745442"/>
+        <p14:creationId xmlns:p14="http://schemas.microsoft.com/office/powerpoint/2010/main" val="2628331845"/>
       </p:ext>
     </p:extLst>
   </p:cSld>
@@ -3139,10 +3100,7 @@
           <a:bodyPr/>
           <a:lstStyle/>
           <a:p>
-            <a:r>
-              <a:rPr lang="en-US" sz="1000" dirty="0"/>
-              <a:t>Our procedural (C) implementation of BMI would be a great example of Immobility… maybe a good example of  all three of these.  </a:t>
-            </a:r>
+            <a:endParaRPr lang="en-US" dirty="0"/>
           </a:p>
         </p:txBody>
       </p:sp>
@@ -3172,7 +3130,7 @@
     </p:spTree>
     <p:extLst>
       <p:ext uri="{BB962C8B-B14F-4D97-AF65-F5344CB8AC3E}">
-        <p14:creationId xmlns:p14="http://schemas.microsoft.com/office/powerpoint/2010/main" val="2628331845"/>
+        <p14:creationId xmlns:p14="http://schemas.microsoft.com/office/powerpoint/2010/main" val="2327208366"/>
       </p:ext>
     </p:extLst>
   </p:cSld>
@@ -3226,7 +3184,10 @@
           <a:bodyPr/>
           <a:lstStyle/>
           <a:p>
-            <a:endParaRPr lang="en-US" dirty="0"/>
+            <a:r>
+              <a:rPr lang="en-US" sz="1000" dirty="0"/>
+              <a:t>Our example of  BMI is C was a great example of NOT implementing this principle. We had to modify the core functionality in order to extend it. It take a long time to know if a class exhibits this principle. You only know after a class has been used by multiple other classes (preferably “owned” by other developers), the class has need to be extended (preferably multiple times), and the dependent classes have not had to change (and the dependent developers have not complained). </a:t>
+            </a:r>
           </a:p>
         </p:txBody>
       </p:sp>
@@ -3256,7 +3217,7 @@
     </p:spTree>
     <p:extLst>
       <p:ext uri="{BB962C8B-B14F-4D97-AF65-F5344CB8AC3E}">
-        <p14:creationId xmlns:p14="http://schemas.microsoft.com/office/powerpoint/2010/main" val="2327208366"/>
+        <p14:creationId xmlns:p14="http://schemas.microsoft.com/office/powerpoint/2010/main" val="839660028"/>
       </p:ext>
     </p:extLst>
   </p:cSld>
@@ -3311,8 +3272,18 @@
           <a:lstStyle/>
           <a:p>
             <a:r>
+              <a:rPr lang="en-US" sz="1000" dirty="0" err="1"/>
+              <a:t>Sooo</a:t>
+            </a:r>
+            <a:r>
               <a:rPr lang="en-US" sz="1000" dirty="0"/>
-              <a:t>First off Welcome! I’m glad you are here. My goal is to get every one of you through this class and to help you learn some object oriented  software development techniques along the way. Even if you don’t intend to be a professional software developer, many of the things that we learn will be valuable in related areas. </a:t>
+              <a:t>… in a moment, I am going to go around on the phone and ask you to give at least a brief introduction of yourself. At least your name and where you are dialing in from today. </a:t>
+            </a:r>
+          </a:p>
+          <a:p>
+            <a:r>
+              <a:rPr lang="en-US" sz="1000" dirty="0"/>
+              <a:t>This is from my Discussion Board post… I am asking all of you to provide a discussion board introduction post of your-self this week. </a:t>
             </a:r>
           </a:p>
           <a:p>
@@ -3321,35 +3292,23 @@
           <a:p>
             <a:r>
               <a:rPr lang="en-US" sz="1000" dirty="0"/>
-              <a:t>Object-oriented programming is the way that the industry develops modern complex sophisticate applications. There really isn’t a viable alternative to:</a:t>
-            </a:r>
+              <a:t>Microsoft C/C++ 6… yes, this was before Visual C++ or Visual Studio. Mid-1990s. There was actually a lot of debate at that time as to if the benefits of C++ were sufficient to move from C. </a:t>
+            </a:r>
+          </a:p>
+          <a:p>
+            <a:endParaRPr lang="en-US" sz="1000" dirty="0"/>
           </a:p>
           <a:p>
             <a:r>
               <a:rPr lang="en-US" sz="1000" dirty="0"/>
-              <a:t>1 – Effectively leverage other peoples code… Graphical User Interfaces</a:t>
-            </a:r>
-          </a:p>
-          <a:p>
-            <a:r>
-              <a:rPr lang="en-US" sz="1000" dirty="0"/>
-              <a:t>2 – Develop, maintain, support, enhance large applications</a:t>
-            </a:r>
-          </a:p>
-          <a:p>
-            <a:r>
-              <a:rPr lang="en-US" sz="1000" dirty="0"/>
-              <a:t>3 – It will be a challenge at first to adjust your mindset… but I promise it will become easier and more natural </a:t>
+              <a:t>Although I have taught multiple university level software development courses in the past, this is the first one I have taught at Lewis University. </a:t>
             </a:r>
           </a:p>
           <a:p>
             <a:endParaRPr lang="en-US" sz="1000" dirty="0"/>
           </a:p>
           <a:p>
-            <a:r>
-              <a:rPr lang="en-US" sz="1000" dirty="0"/>
-              <a:t>You live in the Golden Age of software development. Many good jobs, wonderful tools, interesting and valuable problems to solve. </a:t>
-            </a:r>
+            <a:endParaRPr lang="en-US" sz="1000" dirty="0"/>
           </a:p>
         </p:txBody>
       </p:sp>
@@ -3379,7 +3338,7 @@
     </p:spTree>
     <p:extLst>
       <p:ext uri="{BB962C8B-B14F-4D97-AF65-F5344CB8AC3E}">
-        <p14:creationId xmlns:p14="http://schemas.microsoft.com/office/powerpoint/2010/main" val="1467869537"/>
+        <p14:creationId xmlns:p14="http://schemas.microsoft.com/office/powerpoint/2010/main" val="3428982188"/>
       </p:ext>
     </p:extLst>
   </p:cSld>
@@ -3433,9 +3392,20 @@
           <a:bodyPr/>
           <a:lstStyle/>
           <a:p>
+            <a:pPr defTabSz="966612">
+              <a:defRPr/>
+            </a:pPr>
             <a:r>
               <a:rPr lang="en-US" sz="1000" dirty="0"/>
-              <a:t>Our example of  BMI is C was a great example of NOT implementing this principle. We had to modify the core functionality in order to extend it. It take a long time to know if a class exhibits this principle. You only know after a class has been used by multiple other classes (preferably “owned” by other developers), the class has need to be extended (preferably multiple times), and the dependent classes have not had to change (and the dependent developers have not complained). </a:t>
+              <a:t>The previous example has a minor flaw. Consider the </a:t>
+            </a:r>
+            <a:r>
+              <a:rPr lang="en-US" sz="1000" dirty="0" err="1"/>
+              <a:t>IWorker</a:t>
+            </a:r>
+            <a:r>
+              <a:rPr lang="en-US" sz="1000" dirty="0"/>
+              <a:t> interface. It specifies that workers both eat lunch and do work. What if we end up building and using robotic workers? They don’t have to eat. So, our definition of Worker includes too much and therefore can only be clumsily applied to situations where our understanding of what a worker is might change.</a:t>
             </a:r>
           </a:p>
         </p:txBody>
@@ -3466,7 +3436,7 @@
     </p:spTree>
     <p:extLst>
       <p:ext uri="{BB962C8B-B14F-4D97-AF65-F5344CB8AC3E}">
-        <p14:creationId xmlns:p14="http://schemas.microsoft.com/office/powerpoint/2010/main" val="839660028"/>
+        <p14:creationId xmlns:p14="http://schemas.microsoft.com/office/powerpoint/2010/main" val="520900828"/>
       </p:ext>
     </p:extLst>
   </p:cSld>
@@ -3520,21 +3490,37 @@
           <a:bodyPr/>
           <a:lstStyle/>
           <a:p>
-            <a:pPr defTabSz="966612">
-              <a:defRPr/>
-            </a:pPr>
             <a:r>
               <a:rPr lang="en-US" sz="1000" dirty="0"/>
-              <a:t>The previous example has a minor flaw. Consider the </a:t>
-            </a:r>
-            <a:r>
-              <a:rPr lang="en-US" sz="1000" dirty="0" err="1"/>
-              <a:t>IWorker</a:t>
-            </a:r>
+              <a:t>Bottom Line About These Principles</a:t>
+            </a:r>
+          </a:p>
+          <a:p>
             <a:r>
               <a:rPr lang="en-US" sz="1000" dirty="0"/>
-              <a:t> interface. It specifies that workers both eat lunch and do work. What if we end up building and using robotic workers? They don’t have to eat. So, our definition of Worker includes too much and therefore can only be clumsily applied to situations where our understanding of what a worker is might change.</a:t>
-            </a:r>
+              <a:t>We’ll see these principles again as the course continues. </a:t>
+            </a:r>
+          </a:p>
+          <a:p>
+            <a:r>
+              <a:rPr lang="en-US" sz="1000" dirty="0"/>
+              <a:t> </a:t>
+            </a:r>
+          </a:p>
+          <a:p>
+            <a:r>
+              <a:rPr lang="en-US" sz="1000" dirty="0"/>
+              <a:t>This course mixes theory and practice</a:t>
+            </a:r>
+          </a:p>
+          <a:p>
+            <a:r>
+              <a:rPr lang="en-US" sz="1000" dirty="0"/>
+              <a:t>We will learn and re-learn these concepts as we learn three object-oriented programming languages. The patterns and principles should remain (largely) consistent across languages and platforms.</a:t>
+            </a:r>
+          </a:p>
+          <a:p>
+            <a:endParaRPr lang="en-US" sz="1000" dirty="0"/>
           </a:p>
         </p:txBody>
       </p:sp>
@@ -3564,7 +3550,7 @@
     </p:spTree>
     <p:extLst>
       <p:ext uri="{BB962C8B-B14F-4D97-AF65-F5344CB8AC3E}">
-        <p14:creationId xmlns:p14="http://schemas.microsoft.com/office/powerpoint/2010/main" val="520900828"/>
+        <p14:creationId xmlns:p14="http://schemas.microsoft.com/office/powerpoint/2010/main" val="3214378928"/>
       </p:ext>
     </p:extLst>
   </p:cSld>
@@ -3620,35 +3606,90 @@
           <a:p>
             <a:r>
               <a:rPr lang="en-US" sz="1000" dirty="0"/>
-              <a:t>Bottom Line About These Principles</a:t>
-            </a:r>
+              <a:t>It (mostly) doesn’t matter if all you are doing is setting (or getting) the values.</a:t>
+            </a:r>
+          </a:p>
+          <a:p>
+            <a:endParaRPr lang="en-US" sz="1000" dirty="0"/>
           </a:p>
           <a:p>
             <a:r>
               <a:rPr lang="en-US" sz="1000" dirty="0"/>
-              <a:t>We’ll see these principles again as the course continues. </a:t>
-            </a:r>
-          </a:p>
-          <a:p>
+              <a:t>Why use Setters &amp; Getters?</a:t>
+            </a:r>
+          </a:p>
+          <a:p>
+            <a:pPr marL="171450" indent="-171450">
+              <a:buFont typeface="Arial" panose="020B0604020202020204" pitchFamily="34" charset="0"/>
+              <a:buChar char="•"/>
+            </a:pPr>
             <a:r>
               <a:rPr lang="en-US" sz="1000" dirty="0"/>
-              <a:t> </a:t>
-            </a:r>
-          </a:p>
-          <a:p>
+              <a:t>Because 2 weeks (months, years) from now when you realize that your setter needs to do more than just set the value, you'll also realize that the property has been used directly in 238 other classes.</a:t>
+            </a:r>
+          </a:p>
+          <a:p>
+            <a:pPr marL="171450" marR="0" lvl="0" indent="-171450" algn="l" defTabSz="914400" rtl="0" eaLnBrk="1" fontAlgn="auto" latinLnBrk="0" hangingPunct="1">
+              <a:lnSpc>
+                <a:spcPct val="100000"/>
+              </a:lnSpc>
+              <a:spcBef>
+                <a:spcPts val="0"/>
+              </a:spcBef>
+              <a:spcAft>
+                <a:spcPts val="0"/>
+              </a:spcAft>
+              <a:buClrTx/>
+              <a:buSzTx/>
+              <a:buFont typeface="Arial" panose="020B0604020202020204" pitchFamily="34" charset="0"/>
+              <a:buChar char="•"/>
+              <a:tabLst/>
+              <a:defRPr/>
+            </a:pPr>
             <a:r>
               <a:rPr lang="en-US" sz="1000" dirty="0"/>
-              <a:t>This course mixes theory and practice</a:t>
-            </a:r>
-          </a:p>
-          <a:p>
+              <a:t>Validation</a:t>
+            </a:r>
+          </a:p>
+          <a:p>
+            <a:pPr marL="171450" indent="-171450">
+              <a:buFont typeface="Arial" panose="020B0604020202020204" pitchFamily="34" charset="0"/>
+              <a:buChar char="•"/>
+            </a:pPr>
             <a:r>
               <a:rPr lang="en-US" sz="1000" dirty="0"/>
-              <a:t>We will learn and re-learn these concepts as we learn three object-oriented programming languages. The patterns and principles should remain (largely) consistent across languages and platforms.</a:t>
-            </a:r>
-          </a:p>
-          <a:p>
-            <a:endParaRPr lang="en-US" sz="1000" dirty="0"/>
+              <a:t>Optimization</a:t>
+            </a:r>
+          </a:p>
+          <a:p>
+            <a:pPr marL="171450" indent="-171450">
+              <a:buFont typeface="Arial" panose="020B0604020202020204" pitchFamily="34" charset="0"/>
+              <a:buChar char="•"/>
+            </a:pPr>
+            <a:r>
+              <a:rPr lang="en-US" sz="1000" dirty="0"/>
+              <a:t>Change the values (English to metric)</a:t>
+            </a:r>
+          </a:p>
+          <a:p>
+            <a:pPr marL="171450" indent="-171450">
+              <a:buFont typeface="Arial" panose="020B0604020202020204" pitchFamily="34" charset="0"/>
+              <a:buChar char="•"/>
+            </a:pPr>
+            <a:r>
+              <a:rPr lang="en-US" sz="1000" dirty="0"/>
+              <a:t>Debugging breakpoint</a:t>
+            </a:r>
+          </a:p>
+          <a:p>
+            <a:pPr marL="171450" indent="-171450">
+              <a:buFont typeface="Arial" panose="020B0604020202020204" pitchFamily="34" charset="0"/>
+              <a:buChar char="•"/>
+            </a:pPr>
+            <a:r>
+              <a:rPr lang="en-US" sz="1000" dirty="0"/>
+              <a:t>Some libraries expect this</a:t>
+            </a:r>
           </a:p>
         </p:txBody>
       </p:sp>
@@ -3678,7 +3719,7 @@
     </p:spTree>
     <p:extLst>
       <p:ext uri="{BB962C8B-B14F-4D97-AF65-F5344CB8AC3E}">
-        <p14:creationId xmlns:p14="http://schemas.microsoft.com/office/powerpoint/2010/main" val="3214378928"/>
+        <p14:creationId xmlns:p14="http://schemas.microsoft.com/office/powerpoint/2010/main" val="1908608686"/>
       </p:ext>
     </p:extLst>
   </p:cSld>
@@ -3734,7 +3775,7 @@
           <a:p>
             <a:r>
               <a:rPr lang="en-US" sz="1000" dirty="0"/>
-              <a:t>It (mostly) doesn’t matter if all you are doing is setting (or getting) the values.</a:t>
+              <a:t>Getting ready for next week… Get this set up for yourself this week by compiling and running “HelloWorld”.</a:t>
             </a:r>
           </a:p>
           <a:p>
@@ -3743,80 +3784,69 @@
           <a:p>
             <a:r>
               <a:rPr lang="en-US" sz="1000" dirty="0"/>
-              <a:t>Why use Setters &amp; Getters?</a:t>
-            </a:r>
-          </a:p>
-          <a:p>
-            <a:pPr marL="171450" indent="-171450">
-              <a:buFont typeface="Arial" panose="020B0604020202020204" pitchFamily="34" charset="0"/>
-              <a:buChar char="•"/>
-            </a:pPr>
+              <a:t>I will be using the Microsoft Code Editor and the command line Java JDK to review and grade your assignments. Make CERTAIN that the assignments you submit compile an run in these environments. Lets start by submitting a single .java file for at least the first two weeks. Then we will consider extending our practices. </a:t>
+            </a:r>
+          </a:p>
+          <a:p>
+            <a:endParaRPr lang="en-US" sz="1000" dirty="0"/>
+          </a:p>
+          <a:p>
             <a:r>
               <a:rPr lang="en-US" sz="1000" dirty="0"/>
-              <a:t>Because 2 weeks (months, years) from now when you realize that your setter needs to do more than just set the value, you'll also realize that the property has been used directly in 238 other classes.</a:t>
-            </a:r>
-          </a:p>
-          <a:p>
-            <a:pPr marL="171450" marR="0" lvl="0" indent="-171450" algn="l" defTabSz="914400" rtl="0" eaLnBrk="1" fontAlgn="auto" latinLnBrk="0" hangingPunct="1">
-              <a:lnSpc>
-                <a:spcPct val="100000"/>
-              </a:lnSpc>
-              <a:spcBef>
-                <a:spcPts val="0"/>
-              </a:spcBef>
-              <a:spcAft>
-                <a:spcPts val="0"/>
-              </a:spcAft>
-              <a:buClrTx/>
-              <a:buSzTx/>
-              <a:buFont typeface="Arial" panose="020B0604020202020204" pitchFamily="34" charset="0"/>
-              <a:buChar char="•"/>
-              <a:tabLst/>
-              <a:defRPr/>
-            </a:pPr>
+              <a:t>I will be compiling your applications with the standard </a:t>
+            </a:r>
+            <a:r>
+              <a:rPr lang="en-US" sz="1000" dirty="0" err="1"/>
+              <a:t>javac</a:t>
+            </a:r>
             <a:r>
               <a:rPr lang="en-US" sz="1000" dirty="0"/>
-              <a:t>Validation</a:t>
-            </a:r>
-          </a:p>
-          <a:p>
-            <a:pPr marL="171450" indent="-171450">
-              <a:buFont typeface="Arial" panose="020B0604020202020204" pitchFamily="34" charset="0"/>
-              <a:buChar char="•"/>
-            </a:pPr>
+              <a:t> and java command line tools. For example, if you submitted a file named “ShapesApp.java”, I would expect:</a:t>
+            </a:r>
+          </a:p>
+          <a:p>
             <a:r>
               <a:rPr lang="en-US" sz="1000" dirty="0"/>
-              <a:t>Optimization</a:t>
-            </a:r>
-          </a:p>
-          <a:p>
-            <a:pPr marL="171450" indent="-171450">
-              <a:buFont typeface="Arial" panose="020B0604020202020204" pitchFamily="34" charset="0"/>
-              <a:buChar char="•"/>
-            </a:pPr>
+              <a:t>To compile  it with the command “</a:t>
+            </a:r>
+            <a:r>
+              <a:rPr lang="en-US" sz="1000" dirty="0" err="1"/>
+              <a:t>javac</a:t>
+            </a:r>
             <a:r>
               <a:rPr lang="en-US" sz="1000" dirty="0"/>
-              <a:t>Change the values (English to metric)</a:t>
-            </a:r>
-          </a:p>
-          <a:p>
-            <a:pPr marL="171450" indent="-171450">
-              <a:buFont typeface="Arial" panose="020B0604020202020204" pitchFamily="34" charset="0"/>
-              <a:buChar char="•"/>
-            </a:pPr>
+              <a:t> .\ShapesApp.java”</a:t>
+            </a:r>
+          </a:p>
+          <a:p>
             <a:r>
               <a:rPr lang="en-US" sz="1000" dirty="0"/>
-              <a:t>Debugging breakpoint</a:t>
-            </a:r>
-          </a:p>
-          <a:p>
-            <a:pPr marL="171450" indent="-171450">
-              <a:buFont typeface="Arial" panose="020B0604020202020204" pitchFamily="34" charset="0"/>
-              <a:buChar char="•"/>
-            </a:pPr>
+              <a:t>To run it with the command “java -</a:t>
+            </a:r>
+            <a:r>
+              <a:rPr lang="en-US" sz="1000" dirty="0" err="1"/>
+              <a:t>cp</a:t>
+            </a:r>
             <a:r>
               <a:rPr lang="en-US" sz="1000" dirty="0"/>
-              <a:t>Some libraries expect this</a:t>
+              <a:t> . </a:t>
+            </a:r>
+            <a:r>
+              <a:rPr lang="en-US" sz="1000" dirty="0" err="1"/>
+              <a:t>ShapesApp</a:t>
+            </a:r>
+            <a:r>
+              <a:rPr lang="en-US" sz="1000" dirty="0"/>
+              <a:t>”</a:t>
+            </a:r>
+          </a:p>
+          <a:p>
+            <a:endParaRPr lang="en-US" sz="1000" dirty="0"/>
+          </a:p>
+          <a:p>
+            <a:r>
+              <a:rPr lang="en-US" sz="1000" dirty="0"/>
+              <a:t>You should test all assignments using this configuration BEFORE you turn them in for review and grading. </a:t>
             </a:r>
           </a:p>
         </p:txBody>
@@ -3839,172 +3869,6 @@
             <a:fld id="{5394DE12-7B9B-46AA-AC19-C30A49928B9B}" type="slidenum">
               <a:rPr lang="en-US" smtClean="0"/>
               <a:t>33</a:t>
-            </a:fld>
-            <a:endParaRPr lang="en-US"/>
-          </a:p>
-        </p:txBody>
-      </p:sp>
-    </p:spTree>
-    <p:extLst>
-      <p:ext uri="{BB962C8B-B14F-4D97-AF65-F5344CB8AC3E}">
-        <p14:creationId xmlns:p14="http://schemas.microsoft.com/office/powerpoint/2010/main" val="1908608686"/>
-      </p:ext>
-    </p:extLst>
-  </p:cSld>
-  <p:clrMapOvr>
-    <a:masterClrMapping/>
-  </p:clrMapOvr>
-</p:notes>
-</file>
-
-<file path=ppt/notesSlides/notesSlide34.xml><?xml version="1.0" encoding="utf-8"?>
-<p:notes xmlns:a="http://schemas.openxmlformats.org/drawingml/2006/main" xmlns:r="http://schemas.openxmlformats.org/officeDocument/2006/relationships" xmlns:p="http://schemas.openxmlformats.org/presentationml/2006/main">
-  <p:cSld>
-    <p:spTree>
-      <p:nvGrpSpPr>
-        <p:cNvPr id="1" name=""/>
-        <p:cNvGrpSpPr/>
-        <p:nvPr/>
-      </p:nvGrpSpPr>
-      <p:grpSpPr>
-        <a:xfrm>
-          <a:off x="0" y="0"/>
-          <a:ext cx="0" cy="0"/>
-          <a:chOff x="0" y="0"/>
-          <a:chExt cx="0" cy="0"/>
-        </a:xfrm>
-      </p:grpSpPr>
-      <p:sp>
-        <p:nvSpPr>
-          <p:cNvPr id="2" name="Slide Image Placeholder 1"/>
-          <p:cNvSpPr>
-            <a:spLocks noGrp="1" noRot="1" noChangeAspect="1"/>
-          </p:cNvSpPr>
-          <p:nvPr>
-            <p:ph type="sldImg"/>
-          </p:nvPr>
-        </p:nvSpPr>
-        <p:spPr/>
-      </p:sp>
-      <p:sp>
-        <p:nvSpPr>
-          <p:cNvPr id="3" name="Notes Placeholder 2"/>
-          <p:cNvSpPr>
-            <a:spLocks noGrp="1"/>
-          </p:cNvSpPr>
-          <p:nvPr>
-            <p:ph type="body" idx="1"/>
-          </p:nvPr>
-        </p:nvSpPr>
-        <p:spPr/>
-        <p:txBody>
-          <a:bodyPr/>
-          <a:lstStyle/>
-          <a:p>
-            <a:r>
-              <a:rPr lang="en-US" sz="1000" dirty="0"/>
-              <a:t>Get this set up for yourself this week by compiling and running “HelloWorld”.</a:t>
-            </a:r>
-          </a:p>
-          <a:p>
-            <a:endParaRPr lang="en-US" sz="1000" dirty="0"/>
-          </a:p>
-          <a:p>
-            <a:r>
-              <a:rPr lang="en-US" sz="1000" dirty="0"/>
-              <a:t>I will be using the Microsoft Code Editor and the </a:t>
-            </a:r>
-            <a:r>
-              <a:rPr lang="en-US" sz="1000"/>
-              <a:t>command line </a:t>
-            </a:r>
-            <a:r>
-              <a:rPr lang="en-US" sz="1000" dirty="0"/>
-              <a:t>Java JDK to review and grade your assignments. Make CERTAIN that the assignments you submit compile an run in these environments. Lets start by submitting a single .java file for at least the first two weeks. Then we will consider extending our practices. </a:t>
-            </a:r>
-          </a:p>
-          <a:p>
-            <a:endParaRPr lang="en-US" sz="1000" dirty="0"/>
-          </a:p>
-          <a:p>
-            <a:r>
-              <a:rPr lang="en-US" sz="1000" dirty="0"/>
-              <a:t>I will be compiling your applications with the standard </a:t>
-            </a:r>
-            <a:r>
-              <a:rPr lang="en-US" sz="1000" dirty="0" err="1"/>
-              <a:t>javac</a:t>
-            </a:r>
-            <a:r>
-              <a:rPr lang="en-US" sz="1000" dirty="0"/>
-              <a:t> and java command line tools. For example, if you submitted a file named “ShapesApp.java”, I would expect:</a:t>
-            </a:r>
-          </a:p>
-          <a:p>
-            <a:r>
-              <a:rPr lang="en-US" sz="1000" dirty="0"/>
-              <a:t>To compile  it with the command “</a:t>
-            </a:r>
-            <a:r>
-              <a:rPr lang="en-US" sz="1000" dirty="0" err="1"/>
-              <a:t>javac</a:t>
-            </a:r>
-            <a:r>
-              <a:rPr lang="en-US" sz="1000" dirty="0"/>
-              <a:t> .\ShapesApp.java”</a:t>
-            </a:r>
-          </a:p>
-          <a:p>
-            <a:r>
-              <a:rPr lang="en-US" sz="1000" dirty="0"/>
-              <a:t>To run it with the command “java -</a:t>
-            </a:r>
-            <a:r>
-              <a:rPr lang="en-US" sz="1000" dirty="0" err="1"/>
-              <a:t>cp</a:t>
-            </a:r>
-            <a:r>
-              <a:rPr lang="en-US" sz="1000" dirty="0"/>
-              <a:t> . </a:t>
-            </a:r>
-            <a:r>
-              <a:rPr lang="en-US" sz="1000" dirty="0" err="1"/>
-              <a:t>ShapesApp</a:t>
-            </a:r>
-            <a:r>
-              <a:rPr lang="en-US" sz="1000" dirty="0"/>
-              <a:t>”</a:t>
-            </a:r>
-          </a:p>
-          <a:p>
-            <a:endParaRPr lang="en-US" sz="1000" dirty="0"/>
-          </a:p>
-          <a:p>
-            <a:r>
-              <a:rPr lang="en-US" sz="1000" dirty="0"/>
-              <a:t>You should test all assignments using this configuration BEFORE you turn them in for review and grading. </a:t>
-            </a:r>
-          </a:p>
-        </p:txBody>
-      </p:sp>
-      <p:sp>
-        <p:nvSpPr>
-          <p:cNvPr id="4" name="Slide Number Placeholder 3"/>
-          <p:cNvSpPr>
-            <a:spLocks noGrp="1"/>
-          </p:cNvSpPr>
-          <p:nvPr>
-            <p:ph type="sldNum" sz="quarter" idx="10"/>
-          </p:nvPr>
-        </p:nvSpPr>
-        <p:spPr/>
-        <p:txBody>
-          <a:bodyPr/>
-          <a:lstStyle/>
-          <a:p>
-            <a:fld id="{5394DE12-7B9B-46AA-AC19-C30A49928B9B}" type="slidenum">
-              <a:rPr lang="en-US" smtClean="0"/>
-              <a:t>34</a:t>
             </a:fld>
             <a:endParaRPr lang="en-US"/>
           </a:p>
@@ -4067,43 +3931,6 @@
           <a:bodyPr/>
           <a:lstStyle/>
           <a:p>
-            <a:r>
-              <a:rPr lang="en-US" sz="1000" dirty="0" err="1"/>
-              <a:t>Sooo</a:t>
-            </a:r>
-            <a:r>
-              <a:rPr lang="en-US" sz="1000" dirty="0"/>
-              <a:t>… in a moment, I am going to go around on the phone and ask everyone to give at least a brief introduction of yourself. At least your name and where you are dialing in from today. </a:t>
-            </a:r>
-          </a:p>
-          <a:p>
-            <a:r>
-              <a:rPr lang="en-US" sz="1000" dirty="0"/>
-              <a:t>This is from my Discussion Board post… I am asking all of you to provide a discussion board introduction post of your-self this week. </a:t>
-            </a:r>
-          </a:p>
-          <a:p>
-            <a:endParaRPr lang="en-US" sz="1000" dirty="0"/>
-          </a:p>
-          <a:p>
-            <a:r>
-              <a:rPr lang="en-US" sz="1000" dirty="0"/>
-              <a:t>Microsoft C/C++ 6… yes, this was before Visual C++ or Visual Studio. Mid-1990s. There was actually a lot of debate at that time as to if the benefits of C++ were sufficient to move from C. </a:t>
-            </a:r>
-          </a:p>
-          <a:p>
-            <a:endParaRPr lang="en-US" sz="1000" dirty="0"/>
-          </a:p>
-          <a:p>
-            <a:r>
-              <a:rPr lang="en-US" sz="1000" dirty="0"/>
-              <a:t>Although I have taught multiple university level software development courses in the past, this is the first one I have taught at Lewis University. </a:t>
-            </a:r>
-          </a:p>
-          <a:p>
-            <a:endParaRPr lang="en-US" sz="1000" dirty="0"/>
-          </a:p>
-          <a:p>
             <a:endParaRPr lang="en-US" sz="1000" dirty="0"/>
           </a:p>
         </p:txBody>
@@ -4134,7 +3961,7 @@
     </p:spTree>
     <p:extLst>
       <p:ext uri="{BB962C8B-B14F-4D97-AF65-F5344CB8AC3E}">
-        <p14:creationId xmlns:p14="http://schemas.microsoft.com/office/powerpoint/2010/main" val="3428982188"/>
+        <p14:creationId xmlns:p14="http://schemas.microsoft.com/office/powerpoint/2010/main" val="2138987402"/>
       </p:ext>
     </p:extLst>
   </p:cSld>
@@ -4218,7 +4045,7 @@
     </p:spTree>
     <p:extLst>
       <p:ext uri="{BB962C8B-B14F-4D97-AF65-F5344CB8AC3E}">
-        <p14:creationId xmlns:p14="http://schemas.microsoft.com/office/powerpoint/2010/main" val="2138987402"/>
+        <p14:creationId xmlns:p14="http://schemas.microsoft.com/office/powerpoint/2010/main" val="94766260"/>
       </p:ext>
     </p:extLst>
   </p:cSld>
@@ -4302,7 +4129,7 @@
     </p:spTree>
     <p:extLst>
       <p:ext uri="{BB962C8B-B14F-4D97-AF65-F5344CB8AC3E}">
-        <p14:creationId xmlns:p14="http://schemas.microsoft.com/office/powerpoint/2010/main" val="94766260"/>
+        <p14:creationId xmlns:p14="http://schemas.microsoft.com/office/powerpoint/2010/main" val="78267285"/>
       </p:ext>
     </p:extLst>
   </p:cSld>
@@ -4356,7 +4183,10 @@
           <a:bodyPr/>
           <a:lstStyle/>
           <a:p>
-            <a:endParaRPr lang="en-US" sz="1000" dirty="0"/>
+            <a:r>
+              <a:rPr lang="en-US" sz="1000" dirty="0"/>
+              <a:t>Note that we are not planning on having formal exams. </a:t>
+            </a:r>
           </a:p>
         </p:txBody>
       </p:sp>
@@ -4386,7 +4216,7 @@
     </p:spTree>
     <p:extLst>
       <p:ext uri="{BB962C8B-B14F-4D97-AF65-F5344CB8AC3E}">
-        <p14:creationId xmlns:p14="http://schemas.microsoft.com/office/powerpoint/2010/main" val="78267285"/>
+        <p14:creationId xmlns:p14="http://schemas.microsoft.com/office/powerpoint/2010/main" val="2863021871"/>
       </p:ext>
     </p:extLst>
   </p:cSld>
@@ -4440,10 +4270,7 @@
           <a:bodyPr/>
           <a:lstStyle/>
           <a:p>
-            <a:r>
-              <a:rPr lang="en-US" sz="1000" dirty="0"/>
-              <a:t>Note that we are not planning on having formal exams. </a:t>
-            </a:r>
+            <a:endParaRPr lang="en-US" sz="1000" dirty="0"/>
           </a:p>
         </p:txBody>
       </p:sp>
@@ -4473,7 +4300,7 @@
     </p:spTree>
     <p:extLst>
       <p:ext uri="{BB962C8B-B14F-4D97-AF65-F5344CB8AC3E}">
-        <p14:creationId xmlns:p14="http://schemas.microsoft.com/office/powerpoint/2010/main" val="2863021871"/>
+        <p14:creationId xmlns:p14="http://schemas.microsoft.com/office/powerpoint/2010/main" val="2487442193"/>
       </p:ext>
     </p:extLst>
   </p:cSld>
@@ -4527,7 +4354,67 @@
           <a:bodyPr/>
           <a:lstStyle/>
           <a:p>
+            <a:r>
+              <a:rPr lang="en-US" sz="1000" dirty="0"/>
+              <a:t>We have a lot of solid topics for our first week. You will quickly notice that three words are underlined. You will see references to object-oriented concepts, patterns, and principles throughout the week and throughout the class.</a:t>
+            </a:r>
+          </a:p>
+          <a:p>
+            <a:endParaRPr lang="en-US" sz="1000" u="sng" dirty="0"/>
+          </a:p>
+          <a:p>
+            <a:r>
+              <a:rPr lang="en-US" sz="1000" u="sng" dirty="0"/>
+              <a:t>Concepts</a:t>
+            </a:r>
+            <a:r>
+              <a:rPr lang="en-US" sz="1000" dirty="0"/>
+              <a:t>: Practices, standards, and tools the effectively support object-oriented design and programming… I need to do enhance the BMI class to provide better Encapsulation and hide the height and weight properties (hours). </a:t>
+            </a:r>
+          </a:p>
+          <a:p>
+            <a:endParaRPr lang="en-US" sz="1000" u="sng" dirty="0"/>
+          </a:p>
+          <a:p>
+            <a:r>
+              <a:rPr lang="en-US" sz="1000" u="sng" dirty="0"/>
+              <a:t>Patterns</a:t>
+            </a:r>
+            <a:r>
+              <a:rPr lang="en-US" sz="1000" dirty="0"/>
+              <a:t>: Well established templates for forging relationships between classes… I would like to generate the random Animal generator using a Factory pattern so it is more supportable (days)</a:t>
+            </a:r>
+          </a:p>
+          <a:p>
+            <a:endParaRPr lang="en-US" sz="1000" u="sng" dirty="0"/>
+          </a:p>
+          <a:p>
+            <a:r>
+              <a:rPr lang="en-US" sz="1000" u="sng" dirty="0"/>
+              <a:t>Principles</a:t>
+            </a:r>
+            <a:r>
+              <a:rPr lang="en-US" sz="1000" dirty="0"/>
+              <a:t>: Proven industry guidelines… Using a Factory Pattern is a good start; however, I think we should focus more on making sure that  we follow the Open Close Principle throughout our product (weeks+)</a:t>
+            </a:r>
+          </a:p>
+          <a:p>
             <a:endParaRPr lang="en-US" sz="1000" dirty="0"/>
+          </a:p>
+          <a:p>
+            <a:r>
+              <a:rPr lang="en-US" sz="1000" dirty="0"/>
+              <a:t>If  you take a look through the topics you will hopefully see a few that are familiar; however, I suspect that many will be new. Don’t be concern, by the end of the week you will have some familiarity with all of them. You should also have resources that will let you go back and refresh you memory when you need to do that. </a:t>
+            </a:r>
+          </a:p>
+          <a:p>
+            <a:endParaRPr lang="en-US" sz="1000" dirty="0"/>
+          </a:p>
+          <a:p>
+            <a:r>
+              <a:rPr lang="en-US" sz="1000" dirty="0"/>
+              <a:t>I am going to divide the topics up into three or four sections so that we can focus and keep our energy. </a:t>
+            </a:r>
           </a:p>
         </p:txBody>
       </p:sp>
@@ -4557,7 +4444,7 @@
     </p:spTree>
     <p:extLst>
       <p:ext uri="{BB962C8B-B14F-4D97-AF65-F5344CB8AC3E}">
-        <p14:creationId xmlns:p14="http://schemas.microsoft.com/office/powerpoint/2010/main" val="2487442193"/>
+        <p14:creationId xmlns:p14="http://schemas.microsoft.com/office/powerpoint/2010/main" val="4262655271"/>
       </p:ext>
     </p:extLst>
   </p:cSld>
@@ -7410,13 +7297,13 @@
             <a:spLocks noGrp="1"/>
           </p:cNvSpPr>
           <p:nvPr>
-            <p:ph type="ctrTitle"/>
+            <p:ph type="title"/>
           </p:nvPr>
         </p:nvSpPr>
         <p:spPr>
           <a:xfrm>
-            <a:off x="1524000" y="1122363"/>
-            <a:ext cx="9144000" cy="2387600"/>
+            <a:off x="838200" y="365126"/>
+            <a:ext cx="6113662" cy="1409174"/>
           </a:xfrm>
         </p:spPr>
         <p:txBody>
@@ -7426,52 +7313,157 @@
           <a:lstStyle/>
           <a:p>
             <a:r>
-              <a:rPr lang="en-US" sz="4800" dirty="0"/>
+              <a:rPr lang="en-US" sz="3600" dirty="0"/>
               <a:t>Object-Oriented Programming</a:t>
             </a:r>
-          </a:p>
-        </p:txBody>
-      </p:sp>
-      <p:sp>
-        <p:nvSpPr>
-          <p:cNvPr id="3" name="Subtitle 2"/>
+            <a:br>
+              <a:rPr lang="en-US" sz="3600" dirty="0"/>
+            </a:br>
+            <a:r>
+              <a:rPr lang="en-US" sz="1800" dirty="0"/>
+              <a:t>Discussion &amp; Lecture: Week 1 </a:t>
+            </a:r>
+            <a:br>
+              <a:rPr lang="en-US" sz="1800" dirty="0"/>
+            </a:br>
+            <a:r>
+              <a:rPr lang="en-US" sz="1800" dirty="0"/>
+              <a:t>Instructor: Eric Pogue</a:t>
+            </a:r>
+            <a:endParaRPr lang="en-US" sz="1800" b="1" i="1" u="sng" dirty="0"/>
+          </a:p>
+        </p:txBody>
+      </p:sp>
+      <p:sp>
+        <p:nvSpPr>
+          <p:cNvPr id="3" name="Content Placeholder 2"/>
           <p:cNvSpPr>
             <a:spLocks noGrp="1"/>
           </p:cNvSpPr>
           <p:nvPr>
-            <p:ph type="subTitle" idx="1"/>
+            <p:ph idx="1"/>
           </p:nvPr>
         </p:nvSpPr>
         <p:spPr>
           <a:xfrm>
-            <a:off x="1524000" y="3602038"/>
-            <a:ext cx="9144000" cy="2198022"/>
+            <a:off x="838200" y="1943857"/>
+            <a:ext cx="10718950" cy="4571242"/>
           </a:xfrm>
         </p:spPr>
         <p:txBody>
           <a:bodyPr>
-            <a:normAutofit/>
+            <a:noAutofit/>
           </a:bodyPr>
           <a:lstStyle/>
           <a:p>
-            <a:pPr algn="l"/>
-            <a:r>
-              <a:rPr lang="en-US" dirty="0"/>
-              <a:t>Discussion &amp; Lecture: Week 1 </a:t>
-            </a:r>
-          </a:p>
-          <a:p>
-            <a:pPr algn="l"/>
-            <a:r>
-              <a:rPr lang="en-US" dirty="0"/>
-              <a:t>Date: 21 Mar 17</a:t>
-            </a:r>
-          </a:p>
-          <a:p>
-            <a:pPr algn="l"/>
-            <a:r>
-              <a:rPr lang="en-US" dirty="0"/>
-              <a:t>Instructor: Eric Pogue</a:t>
+            <a:pPr marL="0" indent="0">
+              <a:buNone/>
+            </a:pPr>
+            <a:r>
+              <a:rPr lang="en-US" sz="2000" u="sng" dirty="0"/>
+              <a:t>Agenda – Week 1 Discussion &amp; Lecture (21 Mar 17 at 3pm CST)</a:t>
+            </a:r>
+            <a:endParaRPr lang="en-US" sz="2000" u="sng" dirty="0"/>
+          </a:p>
+          <a:p>
+            <a:pPr marL="457200" indent="-457200">
+              <a:buFont typeface="+mj-lt"/>
+              <a:buAutoNum type="arabicPeriod"/>
+            </a:pPr>
+            <a:r>
+              <a:rPr lang="en-US" sz="2000" dirty="0"/>
+              <a:t>Friendly Conversation &amp; Good Natured Banter (~5 min)… let’s make sure that everyone can hear and speak in the virtual meeting</a:t>
+            </a:r>
+          </a:p>
+          <a:p>
+            <a:pPr marL="457200" indent="-457200">
+              <a:buFont typeface="+mj-lt"/>
+              <a:buAutoNum type="arabicPeriod"/>
+            </a:pPr>
+            <a:r>
+              <a:rPr lang="en-US" sz="2000" dirty="0"/>
+              <a:t>Welcome (~5 min)</a:t>
+            </a:r>
+          </a:p>
+          <a:p>
+            <a:pPr marL="457200" indent="-457200">
+              <a:buFont typeface="+mj-lt"/>
+              <a:buAutoNum type="arabicPeriod"/>
+            </a:pPr>
+            <a:r>
+              <a:rPr lang="en-US" sz="2000" dirty="0"/>
+              <a:t>Introductions (~10 min)</a:t>
+            </a:r>
+          </a:p>
+          <a:p>
+            <a:pPr marL="457200" indent="-457200">
+              <a:buFont typeface="+mj-lt"/>
+              <a:buAutoNum type="arabicPeriod"/>
+            </a:pPr>
+            <a:r>
+              <a:rPr lang="en-US" sz="2000" dirty="0"/>
+              <a:t>Review Course Syllabus (~15 min)</a:t>
+            </a:r>
+          </a:p>
+          <a:p>
+            <a:pPr marL="457200" indent="-457200">
+              <a:buFont typeface="+mj-lt"/>
+              <a:buAutoNum type="arabicPeriod"/>
+            </a:pPr>
+            <a:r>
+              <a:rPr lang="en-US" sz="2000" dirty="0"/>
+              <a:t>Review </a:t>
+            </a:r>
+            <a:r>
+              <a:rPr lang="en-US" sz="2000" u="sng" dirty="0"/>
+              <a:t>selected</a:t>
+            </a:r>
+            <a:r>
+              <a:rPr lang="en-US" sz="2000" dirty="0"/>
+              <a:t> Learning Objectives from Week 1 (~50 min)</a:t>
+            </a:r>
+          </a:p>
+          <a:p>
+            <a:pPr marL="457200" indent="-457200">
+              <a:buFont typeface="+mj-lt"/>
+              <a:buAutoNum type="arabicPeriod"/>
+            </a:pPr>
+            <a:r>
+              <a:rPr lang="en-US" sz="2000" dirty="0"/>
+              <a:t>Additional Topics (~10 min)</a:t>
+            </a:r>
+          </a:p>
+          <a:p>
+            <a:pPr lvl="1"/>
+            <a:r>
+              <a:rPr lang="en-US" sz="2000" dirty="0"/>
+              <a:t>Setters &amp; Getters</a:t>
+            </a:r>
+          </a:p>
+          <a:p>
+            <a:pPr lvl="1"/>
+            <a:r>
+              <a:rPr lang="en-US" sz="2000" dirty="0"/>
+              <a:t>Java Development Environment Overview</a:t>
+            </a:r>
+          </a:p>
+          <a:p>
+            <a:pPr marL="514350" indent="-514350">
+              <a:buFont typeface="+mj-lt"/>
+              <a:buAutoNum type="arabicPeriod"/>
+            </a:pPr>
+            <a:r>
+              <a:rPr lang="en-US" sz="2000" dirty="0"/>
+              <a:t>Wrap-up and Final Notes (~15 min starting no later than 4:15)</a:t>
+            </a:r>
+          </a:p>
+          <a:p>
+            <a:pPr marL="0" indent="0">
+              <a:buNone/>
+            </a:pPr>
+            <a:r>
+              <a:rPr lang="en-US" sz="2000" dirty="0"/>
+              <a:t>Question &amp; Discussion Welcome at and Time</a:t>
             </a:r>
           </a:p>
         </p:txBody>
@@ -7492,7 +7484,7 @@
         </p:blipFill>
         <p:spPr>
           <a:xfrm>
-            <a:off x="8697433" y="376717"/>
+            <a:off x="9072894" y="182925"/>
             <a:ext cx="2656367" cy="1366321"/>
           </a:xfrm>
           <a:prstGeom prst="rect">
@@ -7503,7 +7495,7 @@
     </p:spTree>
     <p:extLst>
       <p:ext uri="{BB962C8B-B14F-4D97-AF65-F5344CB8AC3E}">
-        <p14:creationId xmlns:p14="http://schemas.microsoft.com/office/powerpoint/2010/main" val="3388933671"/>
+        <p14:creationId xmlns:p14="http://schemas.microsoft.com/office/powerpoint/2010/main" val="4063339403"/>
       </p:ext>
     </p:extLst>
   </p:cSld>
@@ -7554,287 +7546,6 @@
           <a:p>
             <a:r>
               <a:rPr lang="en-US" sz="3600" dirty="0"/>
-              <a:t>Learning Objectives</a:t>
-            </a:r>
-            <a:endParaRPr lang="en-US" sz="3600" b="1" i="1" u="sng" dirty="0"/>
-          </a:p>
-        </p:txBody>
-      </p:sp>
-      <p:sp>
-        <p:nvSpPr>
-          <p:cNvPr id="3" name="Content Placeholder 2"/>
-          <p:cNvSpPr>
-            <a:spLocks noGrp="1"/>
-          </p:cNvSpPr>
-          <p:nvPr>
-            <p:ph idx="1"/>
-          </p:nvPr>
-        </p:nvSpPr>
-        <p:spPr>
-          <a:xfrm>
-            <a:off x="838200" y="1051756"/>
-            <a:ext cx="10718950" cy="5463343"/>
-          </a:xfrm>
-        </p:spPr>
-        <p:txBody>
-          <a:bodyPr>
-            <a:normAutofit fontScale="92500" lnSpcReduction="10000"/>
-          </a:bodyPr>
-          <a:lstStyle/>
-          <a:p>
-            <a:pPr marL="457200" indent="-457200">
-              <a:buFont typeface="+mj-lt"/>
-              <a:buAutoNum type="arabicPeriod"/>
-            </a:pPr>
-            <a:r>
-              <a:rPr lang="en-US" sz="2200" dirty="0"/>
-              <a:t>Define object-oriented programming</a:t>
-            </a:r>
-          </a:p>
-          <a:p>
-            <a:pPr marL="457200" indent="-457200">
-              <a:buFont typeface="+mj-lt"/>
-              <a:buAutoNum type="arabicPeriod"/>
-            </a:pPr>
-            <a:r>
-              <a:rPr lang="en-US" sz="2200" dirty="0">
-                <a:solidFill>
-                  <a:schemeClr val="bg1">
-                    <a:lumMod val="65000"/>
-                  </a:schemeClr>
-                </a:solidFill>
-              </a:rPr>
-              <a:t>Position object-oriented programming within Software Development Lifecycle (SDLC)</a:t>
-            </a:r>
-          </a:p>
-          <a:p>
-            <a:pPr marL="457200" indent="-457200">
-              <a:buFont typeface="+mj-lt"/>
-              <a:buAutoNum type="arabicPeriod"/>
-            </a:pPr>
-            <a:r>
-              <a:rPr lang="en-US" sz="2200" dirty="0">
-                <a:solidFill>
-                  <a:schemeClr val="bg1">
-                    <a:lumMod val="65000"/>
-                  </a:schemeClr>
-                </a:solidFill>
-              </a:rPr>
-              <a:t>Review object-oriented language and tool selection</a:t>
-            </a:r>
-          </a:p>
-          <a:p>
-            <a:pPr marL="457200" indent="-457200">
-              <a:buFont typeface="+mj-lt"/>
-              <a:buAutoNum type="arabicPeriod"/>
-            </a:pPr>
-            <a:r>
-              <a:rPr lang="en-US" sz="2200" dirty="0"/>
-              <a:t>Demonstrate object-oriented programming </a:t>
-            </a:r>
-            <a:r>
-              <a:rPr lang="en-US" sz="2200" u="sng" dirty="0"/>
-              <a:t>concepts</a:t>
-            </a:r>
-            <a:r>
-              <a:rPr lang="en-US" sz="2200" dirty="0"/>
-              <a:t> with examples</a:t>
-            </a:r>
-          </a:p>
-          <a:p>
-            <a:pPr marL="457200" indent="-457200">
-              <a:buFont typeface="+mj-lt"/>
-              <a:buAutoNum type="arabicPeriod"/>
-            </a:pPr>
-            <a:r>
-              <a:rPr lang="en-US" sz="2200" dirty="0"/>
-              <a:t>Distinguish between a class and an object</a:t>
-            </a:r>
-          </a:p>
-          <a:p>
-            <a:pPr marL="457200" indent="-457200">
-              <a:buFont typeface="+mj-lt"/>
-              <a:buAutoNum type="arabicPeriod"/>
-            </a:pPr>
-            <a:r>
-              <a:rPr lang="en-US" sz="2200" dirty="0"/>
-              <a:t>Review object-oriented concepts… mostly focused on Encapsulation and Polymorphism</a:t>
-            </a:r>
-          </a:p>
-          <a:p>
-            <a:pPr marL="457200" indent="-457200">
-              <a:buFont typeface="+mj-lt"/>
-              <a:buAutoNum type="arabicPeriod"/>
-            </a:pPr>
-            <a:r>
-              <a:rPr lang="en-US" sz="2200" dirty="0"/>
-              <a:t>Identify the superclass and the subclass in an inheritance relationship</a:t>
-            </a:r>
-          </a:p>
-          <a:p>
-            <a:pPr marL="457200" indent="-457200">
-              <a:buFont typeface="+mj-lt"/>
-              <a:buAutoNum type="arabicPeriod"/>
-            </a:pPr>
-            <a:r>
-              <a:rPr lang="en-US" sz="2200" dirty="0"/>
-              <a:t>Demonstrate inheritance, ownership, and abstraction in snippets of Java code</a:t>
-            </a:r>
-          </a:p>
-          <a:p>
-            <a:pPr marL="457200" indent="-457200">
-              <a:buFont typeface="+mj-lt"/>
-              <a:buAutoNum type="arabicPeriod"/>
-            </a:pPr>
-            <a:r>
-              <a:rPr lang="en-US" sz="2200" dirty="0"/>
-              <a:t>Distinguish between aggregation and composition</a:t>
-            </a:r>
-          </a:p>
-          <a:p>
-            <a:pPr marL="457200" indent="-457200">
-              <a:buFont typeface="+mj-lt"/>
-              <a:buAutoNum type="arabicPeriod"/>
-            </a:pPr>
-            <a:r>
-              <a:rPr lang="en-US" sz="2200" dirty="0">
-                <a:solidFill>
-                  <a:schemeClr val="bg1">
-                    <a:lumMod val="65000"/>
-                  </a:schemeClr>
-                </a:solidFill>
-              </a:rPr>
-              <a:t>Depict classes and their relationships using UML class diagrams</a:t>
-            </a:r>
-          </a:p>
-          <a:p>
-            <a:pPr marL="457200" indent="-457200">
-              <a:buFont typeface="+mj-lt"/>
-              <a:buAutoNum type="arabicPeriod"/>
-            </a:pPr>
-            <a:r>
-              <a:rPr lang="en-US" sz="2200" dirty="0"/>
-              <a:t>Define and discuss common object-oriented design </a:t>
-            </a:r>
-            <a:r>
-              <a:rPr lang="en-US" sz="2200" u="sng" dirty="0"/>
-              <a:t>patterns</a:t>
-            </a:r>
-            <a:r>
-              <a:rPr lang="en-US" sz="2200" dirty="0"/>
-              <a:t>... </a:t>
-            </a:r>
-            <a:r>
-              <a:rPr lang="en-US" sz="2200" u="sng" dirty="0"/>
-              <a:t>MVC</a:t>
-            </a:r>
-          </a:p>
-          <a:p>
-            <a:pPr marL="457200" indent="-457200">
-              <a:buFont typeface="+mj-lt"/>
-              <a:buAutoNum type="arabicPeriod"/>
-            </a:pPr>
-            <a:r>
-              <a:rPr lang="en-US" sz="2200" dirty="0"/>
-              <a:t>Define and discuss common object-oriented design </a:t>
-            </a:r>
-            <a:r>
-              <a:rPr lang="en-US" sz="2200" u="sng" dirty="0"/>
-              <a:t>principles</a:t>
-            </a:r>
-            <a:r>
-              <a:rPr lang="en-US" sz="2200" dirty="0"/>
-              <a:t> and characteristics of bad software… briefly if there is time </a:t>
-            </a:r>
-          </a:p>
-          <a:p>
-            <a:pPr marL="457200" indent="-457200">
-              <a:buFont typeface="+mj-lt"/>
-              <a:buAutoNum type="arabicPeriod"/>
-            </a:pPr>
-            <a:r>
-              <a:rPr lang="en-US" sz="2200" dirty="0">
-                <a:solidFill>
-                  <a:schemeClr val="bg1">
-                    <a:lumMod val="65000"/>
-                  </a:schemeClr>
-                </a:solidFill>
-              </a:rPr>
-              <a:t>Recap: How is object-oriented programming different</a:t>
-            </a:r>
-          </a:p>
-          <a:p>
-            <a:pPr marL="457200" indent="-457200">
-              <a:buFont typeface="+mj-lt"/>
-              <a:buAutoNum type="arabicPeriod"/>
-            </a:pPr>
-            <a:r>
-              <a:rPr lang="en-US" sz="2200" dirty="0">
-                <a:solidFill>
-                  <a:schemeClr val="bg1">
-                    <a:lumMod val="65000"/>
-                  </a:schemeClr>
-                </a:solidFill>
-              </a:rPr>
-              <a:t>Recap: Why did we choose to learn an object-oriented approach in developing software</a:t>
-            </a:r>
-          </a:p>
-        </p:txBody>
-      </p:sp>
-    </p:spTree>
-    <p:extLst>
-      <p:ext uri="{BB962C8B-B14F-4D97-AF65-F5344CB8AC3E}">
-        <p14:creationId xmlns:p14="http://schemas.microsoft.com/office/powerpoint/2010/main" val="1072399538"/>
-      </p:ext>
-    </p:extLst>
-  </p:cSld>
-  <p:clrMapOvr>
-    <a:masterClrMapping/>
-  </p:clrMapOvr>
-</p:sld>
-</file>
-
-<file path=ppt/slides/slide11.xml><?xml version="1.0" encoding="utf-8"?>
-<p:sld xmlns:a="http://schemas.openxmlformats.org/drawingml/2006/main" xmlns:r="http://schemas.openxmlformats.org/officeDocument/2006/relationships" xmlns:p="http://schemas.openxmlformats.org/presentationml/2006/main">
-  <p:cSld>
-    <p:spTree>
-      <p:nvGrpSpPr>
-        <p:cNvPr id="1" name=""/>
-        <p:cNvGrpSpPr/>
-        <p:nvPr/>
-      </p:nvGrpSpPr>
-      <p:grpSpPr>
-        <a:xfrm>
-          <a:off x="0" y="0"/>
-          <a:ext cx="0" cy="0"/>
-          <a:chOff x="0" y="0"/>
-          <a:chExt cx="0" cy="0"/>
-        </a:xfrm>
-      </p:grpSpPr>
-      <p:sp>
-        <p:nvSpPr>
-          <p:cNvPr id="2" name="Title 1"/>
-          <p:cNvSpPr>
-            <a:spLocks noGrp="1"/>
-          </p:cNvSpPr>
-          <p:nvPr>
-            <p:ph type="title"/>
-          </p:nvPr>
-        </p:nvSpPr>
-        <p:spPr>
-          <a:xfrm>
-            <a:off x="838200" y="365126"/>
-            <a:ext cx="10515600" cy="757272"/>
-          </a:xfrm>
-        </p:spPr>
-        <p:txBody>
-          <a:bodyPr>
-            <a:normAutofit/>
-          </a:bodyPr>
-          <a:lstStyle/>
-          <a:p>
-            <a:r>
-              <a:rPr lang="en-US" sz="3600" dirty="0"/>
               <a:t>Object-Oriented Programming </a:t>
             </a:r>
             <a:r>
@@ -7990,7 +7701,7 @@
 </p:sld>
 </file>
 
-<file path=ppt/slides/slide12.xml><?xml version="1.0" encoding="utf-8"?>
+<file path=ppt/slides/slide11.xml><?xml version="1.0" encoding="utf-8"?>
 <p:sld xmlns:a="http://schemas.openxmlformats.org/drawingml/2006/main" xmlns:r="http://schemas.openxmlformats.org/officeDocument/2006/relationships" xmlns:p="http://schemas.openxmlformats.org/presentationml/2006/main">
   <p:cSld>
     <p:spTree>
@@ -8812,7 +8523,7 @@
 </p:sld>
 </file>
 
-<file path=ppt/slides/slide13.xml><?xml version="1.0" encoding="utf-8"?>
+<file path=ppt/slides/slide12.xml><?xml version="1.0" encoding="utf-8"?>
 <p:sld xmlns:a="http://schemas.openxmlformats.org/drawingml/2006/main" xmlns:r="http://schemas.openxmlformats.org/officeDocument/2006/relationships" xmlns:p="http://schemas.openxmlformats.org/presentationml/2006/main">
   <p:cSld>
     <p:spTree>
@@ -9327,7 +9038,7 @@
 </p:sld>
 </file>
 
-<file path=ppt/slides/slide14.xml><?xml version="1.0" encoding="utf-8"?>
+<file path=ppt/slides/slide13.xml><?xml version="1.0" encoding="utf-8"?>
 <p:sld xmlns:a="http://schemas.openxmlformats.org/drawingml/2006/main" xmlns:r="http://schemas.openxmlformats.org/officeDocument/2006/relationships" xmlns:p="http://schemas.openxmlformats.org/presentationml/2006/main">
   <p:cSld>
     <p:spTree>
@@ -9926,6 +9637,828 @@
     <p:extLst>
       <p:ext uri="{BB962C8B-B14F-4D97-AF65-F5344CB8AC3E}">
         <p14:creationId xmlns:p14="http://schemas.microsoft.com/office/powerpoint/2010/main" val="3881117182"/>
+      </p:ext>
+    </p:extLst>
+  </p:cSld>
+  <p:clrMapOvr>
+    <a:masterClrMapping/>
+  </p:clrMapOvr>
+  <p:timing>
+    <p:tnLst>
+      <p:par>
+        <p:cTn id="1" dur="indefinite" restart="never" nodeType="tmRoot">
+          <p:childTnLst>
+            <p:seq concurrent="1" nextAc="seek">
+              <p:cTn id="2" dur="indefinite" nodeType="mainSeq">
+                <p:childTnLst>
+                  <p:par>
+                    <p:cTn id="3" fill="hold">
+                      <p:stCondLst>
+                        <p:cond delay="indefinite"/>
+                      </p:stCondLst>
+                      <p:childTnLst>
+                        <p:par>
+                          <p:cTn id="4" fill="hold">
+                            <p:stCondLst>
+                              <p:cond delay="0"/>
+                            </p:stCondLst>
+                            <p:childTnLst>
+                              <p:par>
+                                <p:cTn id="5" presetID="53" presetClass="entr" presetSubtype="16" fill="hold" grpId="0" nodeType="clickEffect">
+                                  <p:stCondLst>
+                                    <p:cond delay="0"/>
+                                  </p:stCondLst>
+                                  <p:childTnLst>
+                                    <p:set>
+                                      <p:cBhvr>
+                                        <p:cTn id="6" dur="1" fill="hold">
+                                          <p:stCondLst>
+                                            <p:cond delay="0"/>
+                                          </p:stCondLst>
+                                        </p:cTn>
+                                        <p:tgtEl>
+                                          <p:spTgt spid="4"/>
+                                        </p:tgtEl>
+                                        <p:attrNameLst>
+                                          <p:attrName>style.visibility</p:attrName>
+                                        </p:attrNameLst>
+                                      </p:cBhvr>
+                                      <p:to>
+                                        <p:strVal val="visible"/>
+                                      </p:to>
+                                    </p:set>
+                                    <p:anim calcmode="lin" valueType="num">
+                                      <p:cBhvr>
+                                        <p:cTn id="7" dur="500" fill="hold"/>
+                                        <p:tgtEl>
+                                          <p:spTgt spid="4"/>
+                                        </p:tgtEl>
+                                        <p:attrNameLst>
+                                          <p:attrName>ppt_w</p:attrName>
+                                        </p:attrNameLst>
+                                      </p:cBhvr>
+                                      <p:tavLst>
+                                        <p:tav tm="0">
+                                          <p:val>
+                                            <p:fltVal val="0"/>
+                                          </p:val>
+                                        </p:tav>
+                                        <p:tav tm="100000">
+                                          <p:val>
+                                            <p:strVal val="#ppt_w"/>
+                                          </p:val>
+                                        </p:tav>
+                                      </p:tavLst>
+                                    </p:anim>
+                                    <p:anim calcmode="lin" valueType="num">
+                                      <p:cBhvr>
+                                        <p:cTn id="8" dur="500" fill="hold"/>
+                                        <p:tgtEl>
+                                          <p:spTgt spid="4"/>
+                                        </p:tgtEl>
+                                        <p:attrNameLst>
+                                          <p:attrName>ppt_h</p:attrName>
+                                        </p:attrNameLst>
+                                      </p:cBhvr>
+                                      <p:tavLst>
+                                        <p:tav tm="0">
+                                          <p:val>
+                                            <p:fltVal val="0"/>
+                                          </p:val>
+                                        </p:tav>
+                                        <p:tav tm="100000">
+                                          <p:val>
+                                            <p:strVal val="#ppt_h"/>
+                                          </p:val>
+                                        </p:tav>
+                                      </p:tavLst>
+                                    </p:anim>
+                                    <p:animEffect transition="in" filter="fade">
+                                      <p:cBhvr>
+                                        <p:cTn id="9" dur="500"/>
+                                        <p:tgtEl>
+                                          <p:spTgt spid="4"/>
+                                        </p:tgtEl>
+                                      </p:cBhvr>
+                                    </p:animEffect>
+                                  </p:childTnLst>
+                                </p:cTn>
+                              </p:par>
+                              <p:par>
+                                <p:cTn id="10" presetID="53" presetClass="entr" presetSubtype="16" fill="hold" grpId="0" nodeType="withEffect">
+                                  <p:stCondLst>
+                                    <p:cond delay="0"/>
+                                  </p:stCondLst>
+                                  <p:childTnLst>
+                                    <p:set>
+                                      <p:cBhvr>
+                                        <p:cTn id="11" dur="1" fill="hold">
+                                          <p:stCondLst>
+                                            <p:cond delay="0"/>
+                                          </p:stCondLst>
+                                        </p:cTn>
+                                        <p:tgtEl>
+                                          <p:spTgt spid="3"/>
+                                        </p:tgtEl>
+                                        <p:attrNameLst>
+                                          <p:attrName>style.visibility</p:attrName>
+                                        </p:attrNameLst>
+                                      </p:cBhvr>
+                                      <p:to>
+                                        <p:strVal val="visible"/>
+                                      </p:to>
+                                    </p:set>
+                                    <p:anim calcmode="lin" valueType="num">
+                                      <p:cBhvr>
+                                        <p:cTn id="12" dur="500" fill="hold"/>
+                                        <p:tgtEl>
+                                          <p:spTgt spid="3"/>
+                                        </p:tgtEl>
+                                        <p:attrNameLst>
+                                          <p:attrName>ppt_w</p:attrName>
+                                        </p:attrNameLst>
+                                      </p:cBhvr>
+                                      <p:tavLst>
+                                        <p:tav tm="0">
+                                          <p:val>
+                                            <p:fltVal val="0"/>
+                                          </p:val>
+                                        </p:tav>
+                                        <p:tav tm="100000">
+                                          <p:val>
+                                            <p:strVal val="#ppt_w"/>
+                                          </p:val>
+                                        </p:tav>
+                                      </p:tavLst>
+                                    </p:anim>
+                                    <p:anim calcmode="lin" valueType="num">
+                                      <p:cBhvr>
+                                        <p:cTn id="13" dur="500" fill="hold"/>
+                                        <p:tgtEl>
+                                          <p:spTgt spid="3"/>
+                                        </p:tgtEl>
+                                        <p:attrNameLst>
+                                          <p:attrName>ppt_h</p:attrName>
+                                        </p:attrNameLst>
+                                      </p:cBhvr>
+                                      <p:tavLst>
+                                        <p:tav tm="0">
+                                          <p:val>
+                                            <p:fltVal val="0"/>
+                                          </p:val>
+                                        </p:tav>
+                                        <p:tav tm="100000">
+                                          <p:val>
+                                            <p:strVal val="#ppt_h"/>
+                                          </p:val>
+                                        </p:tav>
+                                      </p:tavLst>
+                                    </p:anim>
+                                    <p:animEffect transition="in" filter="fade">
+                                      <p:cBhvr>
+                                        <p:cTn id="14" dur="500"/>
+                                        <p:tgtEl>
+                                          <p:spTgt spid="3"/>
+                                        </p:tgtEl>
+                                      </p:cBhvr>
+                                    </p:animEffect>
+                                  </p:childTnLst>
+                                </p:cTn>
+                              </p:par>
+                            </p:childTnLst>
+                          </p:cTn>
+                        </p:par>
+                      </p:childTnLst>
+                    </p:cTn>
+                  </p:par>
+                </p:childTnLst>
+              </p:cTn>
+              <p:prevCondLst>
+                <p:cond evt="onPrev" delay="0">
+                  <p:tgtEl>
+                    <p:sldTgt/>
+                  </p:tgtEl>
+                </p:cond>
+              </p:prevCondLst>
+              <p:nextCondLst>
+                <p:cond evt="onNext" delay="0">
+                  <p:tgtEl>
+                    <p:sldTgt/>
+                  </p:tgtEl>
+                </p:cond>
+              </p:nextCondLst>
+            </p:seq>
+          </p:childTnLst>
+        </p:cTn>
+      </p:par>
+    </p:tnLst>
+    <p:bldLst>
+      <p:bldP spid="3" grpId="0" animBg="1"/>
+      <p:bldP spid="4" grpId="0" animBg="1"/>
+    </p:bldLst>
+  </p:timing>
+</p:sld>
+</file>
+
+<file path=ppt/slides/slide14.xml><?xml version="1.0" encoding="utf-8"?>
+<p:sld xmlns:a="http://schemas.openxmlformats.org/drawingml/2006/main" xmlns:r="http://schemas.openxmlformats.org/officeDocument/2006/relationships" xmlns:p="http://schemas.openxmlformats.org/presentationml/2006/main">
+  <p:cSld>
+    <p:spTree>
+      <p:nvGrpSpPr>
+        <p:cNvPr id="1" name=""/>
+        <p:cNvGrpSpPr/>
+        <p:nvPr/>
+      </p:nvGrpSpPr>
+      <p:grpSpPr>
+        <a:xfrm>
+          <a:off x="0" y="0"/>
+          <a:ext cx="0" cy="0"/>
+          <a:chOff x="0" y="0"/>
+          <a:chExt cx="0" cy="0"/>
+        </a:xfrm>
+      </p:grpSpPr>
+      <p:pic>
+        <p:nvPicPr>
+          <p:cNvPr id="17" name="Picture 16"/>
+          <p:cNvPicPr>
+            <a:picLocks noChangeAspect="1"/>
+          </p:cNvPicPr>
+          <p:nvPr/>
+        </p:nvPicPr>
+        <p:blipFill>
+          <a:blip r:embed="rId3"/>
+          <a:stretch>
+            <a:fillRect/>
+          </a:stretch>
+        </p:blipFill>
+        <p:spPr>
+          <a:xfrm>
+            <a:off x="5938976" y="1369691"/>
+            <a:ext cx="4114800" cy="3904314"/>
+          </a:xfrm>
+          <a:prstGeom prst="rect">
+            <a:avLst/>
+          </a:prstGeom>
+        </p:spPr>
+      </p:pic>
+      <p:sp>
+        <p:nvSpPr>
+          <p:cNvPr id="2" name="Title 1"/>
+          <p:cNvSpPr>
+            <a:spLocks noGrp="1"/>
+          </p:cNvSpPr>
+          <p:nvPr>
+            <p:ph type="title"/>
+          </p:nvPr>
+        </p:nvSpPr>
+        <p:spPr>
+          <a:xfrm>
+            <a:off x="838200" y="365126"/>
+            <a:ext cx="10515600" cy="757272"/>
+          </a:xfrm>
+        </p:spPr>
+        <p:txBody>
+          <a:bodyPr>
+            <a:normAutofit/>
+          </a:bodyPr>
+          <a:lstStyle/>
+          <a:p>
+            <a:r>
+              <a:rPr lang="en-US" sz="3200" dirty="0"/>
+              <a:t>Distinguish Between a Class and an Object</a:t>
+            </a:r>
+          </a:p>
+        </p:txBody>
+      </p:sp>
+      <p:sp>
+        <p:nvSpPr>
+          <p:cNvPr id="3" name="Oval 2"/>
+          <p:cNvSpPr/>
+          <p:nvPr/>
+        </p:nvSpPr>
+        <p:spPr>
+          <a:xfrm>
+            <a:off x="5775473" y="3784332"/>
+            <a:ext cx="4441806" cy="911381"/>
+          </a:xfrm>
+          <a:prstGeom prst="ellipse">
+            <a:avLst/>
+          </a:prstGeom>
+          <a:solidFill>
+            <a:schemeClr val="accent4">
+              <a:lumMod val="60000"/>
+              <a:lumOff val="40000"/>
+              <a:alpha val="40000"/>
+            </a:schemeClr>
+          </a:solidFill>
+        </p:spPr>
+        <p:style>
+          <a:lnRef idx="2">
+            <a:schemeClr val="accent1">
+              <a:shade val="50000"/>
+            </a:schemeClr>
+          </a:lnRef>
+          <a:fillRef idx="1">
+            <a:schemeClr val="accent1"/>
+          </a:fillRef>
+          <a:effectRef idx="0">
+            <a:schemeClr val="accent1"/>
+          </a:effectRef>
+          <a:fontRef idx="minor">
+            <a:schemeClr val="lt1"/>
+          </a:fontRef>
+        </p:style>
+        <p:txBody>
+          <a:bodyPr rtlCol="0" anchor="ctr"/>
+          <a:lstStyle/>
+          <a:p>
+            <a:pPr algn="ctr"/>
+            <a:endParaRPr lang="en-US" dirty="0"/>
+          </a:p>
+        </p:txBody>
+      </p:sp>
+      <p:sp>
+        <p:nvSpPr>
+          <p:cNvPr id="4" name="Arrow: Down 3"/>
+          <p:cNvSpPr/>
+          <p:nvPr/>
+        </p:nvSpPr>
+        <p:spPr>
+          <a:xfrm>
+            <a:off x="6960805" y="202482"/>
+            <a:ext cx="565426" cy="309217"/>
+          </a:xfrm>
+          <a:prstGeom prst="downArrow">
+            <a:avLst/>
+          </a:prstGeom>
+          <a:solidFill>
+            <a:schemeClr val="accent4">
+              <a:lumMod val="60000"/>
+              <a:lumOff val="40000"/>
+            </a:schemeClr>
+          </a:solidFill>
+        </p:spPr>
+        <p:style>
+          <a:lnRef idx="2">
+            <a:schemeClr val="accent1">
+              <a:shade val="50000"/>
+            </a:schemeClr>
+          </a:lnRef>
+          <a:fillRef idx="1">
+            <a:schemeClr val="accent1"/>
+          </a:fillRef>
+          <a:effectRef idx="0">
+            <a:schemeClr val="accent1"/>
+          </a:effectRef>
+          <a:fontRef idx="minor">
+            <a:schemeClr val="lt1"/>
+          </a:fontRef>
+        </p:style>
+        <p:txBody>
+          <a:bodyPr rtlCol="0" anchor="ctr"/>
+          <a:lstStyle/>
+          <a:p>
+            <a:pPr algn="ctr"/>
+            <a:endParaRPr lang="en-US"/>
+          </a:p>
+        </p:txBody>
+      </p:sp>
+      <p:pic>
+        <p:nvPicPr>
+          <p:cNvPr id="10" name="Picture 9"/>
+          <p:cNvPicPr>
+            <a:picLocks noChangeAspect="1"/>
+          </p:cNvPicPr>
+          <p:nvPr/>
+        </p:nvPicPr>
+        <p:blipFill>
+          <a:blip r:embed="rId4"/>
+          <a:stretch>
+            <a:fillRect/>
+          </a:stretch>
+        </p:blipFill>
+        <p:spPr>
+          <a:xfrm>
+            <a:off x="915000" y="1369691"/>
+            <a:ext cx="4114800" cy="3226565"/>
+          </a:xfrm>
+          <a:prstGeom prst="rect">
+            <a:avLst/>
+          </a:prstGeom>
+        </p:spPr>
+      </p:pic>
+      <p:sp>
+        <p:nvSpPr>
+          <p:cNvPr id="11" name="Content Placeholder 2"/>
+          <p:cNvSpPr txBox="1">
+            <a:spLocks/>
+          </p:cNvSpPr>
+          <p:nvPr/>
+        </p:nvSpPr>
+        <p:spPr>
+          <a:xfrm>
+            <a:off x="838200" y="1065009"/>
+            <a:ext cx="4141944" cy="397148"/>
+          </a:xfrm>
+          <a:prstGeom prst="rect">
+            <a:avLst/>
+          </a:prstGeom>
+        </p:spPr>
+        <p:txBody>
+          <a:bodyPr vert="horz" lIns="91440" tIns="45720" rIns="91440" bIns="45720" rtlCol="0">
+            <a:normAutofit/>
+          </a:bodyPr>
+          <a:lstStyle>
+            <a:lvl1pPr marL="228600" indent="-228600" algn="l" defTabSz="914400" rtl="0" eaLnBrk="1" latinLnBrk="0" hangingPunct="1">
+              <a:lnSpc>
+                <a:spcPct val="90000"/>
+              </a:lnSpc>
+              <a:spcBef>
+                <a:spcPts val="1000"/>
+              </a:spcBef>
+              <a:buFont typeface="Arial" panose="020B0604020202020204" pitchFamily="34" charset="0"/>
+              <a:buChar char="•"/>
+              <a:defRPr sz="2800" kern="1200">
+                <a:solidFill>
+                  <a:schemeClr val="tx1"/>
+                </a:solidFill>
+                <a:latin typeface="+mn-lt"/>
+                <a:ea typeface="+mn-ea"/>
+                <a:cs typeface="+mn-cs"/>
+              </a:defRPr>
+            </a:lvl1pPr>
+            <a:lvl2pPr marL="685800" indent="-228600" algn="l" defTabSz="914400" rtl="0" eaLnBrk="1" latinLnBrk="0" hangingPunct="1">
+              <a:lnSpc>
+                <a:spcPct val="90000"/>
+              </a:lnSpc>
+              <a:spcBef>
+                <a:spcPts val="500"/>
+              </a:spcBef>
+              <a:buFont typeface="Arial" panose="020B0604020202020204" pitchFamily="34" charset="0"/>
+              <a:buChar char="•"/>
+              <a:defRPr sz="2400" kern="1200">
+                <a:solidFill>
+                  <a:schemeClr val="tx1"/>
+                </a:solidFill>
+                <a:latin typeface="+mn-lt"/>
+                <a:ea typeface="+mn-ea"/>
+                <a:cs typeface="+mn-cs"/>
+              </a:defRPr>
+            </a:lvl2pPr>
+            <a:lvl3pPr marL="1143000" indent="-228600" algn="l" defTabSz="914400" rtl="0" eaLnBrk="1" latinLnBrk="0" hangingPunct="1">
+              <a:lnSpc>
+                <a:spcPct val="90000"/>
+              </a:lnSpc>
+              <a:spcBef>
+                <a:spcPts val="500"/>
+              </a:spcBef>
+              <a:buFont typeface="Arial" panose="020B0604020202020204" pitchFamily="34" charset="0"/>
+              <a:buChar char="•"/>
+              <a:defRPr sz="2000" kern="1200">
+                <a:solidFill>
+                  <a:schemeClr val="tx1"/>
+                </a:solidFill>
+                <a:latin typeface="+mn-lt"/>
+                <a:ea typeface="+mn-ea"/>
+                <a:cs typeface="+mn-cs"/>
+              </a:defRPr>
+            </a:lvl3pPr>
+            <a:lvl4pPr marL="1600200" indent="-228600" algn="l" defTabSz="914400" rtl="0" eaLnBrk="1" latinLnBrk="0" hangingPunct="1">
+              <a:lnSpc>
+                <a:spcPct val="90000"/>
+              </a:lnSpc>
+              <a:spcBef>
+                <a:spcPts val="500"/>
+              </a:spcBef>
+              <a:buFont typeface="Arial" panose="020B0604020202020204" pitchFamily="34" charset="0"/>
+              <a:buChar char="•"/>
+              <a:defRPr sz="1800" kern="1200">
+                <a:solidFill>
+                  <a:schemeClr val="tx1"/>
+                </a:solidFill>
+                <a:latin typeface="+mn-lt"/>
+                <a:ea typeface="+mn-ea"/>
+                <a:cs typeface="+mn-cs"/>
+              </a:defRPr>
+            </a:lvl4pPr>
+            <a:lvl5pPr marL="2057400" indent="-228600" algn="l" defTabSz="914400" rtl="0" eaLnBrk="1" latinLnBrk="0" hangingPunct="1">
+              <a:lnSpc>
+                <a:spcPct val="90000"/>
+              </a:lnSpc>
+              <a:spcBef>
+                <a:spcPts val="500"/>
+              </a:spcBef>
+              <a:buFont typeface="Arial" panose="020B0604020202020204" pitchFamily="34" charset="0"/>
+              <a:buChar char="•"/>
+              <a:defRPr sz="1800" kern="1200">
+                <a:solidFill>
+                  <a:schemeClr val="tx1"/>
+                </a:solidFill>
+                <a:latin typeface="+mn-lt"/>
+                <a:ea typeface="+mn-ea"/>
+                <a:cs typeface="+mn-cs"/>
+              </a:defRPr>
+            </a:lvl5pPr>
+            <a:lvl6pPr marL="2514600" indent="-228600" algn="l" defTabSz="914400" rtl="0" eaLnBrk="1" latinLnBrk="0" hangingPunct="1">
+              <a:lnSpc>
+                <a:spcPct val="90000"/>
+              </a:lnSpc>
+              <a:spcBef>
+                <a:spcPts val="500"/>
+              </a:spcBef>
+              <a:buFont typeface="Arial" panose="020B0604020202020204" pitchFamily="34" charset="0"/>
+              <a:buChar char="•"/>
+              <a:defRPr sz="1800" kern="1200">
+                <a:solidFill>
+                  <a:schemeClr val="tx1"/>
+                </a:solidFill>
+                <a:latin typeface="+mn-lt"/>
+                <a:ea typeface="+mn-ea"/>
+                <a:cs typeface="+mn-cs"/>
+              </a:defRPr>
+            </a:lvl6pPr>
+            <a:lvl7pPr marL="2971800" indent="-228600" algn="l" defTabSz="914400" rtl="0" eaLnBrk="1" latinLnBrk="0" hangingPunct="1">
+              <a:lnSpc>
+                <a:spcPct val="90000"/>
+              </a:lnSpc>
+              <a:spcBef>
+                <a:spcPts val="500"/>
+              </a:spcBef>
+              <a:buFont typeface="Arial" panose="020B0604020202020204" pitchFamily="34" charset="0"/>
+              <a:buChar char="•"/>
+              <a:defRPr sz="1800" kern="1200">
+                <a:solidFill>
+                  <a:schemeClr val="tx1"/>
+                </a:solidFill>
+                <a:latin typeface="+mn-lt"/>
+                <a:ea typeface="+mn-ea"/>
+                <a:cs typeface="+mn-cs"/>
+              </a:defRPr>
+            </a:lvl7pPr>
+            <a:lvl8pPr marL="3429000" indent="-228600" algn="l" defTabSz="914400" rtl="0" eaLnBrk="1" latinLnBrk="0" hangingPunct="1">
+              <a:lnSpc>
+                <a:spcPct val="90000"/>
+              </a:lnSpc>
+              <a:spcBef>
+                <a:spcPts val="500"/>
+              </a:spcBef>
+              <a:buFont typeface="Arial" panose="020B0604020202020204" pitchFamily="34" charset="0"/>
+              <a:buChar char="•"/>
+              <a:defRPr sz="1800" kern="1200">
+                <a:solidFill>
+                  <a:schemeClr val="tx1"/>
+                </a:solidFill>
+                <a:latin typeface="+mn-lt"/>
+                <a:ea typeface="+mn-ea"/>
+                <a:cs typeface="+mn-cs"/>
+              </a:defRPr>
+            </a:lvl8pPr>
+            <a:lvl9pPr marL="3886200" indent="-228600" algn="l" defTabSz="914400" rtl="0" eaLnBrk="1" latinLnBrk="0" hangingPunct="1">
+              <a:lnSpc>
+                <a:spcPct val="90000"/>
+              </a:lnSpc>
+              <a:spcBef>
+                <a:spcPts val="500"/>
+              </a:spcBef>
+              <a:buFont typeface="Arial" panose="020B0604020202020204" pitchFamily="34" charset="0"/>
+              <a:buChar char="•"/>
+              <a:defRPr sz="1800" kern="1200">
+                <a:solidFill>
+                  <a:schemeClr val="tx1"/>
+                </a:solidFill>
+                <a:latin typeface="+mn-lt"/>
+                <a:ea typeface="+mn-ea"/>
+                <a:cs typeface="+mn-cs"/>
+              </a:defRPr>
+            </a:lvl9pPr>
+          </a:lstStyle>
+          <a:p>
+            <a:pPr marL="0" indent="0">
+              <a:buFont typeface="Arial" panose="020B0604020202020204" pitchFamily="34" charset="0"/>
+              <a:buNone/>
+            </a:pPr>
+            <a:r>
+              <a:rPr lang="en-US" sz="1600" u="sng" dirty="0"/>
+              <a:t>Procedural BMI (C):</a:t>
+            </a:r>
+          </a:p>
+          <a:p>
+            <a:pPr marL="0" indent="0">
+              <a:buFont typeface="Arial" panose="020B0604020202020204" pitchFamily="34" charset="0"/>
+              <a:buNone/>
+            </a:pPr>
+            <a:endParaRPr lang="en-US" sz="2400" dirty="0"/>
+          </a:p>
+        </p:txBody>
+      </p:sp>
+      <p:sp>
+        <p:nvSpPr>
+          <p:cNvPr id="12" name="Content Placeholder 2"/>
+          <p:cNvSpPr txBox="1">
+            <a:spLocks/>
+          </p:cNvSpPr>
+          <p:nvPr/>
+        </p:nvSpPr>
+        <p:spPr>
+          <a:xfrm>
+            <a:off x="5836494" y="1065009"/>
+            <a:ext cx="4141944" cy="472243"/>
+          </a:xfrm>
+          <a:prstGeom prst="rect">
+            <a:avLst/>
+          </a:prstGeom>
+        </p:spPr>
+        <p:txBody>
+          <a:bodyPr vert="horz" lIns="91440" tIns="45720" rIns="91440" bIns="45720" rtlCol="0">
+            <a:normAutofit/>
+          </a:bodyPr>
+          <a:lstStyle>
+            <a:lvl1pPr marL="228600" indent="-228600" algn="l" defTabSz="914400" rtl="0" eaLnBrk="1" latinLnBrk="0" hangingPunct="1">
+              <a:lnSpc>
+                <a:spcPct val="90000"/>
+              </a:lnSpc>
+              <a:spcBef>
+                <a:spcPts val="1000"/>
+              </a:spcBef>
+              <a:buFont typeface="Arial" panose="020B0604020202020204" pitchFamily="34" charset="0"/>
+              <a:buChar char="•"/>
+              <a:defRPr sz="2800" kern="1200">
+                <a:solidFill>
+                  <a:schemeClr val="tx1"/>
+                </a:solidFill>
+                <a:latin typeface="+mn-lt"/>
+                <a:ea typeface="+mn-ea"/>
+                <a:cs typeface="+mn-cs"/>
+              </a:defRPr>
+            </a:lvl1pPr>
+            <a:lvl2pPr marL="685800" indent="-228600" algn="l" defTabSz="914400" rtl="0" eaLnBrk="1" latinLnBrk="0" hangingPunct="1">
+              <a:lnSpc>
+                <a:spcPct val="90000"/>
+              </a:lnSpc>
+              <a:spcBef>
+                <a:spcPts val="500"/>
+              </a:spcBef>
+              <a:buFont typeface="Arial" panose="020B0604020202020204" pitchFamily="34" charset="0"/>
+              <a:buChar char="•"/>
+              <a:defRPr sz="2400" kern="1200">
+                <a:solidFill>
+                  <a:schemeClr val="tx1"/>
+                </a:solidFill>
+                <a:latin typeface="+mn-lt"/>
+                <a:ea typeface="+mn-ea"/>
+                <a:cs typeface="+mn-cs"/>
+              </a:defRPr>
+            </a:lvl2pPr>
+            <a:lvl3pPr marL="1143000" indent="-228600" algn="l" defTabSz="914400" rtl="0" eaLnBrk="1" latinLnBrk="0" hangingPunct="1">
+              <a:lnSpc>
+                <a:spcPct val="90000"/>
+              </a:lnSpc>
+              <a:spcBef>
+                <a:spcPts val="500"/>
+              </a:spcBef>
+              <a:buFont typeface="Arial" panose="020B0604020202020204" pitchFamily="34" charset="0"/>
+              <a:buChar char="•"/>
+              <a:defRPr sz="2000" kern="1200">
+                <a:solidFill>
+                  <a:schemeClr val="tx1"/>
+                </a:solidFill>
+                <a:latin typeface="+mn-lt"/>
+                <a:ea typeface="+mn-ea"/>
+                <a:cs typeface="+mn-cs"/>
+              </a:defRPr>
+            </a:lvl3pPr>
+            <a:lvl4pPr marL="1600200" indent="-228600" algn="l" defTabSz="914400" rtl="0" eaLnBrk="1" latinLnBrk="0" hangingPunct="1">
+              <a:lnSpc>
+                <a:spcPct val="90000"/>
+              </a:lnSpc>
+              <a:spcBef>
+                <a:spcPts val="500"/>
+              </a:spcBef>
+              <a:buFont typeface="Arial" panose="020B0604020202020204" pitchFamily="34" charset="0"/>
+              <a:buChar char="•"/>
+              <a:defRPr sz="1800" kern="1200">
+                <a:solidFill>
+                  <a:schemeClr val="tx1"/>
+                </a:solidFill>
+                <a:latin typeface="+mn-lt"/>
+                <a:ea typeface="+mn-ea"/>
+                <a:cs typeface="+mn-cs"/>
+              </a:defRPr>
+            </a:lvl4pPr>
+            <a:lvl5pPr marL="2057400" indent="-228600" algn="l" defTabSz="914400" rtl="0" eaLnBrk="1" latinLnBrk="0" hangingPunct="1">
+              <a:lnSpc>
+                <a:spcPct val="90000"/>
+              </a:lnSpc>
+              <a:spcBef>
+                <a:spcPts val="500"/>
+              </a:spcBef>
+              <a:buFont typeface="Arial" panose="020B0604020202020204" pitchFamily="34" charset="0"/>
+              <a:buChar char="•"/>
+              <a:defRPr sz="1800" kern="1200">
+                <a:solidFill>
+                  <a:schemeClr val="tx1"/>
+                </a:solidFill>
+                <a:latin typeface="+mn-lt"/>
+                <a:ea typeface="+mn-ea"/>
+                <a:cs typeface="+mn-cs"/>
+              </a:defRPr>
+            </a:lvl5pPr>
+            <a:lvl6pPr marL="2514600" indent="-228600" algn="l" defTabSz="914400" rtl="0" eaLnBrk="1" latinLnBrk="0" hangingPunct="1">
+              <a:lnSpc>
+                <a:spcPct val="90000"/>
+              </a:lnSpc>
+              <a:spcBef>
+                <a:spcPts val="500"/>
+              </a:spcBef>
+              <a:buFont typeface="Arial" panose="020B0604020202020204" pitchFamily="34" charset="0"/>
+              <a:buChar char="•"/>
+              <a:defRPr sz="1800" kern="1200">
+                <a:solidFill>
+                  <a:schemeClr val="tx1"/>
+                </a:solidFill>
+                <a:latin typeface="+mn-lt"/>
+                <a:ea typeface="+mn-ea"/>
+                <a:cs typeface="+mn-cs"/>
+              </a:defRPr>
+            </a:lvl6pPr>
+            <a:lvl7pPr marL="2971800" indent="-228600" algn="l" defTabSz="914400" rtl="0" eaLnBrk="1" latinLnBrk="0" hangingPunct="1">
+              <a:lnSpc>
+                <a:spcPct val="90000"/>
+              </a:lnSpc>
+              <a:spcBef>
+                <a:spcPts val="500"/>
+              </a:spcBef>
+              <a:buFont typeface="Arial" panose="020B0604020202020204" pitchFamily="34" charset="0"/>
+              <a:buChar char="•"/>
+              <a:defRPr sz="1800" kern="1200">
+                <a:solidFill>
+                  <a:schemeClr val="tx1"/>
+                </a:solidFill>
+                <a:latin typeface="+mn-lt"/>
+                <a:ea typeface="+mn-ea"/>
+                <a:cs typeface="+mn-cs"/>
+              </a:defRPr>
+            </a:lvl7pPr>
+            <a:lvl8pPr marL="3429000" indent="-228600" algn="l" defTabSz="914400" rtl="0" eaLnBrk="1" latinLnBrk="0" hangingPunct="1">
+              <a:lnSpc>
+                <a:spcPct val="90000"/>
+              </a:lnSpc>
+              <a:spcBef>
+                <a:spcPts val="500"/>
+              </a:spcBef>
+              <a:buFont typeface="Arial" panose="020B0604020202020204" pitchFamily="34" charset="0"/>
+              <a:buChar char="•"/>
+              <a:defRPr sz="1800" kern="1200">
+                <a:solidFill>
+                  <a:schemeClr val="tx1"/>
+                </a:solidFill>
+                <a:latin typeface="+mn-lt"/>
+                <a:ea typeface="+mn-ea"/>
+                <a:cs typeface="+mn-cs"/>
+              </a:defRPr>
+            </a:lvl8pPr>
+            <a:lvl9pPr marL="3886200" indent="-228600" algn="l" defTabSz="914400" rtl="0" eaLnBrk="1" latinLnBrk="0" hangingPunct="1">
+              <a:lnSpc>
+                <a:spcPct val="90000"/>
+              </a:lnSpc>
+              <a:spcBef>
+                <a:spcPts val="500"/>
+              </a:spcBef>
+              <a:buFont typeface="Arial" panose="020B0604020202020204" pitchFamily="34" charset="0"/>
+              <a:buChar char="•"/>
+              <a:defRPr sz="1800" kern="1200">
+                <a:solidFill>
+                  <a:schemeClr val="tx1"/>
+                </a:solidFill>
+                <a:latin typeface="+mn-lt"/>
+                <a:ea typeface="+mn-ea"/>
+                <a:cs typeface="+mn-cs"/>
+              </a:defRPr>
+            </a:lvl9pPr>
+          </a:lstStyle>
+          <a:p>
+            <a:pPr marL="0" indent="0">
+              <a:buFont typeface="Arial" panose="020B0604020202020204" pitchFamily="34" charset="0"/>
+              <a:buNone/>
+            </a:pPr>
+            <a:r>
+              <a:rPr lang="en-US" sz="1600" u="sng" dirty="0"/>
+              <a:t>Object Oriented BMI (Java):</a:t>
+            </a:r>
+          </a:p>
+          <a:p>
+            <a:pPr marL="0" indent="0">
+              <a:buFont typeface="Arial" panose="020B0604020202020204" pitchFamily="34" charset="0"/>
+              <a:buNone/>
+            </a:pPr>
+            <a:endParaRPr lang="en-US" sz="2400" dirty="0"/>
+          </a:p>
+        </p:txBody>
+      </p:sp>
+    </p:spTree>
+    <p:extLst>
+      <p:ext uri="{BB962C8B-B14F-4D97-AF65-F5344CB8AC3E}">
+        <p14:creationId xmlns:p14="http://schemas.microsoft.com/office/powerpoint/2010/main" val="3368501517"/>
       </p:ext>
     </p:extLst>
   </p:cSld>
@@ -10166,30 +10699,6 @@
           <a:chExt cx="0" cy="0"/>
         </a:xfrm>
       </p:grpSpPr>
-      <p:pic>
-        <p:nvPicPr>
-          <p:cNvPr id="17" name="Picture 16"/>
-          <p:cNvPicPr>
-            <a:picLocks noChangeAspect="1"/>
-          </p:cNvPicPr>
-          <p:nvPr/>
-        </p:nvPicPr>
-        <p:blipFill>
-          <a:blip r:embed="rId3"/>
-          <a:stretch>
-            <a:fillRect/>
-          </a:stretch>
-        </p:blipFill>
-        <p:spPr>
-          <a:xfrm>
-            <a:off x="5938976" y="1369691"/>
-            <a:ext cx="4114800" cy="3904314"/>
-          </a:xfrm>
-          <a:prstGeom prst="rect">
-            <a:avLst/>
-          </a:prstGeom>
-        </p:spPr>
-      </p:pic>
       <p:sp>
         <p:nvSpPr>
           <p:cNvPr id="2" name="Title 1"/>
@@ -10213,132 +10722,249 @@
           <a:lstStyle/>
           <a:p>
             <a:r>
-              <a:rPr lang="en-US" sz="3200" dirty="0"/>
-              <a:t>Distinguish Between a Class and an Object</a:t>
-            </a:r>
-          </a:p>
-        </p:txBody>
-      </p:sp>
-      <p:sp>
-        <p:nvSpPr>
-          <p:cNvPr id="3" name="Oval 2"/>
-          <p:cNvSpPr/>
-          <p:nvPr/>
+              <a:rPr lang="en-US" sz="3600" dirty="0"/>
+              <a:t>The “six” (Three plus) Object-Oriented Concepts</a:t>
+            </a:r>
+          </a:p>
+        </p:txBody>
+      </p:sp>
+      <p:sp>
+        <p:nvSpPr>
+          <p:cNvPr id="3" name="Content Placeholder 2"/>
+          <p:cNvSpPr>
+            <a:spLocks noGrp="1"/>
+          </p:cNvSpPr>
+          <p:nvPr>
+            <p:ph idx="1"/>
+          </p:nvPr>
         </p:nvSpPr>
         <p:spPr>
           <a:xfrm>
-            <a:off x="5775473" y="3784332"/>
-            <a:ext cx="4441806" cy="911381"/>
+            <a:off x="838200" y="1051756"/>
+            <a:ext cx="10622974" cy="5522780"/>
           </a:xfrm>
-          <a:prstGeom prst="ellipse">
-            <a:avLst/>
-          </a:prstGeom>
-          <a:solidFill>
-            <a:schemeClr val="accent4">
-              <a:lumMod val="60000"/>
-              <a:lumOff val="40000"/>
-              <a:alpha val="40000"/>
-            </a:schemeClr>
-          </a:solidFill>
         </p:spPr>
-        <p:style>
-          <a:lnRef idx="2">
-            <a:schemeClr val="accent1">
-              <a:shade val="50000"/>
-            </a:schemeClr>
-          </a:lnRef>
-          <a:fillRef idx="1">
-            <a:schemeClr val="accent1"/>
-          </a:fillRef>
-          <a:effectRef idx="0">
-            <a:schemeClr val="accent1"/>
-          </a:effectRef>
-          <a:fontRef idx="minor">
-            <a:schemeClr val="lt1"/>
-          </a:fontRef>
-        </p:style>
-        <p:txBody>
-          <a:bodyPr rtlCol="0" anchor="ctr"/>
-          <a:lstStyle/>
-          <a:p>
-            <a:pPr algn="ctr"/>
-            <a:endParaRPr lang="en-US" dirty="0"/>
-          </a:p>
-        </p:txBody>
-      </p:sp>
-      <p:sp>
-        <p:nvSpPr>
-          <p:cNvPr id="4" name="Arrow: Down 3"/>
-          <p:cNvSpPr/>
-          <p:nvPr/>
+        <p:txBody>
+          <a:bodyPr>
+            <a:noAutofit/>
+          </a:bodyPr>
+          <a:lstStyle/>
+          <a:p>
+            <a:pPr marL="0" indent="0">
+              <a:buNone/>
+            </a:pPr>
+            <a:endParaRPr lang="en-US" sz="3200" u="sng" dirty="0">
+              <a:latin typeface="+mj-lt"/>
+            </a:endParaRPr>
+          </a:p>
+          <a:p>
+            <a:pPr marL="0" indent="0">
+              <a:buNone/>
+            </a:pPr>
+            <a:r>
+              <a:rPr lang="en-US" sz="3200" u="sng" dirty="0">
+                <a:latin typeface="+mj-lt"/>
+              </a:rPr>
+              <a:t>Object-oriented concepts:</a:t>
+            </a:r>
+          </a:p>
+          <a:p>
+            <a:pPr marL="457200" indent="-457200">
+              <a:spcBef>
+                <a:spcPts val="1800"/>
+              </a:spcBef>
+              <a:buFont typeface="+mj-lt"/>
+              <a:buAutoNum type="arabicPeriod"/>
+            </a:pPr>
+            <a:r>
+              <a:rPr lang="en-US" sz="2000" b="1" dirty="0"/>
+              <a:t>Encapsulation</a:t>
+            </a:r>
+            <a:r>
+              <a:rPr lang="en-US" sz="2000" dirty="0"/>
+              <a:t>… and Information Hiding </a:t>
+            </a:r>
+          </a:p>
+          <a:p>
+            <a:pPr marL="457200" indent="-457200">
+              <a:spcBef>
+                <a:spcPts val="1800"/>
+              </a:spcBef>
+              <a:buFont typeface="+mj-lt"/>
+              <a:buAutoNum type="arabicPeriod"/>
+            </a:pPr>
+            <a:r>
+              <a:rPr lang="en-US" sz="2000" b="1" dirty="0"/>
+              <a:t>Inheritance</a:t>
+            </a:r>
+            <a:r>
+              <a:rPr lang="en-US" sz="2000" dirty="0"/>
+              <a:t>… and Abstraction</a:t>
+            </a:r>
+          </a:p>
+          <a:p>
+            <a:pPr marL="457200" indent="-457200">
+              <a:spcBef>
+                <a:spcPts val="1800"/>
+              </a:spcBef>
+              <a:buFont typeface="+mj-lt"/>
+              <a:buAutoNum type="arabicPeriod"/>
+            </a:pPr>
+            <a:r>
+              <a:rPr lang="en-US" sz="2000" b="1" dirty="0"/>
+              <a:t>Polymorphism</a:t>
+            </a:r>
+          </a:p>
+          <a:p>
+            <a:pPr marL="0" indent="0">
+              <a:spcBef>
+                <a:spcPts val="1800"/>
+              </a:spcBef>
+              <a:buNone/>
+            </a:pPr>
+            <a:r>
+              <a:rPr lang="en-US" sz="2000" dirty="0"/>
+              <a:t>Plus… Composition &amp; Aggregation </a:t>
+            </a:r>
+          </a:p>
+        </p:txBody>
+      </p:sp>
+    </p:spTree>
+    <p:extLst>
+      <p:ext uri="{BB962C8B-B14F-4D97-AF65-F5344CB8AC3E}">
+        <p14:creationId xmlns:p14="http://schemas.microsoft.com/office/powerpoint/2010/main" val="2856114114"/>
+      </p:ext>
+    </p:extLst>
+  </p:cSld>
+  <p:clrMapOvr>
+    <a:masterClrMapping/>
+  </p:clrMapOvr>
+</p:sld>
+</file>
+
+<file path=ppt/slides/slide16.xml><?xml version="1.0" encoding="utf-8"?>
+<p:sld xmlns:a="http://schemas.openxmlformats.org/drawingml/2006/main" xmlns:r="http://schemas.openxmlformats.org/officeDocument/2006/relationships" xmlns:p="http://schemas.openxmlformats.org/presentationml/2006/main">
+  <p:cSld>
+    <p:spTree>
+      <p:nvGrpSpPr>
+        <p:cNvPr id="1" name=""/>
+        <p:cNvGrpSpPr/>
+        <p:nvPr/>
+      </p:nvGrpSpPr>
+      <p:grpSpPr>
+        <a:xfrm>
+          <a:off x="0" y="0"/>
+          <a:ext cx="0" cy="0"/>
+          <a:chOff x="0" y="0"/>
+          <a:chExt cx="0" cy="0"/>
+        </a:xfrm>
+      </p:grpSpPr>
+      <p:sp>
+        <p:nvSpPr>
+          <p:cNvPr id="2" name="Title 1"/>
+          <p:cNvSpPr>
+            <a:spLocks noGrp="1"/>
+          </p:cNvSpPr>
+          <p:nvPr>
+            <p:ph type="title"/>
+          </p:nvPr>
+        </p:nvSpPr>
+        <p:spPr/>
+        <p:txBody>
+          <a:bodyPr>
+            <a:normAutofit/>
+          </a:bodyPr>
+          <a:lstStyle/>
+          <a:p>
+            <a:r>
+              <a:rPr lang="en-US" sz="3600" dirty="0"/>
+              <a:t>Encapsulation &amp; Information Hiding</a:t>
+            </a:r>
+          </a:p>
+        </p:txBody>
+      </p:sp>
+      <p:sp>
+        <p:nvSpPr>
+          <p:cNvPr id="3" name="Content Placeholder 2"/>
+          <p:cNvSpPr>
+            <a:spLocks noGrp="1"/>
+          </p:cNvSpPr>
+          <p:nvPr>
+            <p:ph idx="1"/>
+          </p:nvPr>
         </p:nvSpPr>
         <p:spPr>
           <a:xfrm>
-            <a:off x="6960805" y="202482"/>
-            <a:ext cx="565426" cy="309217"/>
+            <a:off x="838199" y="1825625"/>
+            <a:ext cx="6239720" cy="4351338"/>
           </a:xfrm>
-          <a:prstGeom prst="downArrow">
-            <a:avLst/>
-          </a:prstGeom>
-          <a:solidFill>
-            <a:schemeClr val="accent4">
-              <a:lumMod val="60000"/>
-              <a:lumOff val="40000"/>
-            </a:schemeClr>
-          </a:solidFill>
         </p:spPr>
-        <p:style>
-          <a:lnRef idx="2">
-            <a:schemeClr val="accent1">
-              <a:shade val="50000"/>
-            </a:schemeClr>
-          </a:lnRef>
-          <a:fillRef idx="1">
-            <a:schemeClr val="accent1"/>
-          </a:fillRef>
-          <a:effectRef idx="0">
-            <a:schemeClr val="accent1"/>
-          </a:effectRef>
-          <a:fontRef idx="minor">
-            <a:schemeClr val="lt1"/>
-          </a:fontRef>
-        </p:style>
-        <p:txBody>
-          <a:bodyPr rtlCol="0" anchor="ctr"/>
-          <a:lstStyle/>
-          <a:p>
-            <a:pPr algn="ctr"/>
-            <a:endParaRPr lang="en-US"/>
-          </a:p>
-        </p:txBody>
-      </p:sp>
-      <p:pic>
-        <p:nvPicPr>
-          <p:cNvPr id="10" name="Picture 9"/>
-          <p:cNvPicPr>
-            <a:picLocks noChangeAspect="1"/>
-          </p:cNvPicPr>
-          <p:nvPr/>
-        </p:nvPicPr>
-        <p:blipFill>
-          <a:blip r:embed="rId4"/>
-          <a:stretch>
-            <a:fillRect/>
-          </a:stretch>
-        </p:blipFill>
-        <p:spPr>
-          <a:xfrm>
-            <a:off x="915000" y="1369691"/>
-            <a:ext cx="4114800" cy="3226565"/>
-          </a:xfrm>
-          <a:prstGeom prst="rect">
-            <a:avLst/>
-          </a:prstGeom>
-        </p:spPr>
-      </p:pic>
-      <p:sp>
-        <p:nvSpPr>
-          <p:cNvPr id="11" name="Content Placeholder 2"/>
+        <p:txBody>
+          <a:bodyPr>
+            <a:normAutofit/>
+          </a:bodyPr>
+          <a:lstStyle/>
+          <a:p>
+            <a:pPr marL="0" indent="0">
+              <a:buNone/>
+            </a:pPr>
+            <a:r>
+              <a:rPr lang="en-US" sz="2000" u="sng" dirty="0"/>
+              <a:t>Encapsulation</a:t>
+            </a:r>
+            <a:r>
+              <a:rPr lang="en-US" sz="2000" dirty="0"/>
+              <a:t>: Wrapping properties and methods into a class and minimizing the scope of those properties and methods.</a:t>
+            </a:r>
+          </a:p>
+          <a:p>
+            <a:pPr marL="0" indent="0">
+              <a:buNone/>
+            </a:pPr>
+            <a:r>
+              <a:rPr lang="en-US" sz="2000" u="sng" dirty="0"/>
+              <a:t>Information Hiding</a:t>
+            </a:r>
+            <a:r>
+              <a:rPr lang="en-US" sz="2000" dirty="0"/>
+              <a:t>: Minimize visibility/scope of data, attributes, functions, and methods.</a:t>
+            </a:r>
+          </a:p>
+        </p:txBody>
+      </p:sp>
+    </p:spTree>
+    <p:extLst>
+      <p:ext uri="{BB962C8B-B14F-4D97-AF65-F5344CB8AC3E}">
+        <p14:creationId xmlns:p14="http://schemas.microsoft.com/office/powerpoint/2010/main" val="3692394781"/>
+      </p:ext>
+    </p:extLst>
+  </p:cSld>
+  <p:clrMapOvr>
+    <a:masterClrMapping/>
+  </p:clrMapOvr>
+</p:sld>
+</file>
+
+<file path=ppt/slides/slide17.xml><?xml version="1.0" encoding="utf-8"?>
+<p:sld xmlns:a="http://schemas.openxmlformats.org/drawingml/2006/main" xmlns:r="http://schemas.openxmlformats.org/officeDocument/2006/relationships" xmlns:p="http://schemas.openxmlformats.org/presentationml/2006/main">
+  <p:cSld>
+    <p:spTree>
+      <p:nvGrpSpPr>
+        <p:cNvPr id="1" name=""/>
+        <p:cNvGrpSpPr/>
+        <p:nvPr/>
+      </p:nvGrpSpPr>
+      <p:grpSpPr>
+        <a:xfrm>
+          <a:off x="0" y="0"/>
+          <a:ext cx="0" cy="0"/>
+          <a:chOff x="0" y="0"/>
+          <a:chExt cx="0" cy="0"/>
+        </a:xfrm>
+      </p:grpSpPr>
+      <p:sp>
+        <p:nvSpPr>
+          <p:cNvPr id="9" name="Content Placeholder 2"/>
           <p:cNvSpPr txBox="1">
             <a:spLocks/>
           </p:cNvSpPr>
@@ -10528,7 +11154,7 @@
             </a:pPr>
             <a:r>
               <a:rPr lang="en-US" sz="1600" u="sng" dirty="0"/>
-              <a:t>Procedural BMI (C):</a:t>
+              <a:t>Object -Oriented BMI:</a:t>
             </a:r>
           </a:p>
           <a:p>
@@ -10542,7 +11168,60 @@
       </p:sp>
       <p:sp>
         <p:nvSpPr>
-          <p:cNvPr id="12" name="Content Placeholder 2"/>
+          <p:cNvPr id="2" name="Title 1"/>
+          <p:cNvSpPr>
+            <a:spLocks noGrp="1"/>
+          </p:cNvSpPr>
+          <p:nvPr>
+            <p:ph type="title"/>
+          </p:nvPr>
+        </p:nvSpPr>
+        <p:spPr>
+          <a:xfrm>
+            <a:off x="811620" y="365126"/>
+            <a:ext cx="10515600" cy="757272"/>
+          </a:xfrm>
+        </p:spPr>
+        <p:txBody>
+          <a:bodyPr>
+            <a:normAutofit/>
+          </a:bodyPr>
+          <a:lstStyle/>
+          <a:p>
+            <a:r>
+              <a:rPr lang="en-US" sz="3600" dirty="0"/>
+              <a:t>Encapsulation</a:t>
+            </a:r>
+          </a:p>
+        </p:txBody>
+      </p:sp>
+      <p:pic>
+        <p:nvPicPr>
+          <p:cNvPr id="6" name="Picture 5"/>
+          <p:cNvPicPr>
+            <a:picLocks noChangeAspect="1"/>
+          </p:cNvPicPr>
+          <p:nvPr/>
+        </p:nvPicPr>
+        <p:blipFill>
+          <a:blip r:embed="rId3"/>
+          <a:stretch>
+            <a:fillRect/>
+          </a:stretch>
+        </p:blipFill>
+        <p:spPr>
+          <a:xfrm>
+            <a:off x="933120" y="1354577"/>
+            <a:ext cx="4114800" cy="3904314"/>
+          </a:xfrm>
+          <a:prstGeom prst="rect">
+            <a:avLst/>
+          </a:prstGeom>
+        </p:spPr>
+      </p:pic>
+      <p:sp>
+        <p:nvSpPr>
+          <p:cNvPr id="10" name="Content Placeholder 2"/>
           <p:cNvSpPr txBox="1">
             <a:spLocks/>
           </p:cNvSpPr>
@@ -10732,974 +11411,6 @@
             </a:pPr>
             <a:r>
               <a:rPr lang="en-US" sz="1600" u="sng" dirty="0"/>
-              <a:t>Object Oriented BMI (Java):</a:t>
-            </a:r>
-          </a:p>
-          <a:p>
-            <a:pPr marL="0" indent="0">
-              <a:buFont typeface="Arial" panose="020B0604020202020204" pitchFamily="34" charset="0"/>
-              <a:buNone/>
-            </a:pPr>
-            <a:endParaRPr lang="en-US" sz="2400" dirty="0"/>
-          </a:p>
-        </p:txBody>
-      </p:sp>
-    </p:spTree>
-    <p:extLst>
-      <p:ext uri="{BB962C8B-B14F-4D97-AF65-F5344CB8AC3E}">
-        <p14:creationId xmlns:p14="http://schemas.microsoft.com/office/powerpoint/2010/main" val="3368501517"/>
-      </p:ext>
-    </p:extLst>
-  </p:cSld>
-  <p:clrMapOvr>
-    <a:masterClrMapping/>
-  </p:clrMapOvr>
-  <p:timing>
-    <p:tnLst>
-      <p:par>
-        <p:cTn id="1" dur="indefinite" restart="never" nodeType="tmRoot">
-          <p:childTnLst>
-            <p:seq concurrent="1" nextAc="seek">
-              <p:cTn id="2" dur="indefinite" nodeType="mainSeq">
-                <p:childTnLst>
-                  <p:par>
-                    <p:cTn id="3" fill="hold">
-                      <p:stCondLst>
-                        <p:cond delay="indefinite"/>
-                      </p:stCondLst>
-                      <p:childTnLst>
-                        <p:par>
-                          <p:cTn id="4" fill="hold">
-                            <p:stCondLst>
-                              <p:cond delay="0"/>
-                            </p:stCondLst>
-                            <p:childTnLst>
-                              <p:par>
-                                <p:cTn id="5" presetID="53" presetClass="entr" presetSubtype="16" fill="hold" grpId="0" nodeType="clickEffect">
-                                  <p:stCondLst>
-                                    <p:cond delay="0"/>
-                                  </p:stCondLst>
-                                  <p:childTnLst>
-                                    <p:set>
-                                      <p:cBhvr>
-                                        <p:cTn id="6" dur="1" fill="hold">
-                                          <p:stCondLst>
-                                            <p:cond delay="0"/>
-                                          </p:stCondLst>
-                                        </p:cTn>
-                                        <p:tgtEl>
-                                          <p:spTgt spid="4"/>
-                                        </p:tgtEl>
-                                        <p:attrNameLst>
-                                          <p:attrName>style.visibility</p:attrName>
-                                        </p:attrNameLst>
-                                      </p:cBhvr>
-                                      <p:to>
-                                        <p:strVal val="visible"/>
-                                      </p:to>
-                                    </p:set>
-                                    <p:anim calcmode="lin" valueType="num">
-                                      <p:cBhvr>
-                                        <p:cTn id="7" dur="500" fill="hold"/>
-                                        <p:tgtEl>
-                                          <p:spTgt spid="4"/>
-                                        </p:tgtEl>
-                                        <p:attrNameLst>
-                                          <p:attrName>ppt_w</p:attrName>
-                                        </p:attrNameLst>
-                                      </p:cBhvr>
-                                      <p:tavLst>
-                                        <p:tav tm="0">
-                                          <p:val>
-                                            <p:fltVal val="0"/>
-                                          </p:val>
-                                        </p:tav>
-                                        <p:tav tm="100000">
-                                          <p:val>
-                                            <p:strVal val="#ppt_w"/>
-                                          </p:val>
-                                        </p:tav>
-                                      </p:tavLst>
-                                    </p:anim>
-                                    <p:anim calcmode="lin" valueType="num">
-                                      <p:cBhvr>
-                                        <p:cTn id="8" dur="500" fill="hold"/>
-                                        <p:tgtEl>
-                                          <p:spTgt spid="4"/>
-                                        </p:tgtEl>
-                                        <p:attrNameLst>
-                                          <p:attrName>ppt_h</p:attrName>
-                                        </p:attrNameLst>
-                                      </p:cBhvr>
-                                      <p:tavLst>
-                                        <p:tav tm="0">
-                                          <p:val>
-                                            <p:fltVal val="0"/>
-                                          </p:val>
-                                        </p:tav>
-                                        <p:tav tm="100000">
-                                          <p:val>
-                                            <p:strVal val="#ppt_h"/>
-                                          </p:val>
-                                        </p:tav>
-                                      </p:tavLst>
-                                    </p:anim>
-                                    <p:animEffect transition="in" filter="fade">
-                                      <p:cBhvr>
-                                        <p:cTn id="9" dur="500"/>
-                                        <p:tgtEl>
-                                          <p:spTgt spid="4"/>
-                                        </p:tgtEl>
-                                      </p:cBhvr>
-                                    </p:animEffect>
-                                  </p:childTnLst>
-                                </p:cTn>
-                              </p:par>
-                              <p:par>
-                                <p:cTn id="10" presetID="53" presetClass="entr" presetSubtype="16" fill="hold" grpId="0" nodeType="withEffect">
-                                  <p:stCondLst>
-                                    <p:cond delay="0"/>
-                                  </p:stCondLst>
-                                  <p:childTnLst>
-                                    <p:set>
-                                      <p:cBhvr>
-                                        <p:cTn id="11" dur="1" fill="hold">
-                                          <p:stCondLst>
-                                            <p:cond delay="0"/>
-                                          </p:stCondLst>
-                                        </p:cTn>
-                                        <p:tgtEl>
-                                          <p:spTgt spid="3"/>
-                                        </p:tgtEl>
-                                        <p:attrNameLst>
-                                          <p:attrName>style.visibility</p:attrName>
-                                        </p:attrNameLst>
-                                      </p:cBhvr>
-                                      <p:to>
-                                        <p:strVal val="visible"/>
-                                      </p:to>
-                                    </p:set>
-                                    <p:anim calcmode="lin" valueType="num">
-                                      <p:cBhvr>
-                                        <p:cTn id="12" dur="500" fill="hold"/>
-                                        <p:tgtEl>
-                                          <p:spTgt spid="3"/>
-                                        </p:tgtEl>
-                                        <p:attrNameLst>
-                                          <p:attrName>ppt_w</p:attrName>
-                                        </p:attrNameLst>
-                                      </p:cBhvr>
-                                      <p:tavLst>
-                                        <p:tav tm="0">
-                                          <p:val>
-                                            <p:fltVal val="0"/>
-                                          </p:val>
-                                        </p:tav>
-                                        <p:tav tm="100000">
-                                          <p:val>
-                                            <p:strVal val="#ppt_w"/>
-                                          </p:val>
-                                        </p:tav>
-                                      </p:tavLst>
-                                    </p:anim>
-                                    <p:anim calcmode="lin" valueType="num">
-                                      <p:cBhvr>
-                                        <p:cTn id="13" dur="500" fill="hold"/>
-                                        <p:tgtEl>
-                                          <p:spTgt spid="3"/>
-                                        </p:tgtEl>
-                                        <p:attrNameLst>
-                                          <p:attrName>ppt_h</p:attrName>
-                                        </p:attrNameLst>
-                                      </p:cBhvr>
-                                      <p:tavLst>
-                                        <p:tav tm="0">
-                                          <p:val>
-                                            <p:fltVal val="0"/>
-                                          </p:val>
-                                        </p:tav>
-                                        <p:tav tm="100000">
-                                          <p:val>
-                                            <p:strVal val="#ppt_h"/>
-                                          </p:val>
-                                        </p:tav>
-                                      </p:tavLst>
-                                    </p:anim>
-                                    <p:animEffect transition="in" filter="fade">
-                                      <p:cBhvr>
-                                        <p:cTn id="14" dur="500"/>
-                                        <p:tgtEl>
-                                          <p:spTgt spid="3"/>
-                                        </p:tgtEl>
-                                      </p:cBhvr>
-                                    </p:animEffect>
-                                  </p:childTnLst>
-                                </p:cTn>
-                              </p:par>
-                            </p:childTnLst>
-                          </p:cTn>
-                        </p:par>
-                      </p:childTnLst>
-                    </p:cTn>
-                  </p:par>
-                </p:childTnLst>
-              </p:cTn>
-              <p:prevCondLst>
-                <p:cond evt="onPrev" delay="0">
-                  <p:tgtEl>
-                    <p:sldTgt/>
-                  </p:tgtEl>
-                </p:cond>
-              </p:prevCondLst>
-              <p:nextCondLst>
-                <p:cond evt="onNext" delay="0">
-                  <p:tgtEl>
-                    <p:sldTgt/>
-                  </p:tgtEl>
-                </p:cond>
-              </p:nextCondLst>
-            </p:seq>
-          </p:childTnLst>
-        </p:cTn>
-      </p:par>
-    </p:tnLst>
-    <p:bldLst>
-      <p:bldP spid="3" grpId="0" animBg="1"/>
-      <p:bldP spid="4" grpId="0" animBg="1"/>
-    </p:bldLst>
-  </p:timing>
-</p:sld>
-</file>
-
-<file path=ppt/slides/slide16.xml><?xml version="1.0" encoding="utf-8"?>
-<p:sld xmlns:a="http://schemas.openxmlformats.org/drawingml/2006/main" xmlns:r="http://schemas.openxmlformats.org/officeDocument/2006/relationships" xmlns:p="http://schemas.openxmlformats.org/presentationml/2006/main">
-  <p:cSld>
-    <p:spTree>
-      <p:nvGrpSpPr>
-        <p:cNvPr id="1" name=""/>
-        <p:cNvGrpSpPr/>
-        <p:nvPr/>
-      </p:nvGrpSpPr>
-      <p:grpSpPr>
-        <a:xfrm>
-          <a:off x="0" y="0"/>
-          <a:ext cx="0" cy="0"/>
-          <a:chOff x="0" y="0"/>
-          <a:chExt cx="0" cy="0"/>
-        </a:xfrm>
-      </p:grpSpPr>
-      <p:sp>
-        <p:nvSpPr>
-          <p:cNvPr id="2" name="Title 1"/>
-          <p:cNvSpPr>
-            <a:spLocks noGrp="1"/>
-          </p:cNvSpPr>
-          <p:nvPr>
-            <p:ph type="title"/>
-          </p:nvPr>
-        </p:nvSpPr>
-        <p:spPr>
-          <a:xfrm>
-            <a:off x="838200" y="365126"/>
-            <a:ext cx="10515600" cy="757272"/>
-          </a:xfrm>
-        </p:spPr>
-        <p:txBody>
-          <a:bodyPr>
-            <a:normAutofit/>
-          </a:bodyPr>
-          <a:lstStyle/>
-          <a:p>
-            <a:r>
-              <a:rPr lang="en-US" sz="3600" dirty="0"/>
-              <a:t>The “six” (Three plus) Object-Oriented Concepts</a:t>
-            </a:r>
-          </a:p>
-        </p:txBody>
-      </p:sp>
-      <p:sp>
-        <p:nvSpPr>
-          <p:cNvPr id="3" name="Content Placeholder 2"/>
-          <p:cNvSpPr>
-            <a:spLocks noGrp="1"/>
-          </p:cNvSpPr>
-          <p:nvPr>
-            <p:ph idx="1"/>
-          </p:nvPr>
-        </p:nvSpPr>
-        <p:spPr>
-          <a:xfrm>
-            <a:off x="838200" y="1051756"/>
-            <a:ext cx="10622974" cy="5522780"/>
-          </a:xfrm>
-        </p:spPr>
-        <p:txBody>
-          <a:bodyPr>
-            <a:noAutofit/>
-          </a:bodyPr>
-          <a:lstStyle/>
-          <a:p>
-            <a:pPr marL="0" indent="0">
-              <a:buNone/>
-            </a:pPr>
-            <a:endParaRPr lang="en-US" sz="3200" u="sng" dirty="0">
-              <a:latin typeface="+mj-lt"/>
-            </a:endParaRPr>
-          </a:p>
-          <a:p>
-            <a:pPr marL="0" indent="0">
-              <a:buNone/>
-            </a:pPr>
-            <a:r>
-              <a:rPr lang="en-US" sz="3200" u="sng" dirty="0">
-                <a:latin typeface="+mj-lt"/>
-              </a:rPr>
-              <a:t>Object-oriented concepts:</a:t>
-            </a:r>
-          </a:p>
-          <a:p>
-            <a:pPr marL="457200" indent="-457200">
-              <a:spcBef>
-                <a:spcPts val="1800"/>
-              </a:spcBef>
-              <a:buFont typeface="+mj-lt"/>
-              <a:buAutoNum type="arabicPeriod"/>
-            </a:pPr>
-            <a:r>
-              <a:rPr lang="en-US" sz="2000" b="1" dirty="0"/>
-              <a:t>Encapsulation</a:t>
-            </a:r>
-            <a:r>
-              <a:rPr lang="en-US" sz="2000" dirty="0"/>
-              <a:t>… and Information Hiding </a:t>
-            </a:r>
-          </a:p>
-          <a:p>
-            <a:pPr marL="457200" indent="-457200">
-              <a:spcBef>
-                <a:spcPts val="1800"/>
-              </a:spcBef>
-              <a:buFont typeface="+mj-lt"/>
-              <a:buAutoNum type="arabicPeriod"/>
-            </a:pPr>
-            <a:r>
-              <a:rPr lang="en-US" sz="2000" b="1" dirty="0"/>
-              <a:t>Inheritance</a:t>
-            </a:r>
-            <a:r>
-              <a:rPr lang="en-US" sz="2000" dirty="0"/>
-              <a:t>… and Abstraction</a:t>
-            </a:r>
-          </a:p>
-          <a:p>
-            <a:pPr marL="457200" indent="-457200">
-              <a:spcBef>
-                <a:spcPts val="1800"/>
-              </a:spcBef>
-              <a:buFont typeface="+mj-lt"/>
-              <a:buAutoNum type="arabicPeriod"/>
-            </a:pPr>
-            <a:r>
-              <a:rPr lang="en-US" sz="2000" b="1" dirty="0"/>
-              <a:t>Polymorphism</a:t>
-            </a:r>
-          </a:p>
-          <a:p>
-            <a:pPr marL="0" indent="0">
-              <a:spcBef>
-                <a:spcPts val="1800"/>
-              </a:spcBef>
-              <a:buNone/>
-            </a:pPr>
-            <a:r>
-              <a:rPr lang="en-US" sz="2000" dirty="0"/>
-              <a:t>Plus… Composition &amp; Aggregation </a:t>
-            </a:r>
-          </a:p>
-        </p:txBody>
-      </p:sp>
-    </p:spTree>
-    <p:extLst>
-      <p:ext uri="{BB962C8B-B14F-4D97-AF65-F5344CB8AC3E}">
-        <p14:creationId xmlns:p14="http://schemas.microsoft.com/office/powerpoint/2010/main" val="2856114114"/>
-      </p:ext>
-    </p:extLst>
-  </p:cSld>
-  <p:clrMapOvr>
-    <a:masterClrMapping/>
-  </p:clrMapOvr>
-</p:sld>
-</file>
-
-<file path=ppt/slides/slide17.xml><?xml version="1.0" encoding="utf-8"?>
-<p:sld xmlns:a="http://schemas.openxmlformats.org/drawingml/2006/main" xmlns:r="http://schemas.openxmlformats.org/officeDocument/2006/relationships" xmlns:p="http://schemas.openxmlformats.org/presentationml/2006/main">
-  <p:cSld>
-    <p:spTree>
-      <p:nvGrpSpPr>
-        <p:cNvPr id="1" name=""/>
-        <p:cNvGrpSpPr/>
-        <p:nvPr/>
-      </p:nvGrpSpPr>
-      <p:grpSpPr>
-        <a:xfrm>
-          <a:off x="0" y="0"/>
-          <a:ext cx="0" cy="0"/>
-          <a:chOff x="0" y="0"/>
-          <a:chExt cx="0" cy="0"/>
-        </a:xfrm>
-      </p:grpSpPr>
-      <p:sp>
-        <p:nvSpPr>
-          <p:cNvPr id="2" name="Title 1"/>
-          <p:cNvSpPr>
-            <a:spLocks noGrp="1"/>
-          </p:cNvSpPr>
-          <p:nvPr>
-            <p:ph type="title"/>
-          </p:nvPr>
-        </p:nvSpPr>
-        <p:spPr/>
-        <p:txBody>
-          <a:bodyPr>
-            <a:normAutofit/>
-          </a:bodyPr>
-          <a:lstStyle/>
-          <a:p>
-            <a:r>
-              <a:rPr lang="en-US" sz="3600" dirty="0"/>
-              <a:t>Encapsulation &amp; Information Hiding</a:t>
-            </a:r>
-          </a:p>
-        </p:txBody>
-      </p:sp>
-      <p:sp>
-        <p:nvSpPr>
-          <p:cNvPr id="3" name="Content Placeholder 2"/>
-          <p:cNvSpPr>
-            <a:spLocks noGrp="1"/>
-          </p:cNvSpPr>
-          <p:nvPr>
-            <p:ph idx="1"/>
-          </p:nvPr>
-        </p:nvSpPr>
-        <p:spPr>
-          <a:xfrm>
-            <a:off x="838199" y="1825625"/>
-            <a:ext cx="6239720" cy="4351338"/>
-          </a:xfrm>
-        </p:spPr>
-        <p:txBody>
-          <a:bodyPr>
-            <a:normAutofit/>
-          </a:bodyPr>
-          <a:lstStyle/>
-          <a:p>
-            <a:pPr marL="0" indent="0">
-              <a:buNone/>
-            </a:pPr>
-            <a:r>
-              <a:rPr lang="en-US" sz="2000" u="sng" dirty="0"/>
-              <a:t>Encapsulation</a:t>
-            </a:r>
-            <a:r>
-              <a:rPr lang="en-US" sz="2000" dirty="0"/>
-              <a:t>: Wrapping properties and methods into a class and minimizing the scope of those properties and methods.</a:t>
-            </a:r>
-          </a:p>
-          <a:p>
-            <a:pPr marL="0" indent="0">
-              <a:buNone/>
-            </a:pPr>
-            <a:r>
-              <a:rPr lang="en-US" sz="2000" u="sng" dirty="0"/>
-              <a:t>Information Hiding</a:t>
-            </a:r>
-            <a:r>
-              <a:rPr lang="en-US" sz="2000" dirty="0"/>
-              <a:t>: Minimize visibility/scope of data, attributes, functions, and methods.</a:t>
-            </a:r>
-          </a:p>
-        </p:txBody>
-      </p:sp>
-    </p:spTree>
-    <p:extLst>
-      <p:ext uri="{BB962C8B-B14F-4D97-AF65-F5344CB8AC3E}">
-        <p14:creationId xmlns:p14="http://schemas.microsoft.com/office/powerpoint/2010/main" val="3692394781"/>
-      </p:ext>
-    </p:extLst>
-  </p:cSld>
-  <p:clrMapOvr>
-    <a:masterClrMapping/>
-  </p:clrMapOvr>
-</p:sld>
-</file>
-
-<file path=ppt/slides/slide18.xml><?xml version="1.0" encoding="utf-8"?>
-<p:sld xmlns:a="http://schemas.openxmlformats.org/drawingml/2006/main" xmlns:r="http://schemas.openxmlformats.org/officeDocument/2006/relationships" xmlns:p="http://schemas.openxmlformats.org/presentationml/2006/main">
-  <p:cSld>
-    <p:spTree>
-      <p:nvGrpSpPr>
-        <p:cNvPr id="1" name=""/>
-        <p:cNvGrpSpPr/>
-        <p:nvPr/>
-      </p:nvGrpSpPr>
-      <p:grpSpPr>
-        <a:xfrm>
-          <a:off x="0" y="0"/>
-          <a:ext cx="0" cy="0"/>
-          <a:chOff x="0" y="0"/>
-          <a:chExt cx="0" cy="0"/>
-        </a:xfrm>
-      </p:grpSpPr>
-      <p:sp>
-        <p:nvSpPr>
-          <p:cNvPr id="9" name="Content Placeholder 2"/>
-          <p:cNvSpPr txBox="1">
-            <a:spLocks/>
-          </p:cNvSpPr>
-          <p:nvPr/>
-        </p:nvSpPr>
-        <p:spPr>
-          <a:xfrm>
-            <a:off x="838200" y="1065009"/>
-            <a:ext cx="4141944" cy="397148"/>
-          </a:xfrm>
-          <a:prstGeom prst="rect">
-            <a:avLst/>
-          </a:prstGeom>
-        </p:spPr>
-        <p:txBody>
-          <a:bodyPr vert="horz" lIns="91440" tIns="45720" rIns="91440" bIns="45720" rtlCol="0">
-            <a:normAutofit/>
-          </a:bodyPr>
-          <a:lstStyle>
-            <a:lvl1pPr marL="228600" indent="-228600" algn="l" defTabSz="914400" rtl="0" eaLnBrk="1" latinLnBrk="0" hangingPunct="1">
-              <a:lnSpc>
-                <a:spcPct val="90000"/>
-              </a:lnSpc>
-              <a:spcBef>
-                <a:spcPts val="1000"/>
-              </a:spcBef>
-              <a:buFont typeface="Arial" panose="020B0604020202020204" pitchFamily="34" charset="0"/>
-              <a:buChar char="•"/>
-              <a:defRPr sz="2800" kern="1200">
-                <a:solidFill>
-                  <a:schemeClr val="tx1"/>
-                </a:solidFill>
-                <a:latin typeface="+mn-lt"/>
-                <a:ea typeface="+mn-ea"/>
-                <a:cs typeface="+mn-cs"/>
-              </a:defRPr>
-            </a:lvl1pPr>
-            <a:lvl2pPr marL="685800" indent="-228600" algn="l" defTabSz="914400" rtl="0" eaLnBrk="1" latinLnBrk="0" hangingPunct="1">
-              <a:lnSpc>
-                <a:spcPct val="90000"/>
-              </a:lnSpc>
-              <a:spcBef>
-                <a:spcPts val="500"/>
-              </a:spcBef>
-              <a:buFont typeface="Arial" panose="020B0604020202020204" pitchFamily="34" charset="0"/>
-              <a:buChar char="•"/>
-              <a:defRPr sz="2400" kern="1200">
-                <a:solidFill>
-                  <a:schemeClr val="tx1"/>
-                </a:solidFill>
-                <a:latin typeface="+mn-lt"/>
-                <a:ea typeface="+mn-ea"/>
-                <a:cs typeface="+mn-cs"/>
-              </a:defRPr>
-            </a:lvl2pPr>
-            <a:lvl3pPr marL="1143000" indent="-228600" algn="l" defTabSz="914400" rtl="0" eaLnBrk="1" latinLnBrk="0" hangingPunct="1">
-              <a:lnSpc>
-                <a:spcPct val="90000"/>
-              </a:lnSpc>
-              <a:spcBef>
-                <a:spcPts val="500"/>
-              </a:spcBef>
-              <a:buFont typeface="Arial" panose="020B0604020202020204" pitchFamily="34" charset="0"/>
-              <a:buChar char="•"/>
-              <a:defRPr sz="2000" kern="1200">
-                <a:solidFill>
-                  <a:schemeClr val="tx1"/>
-                </a:solidFill>
-                <a:latin typeface="+mn-lt"/>
-                <a:ea typeface="+mn-ea"/>
-                <a:cs typeface="+mn-cs"/>
-              </a:defRPr>
-            </a:lvl3pPr>
-            <a:lvl4pPr marL="1600200" indent="-228600" algn="l" defTabSz="914400" rtl="0" eaLnBrk="1" latinLnBrk="0" hangingPunct="1">
-              <a:lnSpc>
-                <a:spcPct val="90000"/>
-              </a:lnSpc>
-              <a:spcBef>
-                <a:spcPts val="500"/>
-              </a:spcBef>
-              <a:buFont typeface="Arial" panose="020B0604020202020204" pitchFamily="34" charset="0"/>
-              <a:buChar char="•"/>
-              <a:defRPr sz="1800" kern="1200">
-                <a:solidFill>
-                  <a:schemeClr val="tx1"/>
-                </a:solidFill>
-                <a:latin typeface="+mn-lt"/>
-                <a:ea typeface="+mn-ea"/>
-                <a:cs typeface="+mn-cs"/>
-              </a:defRPr>
-            </a:lvl4pPr>
-            <a:lvl5pPr marL="2057400" indent="-228600" algn="l" defTabSz="914400" rtl="0" eaLnBrk="1" latinLnBrk="0" hangingPunct="1">
-              <a:lnSpc>
-                <a:spcPct val="90000"/>
-              </a:lnSpc>
-              <a:spcBef>
-                <a:spcPts val="500"/>
-              </a:spcBef>
-              <a:buFont typeface="Arial" panose="020B0604020202020204" pitchFamily="34" charset="0"/>
-              <a:buChar char="•"/>
-              <a:defRPr sz="1800" kern="1200">
-                <a:solidFill>
-                  <a:schemeClr val="tx1"/>
-                </a:solidFill>
-                <a:latin typeface="+mn-lt"/>
-                <a:ea typeface="+mn-ea"/>
-                <a:cs typeface="+mn-cs"/>
-              </a:defRPr>
-            </a:lvl5pPr>
-            <a:lvl6pPr marL="2514600" indent="-228600" algn="l" defTabSz="914400" rtl="0" eaLnBrk="1" latinLnBrk="0" hangingPunct="1">
-              <a:lnSpc>
-                <a:spcPct val="90000"/>
-              </a:lnSpc>
-              <a:spcBef>
-                <a:spcPts val="500"/>
-              </a:spcBef>
-              <a:buFont typeface="Arial" panose="020B0604020202020204" pitchFamily="34" charset="0"/>
-              <a:buChar char="•"/>
-              <a:defRPr sz="1800" kern="1200">
-                <a:solidFill>
-                  <a:schemeClr val="tx1"/>
-                </a:solidFill>
-                <a:latin typeface="+mn-lt"/>
-                <a:ea typeface="+mn-ea"/>
-                <a:cs typeface="+mn-cs"/>
-              </a:defRPr>
-            </a:lvl6pPr>
-            <a:lvl7pPr marL="2971800" indent="-228600" algn="l" defTabSz="914400" rtl="0" eaLnBrk="1" latinLnBrk="0" hangingPunct="1">
-              <a:lnSpc>
-                <a:spcPct val="90000"/>
-              </a:lnSpc>
-              <a:spcBef>
-                <a:spcPts val="500"/>
-              </a:spcBef>
-              <a:buFont typeface="Arial" panose="020B0604020202020204" pitchFamily="34" charset="0"/>
-              <a:buChar char="•"/>
-              <a:defRPr sz="1800" kern="1200">
-                <a:solidFill>
-                  <a:schemeClr val="tx1"/>
-                </a:solidFill>
-                <a:latin typeface="+mn-lt"/>
-                <a:ea typeface="+mn-ea"/>
-                <a:cs typeface="+mn-cs"/>
-              </a:defRPr>
-            </a:lvl7pPr>
-            <a:lvl8pPr marL="3429000" indent="-228600" algn="l" defTabSz="914400" rtl="0" eaLnBrk="1" latinLnBrk="0" hangingPunct="1">
-              <a:lnSpc>
-                <a:spcPct val="90000"/>
-              </a:lnSpc>
-              <a:spcBef>
-                <a:spcPts val="500"/>
-              </a:spcBef>
-              <a:buFont typeface="Arial" panose="020B0604020202020204" pitchFamily="34" charset="0"/>
-              <a:buChar char="•"/>
-              <a:defRPr sz="1800" kern="1200">
-                <a:solidFill>
-                  <a:schemeClr val="tx1"/>
-                </a:solidFill>
-                <a:latin typeface="+mn-lt"/>
-                <a:ea typeface="+mn-ea"/>
-                <a:cs typeface="+mn-cs"/>
-              </a:defRPr>
-            </a:lvl8pPr>
-            <a:lvl9pPr marL="3886200" indent="-228600" algn="l" defTabSz="914400" rtl="0" eaLnBrk="1" latinLnBrk="0" hangingPunct="1">
-              <a:lnSpc>
-                <a:spcPct val="90000"/>
-              </a:lnSpc>
-              <a:spcBef>
-                <a:spcPts val="500"/>
-              </a:spcBef>
-              <a:buFont typeface="Arial" panose="020B0604020202020204" pitchFamily="34" charset="0"/>
-              <a:buChar char="•"/>
-              <a:defRPr sz="1800" kern="1200">
-                <a:solidFill>
-                  <a:schemeClr val="tx1"/>
-                </a:solidFill>
-                <a:latin typeface="+mn-lt"/>
-                <a:ea typeface="+mn-ea"/>
-                <a:cs typeface="+mn-cs"/>
-              </a:defRPr>
-            </a:lvl9pPr>
-          </a:lstStyle>
-          <a:p>
-            <a:pPr marL="0" indent="0">
-              <a:buFont typeface="Arial" panose="020B0604020202020204" pitchFamily="34" charset="0"/>
-              <a:buNone/>
-            </a:pPr>
-            <a:r>
-              <a:rPr lang="en-US" sz="1600" u="sng" dirty="0"/>
-              <a:t>Object -Oriented BMI:</a:t>
-            </a:r>
-          </a:p>
-          <a:p>
-            <a:pPr marL="0" indent="0">
-              <a:buFont typeface="Arial" panose="020B0604020202020204" pitchFamily="34" charset="0"/>
-              <a:buNone/>
-            </a:pPr>
-            <a:endParaRPr lang="en-US" sz="2400" dirty="0"/>
-          </a:p>
-        </p:txBody>
-      </p:sp>
-      <p:sp>
-        <p:nvSpPr>
-          <p:cNvPr id="2" name="Title 1"/>
-          <p:cNvSpPr>
-            <a:spLocks noGrp="1"/>
-          </p:cNvSpPr>
-          <p:nvPr>
-            <p:ph type="title"/>
-          </p:nvPr>
-        </p:nvSpPr>
-        <p:spPr>
-          <a:xfrm>
-            <a:off x="811620" y="365126"/>
-            <a:ext cx="10515600" cy="757272"/>
-          </a:xfrm>
-        </p:spPr>
-        <p:txBody>
-          <a:bodyPr>
-            <a:normAutofit/>
-          </a:bodyPr>
-          <a:lstStyle/>
-          <a:p>
-            <a:r>
-              <a:rPr lang="en-US" sz="3600" dirty="0"/>
-              <a:t>Encapsulation</a:t>
-            </a:r>
-          </a:p>
-        </p:txBody>
-      </p:sp>
-      <p:pic>
-        <p:nvPicPr>
-          <p:cNvPr id="6" name="Picture 5"/>
-          <p:cNvPicPr>
-            <a:picLocks noChangeAspect="1"/>
-          </p:cNvPicPr>
-          <p:nvPr/>
-        </p:nvPicPr>
-        <p:blipFill>
-          <a:blip r:embed="rId3"/>
-          <a:stretch>
-            <a:fillRect/>
-          </a:stretch>
-        </p:blipFill>
-        <p:spPr>
-          <a:xfrm>
-            <a:off x="933120" y="1354577"/>
-            <a:ext cx="4114800" cy="3904314"/>
-          </a:xfrm>
-          <a:prstGeom prst="rect">
-            <a:avLst/>
-          </a:prstGeom>
-        </p:spPr>
-      </p:pic>
-      <p:sp>
-        <p:nvSpPr>
-          <p:cNvPr id="10" name="Content Placeholder 2"/>
-          <p:cNvSpPr txBox="1">
-            <a:spLocks/>
-          </p:cNvSpPr>
-          <p:nvPr/>
-        </p:nvSpPr>
-        <p:spPr>
-          <a:xfrm>
-            <a:off x="5836494" y="1065009"/>
-            <a:ext cx="4141944" cy="472243"/>
-          </a:xfrm>
-          <a:prstGeom prst="rect">
-            <a:avLst/>
-          </a:prstGeom>
-        </p:spPr>
-        <p:txBody>
-          <a:bodyPr vert="horz" lIns="91440" tIns="45720" rIns="91440" bIns="45720" rtlCol="0">
-            <a:normAutofit/>
-          </a:bodyPr>
-          <a:lstStyle>
-            <a:lvl1pPr marL="228600" indent="-228600" algn="l" defTabSz="914400" rtl="0" eaLnBrk="1" latinLnBrk="0" hangingPunct="1">
-              <a:lnSpc>
-                <a:spcPct val="90000"/>
-              </a:lnSpc>
-              <a:spcBef>
-                <a:spcPts val="1000"/>
-              </a:spcBef>
-              <a:buFont typeface="Arial" panose="020B0604020202020204" pitchFamily="34" charset="0"/>
-              <a:buChar char="•"/>
-              <a:defRPr sz="2800" kern="1200">
-                <a:solidFill>
-                  <a:schemeClr val="tx1"/>
-                </a:solidFill>
-                <a:latin typeface="+mn-lt"/>
-                <a:ea typeface="+mn-ea"/>
-                <a:cs typeface="+mn-cs"/>
-              </a:defRPr>
-            </a:lvl1pPr>
-            <a:lvl2pPr marL="685800" indent="-228600" algn="l" defTabSz="914400" rtl="0" eaLnBrk="1" latinLnBrk="0" hangingPunct="1">
-              <a:lnSpc>
-                <a:spcPct val="90000"/>
-              </a:lnSpc>
-              <a:spcBef>
-                <a:spcPts val="500"/>
-              </a:spcBef>
-              <a:buFont typeface="Arial" panose="020B0604020202020204" pitchFamily="34" charset="0"/>
-              <a:buChar char="•"/>
-              <a:defRPr sz="2400" kern="1200">
-                <a:solidFill>
-                  <a:schemeClr val="tx1"/>
-                </a:solidFill>
-                <a:latin typeface="+mn-lt"/>
-                <a:ea typeface="+mn-ea"/>
-                <a:cs typeface="+mn-cs"/>
-              </a:defRPr>
-            </a:lvl2pPr>
-            <a:lvl3pPr marL="1143000" indent="-228600" algn="l" defTabSz="914400" rtl="0" eaLnBrk="1" latinLnBrk="0" hangingPunct="1">
-              <a:lnSpc>
-                <a:spcPct val="90000"/>
-              </a:lnSpc>
-              <a:spcBef>
-                <a:spcPts val="500"/>
-              </a:spcBef>
-              <a:buFont typeface="Arial" panose="020B0604020202020204" pitchFamily="34" charset="0"/>
-              <a:buChar char="•"/>
-              <a:defRPr sz="2000" kern="1200">
-                <a:solidFill>
-                  <a:schemeClr val="tx1"/>
-                </a:solidFill>
-                <a:latin typeface="+mn-lt"/>
-                <a:ea typeface="+mn-ea"/>
-                <a:cs typeface="+mn-cs"/>
-              </a:defRPr>
-            </a:lvl3pPr>
-            <a:lvl4pPr marL="1600200" indent="-228600" algn="l" defTabSz="914400" rtl="0" eaLnBrk="1" latinLnBrk="0" hangingPunct="1">
-              <a:lnSpc>
-                <a:spcPct val="90000"/>
-              </a:lnSpc>
-              <a:spcBef>
-                <a:spcPts val="500"/>
-              </a:spcBef>
-              <a:buFont typeface="Arial" panose="020B0604020202020204" pitchFamily="34" charset="0"/>
-              <a:buChar char="•"/>
-              <a:defRPr sz="1800" kern="1200">
-                <a:solidFill>
-                  <a:schemeClr val="tx1"/>
-                </a:solidFill>
-                <a:latin typeface="+mn-lt"/>
-                <a:ea typeface="+mn-ea"/>
-                <a:cs typeface="+mn-cs"/>
-              </a:defRPr>
-            </a:lvl4pPr>
-            <a:lvl5pPr marL="2057400" indent="-228600" algn="l" defTabSz="914400" rtl="0" eaLnBrk="1" latinLnBrk="0" hangingPunct="1">
-              <a:lnSpc>
-                <a:spcPct val="90000"/>
-              </a:lnSpc>
-              <a:spcBef>
-                <a:spcPts val="500"/>
-              </a:spcBef>
-              <a:buFont typeface="Arial" panose="020B0604020202020204" pitchFamily="34" charset="0"/>
-              <a:buChar char="•"/>
-              <a:defRPr sz="1800" kern="1200">
-                <a:solidFill>
-                  <a:schemeClr val="tx1"/>
-                </a:solidFill>
-                <a:latin typeface="+mn-lt"/>
-                <a:ea typeface="+mn-ea"/>
-                <a:cs typeface="+mn-cs"/>
-              </a:defRPr>
-            </a:lvl5pPr>
-            <a:lvl6pPr marL="2514600" indent="-228600" algn="l" defTabSz="914400" rtl="0" eaLnBrk="1" latinLnBrk="0" hangingPunct="1">
-              <a:lnSpc>
-                <a:spcPct val="90000"/>
-              </a:lnSpc>
-              <a:spcBef>
-                <a:spcPts val="500"/>
-              </a:spcBef>
-              <a:buFont typeface="Arial" panose="020B0604020202020204" pitchFamily="34" charset="0"/>
-              <a:buChar char="•"/>
-              <a:defRPr sz="1800" kern="1200">
-                <a:solidFill>
-                  <a:schemeClr val="tx1"/>
-                </a:solidFill>
-                <a:latin typeface="+mn-lt"/>
-                <a:ea typeface="+mn-ea"/>
-                <a:cs typeface="+mn-cs"/>
-              </a:defRPr>
-            </a:lvl6pPr>
-            <a:lvl7pPr marL="2971800" indent="-228600" algn="l" defTabSz="914400" rtl="0" eaLnBrk="1" latinLnBrk="0" hangingPunct="1">
-              <a:lnSpc>
-                <a:spcPct val="90000"/>
-              </a:lnSpc>
-              <a:spcBef>
-                <a:spcPts val="500"/>
-              </a:spcBef>
-              <a:buFont typeface="Arial" panose="020B0604020202020204" pitchFamily="34" charset="0"/>
-              <a:buChar char="•"/>
-              <a:defRPr sz="1800" kern="1200">
-                <a:solidFill>
-                  <a:schemeClr val="tx1"/>
-                </a:solidFill>
-                <a:latin typeface="+mn-lt"/>
-                <a:ea typeface="+mn-ea"/>
-                <a:cs typeface="+mn-cs"/>
-              </a:defRPr>
-            </a:lvl7pPr>
-            <a:lvl8pPr marL="3429000" indent="-228600" algn="l" defTabSz="914400" rtl="0" eaLnBrk="1" latinLnBrk="0" hangingPunct="1">
-              <a:lnSpc>
-                <a:spcPct val="90000"/>
-              </a:lnSpc>
-              <a:spcBef>
-                <a:spcPts val="500"/>
-              </a:spcBef>
-              <a:buFont typeface="Arial" panose="020B0604020202020204" pitchFamily="34" charset="0"/>
-              <a:buChar char="•"/>
-              <a:defRPr sz="1800" kern="1200">
-                <a:solidFill>
-                  <a:schemeClr val="tx1"/>
-                </a:solidFill>
-                <a:latin typeface="+mn-lt"/>
-                <a:ea typeface="+mn-ea"/>
-                <a:cs typeface="+mn-cs"/>
-              </a:defRPr>
-            </a:lvl8pPr>
-            <a:lvl9pPr marL="3886200" indent="-228600" algn="l" defTabSz="914400" rtl="0" eaLnBrk="1" latinLnBrk="0" hangingPunct="1">
-              <a:lnSpc>
-                <a:spcPct val="90000"/>
-              </a:lnSpc>
-              <a:spcBef>
-                <a:spcPts val="500"/>
-              </a:spcBef>
-              <a:buFont typeface="Arial" panose="020B0604020202020204" pitchFamily="34" charset="0"/>
-              <a:buChar char="•"/>
-              <a:defRPr sz="1800" kern="1200">
-                <a:solidFill>
-                  <a:schemeClr val="tx1"/>
-                </a:solidFill>
-                <a:latin typeface="+mn-lt"/>
-                <a:ea typeface="+mn-ea"/>
-                <a:cs typeface="+mn-cs"/>
-              </a:defRPr>
-            </a:lvl9pPr>
-          </a:lstStyle>
-          <a:p>
-            <a:pPr marL="0" indent="0">
-              <a:buFont typeface="Arial" panose="020B0604020202020204" pitchFamily="34" charset="0"/>
-              <a:buNone/>
-            </a:pPr>
-            <a:r>
-              <a:rPr lang="en-US" sz="1600" u="sng" dirty="0"/>
               <a:t>Encapsulated Object-Oriented BMI:</a:t>
             </a:r>
           </a:p>
@@ -11749,7 +11460,7 @@
 </p:sld>
 </file>
 
-<file path=ppt/slides/slide19.xml><?xml version="1.0" encoding="utf-8"?>
+<file path=ppt/slides/slide18.xml><?xml version="1.0" encoding="utf-8"?>
 <p:sld xmlns:a="http://schemas.openxmlformats.org/drawingml/2006/main" xmlns:r="http://schemas.openxmlformats.org/officeDocument/2006/relationships" xmlns:p="http://schemas.openxmlformats.org/presentationml/2006/main">
   <p:cSld>
     <p:spTree>
@@ -11876,203 +11587,7 @@
 </p:sld>
 </file>
 
-<file path=ppt/slides/slide2.xml><?xml version="1.0" encoding="utf-8"?>
-<p:sld xmlns:a="http://schemas.openxmlformats.org/drawingml/2006/main" xmlns:r="http://schemas.openxmlformats.org/officeDocument/2006/relationships" xmlns:p="http://schemas.openxmlformats.org/presentationml/2006/main">
-  <p:cSld>
-    <p:spTree>
-      <p:nvGrpSpPr>
-        <p:cNvPr id="1" name=""/>
-        <p:cNvGrpSpPr/>
-        <p:nvPr/>
-      </p:nvGrpSpPr>
-      <p:grpSpPr>
-        <a:xfrm>
-          <a:off x="0" y="0"/>
-          <a:ext cx="0" cy="0"/>
-          <a:chOff x="0" y="0"/>
-          <a:chExt cx="0" cy="0"/>
-        </a:xfrm>
-      </p:grpSpPr>
-      <p:sp>
-        <p:nvSpPr>
-          <p:cNvPr id="2" name="Title 1"/>
-          <p:cNvSpPr>
-            <a:spLocks noGrp="1"/>
-          </p:cNvSpPr>
-          <p:nvPr>
-            <p:ph type="title"/>
-          </p:nvPr>
-        </p:nvSpPr>
-        <p:spPr>
-          <a:xfrm>
-            <a:off x="838200" y="365126"/>
-            <a:ext cx="10515600" cy="757272"/>
-          </a:xfrm>
-        </p:spPr>
-        <p:txBody>
-          <a:bodyPr>
-            <a:normAutofit/>
-          </a:bodyPr>
-          <a:lstStyle/>
-          <a:p>
-            <a:r>
-              <a:rPr lang="en-US" sz="3600" dirty="0"/>
-              <a:t>Agenda – Week 1 Discussion &amp; Lecture</a:t>
-            </a:r>
-            <a:endParaRPr lang="en-US" sz="3600" b="1" i="1" u="sng" dirty="0"/>
-          </a:p>
-        </p:txBody>
-      </p:sp>
-      <p:sp>
-        <p:nvSpPr>
-          <p:cNvPr id="3" name="Content Placeholder 2"/>
-          <p:cNvSpPr>
-            <a:spLocks noGrp="1"/>
-          </p:cNvSpPr>
-          <p:nvPr>
-            <p:ph idx="1"/>
-          </p:nvPr>
-        </p:nvSpPr>
-        <p:spPr>
-          <a:xfrm>
-            <a:off x="838200" y="1051756"/>
-            <a:ext cx="10718950" cy="5463343"/>
-          </a:xfrm>
-        </p:spPr>
-        <p:txBody>
-          <a:bodyPr>
-            <a:normAutofit fontScale="92500" lnSpcReduction="10000"/>
-          </a:bodyPr>
-          <a:lstStyle/>
-          <a:p>
-            <a:pPr marL="457200" indent="-457200">
-              <a:buFont typeface="+mj-lt"/>
-              <a:buAutoNum type="arabicPeriod"/>
-            </a:pPr>
-            <a:r>
-              <a:rPr lang="en-US" dirty="0"/>
-              <a:t>Friendly Conversation &amp; Good Natured Banter (~5 min)… let’s make sure that everyone can hear and speak in the virtual meeting</a:t>
-            </a:r>
-          </a:p>
-          <a:p>
-            <a:pPr marL="457200" indent="-457200">
-              <a:buFont typeface="+mj-lt"/>
-              <a:buAutoNum type="arabicPeriod"/>
-            </a:pPr>
-            <a:r>
-              <a:rPr lang="en-US" dirty="0"/>
-              <a:t>Welcome (~5 min)</a:t>
-            </a:r>
-          </a:p>
-          <a:p>
-            <a:pPr marL="457200" indent="-457200">
-              <a:buFont typeface="+mj-lt"/>
-              <a:buAutoNum type="arabicPeriod"/>
-            </a:pPr>
-            <a:r>
-              <a:rPr lang="en-US" dirty="0"/>
-              <a:t>Introductions (~10 min)</a:t>
-            </a:r>
-          </a:p>
-          <a:p>
-            <a:pPr marL="457200" indent="-457200">
-              <a:buFont typeface="+mj-lt"/>
-              <a:buAutoNum type="arabicPeriod"/>
-            </a:pPr>
-            <a:r>
-              <a:rPr lang="en-US" dirty="0"/>
-              <a:t>Review Course Syllabus (~15 min)</a:t>
-            </a:r>
-          </a:p>
-          <a:p>
-            <a:pPr marL="457200" indent="-457200">
-              <a:buFont typeface="+mj-lt"/>
-              <a:buAutoNum type="arabicPeriod"/>
-            </a:pPr>
-            <a:r>
-              <a:rPr lang="en-US" dirty="0"/>
-              <a:t>Review </a:t>
-            </a:r>
-            <a:r>
-              <a:rPr lang="en-US" u="sng" dirty="0"/>
-              <a:t>selected</a:t>
-            </a:r>
-            <a:r>
-              <a:rPr lang="en-US" dirty="0"/>
-              <a:t> Learning Objectives from Week 1 (~50 min)</a:t>
-            </a:r>
-          </a:p>
-          <a:p>
-            <a:pPr marL="457200" indent="-457200">
-              <a:buFont typeface="+mj-lt"/>
-              <a:buAutoNum type="arabicPeriod"/>
-            </a:pPr>
-            <a:r>
-              <a:rPr lang="en-US" dirty="0"/>
-              <a:t>Additional Topics (~10 min)</a:t>
-            </a:r>
-          </a:p>
-          <a:p>
-            <a:pPr lvl="1"/>
-            <a:r>
-              <a:rPr lang="en-US" sz="2800" dirty="0"/>
-              <a:t>Setters &amp; Getters</a:t>
-            </a:r>
-          </a:p>
-          <a:p>
-            <a:pPr lvl="1"/>
-            <a:r>
-              <a:rPr lang="en-US" sz="2800" dirty="0"/>
-              <a:t>Java Development Environment Overview</a:t>
-            </a:r>
-          </a:p>
-          <a:p>
-            <a:pPr marL="514350" indent="-514350">
-              <a:buFont typeface="+mj-lt"/>
-              <a:buAutoNum type="arabicPeriod"/>
-            </a:pPr>
-            <a:r>
-              <a:rPr lang="en-US" dirty="0"/>
-              <a:t>Wrap-up and Final Notes (~15 min starting no later than 4:15)</a:t>
-            </a:r>
-          </a:p>
-          <a:p>
-            <a:pPr marL="457200" lvl="1" indent="0">
-              <a:buNone/>
-            </a:pPr>
-            <a:endParaRPr lang="en-US" sz="2800" dirty="0"/>
-          </a:p>
-          <a:p>
-            <a:pPr marL="0" indent="0">
-              <a:buNone/>
-            </a:pPr>
-            <a:endParaRPr lang="en-US" dirty="0"/>
-          </a:p>
-          <a:p>
-            <a:pPr marL="0" indent="0">
-              <a:buNone/>
-            </a:pPr>
-            <a:r>
-              <a:rPr lang="en-US" dirty="0"/>
-              <a:t>Question &amp; Discussion Are Welcome at and Time</a:t>
-            </a:r>
-          </a:p>
-        </p:txBody>
-      </p:sp>
-    </p:spTree>
-    <p:extLst>
-      <p:ext uri="{BB962C8B-B14F-4D97-AF65-F5344CB8AC3E}">
-        <p14:creationId xmlns:p14="http://schemas.microsoft.com/office/powerpoint/2010/main" val="3189314400"/>
-      </p:ext>
-    </p:extLst>
-  </p:cSld>
-  <p:clrMapOvr>
-    <a:masterClrMapping/>
-  </p:clrMapOvr>
-</p:sld>
-</file>
-
-<file path=ppt/slides/slide20.xml><?xml version="1.0" encoding="utf-8"?>
+<file path=ppt/slides/slide19.xml><?xml version="1.0" encoding="utf-8"?>
 <p:sld xmlns:a="http://schemas.openxmlformats.org/drawingml/2006/main" xmlns:r="http://schemas.openxmlformats.org/officeDocument/2006/relationships" xmlns:p="http://schemas.openxmlformats.org/presentationml/2006/main">
   <p:cSld>
     <p:spTree>
@@ -12876,7 +12391,122 @@
 </p:sld>
 </file>
 
-<file path=ppt/slides/slide21.xml><?xml version="1.0" encoding="utf-8"?>
+<file path=ppt/slides/slide2.xml><?xml version="1.0" encoding="utf-8"?>
+<p:sld xmlns:a="http://schemas.openxmlformats.org/drawingml/2006/main" xmlns:r="http://schemas.openxmlformats.org/officeDocument/2006/relationships" xmlns:p="http://schemas.openxmlformats.org/presentationml/2006/main">
+  <p:cSld>
+    <p:spTree>
+      <p:nvGrpSpPr>
+        <p:cNvPr id="1" name=""/>
+        <p:cNvGrpSpPr/>
+        <p:nvPr/>
+      </p:nvGrpSpPr>
+      <p:grpSpPr>
+        <a:xfrm>
+          <a:off x="0" y="0"/>
+          <a:ext cx="0" cy="0"/>
+          <a:chOff x="0" y="0"/>
+          <a:chExt cx="0" cy="0"/>
+        </a:xfrm>
+      </p:grpSpPr>
+      <p:sp>
+        <p:nvSpPr>
+          <p:cNvPr id="2" name="Title 1"/>
+          <p:cNvSpPr>
+            <a:spLocks noGrp="1"/>
+          </p:cNvSpPr>
+          <p:nvPr>
+            <p:ph type="title"/>
+          </p:nvPr>
+        </p:nvSpPr>
+        <p:spPr>
+          <a:xfrm>
+            <a:off x="838200" y="365126"/>
+            <a:ext cx="10515600" cy="757272"/>
+          </a:xfrm>
+        </p:spPr>
+        <p:txBody>
+          <a:bodyPr>
+            <a:normAutofit/>
+          </a:bodyPr>
+          <a:lstStyle/>
+          <a:p>
+            <a:r>
+              <a:rPr lang="en-US" sz="3600" dirty="0"/>
+              <a:t>Welcome!</a:t>
+            </a:r>
+            <a:endParaRPr lang="en-US" sz="3600" b="1" i="1" u="sng" dirty="0"/>
+          </a:p>
+        </p:txBody>
+      </p:sp>
+      <p:sp>
+        <p:nvSpPr>
+          <p:cNvPr id="3" name="Rectangle 2"/>
+          <p:cNvSpPr/>
+          <p:nvPr/>
+        </p:nvSpPr>
+        <p:spPr>
+          <a:xfrm>
+            <a:off x="838199" y="1296367"/>
+            <a:ext cx="10230293" cy="3170099"/>
+          </a:xfrm>
+          <a:prstGeom prst="rect">
+            <a:avLst/>
+          </a:prstGeom>
+        </p:spPr>
+        <p:txBody>
+          <a:bodyPr wrap="square">
+            <a:spAutoFit/>
+          </a:bodyPr>
+          <a:lstStyle/>
+          <a:p>
+            <a:pPr>
+              <a:spcAft>
+                <a:spcPts val="1200"/>
+              </a:spcAft>
+            </a:pPr>
+            <a:r>
+              <a:rPr lang="en-US" sz="2000" dirty="0"/>
+              <a:t>Welcome to Object-Oriented Programming at Lewis University (CPSC-24500)</a:t>
+            </a:r>
+          </a:p>
+          <a:p>
+            <a:pPr>
+              <a:spcAft>
+                <a:spcPts val="1200"/>
+              </a:spcAft>
+            </a:pPr>
+            <a:r>
+              <a:rPr lang="en-US" sz="2000" dirty="0"/>
+              <a:t>I am looking forward to working with you during the coming eight weeks. Object-oriented programming is a sophisticated software development method that will enable you to create modern, professional-looking software. It is also an essential tool to manage the ever increasing complexity of modern software and information technology solutions.</a:t>
+            </a:r>
+          </a:p>
+          <a:p>
+            <a:pPr>
+              <a:spcAft>
+                <a:spcPts val="1200"/>
+              </a:spcAft>
+            </a:pPr>
+            <a:r>
+              <a:rPr lang="en-US" sz="2000" dirty="0"/>
+              <a:t>Although it can be difficult to learn at first, you will eventually find that object-oriented programming techniques will greatly expand what you can do as a software developer. By the end of this course, I think you will be quite proud of how much you can implement as a software developer. My job is to help you get to that point.</a:t>
+            </a:r>
+          </a:p>
+        </p:txBody>
+      </p:sp>
+    </p:spTree>
+    <p:extLst>
+      <p:ext uri="{BB962C8B-B14F-4D97-AF65-F5344CB8AC3E}">
+        <p14:creationId xmlns:p14="http://schemas.microsoft.com/office/powerpoint/2010/main" val="2280700308"/>
+      </p:ext>
+    </p:extLst>
+  </p:cSld>
+  <p:clrMapOvr>
+    <a:masterClrMapping/>
+  </p:clrMapOvr>
+</p:sld>
+</file>
+
+<file path=ppt/slides/slide20.xml><?xml version="1.0" encoding="utf-8"?>
 <p:sld xmlns:a="http://schemas.openxmlformats.org/drawingml/2006/main" xmlns:r="http://schemas.openxmlformats.org/officeDocument/2006/relationships" xmlns:p="http://schemas.openxmlformats.org/presentationml/2006/main">
   <p:cSld>
     <p:spTree>
@@ -12990,7 +12620,7 @@
 </p:sld>
 </file>
 
-<file path=ppt/slides/slide22.xml><?xml version="1.0" encoding="utf-8"?>
+<file path=ppt/slides/slide21.xml><?xml version="1.0" encoding="utf-8"?>
 <p:sld xmlns:a="http://schemas.openxmlformats.org/drawingml/2006/main" xmlns:r="http://schemas.openxmlformats.org/officeDocument/2006/relationships" xmlns:p="http://schemas.openxmlformats.org/presentationml/2006/main">
   <p:cSld>
     <p:spTree>
@@ -14002,7 +13632,7 @@
 </p:sld>
 </file>
 
-<file path=ppt/slides/slide23.xml><?xml version="1.0" encoding="utf-8"?>
+<file path=ppt/slides/slide22.xml><?xml version="1.0" encoding="utf-8"?>
 <p:sld xmlns:a="http://schemas.openxmlformats.org/drawingml/2006/main" xmlns:r="http://schemas.openxmlformats.org/officeDocument/2006/relationships" xmlns:p="http://schemas.openxmlformats.org/presentationml/2006/main">
   <p:cSld>
     <p:spTree>
@@ -14489,7 +14119,7 @@
 </p:sld>
 </file>
 
-<file path=ppt/slides/slide24.xml><?xml version="1.0" encoding="utf-8"?>
+<file path=ppt/slides/slide23.xml><?xml version="1.0" encoding="utf-8"?>
 <p:sld xmlns:a="http://schemas.openxmlformats.org/drawingml/2006/main" xmlns:r="http://schemas.openxmlformats.org/officeDocument/2006/relationships" xmlns:p="http://schemas.openxmlformats.org/presentationml/2006/main">
   <p:cSld>
     <p:spTree>
@@ -14652,7 +14282,7 @@
 </p:sld>
 </file>
 
-<file path=ppt/slides/slide25.xml><?xml version="1.0" encoding="utf-8"?>
+<file path=ppt/slides/slide24.xml><?xml version="1.0" encoding="utf-8"?>
 <p:sld xmlns:a="http://schemas.openxmlformats.org/drawingml/2006/main" xmlns:r="http://schemas.openxmlformats.org/officeDocument/2006/relationships" xmlns:p="http://schemas.openxmlformats.org/presentationml/2006/main">
   <p:cSld>
     <p:spTree>
@@ -14782,7 +14412,7 @@
 </p:sld>
 </file>
 
-<file path=ppt/slides/slide26.xml><?xml version="1.0" encoding="utf-8"?>
+<file path=ppt/slides/slide25.xml><?xml version="1.0" encoding="utf-8"?>
 <p:sld xmlns:a="http://schemas.openxmlformats.org/drawingml/2006/main" xmlns:r="http://schemas.openxmlformats.org/officeDocument/2006/relationships" xmlns:p="http://schemas.openxmlformats.org/presentationml/2006/main">
   <p:cSld>
     <p:spTree>
@@ -14910,7 +14540,7 @@
 </p:sld>
 </file>
 
-<file path=ppt/slides/slide27.xml><?xml version="1.0" encoding="utf-8"?>
+<file path=ppt/slides/slide26.xml><?xml version="1.0" encoding="utf-8"?>
 <p:sld xmlns:a="http://schemas.openxmlformats.org/drawingml/2006/main" xmlns:r="http://schemas.openxmlformats.org/officeDocument/2006/relationships" xmlns:p="http://schemas.openxmlformats.org/presentationml/2006/main">
   <p:cSld>
     <p:spTree>
@@ -15032,6 +14662,178 @@
 </p:sld>
 </file>
 
+<file path=ppt/slides/slide27.xml><?xml version="1.0" encoding="utf-8"?>
+<p:sld xmlns:a="http://schemas.openxmlformats.org/drawingml/2006/main" xmlns:r="http://schemas.openxmlformats.org/officeDocument/2006/relationships" xmlns:p="http://schemas.openxmlformats.org/presentationml/2006/main">
+  <p:cSld>
+    <p:spTree>
+      <p:nvGrpSpPr>
+        <p:cNvPr id="1" name=""/>
+        <p:cNvGrpSpPr/>
+        <p:nvPr/>
+      </p:nvGrpSpPr>
+      <p:grpSpPr>
+        <a:xfrm>
+          <a:off x="0" y="0"/>
+          <a:ext cx="0" cy="0"/>
+          <a:chOff x="0" y="0"/>
+          <a:chExt cx="0" cy="0"/>
+        </a:xfrm>
+      </p:grpSpPr>
+      <p:sp>
+        <p:nvSpPr>
+          <p:cNvPr id="2" name="Title 1"/>
+          <p:cNvSpPr>
+            <a:spLocks noGrp="1"/>
+          </p:cNvSpPr>
+          <p:nvPr>
+            <p:ph type="title"/>
+          </p:nvPr>
+        </p:nvSpPr>
+        <p:spPr/>
+        <p:txBody>
+          <a:bodyPr/>
+          <a:lstStyle/>
+          <a:p>
+            <a:r>
+              <a:rPr lang="en-US" dirty="0"/>
+              <a:t>Object-Oriented Design </a:t>
+            </a:r>
+            <a:r>
+              <a:rPr lang="en-US" u="sng" dirty="0"/>
+              <a:t>Principles</a:t>
+            </a:r>
+            <a:r>
+              <a:rPr lang="en-US" dirty="0"/>
+              <a:t> </a:t>
+            </a:r>
+          </a:p>
+        </p:txBody>
+      </p:sp>
+      <p:sp>
+        <p:nvSpPr>
+          <p:cNvPr id="3" name="Content Placeholder 2"/>
+          <p:cNvSpPr>
+            <a:spLocks noGrp="1"/>
+          </p:cNvSpPr>
+          <p:nvPr>
+            <p:ph idx="1"/>
+          </p:nvPr>
+        </p:nvSpPr>
+        <p:spPr>
+          <a:xfrm>
+            <a:off x="838200" y="1825625"/>
+            <a:ext cx="10416363" cy="1667170"/>
+          </a:xfrm>
+        </p:spPr>
+        <p:txBody>
+          <a:bodyPr>
+            <a:normAutofit/>
+          </a:bodyPr>
+          <a:lstStyle/>
+          <a:p>
+            <a:pPr marL="0" indent="0">
+              <a:buNone/>
+            </a:pPr>
+            <a:r>
+              <a:rPr lang="en-US" sz="2000" dirty="0"/>
+              <a:t>According to Robert Martin there are 3 important characteristics of a bad design that should be avoided:</a:t>
+            </a:r>
+          </a:p>
+          <a:p>
+            <a:pPr marL="0" indent="0">
+              <a:buNone/>
+            </a:pPr>
+            <a:endParaRPr lang="en-US" sz="2000" dirty="0"/>
+          </a:p>
+        </p:txBody>
+      </p:sp>
+      <p:sp>
+        <p:nvSpPr>
+          <p:cNvPr id="6" name="TextBox 5"/>
+          <p:cNvSpPr txBox="1"/>
+          <p:nvPr/>
+        </p:nvSpPr>
+        <p:spPr>
+          <a:xfrm>
+            <a:off x="838200" y="2652131"/>
+            <a:ext cx="7214191" cy="2215991"/>
+          </a:xfrm>
+          <a:prstGeom prst="rect">
+            <a:avLst/>
+          </a:prstGeom>
+          <a:noFill/>
+        </p:spPr>
+        <p:txBody>
+          <a:bodyPr wrap="square" rtlCol="0">
+            <a:spAutoFit/>
+          </a:bodyPr>
+          <a:lstStyle/>
+          <a:p>
+            <a:pPr marL="285750" indent="-285750">
+              <a:spcBef>
+                <a:spcPts val="1800"/>
+              </a:spcBef>
+              <a:buFont typeface="Wingdings" panose="05000000000000000000" pitchFamily="2" charset="2"/>
+              <a:buChar char="§"/>
+            </a:pPr>
+            <a:r>
+              <a:rPr lang="en-US" u="sng" dirty="0"/>
+              <a:t>Rigidity</a:t>
+            </a:r>
+            <a:r>
+              <a:rPr lang="en-US" dirty="0"/>
+              <a:t> - It is hard to change because every change affects too many other parts of the system</a:t>
+            </a:r>
+          </a:p>
+          <a:p>
+            <a:pPr marL="285750" indent="-285750">
+              <a:spcBef>
+                <a:spcPts val="1800"/>
+              </a:spcBef>
+              <a:buFont typeface="Wingdings" panose="05000000000000000000" pitchFamily="2" charset="2"/>
+              <a:buChar char="§"/>
+            </a:pPr>
+            <a:r>
+              <a:rPr lang="en-US" u="sng" dirty="0"/>
+              <a:t>Fragility</a:t>
+            </a:r>
+            <a:r>
+              <a:rPr lang="en-US" dirty="0"/>
+              <a:t> - When you make a change, unexpected parts of the system break </a:t>
+            </a:r>
+          </a:p>
+          <a:p>
+            <a:pPr marL="285750" indent="-285750">
+              <a:spcBef>
+                <a:spcPts val="1800"/>
+              </a:spcBef>
+              <a:buFont typeface="Wingdings" panose="05000000000000000000" pitchFamily="2" charset="2"/>
+              <a:buChar char="§"/>
+            </a:pPr>
+            <a:r>
+              <a:rPr lang="en-US" u="sng" dirty="0"/>
+              <a:t>Immobility</a:t>
+            </a:r>
+            <a:r>
+              <a:rPr lang="en-US" dirty="0"/>
+              <a:t> - It is hard to reuse in another application because it cannot be disentangled from the current application</a:t>
+            </a:r>
+          </a:p>
+        </p:txBody>
+      </p:sp>
+    </p:spTree>
+    <p:extLst>
+      <p:ext uri="{BB962C8B-B14F-4D97-AF65-F5344CB8AC3E}">
+        <p14:creationId xmlns:p14="http://schemas.microsoft.com/office/powerpoint/2010/main" val="1423854581"/>
+      </p:ext>
+    </p:extLst>
+  </p:cSld>
+  <p:clrMapOvr>
+    <a:masterClrMapping/>
+  </p:clrMapOvr>
+</p:sld>
+</file>
+
 <file path=ppt/slides/slide28.xml><?xml version="1.0" encoding="utf-8"?>
 <p:sld xmlns:a="http://schemas.openxmlformats.org/drawingml/2006/main" xmlns:r="http://schemas.openxmlformats.org/officeDocument/2006/relationships" xmlns:p="http://schemas.openxmlformats.org/presentationml/2006/main">
   <p:cSld>
@@ -15061,178 +14863,6 @@
         </p:nvSpPr>
         <p:spPr/>
         <p:txBody>
-          <a:bodyPr/>
-          <a:lstStyle/>
-          <a:p>
-            <a:r>
-              <a:rPr lang="en-US" dirty="0"/>
-              <a:t>Object-Oriented Design </a:t>
-            </a:r>
-            <a:r>
-              <a:rPr lang="en-US" u="sng" dirty="0"/>
-              <a:t>Principles</a:t>
-            </a:r>
-            <a:r>
-              <a:rPr lang="en-US" dirty="0"/>
-              <a:t> </a:t>
-            </a:r>
-          </a:p>
-        </p:txBody>
-      </p:sp>
-      <p:sp>
-        <p:nvSpPr>
-          <p:cNvPr id="3" name="Content Placeholder 2"/>
-          <p:cNvSpPr>
-            <a:spLocks noGrp="1"/>
-          </p:cNvSpPr>
-          <p:nvPr>
-            <p:ph idx="1"/>
-          </p:nvPr>
-        </p:nvSpPr>
-        <p:spPr>
-          <a:xfrm>
-            <a:off x="838200" y="1825625"/>
-            <a:ext cx="10416363" cy="1667170"/>
-          </a:xfrm>
-        </p:spPr>
-        <p:txBody>
-          <a:bodyPr>
-            <a:normAutofit/>
-          </a:bodyPr>
-          <a:lstStyle/>
-          <a:p>
-            <a:pPr marL="0" indent="0">
-              <a:buNone/>
-            </a:pPr>
-            <a:r>
-              <a:rPr lang="en-US" sz="2000" dirty="0"/>
-              <a:t>According to Robert Martin there are 3 important characteristics of a bad design that should be avoided:</a:t>
-            </a:r>
-          </a:p>
-          <a:p>
-            <a:pPr marL="0" indent="0">
-              <a:buNone/>
-            </a:pPr>
-            <a:endParaRPr lang="en-US" sz="2000" dirty="0"/>
-          </a:p>
-        </p:txBody>
-      </p:sp>
-      <p:sp>
-        <p:nvSpPr>
-          <p:cNvPr id="6" name="TextBox 5"/>
-          <p:cNvSpPr txBox="1"/>
-          <p:nvPr/>
-        </p:nvSpPr>
-        <p:spPr>
-          <a:xfrm>
-            <a:off x="838200" y="2652131"/>
-            <a:ext cx="7214191" cy="2215991"/>
-          </a:xfrm>
-          <a:prstGeom prst="rect">
-            <a:avLst/>
-          </a:prstGeom>
-          <a:noFill/>
-        </p:spPr>
-        <p:txBody>
-          <a:bodyPr wrap="square" rtlCol="0">
-            <a:spAutoFit/>
-          </a:bodyPr>
-          <a:lstStyle/>
-          <a:p>
-            <a:pPr marL="285750" indent="-285750">
-              <a:spcBef>
-                <a:spcPts val="1800"/>
-              </a:spcBef>
-              <a:buFont typeface="Wingdings" panose="05000000000000000000" pitchFamily="2" charset="2"/>
-              <a:buChar char="§"/>
-            </a:pPr>
-            <a:r>
-              <a:rPr lang="en-US" u="sng" dirty="0"/>
-              <a:t>Rigidity</a:t>
-            </a:r>
-            <a:r>
-              <a:rPr lang="en-US" dirty="0"/>
-              <a:t> - It is hard to change because every change affects too many other parts of the system</a:t>
-            </a:r>
-          </a:p>
-          <a:p>
-            <a:pPr marL="285750" indent="-285750">
-              <a:spcBef>
-                <a:spcPts val="1800"/>
-              </a:spcBef>
-              <a:buFont typeface="Wingdings" panose="05000000000000000000" pitchFamily="2" charset="2"/>
-              <a:buChar char="§"/>
-            </a:pPr>
-            <a:r>
-              <a:rPr lang="en-US" u="sng" dirty="0"/>
-              <a:t>Fragility</a:t>
-            </a:r>
-            <a:r>
-              <a:rPr lang="en-US" dirty="0"/>
-              <a:t> - When you make a change, unexpected parts of the system break </a:t>
-            </a:r>
-          </a:p>
-          <a:p>
-            <a:pPr marL="285750" indent="-285750">
-              <a:spcBef>
-                <a:spcPts val="1800"/>
-              </a:spcBef>
-              <a:buFont typeface="Wingdings" panose="05000000000000000000" pitchFamily="2" charset="2"/>
-              <a:buChar char="§"/>
-            </a:pPr>
-            <a:r>
-              <a:rPr lang="en-US" u="sng" dirty="0"/>
-              <a:t>Immobility</a:t>
-            </a:r>
-            <a:r>
-              <a:rPr lang="en-US" dirty="0"/>
-              <a:t> - It is hard to reuse in another application because it cannot be disentangled from the current application</a:t>
-            </a:r>
-          </a:p>
-        </p:txBody>
-      </p:sp>
-    </p:spTree>
-    <p:extLst>
-      <p:ext uri="{BB962C8B-B14F-4D97-AF65-F5344CB8AC3E}">
-        <p14:creationId xmlns:p14="http://schemas.microsoft.com/office/powerpoint/2010/main" val="1423854581"/>
-      </p:ext>
-    </p:extLst>
-  </p:cSld>
-  <p:clrMapOvr>
-    <a:masterClrMapping/>
-  </p:clrMapOvr>
-</p:sld>
-</file>
-
-<file path=ppt/slides/slide29.xml><?xml version="1.0" encoding="utf-8"?>
-<p:sld xmlns:a="http://schemas.openxmlformats.org/drawingml/2006/main" xmlns:r="http://schemas.openxmlformats.org/officeDocument/2006/relationships" xmlns:p="http://schemas.openxmlformats.org/presentationml/2006/main">
-  <p:cSld>
-    <p:spTree>
-      <p:nvGrpSpPr>
-        <p:cNvPr id="1" name=""/>
-        <p:cNvGrpSpPr/>
-        <p:nvPr/>
-      </p:nvGrpSpPr>
-      <p:grpSpPr>
-        <a:xfrm>
-          <a:off x="0" y="0"/>
-          <a:ext cx="0" cy="0"/>
-          <a:chOff x="0" y="0"/>
-          <a:chExt cx="0" cy="0"/>
-        </a:xfrm>
-      </p:grpSpPr>
-      <p:sp>
-        <p:nvSpPr>
-          <p:cNvPr id="2" name="Title 1"/>
-          <p:cNvSpPr>
-            <a:spLocks noGrp="1"/>
-          </p:cNvSpPr>
-          <p:nvPr>
-            <p:ph type="title"/>
-          </p:nvPr>
-        </p:nvSpPr>
-        <p:spPr/>
-        <p:txBody>
           <a:bodyPr>
             <a:normAutofit/>
           </a:bodyPr>
@@ -15358,122 +14988,7 @@
 </p:sld>
 </file>
 
-<file path=ppt/slides/slide3.xml><?xml version="1.0" encoding="utf-8"?>
-<p:sld xmlns:a="http://schemas.openxmlformats.org/drawingml/2006/main" xmlns:r="http://schemas.openxmlformats.org/officeDocument/2006/relationships" xmlns:p="http://schemas.openxmlformats.org/presentationml/2006/main">
-  <p:cSld>
-    <p:spTree>
-      <p:nvGrpSpPr>
-        <p:cNvPr id="1" name=""/>
-        <p:cNvGrpSpPr/>
-        <p:nvPr/>
-      </p:nvGrpSpPr>
-      <p:grpSpPr>
-        <a:xfrm>
-          <a:off x="0" y="0"/>
-          <a:ext cx="0" cy="0"/>
-          <a:chOff x="0" y="0"/>
-          <a:chExt cx="0" cy="0"/>
-        </a:xfrm>
-      </p:grpSpPr>
-      <p:sp>
-        <p:nvSpPr>
-          <p:cNvPr id="2" name="Title 1"/>
-          <p:cNvSpPr>
-            <a:spLocks noGrp="1"/>
-          </p:cNvSpPr>
-          <p:nvPr>
-            <p:ph type="title"/>
-          </p:nvPr>
-        </p:nvSpPr>
-        <p:spPr>
-          <a:xfrm>
-            <a:off x="838200" y="365126"/>
-            <a:ext cx="10515600" cy="757272"/>
-          </a:xfrm>
-        </p:spPr>
-        <p:txBody>
-          <a:bodyPr>
-            <a:normAutofit/>
-          </a:bodyPr>
-          <a:lstStyle/>
-          <a:p>
-            <a:r>
-              <a:rPr lang="en-US" sz="3600" dirty="0"/>
-              <a:t>Welcome!</a:t>
-            </a:r>
-            <a:endParaRPr lang="en-US" sz="3600" b="1" i="1" u="sng" dirty="0"/>
-          </a:p>
-        </p:txBody>
-      </p:sp>
-      <p:sp>
-        <p:nvSpPr>
-          <p:cNvPr id="3" name="Rectangle 2"/>
-          <p:cNvSpPr/>
-          <p:nvPr/>
-        </p:nvSpPr>
-        <p:spPr>
-          <a:xfrm>
-            <a:off x="838199" y="1296367"/>
-            <a:ext cx="10230293" cy="3170099"/>
-          </a:xfrm>
-          <a:prstGeom prst="rect">
-            <a:avLst/>
-          </a:prstGeom>
-        </p:spPr>
-        <p:txBody>
-          <a:bodyPr wrap="square">
-            <a:spAutoFit/>
-          </a:bodyPr>
-          <a:lstStyle/>
-          <a:p>
-            <a:pPr>
-              <a:spcAft>
-                <a:spcPts val="1200"/>
-              </a:spcAft>
-            </a:pPr>
-            <a:r>
-              <a:rPr lang="en-US" sz="2000" dirty="0"/>
-              <a:t>Welcome to Object-Oriented Programming at Lewis University (CPSC-24500)</a:t>
-            </a:r>
-          </a:p>
-          <a:p>
-            <a:pPr>
-              <a:spcAft>
-                <a:spcPts val="1200"/>
-              </a:spcAft>
-            </a:pPr>
-            <a:r>
-              <a:rPr lang="en-US" sz="2000" dirty="0"/>
-              <a:t>I am looking forward to working with you during the coming eight weeks. Object-oriented programming is a sophisticated software development method that will enable you to create modern, professional-looking software. It is also an essential tool to manage the ever increasing complexity of modern software and information technology solutions.</a:t>
-            </a:r>
-          </a:p>
-          <a:p>
-            <a:pPr>
-              <a:spcAft>
-                <a:spcPts val="1200"/>
-              </a:spcAft>
-            </a:pPr>
-            <a:r>
-              <a:rPr lang="en-US" sz="2000" dirty="0"/>
-              <a:t>Although it can be difficult to learn at first, you will eventually find that object-oriented programming techniques will greatly expand what you can do as a software developer. By the end of this course, I think you will be quite proud of how much you can implement as a software developer. My job is to help you get to that point.</a:t>
-            </a:r>
-          </a:p>
-        </p:txBody>
-      </p:sp>
-    </p:spTree>
-    <p:extLst>
-      <p:ext uri="{BB962C8B-B14F-4D97-AF65-F5344CB8AC3E}">
-        <p14:creationId xmlns:p14="http://schemas.microsoft.com/office/powerpoint/2010/main" val="2280700308"/>
-      </p:ext>
-    </p:extLst>
-  </p:cSld>
-  <p:clrMapOvr>
-    <a:masterClrMapping/>
-  </p:clrMapOvr>
-</p:sld>
-</file>
-
-<file path=ppt/slides/slide30.xml><?xml version="1.0" encoding="utf-8"?>
+<file path=ppt/slides/slide29.xml><?xml version="1.0" encoding="utf-8"?>
 <p:sld xmlns:a="http://schemas.openxmlformats.org/drawingml/2006/main" xmlns:r="http://schemas.openxmlformats.org/officeDocument/2006/relationships" xmlns:p="http://schemas.openxmlformats.org/presentationml/2006/main">
   <p:cSld>
     <p:spTree>
@@ -15786,7 +15301,172 @@
 </p:sld>
 </file>
 
-<file path=ppt/slides/slide31.xml><?xml version="1.0" encoding="utf-8"?>
+<file path=ppt/slides/slide3.xml><?xml version="1.0" encoding="utf-8"?>
+<p:sld xmlns:a="http://schemas.openxmlformats.org/drawingml/2006/main" xmlns:r="http://schemas.openxmlformats.org/officeDocument/2006/relationships" xmlns:p="http://schemas.openxmlformats.org/presentationml/2006/main">
+  <p:cSld>
+    <p:spTree>
+      <p:nvGrpSpPr>
+        <p:cNvPr id="1" name=""/>
+        <p:cNvGrpSpPr/>
+        <p:nvPr/>
+      </p:nvGrpSpPr>
+      <p:grpSpPr>
+        <a:xfrm>
+          <a:off x="0" y="0"/>
+          <a:ext cx="0" cy="0"/>
+          <a:chOff x="0" y="0"/>
+          <a:chExt cx="0" cy="0"/>
+        </a:xfrm>
+      </p:grpSpPr>
+      <p:sp>
+        <p:nvSpPr>
+          <p:cNvPr id="2" name="Title 1"/>
+          <p:cNvSpPr>
+            <a:spLocks noGrp="1"/>
+          </p:cNvSpPr>
+          <p:nvPr>
+            <p:ph type="title"/>
+          </p:nvPr>
+        </p:nvSpPr>
+        <p:spPr>
+          <a:xfrm>
+            <a:off x="838200" y="365126"/>
+            <a:ext cx="10515600" cy="757272"/>
+          </a:xfrm>
+        </p:spPr>
+        <p:txBody>
+          <a:bodyPr>
+            <a:normAutofit/>
+          </a:bodyPr>
+          <a:lstStyle/>
+          <a:p>
+            <a:r>
+              <a:rPr lang="en-US" sz="3600" dirty="0"/>
+              <a:t>Introductions… My Discussion Board Posting</a:t>
+            </a:r>
+            <a:endParaRPr lang="en-US" sz="3600" b="1" i="1" u="sng" dirty="0"/>
+          </a:p>
+        </p:txBody>
+      </p:sp>
+      <p:sp>
+        <p:nvSpPr>
+          <p:cNvPr id="3" name="TextBox 2"/>
+          <p:cNvSpPr txBox="1"/>
+          <p:nvPr/>
+        </p:nvSpPr>
+        <p:spPr>
+          <a:xfrm>
+            <a:off x="838200" y="1122398"/>
+            <a:ext cx="10648507" cy="5016758"/>
+          </a:xfrm>
+          <a:prstGeom prst="rect">
+            <a:avLst/>
+          </a:prstGeom>
+          <a:noFill/>
+        </p:spPr>
+        <p:txBody>
+          <a:bodyPr wrap="square" rtlCol="0">
+            <a:spAutoFit/>
+          </a:bodyPr>
+          <a:lstStyle/>
+          <a:p>
+            <a:pPr>
+              <a:spcAft>
+                <a:spcPts val="1200"/>
+              </a:spcAft>
+            </a:pPr>
+            <a:r>
+              <a:rPr lang="en-US" dirty="0"/>
+              <a:t>Hello, my name is Eric Pogue. I am looking forward teaching this class and being part of your professional software development journey. </a:t>
+            </a:r>
+          </a:p>
+          <a:p>
+            <a:pPr>
+              <a:spcAft>
+                <a:spcPts val="1200"/>
+              </a:spcAft>
+            </a:pPr>
+            <a:r>
+              <a:rPr lang="en-US" dirty="0"/>
+              <a:t>I have spent most of my career working in the software development industry in various developer, architecture, project management, and leadership roles. Object-oriented design and programming have always been a passion of mine … even before it was the “cool” way of developing software products. </a:t>
+            </a:r>
+          </a:p>
+          <a:p>
+            <a:pPr>
+              <a:spcAft>
+                <a:spcPts val="1200"/>
+              </a:spcAft>
+            </a:pPr>
+            <a:r>
+              <a:rPr lang="en-US" dirty="0"/>
+              <a:t>The first part of my career was focused on developing commercial software products like </a:t>
+            </a:r>
+            <a:r>
+              <a:rPr lang="en-US" dirty="0" err="1"/>
+              <a:t>PaintShop</a:t>
+            </a:r>
+            <a:r>
+              <a:rPr lang="en-US" dirty="0"/>
+              <a:t> Pro, Quicken Family Lawyer, and Personal Tax Edge for companies like Jasc Software, Intuit, and Parsons Technology. The second part of my career was dedicated developing a variety of software products for John Deere customers. Precision farming and telematics were the areas that I enjoyed the most. </a:t>
+            </a:r>
+          </a:p>
+          <a:p>
+            <a:pPr>
+              <a:spcAft>
+                <a:spcPts val="1200"/>
+              </a:spcAft>
+            </a:pPr>
+            <a:r>
+              <a:rPr lang="en-US" dirty="0"/>
+              <a:t>Recently my fiancé and I relocate to Lombard. She is an elementary school teacher in Lemont, and I am pursuing a startup venture developing interactive rendering solutions for the architects. </a:t>
+            </a:r>
+          </a:p>
+          <a:p>
+            <a:pPr>
+              <a:spcAft>
+                <a:spcPts val="1200"/>
+              </a:spcAft>
+            </a:pPr>
+            <a:r>
+              <a:rPr lang="en-US" dirty="0"/>
+              <a:t>I enjoy triathlons and wilderness canoeing &amp; camping with my children. </a:t>
+            </a:r>
+            <a:r>
+              <a:rPr lang="en-US" dirty="0" err="1"/>
+              <a:t>Quetico</a:t>
+            </a:r>
+            <a:r>
+              <a:rPr lang="en-US" dirty="0"/>
+              <a:t> (the Canadian side of the Boundary Waters) is my favorite place to adventure.  </a:t>
+            </a:r>
+          </a:p>
+          <a:p>
+            <a:pPr>
+              <a:spcAft>
+                <a:spcPts val="1200"/>
+              </a:spcAft>
+            </a:pPr>
+            <a:r>
+              <a:rPr lang="en-US" dirty="0"/>
+              <a:t>I’m looking forward to getting to know each of you, and I sincerely hope you will enjoy taking this class as much as I know that I will enjoy teaching it.</a:t>
+            </a:r>
+          </a:p>
+        </p:txBody>
+      </p:sp>
+    </p:spTree>
+    <p:extLst>
+      <p:ext uri="{BB962C8B-B14F-4D97-AF65-F5344CB8AC3E}">
+        <p14:creationId xmlns:p14="http://schemas.microsoft.com/office/powerpoint/2010/main" val="2428453513"/>
+      </p:ext>
+    </p:extLst>
+  </p:cSld>
+  <p:clrMapOvr>
+    <a:masterClrMapping/>
+  </p:clrMapOvr>
+</p:sld>
+</file>
+
+<file path=ppt/slides/slide30.xml><?xml version="1.0" encoding="utf-8"?>
 <p:sld xmlns:a="http://schemas.openxmlformats.org/drawingml/2006/main" xmlns:r="http://schemas.openxmlformats.org/officeDocument/2006/relationships" xmlns:p="http://schemas.openxmlformats.org/presentationml/2006/main">
   <p:cSld>
     <p:spTree>
@@ -16099,7 +15779,7 @@
 </p:sld>
 </file>
 
-<file path=ppt/slides/slide32.xml><?xml version="1.0" encoding="utf-8"?>
+<file path=ppt/slides/slide31.xml><?xml version="1.0" encoding="utf-8"?>
 <p:sld xmlns:a="http://schemas.openxmlformats.org/drawingml/2006/main" xmlns:r="http://schemas.openxmlformats.org/officeDocument/2006/relationships" xmlns:p="http://schemas.openxmlformats.org/presentationml/2006/main">
   <p:cSld>
     <p:spTree>
@@ -16416,7 +16096,7 @@
 </p:sld>
 </file>
 
-<file path=ppt/slides/slide33.xml><?xml version="1.0" encoding="utf-8"?>
+<file path=ppt/slides/slide32.xml><?xml version="1.0" encoding="utf-8"?>
 <p:sld xmlns:a="http://schemas.openxmlformats.org/drawingml/2006/main" xmlns:r="http://schemas.openxmlformats.org/officeDocument/2006/relationships" xmlns:p="http://schemas.openxmlformats.org/presentationml/2006/main">
   <p:cSld>
     <p:spTree>
@@ -16931,7 +16611,7 @@
 </p:sld>
 </file>
 
-<file path=ppt/slides/slide34.xml><?xml version="1.0" encoding="utf-8"?>
+<file path=ppt/slides/slide33.xml><?xml version="1.0" encoding="utf-8"?>
 <p:sld xmlns:a="http://schemas.openxmlformats.org/drawingml/2006/main" xmlns:r="http://schemas.openxmlformats.org/officeDocument/2006/relationships" xmlns:p="http://schemas.openxmlformats.org/presentationml/2006/main">
   <p:cSld>
     <p:spTree>
@@ -17203,7 +16883,7 @@
           <a:p>
             <a:r>
               <a:rPr lang="en-US" sz="3600" dirty="0"/>
-              <a:t>Introductions… My Discussion Board Posting</a:t>
+              <a:t>Syllabus </a:t>
             </a:r>
             <a:endParaRPr lang="en-US" sz="3600" b="1" i="1" u="sng" dirty="0"/>
           </a:p>
@@ -17211,105 +16891,240 @@
       </p:sp>
       <p:sp>
         <p:nvSpPr>
-          <p:cNvPr id="3" name="TextBox 2"/>
-          <p:cNvSpPr txBox="1"/>
+          <p:cNvPr id="4" name="Rectangle 3"/>
+          <p:cNvSpPr/>
           <p:nvPr/>
         </p:nvSpPr>
         <p:spPr>
           <a:xfrm>
-            <a:off x="838200" y="1122398"/>
-            <a:ext cx="10648507" cy="5016758"/>
+            <a:off x="838200" y="1000124"/>
+            <a:ext cx="10180674" cy="4930452"/>
           </a:xfrm>
           <a:prstGeom prst="rect">
             <a:avLst/>
           </a:prstGeom>
-          <a:noFill/>
         </p:spPr>
         <p:txBody>
-          <a:bodyPr wrap="square" rtlCol="0">
+          <a:bodyPr wrap="square">
             <a:spAutoFit/>
           </a:bodyPr>
           <a:lstStyle/>
           <a:p>
+            <a:pPr algn="ctr">
+              <a:lnSpc>
+                <a:spcPct val="107000"/>
+              </a:lnSpc>
+              <a:spcBef>
+                <a:spcPts val="1200"/>
+              </a:spcBef>
+            </a:pPr>
+            <a:r>
+              <a:rPr lang="en-US" sz="2800" b="1" kern="0" dirty="0">
+                <a:latin typeface="Calibri Light" panose="020F0302020204030204" pitchFamily="34" charset="0"/>
+                <a:ea typeface="Times New Roman" panose="02020603050405020304" pitchFamily="18" charset="0"/>
+                <a:cs typeface="Times New Roman" panose="02020603050405020304" pitchFamily="18" charset="0"/>
+              </a:rPr>
+              <a:t>Object-Oriented Programming (CPSC-24500)</a:t>
+            </a:r>
+          </a:p>
+          <a:p>
             <a:pPr>
+              <a:lnSpc>
+                <a:spcPct val="107000"/>
+              </a:lnSpc>
+              <a:spcBef>
+                <a:spcPts val="1200"/>
+              </a:spcBef>
+            </a:pPr>
+            <a:r>
+              <a:rPr lang="en-US" b="1" dirty="0">
+                <a:latin typeface="Calibri" panose="020F0502020204030204" pitchFamily="34" charset="0"/>
+                <a:ea typeface="Calibri" panose="020F0502020204030204" pitchFamily="34" charset="0"/>
+                <a:cs typeface="Times New Roman" panose="02020603050405020304" pitchFamily="18" charset="0"/>
+              </a:rPr>
+              <a:t>Instructor:</a:t>
+            </a:r>
+            <a:r>
+              <a:rPr lang="en-US" dirty="0">
+                <a:latin typeface="Calibri" panose="020F0502020204030204" pitchFamily="34" charset="0"/>
+                <a:ea typeface="Calibri" panose="020F0502020204030204" pitchFamily="34" charset="0"/>
+                <a:cs typeface="Times New Roman" panose="02020603050405020304" pitchFamily="18" charset="0"/>
+              </a:rPr>
+              <a:t> Eric Pogue, Adjunct Instructor, Computer and Mathematical Sciences</a:t>
+            </a:r>
+          </a:p>
+          <a:p>
+            <a:pPr marL="342900" marR="0" lvl="0" indent="-342900">
+              <a:lnSpc>
+                <a:spcPct val="107000"/>
+              </a:lnSpc>
+              <a:spcBef>
+                <a:spcPts val="0"/>
+              </a:spcBef>
               <a:spcAft>
+                <a:spcPts val="0"/>
+              </a:spcAft>
+              <a:buFont typeface="Symbol" panose="05050102010706020507" pitchFamily="18" charset="2"/>
+              <a:buChar char=""/>
+            </a:pPr>
+            <a:r>
+              <a:rPr lang="en-US" dirty="0">
+                <a:latin typeface="Calibri" panose="020F0502020204030204" pitchFamily="34" charset="0"/>
+                <a:ea typeface="Calibri" panose="020F0502020204030204" pitchFamily="34" charset="0"/>
+                <a:cs typeface="Times New Roman" panose="02020603050405020304" pitchFamily="18" charset="0"/>
+              </a:rPr>
+              <a:t>Office Hours:  Wednesdays 3-5pm and by appointment</a:t>
+            </a:r>
+          </a:p>
+          <a:p>
+            <a:pPr marL="342900" marR="0" lvl="0" indent="-342900">
+              <a:lnSpc>
+                <a:spcPct val="107000"/>
+              </a:lnSpc>
+              <a:spcBef>
+                <a:spcPts val="0"/>
+              </a:spcBef>
+              <a:spcAft>
+                <a:spcPts val="0"/>
+              </a:spcAft>
+              <a:buFont typeface="Symbol" panose="05050102010706020507" pitchFamily="18" charset="2"/>
+              <a:buChar char=""/>
+            </a:pPr>
+            <a:r>
+              <a:rPr lang="en-US" dirty="0">
+                <a:latin typeface="Calibri" panose="020F0502020204030204" pitchFamily="34" charset="0"/>
+                <a:ea typeface="Calibri" panose="020F0502020204030204" pitchFamily="34" charset="0"/>
+                <a:cs typeface="Times New Roman" panose="02020603050405020304" pitchFamily="18" charset="0"/>
+              </a:rPr>
+              <a:t>Email: epogue@lewisu.edu </a:t>
+            </a:r>
+          </a:p>
+          <a:p>
+            <a:pPr marL="342900" marR="0" lvl="0" indent="-342900">
+              <a:lnSpc>
+                <a:spcPct val="107000"/>
+              </a:lnSpc>
+              <a:spcBef>
+                <a:spcPts val="0"/>
+              </a:spcBef>
+              <a:spcAft>
+                <a:spcPts val="800"/>
+              </a:spcAft>
+              <a:buFont typeface="Symbol" panose="05050102010706020507" pitchFamily="18" charset="2"/>
+              <a:buChar char=""/>
+            </a:pPr>
+            <a:r>
+              <a:rPr lang="en-US" dirty="0">
+                <a:latin typeface="Calibri" panose="020F0502020204030204" pitchFamily="34" charset="0"/>
+                <a:ea typeface="Calibri" panose="020F0502020204030204" pitchFamily="34" charset="0"/>
+                <a:cs typeface="Times New Roman" panose="02020603050405020304" pitchFamily="18" charset="0"/>
+              </a:rPr>
+              <a:t>Phone: (630) 613-7088 </a:t>
+            </a:r>
+          </a:p>
+          <a:p>
+            <a:pPr>
+              <a:lnSpc>
+                <a:spcPct val="107000"/>
+              </a:lnSpc>
+              <a:spcBef>
                 <a:spcPts val="1200"/>
+              </a:spcBef>
+            </a:pPr>
+            <a:r>
+              <a:rPr lang="en-US" b="1" dirty="0">
+                <a:latin typeface="Calibri" panose="020F0502020204030204" pitchFamily="34" charset="0"/>
+                <a:ea typeface="Calibri" panose="020F0502020204030204" pitchFamily="34" charset="0"/>
+                <a:cs typeface="Times New Roman" panose="02020603050405020304" pitchFamily="18" charset="0"/>
+              </a:rPr>
+              <a:t>Course Description:  	</a:t>
+            </a:r>
+            <a:endParaRPr lang="en-US" dirty="0">
+              <a:latin typeface="Calibri" panose="020F0502020204030204" pitchFamily="34" charset="0"/>
+              <a:ea typeface="Calibri" panose="020F0502020204030204" pitchFamily="34" charset="0"/>
+              <a:cs typeface="Times New Roman" panose="02020603050405020304" pitchFamily="18" charset="0"/>
+            </a:endParaRPr>
+          </a:p>
+          <a:p>
+            <a:pPr>
+              <a:lnSpc>
+                <a:spcPct val="107000"/>
+              </a:lnSpc>
+              <a:spcAft>
+                <a:spcPts val="800"/>
               </a:spcAft>
             </a:pPr>
             <a:r>
-              <a:rPr lang="en-US" dirty="0"/>
-              <a:t>Hello, my name is Eric Pogue. I am looking forward teaching this class and being part of your professional software development journey. </a:t>
+              <a:rPr lang="en-US" dirty="0">
+                <a:latin typeface="Calibri" panose="020F0502020204030204" pitchFamily="34" charset="0"/>
+                <a:ea typeface="Calibri" panose="020F0502020204030204" pitchFamily="34" charset="0"/>
+                <a:cs typeface="Times New Roman" panose="02020603050405020304" pitchFamily="18" charset="0"/>
+              </a:rPr>
+              <a:t>Students will learn to design and develop software using the object-oriented approach. Topics include encapsulation, inheritance, polymorphism, abstraction, and patterns. Students will learn how to use an SDK to develop desktop and web applications that provide data processing and visualization services. Students will also learn how to manage threads and networking connections in software they write. </a:t>
             </a:r>
           </a:p>
           <a:p>
             <a:pPr>
+              <a:lnSpc>
+                <a:spcPct val="107000"/>
+              </a:lnSpc>
+              <a:spcBef>
+                <a:spcPts val="1200"/>
+              </a:spcBef>
+            </a:pPr>
+            <a:r>
+              <a:rPr lang="en-US" b="1" dirty="0">
+                <a:latin typeface="Calibri" panose="020F0502020204030204" pitchFamily="34" charset="0"/>
+                <a:ea typeface="Calibri" panose="020F0502020204030204" pitchFamily="34" charset="0"/>
+                <a:cs typeface="Times New Roman" panose="02020603050405020304" pitchFamily="18" charset="0"/>
+              </a:rPr>
+              <a:t>Credits: 3</a:t>
+            </a:r>
+            <a:endParaRPr lang="en-US" dirty="0">
+              <a:latin typeface="Calibri" panose="020F0502020204030204" pitchFamily="34" charset="0"/>
+              <a:ea typeface="Calibri" panose="020F0502020204030204" pitchFamily="34" charset="0"/>
+              <a:cs typeface="Times New Roman" panose="02020603050405020304" pitchFamily="18" charset="0"/>
+            </a:endParaRPr>
+          </a:p>
+          <a:p>
+            <a:pPr>
+              <a:lnSpc>
+                <a:spcPct val="107000"/>
+              </a:lnSpc>
+              <a:spcBef>
+                <a:spcPts val="1200"/>
+              </a:spcBef>
+            </a:pPr>
+            <a:r>
+              <a:rPr lang="en-US" b="1" dirty="0">
+                <a:latin typeface="Calibri" panose="020F0502020204030204" pitchFamily="34" charset="0"/>
+                <a:ea typeface="Calibri" panose="020F0502020204030204" pitchFamily="34" charset="0"/>
+                <a:cs typeface="Times New Roman" panose="02020603050405020304" pitchFamily="18" charset="0"/>
+              </a:rPr>
+              <a:t>Prerequisites:  </a:t>
+            </a:r>
+            <a:endParaRPr lang="en-US" dirty="0">
+              <a:latin typeface="Calibri" panose="020F0502020204030204" pitchFamily="34" charset="0"/>
+              <a:ea typeface="Calibri" panose="020F0502020204030204" pitchFamily="34" charset="0"/>
+              <a:cs typeface="Times New Roman" panose="02020603050405020304" pitchFamily="18" charset="0"/>
+            </a:endParaRPr>
+          </a:p>
+          <a:p>
+            <a:pPr>
+              <a:lnSpc>
+                <a:spcPct val="107000"/>
+              </a:lnSpc>
               <a:spcAft>
-                <a:spcPts val="1200"/>
+                <a:spcPts val="800"/>
               </a:spcAft>
             </a:pPr>
             <a:r>
-              <a:rPr lang="en-US" dirty="0"/>
-              <a:t>I have spent most of my career working in the software development industry in various developer, architecture, project management, and leadership roles. Object-oriented design and programming have always been a passion of mine … even before it was the “cool” way of developing software products. </a:t>
-            </a:r>
-          </a:p>
-          <a:p>
-            <a:pPr>
-              <a:spcAft>
-                <a:spcPts val="1200"/>
-              </a:spcAft>
-            </a:pPr>
-            <a:r>
-              <a:rPr lang="en-US" dirty="0"/>
-              <a:t>The first part of my career was focused on developing commercial software products like </a:t>
-            </a:r>
-            <a:r>
-              <a:rPr lang="en-US" dirty="0" err="1"/>
-              <a:t>PaintShop</a:t>
-            </a:r>
-            <a:r>
-              <a:rPr lang="en-US" dirty="0"/>
-              <a:t> Pro, Quicken Family Lawyer, and Personal Tax Edge for companies like Jasc Software, Intuit, and Parsons Technology. The second part of my career was dedicated developing a variety of software products for John Deere customers. Precision farming and telematics were the areas that I enjoyed the most. </a:t>
-            </a:r>
-          </a:p>
-          <a:p>
-            <a:pPr>
-              <a:spcAft>
-                <a:spcPts val="1200"/>
-              </a:spcAft>
-            </a:pPr>
-            <a:r>
-              <a:rPr lang="en-US" dirty="0"/>
-              <a:t>Recently my fiancé and I relocate to Lombard. She is an elementary school teacher in Lemont, and I am pursuing a startup venture developing interactive rendering solutions for the architects. </a:t>
-            </a:r>
-          </a:p>
-          <a:p>
-            <a:pPr>
-              <a:spcAft>
-                <a:spcPts val="1200"/>
-              </a:spcAft>
-            </a:pPr>
-            <a:r>
-              <a:rPr lang="en-US" dirty="0"/>
-              <a:t>I enjoy triathlons and wilderness canoeing &amp; camping with my children. </a:t>
-            </a:r>
-            <a:r>
-              <a:rPr lang="en-US" dirty="0" err="1"/>
-              <a:t>Quetico</a:t>
-            </a:r>
-            <a:r>
-              <a:rPr lang="en-US" dirty="0"/>
-              <a:t> (the Canadian side of the Boundary Waters) is my favorite place to adventure.  </a:t>
-            </a:r>
-          </a:p>
-          <a:p>
-            <a:pPr>
-              <a:spcAft>
-                <a:spcPts val="1200"/>
-              </a:spcAft>
-            </a:pPr>
-            <a:r>
-              <a:rPr lang="en-US" dirty="0"/>
-              <a:t>I’m looking forward to getting to know each of you, and I sincerely hope you will enjoy taking this class as much as I know that I will enjoy teaching it.</a:t>
+              <a:rPr lang="en-US" dirty="0">
+                <a:latin typeface="Calibri" panose="020F0502020204030204" pitchFamily="34" charset="0"/>
+                <a:ea typeface="Calibri" panose="020F0502020204030204" pitchFamily="34" charset="0"/>
+                <a:cs typeface="Times New Roman" panose="02020603050405020304" pitchFamily="18" charset="0"/>
+              </a:rPr>
+              <a:t>CPSC 21000 Programming Fundamentals or consent of instructor</a:t>
             </a:r>
           </a:p>
         </p:txBody>
@@ -17317,7 +17132,7 @@
     </p:spTree>
     <p:extLst>
       <p:ext uri="{BB962C8B-B14F-4D97-AF65-F5344CB8AC3E}">
-        <p14:creationId xmlns:p14="http://schemas.microsoft.com/office/powerpoint/2010/main" val="2428453513"/>
+        <p14:creationId xmlns:p14="http://schemas.microsoft.com/office/powerpoint/2010/main" val="169539259"/>
       </p:ext>
     </p:extLst>
   </p:cSld>
@@ -17368,7 +17183,7 @@
           <a:p>
             <a:r>
               <a:rPr lang="en-US" sz="3600" dirty="0"/>
-              <a:t>Syllabus </a:t>
+              <a:t>Syllabus (continued) </a:t>
             </a:r>
             <a:endParaRPr lang="en-US" sz="3600" b="1" i="1" u="sng" dirty="0"/>
           </a:p>
@@ -17376,14 +17191,14 @@
       </p:sp>
       <p:sp>
         <p:nvSpPr>
-          <p:cNvPr id="4" name="Rectangle 3"/>
+          <p:cNvPr id="3" name="Rectangle 2"/>
           <p:cNvSpPr/>
           <p:nvPr/>
         </p:nvSpPr>
         <p:spPr>
           <a:xfrm>
-            <a:off x="838200" y="1000124"/>
-            <a:ext cx="10180674" cy="4930452"/>
+            <a:off x="838199" y="1122398"/>
+            <a:ext cx="10352567" cy="5592172"/>
           </a:xfrm>
           <a:prstGeom prst="rect">
             <a:avLst/>
@@ -17394,24 +17209,6 @@
             <a:spAutoFit/>
           </a:bodyPr>
           <a:lstStyle/>
-          <a:p>
-            <a:pPr algn="ctr">
-              <a:lnSpc>
-                <a:spcPct val="107000"/>
-              </a:lnSpc>
-              <a:spcBef>
-                <a:spcPts val="1200"/>
-              </a:spcBef>
-            </a:pPr>
-            <a:r>
-              <a:rPr lang="en-US" sz="2800" b="1" kern="0" dirty="0">
-                <a:latin typeface="Calibri Light" panose="020F0302020204030204" pitchFamily="34" charset="0"/>
-                <a:ea typeface="Times New Roman" panose="02020603050405020304" pitchFamily="18" charset="0"/>
-                <a:cs typeface="Times New Roman" panose="02020603050405020304" pitchFamily="18" charset="0"/>
-              </a:rPr>
-              <a:t>Object-Oriented Programming (CPSC-24500)</a:t>
-            </a:r>
-          </a:p>
           <a:p>
             <a:pPr>
               <a:lnSpc>
@@ -17427,15 +17224,68 @@
                 <a:ea typeface="Calibri" panose="020F0502020204030204" pitchFamily="34" charset="0"/>
                 <a:cs typeface="Times New Roman" panose="02020603050405020304" pitchFamily="18" charset="0"/>
               </a:rPr>
-              <a:t>Instructor:</a:t>
-            </a:r>
+              <a:t>Course Objectives:</a:t>
+            </a:r>
+            <a:endParaRPr lang="en-US" dirty="0">
+              <a:latin typeface="Calibri" panose="020F0502020204030204" pitchFamily="34" charset="0"/>
+              <a:ea typeface="Calibri" panose="020F0502020204030204" pitchFamily="34" charset="0"/>
+              <a:cs typeface="Times New Roman" panose="02020603050405020304" pitchFamily="18" charset="0"/>
+            </a:endParaRPr>
+          </a:p>
+          <a:p>
+            <a:pPr>
+              <a:lnSpc>
+                <a:spcPct val="107000"/>
+              </a:lnSpc>
+              <a:spcAft>
+                <a:spcPts val="800"/>
+              </a:spcAft>
+            </a:pPr>
             <a:r>
               <a:rPr lang="en-US" dirty="0">
                 <a:latin typeface="Calibri" panose="020F0502020204030204" pitchFamily="34" charset="0"/>
                 <a:ea typeface="Calibri" panose="020F0502020204030204" pitchFamily="34" charset="0"/>
                 <a:cs typeface="Times New Roman" panose="02020603050405020304" pitchFamily="18" charset="0"/>
               </a:rPr>
-              <a:t> Eric Pogue, Adjunct Instructor, Computer and Mathematical Sciences</a:t>
+              <a:t>Students will be use basic object-oriented constructs to write complex programs in multiple object-oriented languages. Additionally, students will be able to design and implement efficient data-intensive multi-threaded applications that interface with each other over networks.</a:t>
+            </a:r>
+          </a:p>
+          <a:p>
+            <a:pPr>
+              <a:lnSpc>
+                <a:spcPct val="107000"/>
+              </a:lnSpc>
+              <a:spcBef>
+                <a:spcPts val="1200"/>
+              </a:spcBef>
+            </a:pPr>
+            <a:r>
+              <a:rPr lang="en-US" b="1" dirty="0">
+                <a:latin typeface="Calibri" panose="020F0502020204030204" pitchFamily="34" charset="0"/>
+                <a:ea typeface="Calibri" panose="020F0502020204030204" pitchFamily="34" charset="0"/>
+                <a:cs typeface="Times New Roman" panose="02020603050405020304" pitchFamily="18" charset="0"/>
+              </a:rPr>
+              <a:t>Student Learning Outcomes:</a:t>
+            </a:r>
+            <a:endParaRPr lang="en-US" dirty="0">
+              <a:latin typeface="Calibri" panose="020F0502020204030204" pitchFamily="34" charset="0"/>
+              <a:ea typeface="Calibri" panose="020F0502020204030204" pitchFamily="34" charset="0"/>
+              <a:cs typeface="Times New Roman" panose="02020603050405020304" pitchFamily="18" charset="0"/>
+            </a:endParaRPr>
+          </a:p>
+          <a:p>
+            <a:pPr>
+              <a:lnSpc>
+                <a:spcPct val="107000"/>
+              </a:lnSpc>
+            </a:pPr>
+            <a:r>
+              <a:rPr lang="en-US" dirty="0">
+                <a:latin typeface="Calibri" panose="020F0502020204030204" pitchFamily="34" charset="0"/>
+                <a:ea typeface="Calibri" panose="020F0502020204030204" pitchFamily="34" charset="0"/>
+                <a:cs typeface="Times New Roman" panose="02020603050405020304" pitchFamily="18" charset="0"/>
+              </a:rPr>
+              <a:t>On the successful completion of this course you will be able to:</a:t>
             </a:r>
           </a:p>
           <a:p>
@@ -17449,8 +17299,8 @@
               <a:spcAft>
                 <a:spcPts val="0"/>
               </a:spcAft>
-              <a:buFont typeface="Symbol" panose="05050102010706020507" pitchFamily="18" charset="2"/>
-              <a:buChar char=""/>
+              <a:buFont typeface="Calibri" panose="020F0502020204030204" pitchFamily="34" charset="0"/>
+              <a:buChar char="•"/>
             </a:pPr>
             <a:r>
               <a:rPr lang="en-US" dirty="0">
@@ -17458,7 +17308,7 @@
                 <a:ea typeface="Calibri" panose="020F0502020204030204" pitchFamily="34" charset="0"/>
                 <a:cs typeface="Times New Roman" panose="02020603050405020304" pitchFamily="18" charset="0"/>
               </a:rPr>
-              <a:t>Office Hours:  Wednesdays 3-5pm and by appointment</a:t>
+              <a:t>Solve problems by writing programs using standard language elements such as data declarations, arithmetic operations, conditional statements, loops, and functions</a:t>
             </a:r>
           </a:p>
           <a:p>
@@ -17472,8 +17322,8 @@
               <a:spcAft>
                 <a:spcPts val="0"/>
               </a:spcAft>
-              <a:buFont typeface="Symbol" panose="05050102010706020507" pitchFamily="18" charset="2"/>
-              <a:buChar char=""/>
+              <a:buFont typeface="Calibri" panose="020F0502020204030204" pitchFamily="34" charset="0"/>
+              <a:buChar char="•"/>
             </a:pPr>
             <a:r>
               <a:rPr lang="en-US" dirty="0">
@@ -17481,7 +17331,92 @@
                 <a:ea typeface="Calibri" panose="020F0502020204030204" pitchFamily="34" charset="0"/>
                 <a:cs typeface="Times New Roman" panose="02020603050405020304" pitchFamily="18" charset="0"/>
               </a:rPr>
-              <a:t>Email: epogue@lewisu.edu </a:t>
+              <a:t>List and explain the key concepts of object-oriented development: inheritance, abstraction, information hiding, and polymorphism.</a:t>
+            </a:r>
+          </a:p>
+          <a:p>
+            <a:pPr marL="342900" marR="0" lvl="0" indent="-342900">
+              <a:lnSpc>
+                <a:spcPct val="107000"/>
+              </a:lnSpc>
+              <a:spcBef>
+                <a:spcPts val="0"/>
+              </a:spcBef>
+              <a:spcAft>
+                <a:spcPts val="0"/>
+              </a:spcAft>
+              <a:buFont typeface="Calibri" panose="020F0502020204030204" pitchFamily="34" charset="0"/>
+              <a:buChar char="•"/>
+            </a:pPr>
+            <a:r>
+              <a:rPr lang="en-US" dirty="0">
+                <a:latin typeface="Calibri" panose="020F0502020204030204" pitchFamily="34" charset="0"/>
+                <a:ea typeface="Calibri" panose="020F0502020204030204" pitchFamily="34" charset="0"/>
+                <a:cs typeface="Times New Roman" panose="02020603050405020304" pitchFamily="18" charset="0"/>
+              </a:rPr>
+              <a:t>Describe problems that typically plague software: rigidity, fragility, immobility</a:t>
+            </a:r>
+          </a:p>
+          <a:p>
+            <a:pPr marL="342900" marR="0" lvl="0" indent="-342900">
+              <a:lnSpc>
+                <a:spcPct val="107000"/>
+              </a:lnSpc>
+              <a:spcBef>
+                <a:spcPts val="0"/>
+              </a:spcBef>
+              <a:spcAft>
+                <a:spcPts val="0"/>
+              </a:spcAft>
+              <a:buFont typeface="Calibri" panose="020F0502020204030204" pitchFamily="34" charset="0"/>
+              <a:buChar char="•"/>
+            </a:pPr>
+            <a:r>
+              <a:rPr lang="en-US" dirty="0">
+                <a:latin typeface="Calibri" panose="020F0502020204030204" pitchFamily="34" charset="0"/>
+                <a:ea typeface="Calibri" panose="020F0502020204030204" pitchFamily="34" charset="0"/>
+                <a:cs typeface="Times New Roman" panose="02020603050405020304" pitchFamily="18" charset="0"/>
+              </a:rPr>
+              <a:t>define the following object-oriented patterns: Factory, Singleton, Delegation, and Model-View-Controller</a:t>
+            </a:r>
+          </a:p>
+          <a:p>
+            <a:pPr marL="342900" marR="0" lvl="0" indent="-342900">
+              <a:lnSpc>
+                <a:spcPct val="107000"/>
+              </a:lnSpc>
+              <a:spcBef>
+                <a:spcPts val="0"/>
+              </a:spcBef>
+              <a:spcAft>
+                <a:spcPts val="0"/>
+              </a:spcAft>
+              <a:buFont typeface="Calibri" panose="020F0502020204030204" pitchFamily="34" charset="0"/>
+              <a:buChar char="•"/>
+            </a:pPr>
+            <a:r>
+              <a:rPr lang="en-US" dirty="0">
+                <a:latin typeface="Calibri" panose="020F0502020204030204" pitchFamily="34" charset="0"/>
+                <a:ea typeface="Calibri" panose="020F0502020204030204" pitchFamily="34" charset="0"/>
+                <a:cs typeface="Times New Roman" panose="02020603050405020304" pitchFamily="18" charset="0"/>
+              </a:rPr>
+              <a:t>Define and provide examples for object-oriented design principles: </a:t>
+            </a:r>
+            <a:r>
+              <a:rPr lang="en-US" dirty="0" err="1">
+                <a:latin typeface="Calibri" panose="020F0502020204030204" pitchFamily="34" charset="0"/>
+                <a:ea typeface="Calibri" panose="020F0502020204030204" pitchFamily="34" charset="0"/>
+                <a:cs typeface="Times New Roman" panose="02020603050405020304" pitchFamily="18" charset="0"/>
+              </a:rPr>
+              <a:t>Liskov</a:t>
+            </a:r>
+            <a:r>
+              <a:rPr lang="en-US" dirty="0">
+                <a:latin typeface="Calibri" panose="020F0502020204030204" pitchFamily="34" charset="0"/>
+                <a:ea typeface="Calibri" panose="020F0502020204030204" pitchFamily="34" charset="0"/>
+                <a:cs typeface="Times New Roman" panose="02020603050405020304" pitchFamily="18" charset="0"/>
+              </a:rPr>
+              <a:t> Substitution Principle, Dependency Inversion Principle, Interface Segregation Principle, Open-Close Principle, Single-Responsibility Principle</a:t>
             </a:r>
           </a:p>
           <a:p>
@@ -17495,8 +17430,8 @@
               <a:spcAft>
                 <a:spcPts val="800"/>
               </a:spcAft>
-              <a:buFont typeface="Symbol" panose="05050102010706020507" pitchFamily="18" charset="2"/>
-              <a:buChar char=""/>
+              <a:buFont typeface="Calibri" panose="020F0502020204030204" pitchFamily="34" charset="0"/>
+              <a:buChar char="•"/>
             </a:pPr>
             <a:r>
               <a:rPr lang="en-US" dirty="0">
@@ -17504,37 +17439,17 @@
                 <a:ea typeface="Calibri" panose="020F0502020204030204" pitchFamily="34" charset="0"/>
                 <a:cs typeface="Times New Roman" panose="02020603050405020304" pitchFamily="18" charset="0"/>
               </a:rPr>
-              <a:t>Phone: (630) 613-7088 </a:t>
-            </a:r>
-          </a:p>
-          <a:p>
-            <a:pPr>
+              <a:t>Write class definitions and create objects from them</a:t>
+            </a:r>
+          </a:p>
+          <a:p>
+            <a:pPr marR="0" lvl="0">
               <a:lnSpc>
                 <a:spcPct val="107000"/>
               </a:lnSpc>
               <a:spcBef>
-                <a:spcPts val="1200"/>
+                <a:spcPts val="0"/>
               </a:spcBef>
-            </a:pPr>
-            <a:r>
-              <a:rPr lang="en-US" b="1" dirty="0">
-                <a:latin typeface="Calibri" panose="020F0502020204030204" pitchFamily="34" charset="0"/>
-                <a:ea typeface="Calibri" panose="020F0502020204030204" pitchFamily="34" charset="0"/>
-                <a:cs typeface="Times New Roman" panose="02020603050405020304" pitchFamily="18" charset="0"/>
-              </a:rPr>
-              <a:t>Course Description:  	</a:t>
-            </a:r>
-            <a:endParaRPr lang="en-US" dirty="0">
-              <a:latin typeface="Calibri" panose="020F0502020204030204" pitchFamily="34" charset="0"/>
-              <a:ea typeface="Calibri" panose="020F0502020204030204" pitchFamily="34" charset="0"/>
-              <a:cs typeface="Times New Roman" panose="02020603050405020304" pitchFamily="18" charset="0"/>
-            </a:endParaRPr>
-          </a:p>
-          <a:p>
-            <a:pPr>
-              <a:lnSpc>
-                <a:spcPct val="107000"/>
-              </a:lnSpc>
               <a:spcAft>
                 <a:spcPts val="800"/>
               </a:spcAft>
@@ -17545,71 +17460,7 @@
                 <a:ea typeface="Calibri" panose="020F0502020204030204" pitchFamily="34" charset="0"/>
                 <a:cs typeface="Times New Roman" panose="02020603050405020304" pitchFamily="18" charset="0"/>
               </a:rPr>
-              <a:t>Students will learn to design and develop software using the object-oriented approach. Topics include encapsulation, inheritance, polymorphism, abstraction, and patterns. Students will learn how to use an SDK to develop desktop and web applications that provide data processing and visualization services. Students will also learn how to manage threads and networking connections in software they write. </a:t>
-            </a:r>
-          </a:p>
-          <a:p>
-            <a:pPr>
-              <a:lnSpc>
-                <a:spcPct val="107000"/>
-              </a:lnSpc>
-              <a:spcBef>
-                <a:spcPts val="1200"/>
-              </a:spcBef>
-            </a:pPr>
-            <a:r>
-              <a:rPr lang="en-US" b="1" dirty="0">
-                <a:latin typeface="Calibri" panose="020F0502020204030204" pitchFamily="34" charset="0"/>
-                <a:ea typeface="Calibri" panose="020F0502020204030204" pitchFamily="34" charset="0"/>
-                <a:cs typeface="Times New Roman" panose="02020603050405020304" pitchFamily="18" charset="0"/>
-              </a:rPr>
-              <a:t>Credits: 3</a:t>
-            </a:r>
-            <a:endParaRPr lang="en-US" dirty="0">
-              <a:latin typeface="Calibri" panose="020F0502020204030204" pitchFamily="34" charset="0"/>
-              <a:ea typeface="Calibri" panose="020F0502020204030204" pitchFamily="34" charset="0"/>
-              <a:cs typeface="Times New Roman" panose="02020603050405020304" pitchFamily="18" charset="0"/>
-            </a:endParaRPr>
-          </a:p>
-          <a:p>
-            <a:pPr>
-              <a:lnSpc>
-                <a:spcPct val="107000"/>
-              </a:lnSpc>
-              <a:spcBef>
-                <a:spcPts val="1200"/>
-              </a:spcBef>
-            </a:pPr>
-            <a:r>
-              <a:rPr lang="en-US" b="1" dirty="0">
-                <a:latin typeface="Calibri" panose="020F0502020204030204" pitchFamily="34" charset="0"/>
-                <a:ea typeface="Calibri" panose="020F0502020204030204" pitchFamily="34" charset="0"/>
-                <a:cs typeface="Times New Roman" panose="02020603050405020304" pitchFamily="18" charset="0"/>
-              </a:rPr>
-              <a:t>Prerequisites:  </a:t>
-            </a:r>
-            <a:endParaRPr lang="en-US" dirty="0">
-              <a:latin typeface="Calibri" panose="020F0502020204030204" pitchFamily="34" charset="0"/>
-              <a:ea typeface="Calibri" panose="020F0502020204030204" pitchFamily="34" charset="0"/>
-              <a:cs typeface="Times New Roman" panose="02020603050405020304" pitchFamily="18" charset="0"/>
-            </a:endParaRPr>
-          </a:p>
-          <a:p>
-            <a:pPr>
-              <a:lnSpc>
-                <a:spcPct val="107000"/>
-              </a:lnSpc>
-              <a:spcAft>
-                <a:spcPts val="800"/>
-              </a:spcAft>
-            </a:pPr>
-            <a:r>
-              <a:rPr lang="en-US" dirty="0">
-                <a:latin typeface="Calibri" panose="020F0502020204030204" pitchFamily="34" charset="0"/>
-                <a:ea typeface="Calibri" panose="020F0502020204030204" pitchFamily="34" charset="0"/>
-                <a:cs typeface="Times New Roman" panose="02020603050405020304" pitchFamily="18" charset="0"/>
-              </a:rPr>
-              <a:t>CPSC 21000 Programming Fundamentals or consent of instructor</a:t>
+              <a:t>[And many more…]</a:t>
             </a:r>
           </a:p>
         </p:txBody>
@@ -17617,7 +17468,7 @@
     </p:spTree>
     <p:extLst>
       <p:ext uri="{BB962C8B-B14F-4D97-AF65-F5344CB8AC3E}">
-        <p14:creationId xmlns:p14="http://schemas.microsoft.com/office/powerpoint/2010/main" val="169539259"/>
+        <p14:creationId xmlns:p14="http://schemas.microsoft.com/office/powerpoint/2010/main" val="3082842494"/>
       </p:ext>
     </p:extLst>
   </p:cSld>
@@ -17676,342 +17527,6 @@
       </p:sp>
       <p:sp>
         <p:nvSpPr>
-          <p:cNvPr id="3" name="Rectangle 2"/>
-          <p:cNvSpPr/>
-          <p:nvPr/>
-        </p:nvSpPr>
-        <p:spPr>
-          <a:xfrm>
-            <a:off x="838199" y="1122398"/>
-            <a:ext cx="10352567" cy="5592172"/>
-          </a:xfrm>
-          <a:prstGeom prst="rect">
-            <a:avLst/>
-          </a:prstGeom>
-        </p:spPr>
-        <p:txBody>
-          <a:bodyPr wrap="square">
-            <a:spAutoFit/>
-          </a:bodyPr>
-          <a:lstStyle/>
-          <a:p>
-            <a:pPr>
-              <a:lnSpc>
-                <a:spcPct val="107000"/>
-              </a:lnSpc>
-              <a:spcBef>
-                <a:spcPts val="1200"/>
-              </a:spcBef>
-            </a:pPr>
-            <a:r>
-              <a:rPr lang="en-US" b="1" dirty="0">
-                <a:latin typeface="Calibri" panose="020F0502020204030204" pitchFamily="34" charset="0"/>
-                <a:ea typeface="Calibri" panose="020F0502020204030204" pitchFamily="34" charset="0"/>
-                <a:cs typeface="Times New Roman" panose="02020603050405020304" pitchFamily="18" charset="0"/>
-              </a:rPr>
-              <a:t>Course Objectives:</a:t>
-            </a:r>
-            <a:endParaRPr lang="en-US" dirty="0">
-              <a:latin typeface="Calibri" panose="020F0502020204030204" pitchFamily="34" charset="0"/>
-              <a:ea typeface="Calibri" panose="020F0502020204030204" pitchFamily="34" charset="0"/>
-              <a:cs typeface="Times New Roman" panose="02020603050405020304" pitchFamily="18" charset="0"/>
-            </a:endParaRPr>
-          </a:p>
-          <a:p>
-            <a:pPr>
-              <a:lnSpc>
-                <a:spcPct val="107000"/>
-              </a:lnSpc>
-              <a:spcAft>
-                <a:spcPts val="800"/>
-              </a:spcAft>
-            </a:pPr>
-            <a:r>
-              <a:rPr lang="en-US" dirty="0">
-                <a:latin typeface="Calibri" panose="020F0502020204030204" pitchFamily="34" charset="0"/>
-                <a:ea typeface="Calibri" panose="020F0502020204030204" pitchFamily="34" charset="0"/>
-                <a:cs typeface="Times New Roman" panose="02020603050405020304" pitchFamily="18" charset="0"/>
-              </a:rPr>
-              <a:t>Students will be use basic object-oriented constructs to write complex programs in multiple object-oriented languages. Additionally, students will be able to design and implement efficient data-intensive multi-threaded applications that interface with each other over networks.</a:t>
-            </a:r>
-          </a:p>
-          <a:p>
-            <a:pPr>
-              <a:lnSpc>
-                <a:spcPct val="107000"/>
-              </a:lnSpc>
-              <a:spcBef>
-                <a:spcPts val="1200"/>
-              </a:spcBef>
-            </a:pPr>
-            <a:r>
-              <a:rPr lang="en-US" b="1" dirty="0">
-                <a:latin typeface="Calibri" panose="020F0502020204030204" pitchFamily="34" charset="0"/>
-                <a:ea typeface="Calibri" panose="020F0502020204030204" pitchFamily="34" charset="0"/>
-                <a:cs typeface="Times New Roman" panose="02020603050405020304" pitchFamily="18" charset="0"/>
-              </a:rPr>
-              <a:t>Student Learning Outcomes:</a:t>
-            </a:r>
-            <a:endParaRPr lang="en-US" dirty="0">
-              <a:latin typeface="Calibri" panose="020F0502020204030204" pitchFamily="34" charset="0"/>
-              <a:ea typeface="Calibri" panose="020F0502020204030204" pitchFamily="34" charset="0"/>
-              <a:cs typeface="Times New Roman" panose="02020603050405020304" pitchFamily="18" charset="0"/>
-            </a:endParaRPr>
-          </a:p>
-          <a:p>
-            <a:pPr>
-              <a:lnSpc>
-                <a:spcPct val="107000"/>
-              </a:lnSpc>
-            </a:pPr>
-            <a:r>
-              <a:rPr lang="en-US" dirty="0">
-                <a:latin typeface="Calibri" panose="020F0502020204030204" pitchFamily="34" charset="0"/>
-                <a:ea typeface="Calibri" panose="020F0502020204030204" pitchFamily="34" charset="0"/>
-                <a:cs typeface="Times New Roman" panose="02020603050405020304" pitchFamily="18" charset="0"/>
-              </a:rPr>
-              <a:t>On the successful completion of this course you will be able to:</a:t>
-            </a:r>
-          </a:p>
-          <a:p>
-            <a:pPr marL="342900" marR="0" lvl="0" indent="-342900">
-              <a:lnSpc>
-                <a:spcPct val="107000"/>
-              </a:lnSpc>
-              <a:spcBef>
-                <a:spcPts val="0"/>
-              </a:spcBef>
-              <a:spcAft>
-                <a:spcPts val="0"/>
-              </a:spcAft>
-              <a:buFont typeface="Calibri" panose="020F0502020204030204" pitchFamily="34" charset="0"/>
-              <a:buChar char="•"/>
-            </a:pPr>
-            <a:r>
-              <a:rPr lang="en-US" dirty="0">
-                <a:latin typeface="Calibri" panose="020F0502020204030204" pitchFamily="34" charset="0"/>
-                <a:ea typeface="Calibri" panose="020F0502020204030204" pitchFamily="34" charset="0"/>
-                <a:cs typeface="Times New Roman" panose="02020603050405020304" pitchFamily="18" charset="0"/>
-              </a:rPr>
-              <a:t>Solve problems by writing programs using standard language elements such as data declarations, arithmetic operations, conditional statements, loops, and functions</a:t>
-            </a:r>
-          </a:p>
-          <a:p>
-            <a:pPr marL="342900" marR="0" lvl="0" indent="-342900">
-              <a:lnSpc>
-                <a:spcPct val="107000"/>
-              </a:lnSpc>
-              <a:spcBef>
-                <a:spcPts val="0"/>
-              </a:spcBef>
-              <a:spcAft>
-                <a:spcPts val="0"/>
-              </a:spcAft>
-              <a:buFont typeface="Calibri" panose="020F0502020204030204" pitchFamily="34" charset="0"/>
-              <a:buChar char="•"/>
-            </a:pPr>
-            <a:r>
-              <a:rPr lang="en-US" dirty="0">
-                <a:latin typeface="Calibri" panose="020F0502020204030204" pitchFamily="34" charset="0"/>
-                <a:ea typeface="Calibri" panose="020F0502020204030204" pitchFamily="34" charset="0"/>
-                <a:cs typeface="Times New Roman" panose="02020603050405020304" pitchFamily="18" charset="0"/>
-              </a:rPr>
-              <a:t>List and explain the key concepts of object-oriented development: inheritance, abstraction, information hiding, and polymorphism.</a:t>
-            </a:r>
-          </a:p>
-          <a:p>
-            <a:pPr marL="342900" marR="0" lvl="0" indent="-342900">
-              <a:lnSpc>
-                <a:spcPct val="107000"/>
-              </a:lnSpc>
-              <a:spcBef>
-                <a:spcPts val="0"/>
-              </a:spcBef>
-              <a:spcAft>
-                <a:spcPts val="0"/>
-              </a:spcAft>
-              <a:buFont typeface="Calibri" panose="020F0502020204030204" pitchFamily="34" charset="0"/>
-              <a:buChar char="•"/>
-            </a:pPr>
-            <a:r>
-              <a:rPr lang="en-US" dirty="0">
-                <a:latin typeface="Calibri" panose="020F0502020204030204" pitchFamily="34" charset="0"/>
-                <a:ea typeface="Calibri" panose="020F0502020204030204" pitchFamily="34" charset="0"/>
-                <a:cs typeface="Times New Roman" panose="02020603050405020304" pitchFamily="18" charset="0"/>
-              </a:rPr>
-              <a:t>Describe problems that typically plague software: rigidity, fragility, immobility</a:t>
-            </a:r>
-          </a:p>
-          <a:p>
-            <a:pPr marL="342900" marR="0" lvl="0" indent="-342900">
-              <a:lnSpc>
-                <a:spcPct val="107000"/>
-              </a:lnSpc>
-              <a:spcBef>
-                <a:spcPts val="0"/>
-              </a:spcBef>
-              <a:spcAft>
-                <a:spcPts val="0"/>
-              </a:spcAft>
-              <a:buFont typeface="Calibri" panose="020F0502020204030204" pitchFamily="34" charset="0"/>
-              <a:buChar char="•"/>
-            </a:pPr>
-            <a:r>
-              <a:rPr lang="en-US" dirty="0">
-                <a:latin typeface="Calibri" panose="020F0502020204030204" pitchFamily="34" charset="0"/>
-                <a:ea typeface="Calibri" panose="020F0502020204030204" pitchFamily="34" charset="0"/>
-                <a:cs typeface="Times New Roman" panose="02020603050405020304" pitchFamily="18" charset="0"/>
-              </a:rPr>
-              <a:t>define the following object-oriented patterns: Factory, Singleton, Delegation, and Model-View-Controller</a:t>
-            </a:r>
-          </a:p>
-          <a:p>
-            <a:pPr marL="342900" marR="0" lvl="0" indent="-342900">
-              <a:lnSpc>
-                <a:spcPct val="107000"/>
-              </a:lnSpc>
-              <a:spcBef>
-                <a:spcPts val="0"/>
-              </a:spcBef>
-              <a:spcAft>
-                <a:spcPts val="0"/>
-              </a:spcAft>
-              <a:buFont typeface="Calibri" panose="020F0502020204030204" pitchFamily="34" charset="0"/>
-              <a:buChar char="•"/>
-            </a:pPr>
-            <a:r>
-              <a:rPr lang="en-US" dirty="0">
-                <a:latin typeface="Calibri" panose="020F0502020204030204" pitchFamily="34" charset="0"/>
-                <a:ea typeface="Calibri" panose="020F0502020204030204" pitchFamily="34" charset="0"/>
-                <a:cs typeface="Times New Roman" panose="02020603050405020304" pitchFamily="18" charset="0"/>
-              </a:rPr>
-              <a:t>Define and provide examples for object-oriented design principles: </a:t>
-            </a:r>
-            <a:r>
-              <a:rPr lang="en-US" dirty="0" err="1">
-                <a:latin typeface="Calibri" panose="020F0502020204030204" pitchFamily="34" charset="0"/>
-                <a:ea typeface="Calibri" panose="020F0502020204030204" pitchFamily="34" charset="0"/>
-                <a:cs typeface="Times New Roman" panose="02020603050405020304" pitchFamily="18" charset="0"/>
-              </a:rPr>
-              <a:t>Liskov</a:t>
-            </a:r>
-            <a:r>
-              <a:rPr lang="en-US" dirty="0">
-                <a:latin typeface="Calibri" panose="020F0502020204030204" pitchFamily="34" charset="0"/>
-                <a:ea typeface="Calibri" panose="020F0502020204030204" pitchFamily="34" charset="0"/>
-                <a:cs typeface="Times New Roman" panose="02020603050405020304" pitchFamily="18" charset="0"/>
-              </a:rPr>
-              <a:t> Substitution Principle, Dependency Inversion Principle, Interface Segregation Principle, Open-Close Principle, Single-Responsibility Principle</a:t>
-            </a:r>
-          </a:p>
-          <a:p>
-            <a:pPr marL="342900" marR="0" lvl="0" indent="-342900">
-              <a:lnSpc>
-                <a:spcPct val="107000"/>
-              </a:lnSpc>
-              <a:spcBef>
-                <a:spcPts val="0"/>
-              </a:spcBef>
-              <a:spcAft>
-                <a:spcPts val="800"/>
-              </a:spcAft>
-              <a:buFont typeface="Calibri" panose="020F0502020204030204" pitchFamily="34" charset="0"/>
-              <a:buChar char="•"/>
-            </a:pPr>
-            <a:r>
-              <a:rPr lang="en-US" dirty="0">
-                <a:latin typeface="Calibri" panose="020F0502020204030204" pitchFamily="34" charset="0"/>
-                <a:ea typeface="Calibri" panose="020F0502020204030204" pitchFamily="34" charset="0"/>
-                <a:cs typeface="Times New Roman" panose="02020603050405020304" pitchFamily="18" charset="0"/>
-              </a:rPr>
-              <a:t>Write class definitions and create objects from them</a:t>
-            </a:r>
-          </a:p>
-          <a:p>
-            <a:pPr marR="0" lvl="0">
-              <a:lnSpc>
-                <a:spcPct val="107000"/>
-              </a:lnSpc>
-              <a:spcBef>
-                <a:spcPts val="0"/>
-              </a:spcBef>
-              <a:spcAft>
-                <a:spcPts val="800"/>
-              </a:spcAft>
-            </a:pPr>
-            <a:r>
-              <a:rPr lang="en-US" dirty="0">
-                <a:latin typeface="Calibri" panose="020F0502020204030204" pitchFamily="34" charset="0"/>
-                <a:ea typeface="Calibri" panose="020F0502020204030204" pitchFamily="34" charset="0"/>
-                <a:cs typeface="Times New Roman" panose="02020603050405020304" pitchFamily="18" charset="0"/>
-              </a:rPr>
-              <a:t>[And many more…]</a:t>
-            </a:r>
-          </a:p>
-        </p:txBody>
-      </p:sp>
-    </p:spTree>
-    <p:extLst>
-      <p:ext uri="{BB962C8B-B14F-4D97-AF65-F5344CB8AC3E}">
-        <p14:creationId xmlns:p14="http://schemas.microsoft.com/office/powerpoint/2010/main" val="3082842494"/>
-      </p:ext>
-    </p:extLst>
-  </p:cSld>
-  <p:clrMapOvr>
-    <a:masterClrMapping/>
-  </p:clrMapOvr>
-</p:sld>
-</file>
-
-<file path=ppt/slides/slide7.xml><?xml version="1.0" encoding="utf-8"?>
-<p:sld xmlns:a="http://schemas.openxmlformats.org/drawingml/2006/main" xmlns:r="http://schemas.openxmlformats.org/officeDocument/2006/relationships" xmlns:p="http://schemas.openxmlformats.org/presentationml/2006/main">
-  <p:cSld>
-    <p:spTree>
-      <p:nvGrpSpPr>
-        <p:cNvPr id="1" name=""/>
-        <p:cNvGrpSpPr/>
-        <p:nvPr/>
-      </p:nvGrpSpPr>
-      <p:grpSpPr>
-        <a:xfrm>
-          <a:off x="0" y="0"/>
-          <a:ext cx="0" cy="0"/>
-          <a:chOff x="0" y="0"/>
-          <a:chExt cx="0" cy="0"/>
-        </a:xfrm>
-      </p:grpSpPr>
-      <p:sp>
-        <p:nvSpPr>
-          <p:cNvPr id="2" name="Title 1"/>
-          <p:cNvSpPr>
-            <a:spLocks noGrp="1"/>
-          </p:cNvSpPr>
-          <p:nvPr>
-            <p:ph type="title"/>
-          </p:nvPr>
-        </p:nvSpPr>
-        <p:spPr>
-          <a:xfrm>
-            <a:off x="838200" y="365126"/>
-            <a:ext cx="10515600" cy="757272"/>
-          </a:xfrm>
-        </p:spPr>
-        <p:txBody>
-          <a:bodyPr>
-            <a:normAutofit/>
-          </a:bodyPr>
-          <a:lstStyle/>
-          <a:p>
-            <a:r>
-              <a:rPr lang="en-US" sz="3600" dirty="0"/>
-              <a:t>Syllabus (continued) </a:t>
-            </a:r>
-            <a:endParaRPr lang="en-US" sz="3600" b="1" i="1" u="sng" dirty="0"/>
-          </a:p>
-        </p:txBody>
-      </p:sp>
-      <p:sp>
-        <p:nvSpPr>
           <p:cNvPr id="4" name="Rectangle 3"/>
           <p:cNvSpPr/>
           <p:nvPr/>
@@ -18244,7 +17759,7 @@
 </p:sld>
 </file>
 
-<file path=ppt/slides/slide8.xml><?xml version="1.0" encoding="utf-8"?>
+<file path=ppt/slides/slide7.xml><?xml version="1.0" encoding="utf-8"?>
 <p:sld xmlns:a="http://schemas.openxmlformats.org/drawingml/2006/main" xmlns:r="http://schemas.openxmlformats.org/officeDocument/2006/relationships" xmlns:p="http://schemas.openxmlformats.org/presentationml/2006/main">
   <p:cSld>
     <p:spTree>
@@ -18328,6 +17843,266 @@
 </p:sld>
 </file>
 
+<file path=ppt/slides/slide8.xml><?xml version="1.0" encoding="utf-8"?>
+<p:sld xmlns:a="http://schemas.openxmlformats.org/drawingml/2006/main" xmlns:r="http://schemas.openxmlformats.org/officeDocument/2006/relationships" xmlns:p="http://schemas.openxmlformats.org/presentationml/2006/main">
+  <p:cSld>
+    <p:spTree>
+      <p:nvGrpSpPr>
+        <p:cNvPr id="1" name=""/>
+        <p:cNvGrpSpPr/>
+        <p:nvPr/>
+      </p:nvGrpSpPr>
+      <p:grpSpPr>
+        <a:xfrm>
+          <a:off x="0" y="0"/>
+          <a:ext cx="0" cy="0"/>
+          <a:chOff x="0" y="0"/>
+          <a:chExt cx="0" cy="0"/>
+        </a:xfrm>
+      </p:grpSpPr>
+      <p:sp>
+        <p:nvSpPr>
+          <p:cNvPr id="2" name="Title 1"/>
+          <p:cNvSpPr>
+            <a:spLocks noGrp="1"/>
+          </p:cNvSpPr>
+          <p:nvPr>
+            <p:ph type="title"/>
+          </p:nvPr>
+        </p:nvSpPr>
+        <p:spPr>
+          <a:xfrm>
+            <a:off x="838200" y="365126"/>
+            <a:ext cx="10515600" cy="757272"/>
+          </a:xfrm>
+        </p:spPr>
+        <p:txBody>
+          <a:bodyPr>
+            <a:normAutofit/>
+          </a:bodyPr>
+          <a:lstStyle/>
+          <a:p>
+            <a:r>
+              <a:rPr lang="en-US" sz="3600" dirty="0"/>
+              <a:t>Syllabus (continued) </a:t>
+            </a:r>
+            <a:endParaRPr lang="en-US" sz="3600" b="1" i="1" u="sng" dirty="0"/>
+          </a:p>
+        </p:txBody>
+      </p:sp>
+      <p:sp>
+        <p:nvSpPr>
+          <p:cNvPr id="3" name="Rectangle 2"/>
+          <p:cNvSpPr/>
+          <p:nvPr/>
+        </p:nvSpPr>
+        <p:spPr>
+          <a:xfrm>
+            <a:off x="838199" y="1174037"/>
+            <a:ext cx="10416363" cy="2463238"/>
+          </a:xfrm>
+          <a:prstGeom prst="rect">
+            <a:avLst/>
+          </a:prstGeom>
+        </p:spPr>
+        <p:txBody>
+          <a:bodyPr wrap="square">
+            <a:spAutoFit/>
+          </a:bodyPr>
+          <a:lstStyle/>
+          <a:p>
+            <a:pPr>
+              <a:lnSpc>
+                <a:spcPct val="107000"/>
+              </a:lnSpc>
+              <a:spcBef>
+                <a:spcPts val="1200"/>
+              </a:spcBef>
+            </a:pPr>
+            <a:r>
+              <a:rPr lang="en-US" b="1" dirty="0">
+                <a:latin typeface="Calibri" panose="020F0502020204030204" pitchFamily="34" charset="0"/>
+                <a:ea typeface="Calibri" panose="020F0502020204030204" pitchFamily="34" charset="0"/>
+                <a:cs typeface="Times New Roman" panose="02020603050405020304" pitchFamily="18" charset="0"/>
+              </a:rPr>
+              <a:t>Key Dates for Dropping or Withdrawing:</a:t>
+            </a:r>
+            <a:endParaRPr lang="en-US" dirty="0">
+              <a:latin typeface="Calibri" panose="020F0502020204030204" pitchFamily="34" charset="0"/>
+              <a:ea typeface="Calibri" panose="020F0502020204030204" pitchFamily="34" charset="0"/>
+              <a:cs typeface="Times New Roman" panose="02020603050405020304" pitchFamily="18" charset="0"/>
+            </a:endParaRPr>
+          </a:p>
+          <a:p>
+            <a:pPr marL="342900" marR="0" lvl="0" indent="-342900">
+              <a:lnSpc>
+                <a:spcPct val="107000"/>
+              </a:lnSpc>
+              <a:spcBef>
+                <a:spcPts val="0"/>
+              </a:spcBef>
+              <a:spcAft>
+                <a:spcPts val="0"/>
+              </a:spcAft>
+              <a:buFont typeface="Calibri" panose="020F0502020204030204" pitchFamily="34" charset="0"/>
+              <a:buChar char="•"/>
+            </a:pPr>
+            <a:r>
+              <a:rPr lang="en-US" dirty="0">
+                <a:latin typeface="Calibri" panose="020F0502020204030204" pitchFamily="34" charset="0"/>
+                <a:ea typeface="Calibri" panose="020F0502020204030204" pitchFamily="34" charset="0"/>
+                <a:cs typeface="Times New Roman" panose="02020603050405020304" pitchFamily="18" charset="0"/>
+              </a:rPr>
+              <a:t>Before March 26, a student can drop the course, receive a full (100%) refund, and nothing will appear on their transcript</a:t>
+            </a:r>
+          </a:p>
+          <a:p>
+            <a:pPr marL="342900" marR="0" lvl="0" indent="-342900">
+              <a:lnSpc>
+                <a:spcPct val="107000"/>
+              </a:lnSpc>
+              <a:spcBef>
+                <a:spcPts val="0"/>
+              </a:spcBef>
+              <a:spcAft>
+                <a:spcPts val="0"/>
+              </a:spcAft>
+              <a:buFont typeface="Calibri" panose="020F0502020204030204" pitchFamily="34" charset="0"/>
+              <a:buChar char="•"/>
+            </a:pPr>
+            <a:r>
+              <a:rPr lang="en-US" dirty="0">
+                <a:latin typeface="Calibri" panose="020F0502020204030204" pitchFamily="34" charset="0"/>
+                <a:ea typeface="Calibri" panose="020F0502020204030204" pitchFamily="34" charset="0"/>
+                <a:cs typeface="Times New Roman" panose="02020603050405020304" pitchFamily="18" charset="0"/>
+              </a:rPr>
+              <a:t>Between March 27 and April 2, a student can drop the course, they will receive a 50% refund, and nothing will appear on their transcript.</a:t>
+            </a:r>
+          </a:p>
+          <a:p>
+            <a:pPr marL="342900" marR="0" lvl="0" indent="-342900">
+              <a:lnSpc>
+                <a:spcPct val="107000"/>
+              </a:lnSpc>
+              <a:spcBef>
+                <a:spcPts val="0"/>
+              </a:spcBef>
+              <a:spcAft>
+                <a:spcPts val="0"/>
+              </a:spcAft>
+              <a:buFont typeface="Calibri" panose="020F0502020204030204" pitchFamily="34" charset="0"/>
+              <a:buChar char="•"/>
+            </a:pPr>
+            <a:r>
+              <a:rPr lang="en-US" dirty="0">
+                <a:latin typeface="Calibri" panose="020F0502020204030204" pitchFamily="34" charset="0"/>
+                <a:ea typeface="Calibri" panose="020F0502020204030204" pitchFamily="34" charset="0"/>
+                <a:cs typeface="Times New Roman" panose="02020603050405020304" pitchFamily="18" charset="0"/>
+              </a:rPr>
+              <a:t>Between April 3 and April 18, a student can withdraw from the course and receive a “W” on their transcript (no refund will be received).</a:t>
+            </a:r>
+          </a:p>
+          <a:p>
+            <a:pPr marL="342900" marR="0" lvl="0" indent="-342900">
+              <a:lnSpc>
+                <a:spcPct val="107000"/>
+              </a:lnSpc>
+              <a:spcBef>
+                <a:spcPts val="0"/>
+              </a:spcBef>
+              <a:spcAft>
+                <a:spcPts val="0"/>
+              </a:spcAft>
+              <a:buFont typeface="Calibri" panose="020F0502020204030204" pitchFamily="34" charset="0"/>
+              <a:buChar char="•"/>
+            </a:pPr>
+            <a:r>
+              <a:rPr lang="en-US" dirty="0">
+                <a:latin typeface="Calibri" panose="020F0502020204030204" pitchFamily="34" charset="0"/>
+                <a:ea typeface="Calibri" panose="020F0502020204030204" pitchFamily="34" charset="0"/>
+                <a:cs typeface="Times New Roman" panose="02020603050405020304" pitchFamily="18" charset="0"/>
+              </a:rPr>
+              <a:t>After April 18, a student cannot drop or withdraw from the class.</a:t>
+            </a:r>
+          </a:p>
+        </p:txBody>
+      </p:sp>
+      <p:sp>
+        <p:nvSpPr>
+          <p:cNvPr id="5" name="Rectangle 4"/>
+          <p:cNvSpPr/>
+          <p:nvPr/>
+        </p:nvSpPr>
+        <p:spPr>
+          <a:xfrm>
+            <a:off x="838198" y="3813530"/>
+            <a:ext cx="10474843" cy="1574149"/>
+          </a:xfrm>
+          <a:prstGeom prst="rect">
+            <a:avLst/>
+          </a:prstGeom>
+        </p:spPr>
+        <p:txBody>
+          <a:bodyPr wrap="square">
+            <a:spAutoFit/>
+          </a:bodyPr>
+          <a:lstStyle/>
+          <a:p>
+            <a:pPr>
+              <a:lnSpc>
+                <a:spcPct val="107000"/>
+              </a:lnSpc>
+              <a:spcBef>
+                <a:spcPts val="1200"/>
+              </a:spcBef>
+            </a:pPr>
+            <a:r>
+              <a:rPr lang="en-US" b="1" dirty="0">
+                <a:latin typeface="Calibri" panose="020F0502020204030204" pitchFamily="34" charset="0"/>
+                <a:ea typeface="Calibri" panose="020F0502020204030204" pitchFamily="34" charset="0"/>
+                <a:cs typeface="Times New Roman" panose="02020603050405020304" pitchFamily="18" charset="0"/>
+              </a:rPr>
+              <a:t>Participation:</a:t>
+            </a:r>
+            <a:endParaRPr lang="en-US" dirty="0">
+              <a:latin typeface="Calibri" panose="020F0502020204030204" pitchFamily="34" charset="0"/>
+              <a:ea typeface="Calibri" panose="020F0502020204030204" pitchFamily="34" charset="0"/>
+              <a:cs typeface="Times New Roman" panose="02020603050405020304" pitchFamily="18" charset="0"/>
+            </a:endParaRPr>
+          </a:p>
+          <a:p>
+            <a:pPr>
+              <a:lnSpc>
+                <a:spcPct val="107000"/>
+              </a:lnSpc>
+              <a:spcAft>
+                <a:spcPts val="800"/>
+              </a:spcAft>
+            </a:pPr>
+            <a:r>
+              <a:rPr lang="en-US" dirty="0">
+                <a:latin typeface="Calibri" panose="020F0502020204030204" pitchFamily="34" charset="0"/>
+                <a:ea typeface="Calibri" panose="020F0502020204030204" pitchFamily="34" charset="0"/>
+                <a:cs typeface="Times New Roman" panose="02020603050405020304" pitchFamily="18" charset="0"/>
+              </a:rPr>
+              <a:t>You must participate consistently throughout the course by reading the notes, working on the examples from class, attending the class session or watching the class recordings, and working on the homework gradually rather than all at once. If you don’t, you won’t succeed in this course, because you won’t be building a deep understanding of the course material.</a:t>
+            </a:r>
+          </a:p>
+        </p:txBody>
+      </p:sp>
+    </p:spTree>
+    <p:extLst>
+      <p:ext uri="{BB962C8B-B14F-4D97-AF65-F5344CB8AC3E}">
+        <p14:creationId xmlns:p14="http://schemas.microsoft.com/office/powerpoint/2010/main" val="1972006166"/>
+      </p:ext>
+    </p:extLst>
+  </p:cSld>
+  <p:clrMapOvr>
+    <a:masterClrMapping/>
+  </p:clrMapOvr>
+</p:sld>
+</file>
+
 <file path=ppt/slides/slide9.xml><?xml version="1.0" encoding="utf-8"?>
 <p:sld xmlns:a="http://schemas.openxmlformats.org/drawingml/2006/main" xmlns:r="http://schemas.openxmlformats.org/officeDocument/2006/relationships" xmlns:p="http://schemas.openxmlformats.org/presentationml/2006/main">
   <p:cSld>
@@ -18369,7 +18144,7 @@
           <a:p>
             <a:r>
               <a:rPr lang="en-US" sz="3600" dirty="0"/>
-              <a:t>Syllabus (continued) </a:t>
+              <a:t>Learning Objectives</a:t>
             </a:r>
             <a:endParaRPr lang="en-US" sz="3600" b="1" i="1" u="sng" dirty="0"/>
           </a:p>
@@ -18377,200 +18152,221 @@
       </p:sp>
       <p:sp>
         <p:nvSpPr>
-          <p:cNvPr id="3" name="Rectangle 2"/>
-          <p:cNvSpPr/>
-          <p:nvPr/>
+          <p:cNvPr id="3" name="Content Placeholder 2"/>
+          <p:cNvSpPr>
+            <a:spLocks noGrp="1"/>
+          </p:cNvSpPr>
+          <p:nvPr>
+            <p:ph idx="1"/>
+          </p:nvPr>
         </p:nvSpPr>
         <p:spPr>
           <a:xfrm>
-            <a:off x="838199" y="1174037"/>
-            <a:ext cx="10416363" cy="2463238"/>
+            <a:off x="838200" y="1051756"/>
+            <a:ext cx="10718950" cy="5463343"/>
           </a:xfrm>
-          <a:prstGeom prst="rect">
-            <a:avLst/>
-          </a:prstGeom>
         </p:spPr>
         <p:txBody>
-          <a:bodyPr wrap="square">
-            <a:spAutoFit/>
+          <a:bodyPr>
+            <a:normAutofit fontScale="92500" lnSpcReduction="10000"/>
           </a:bodyPr>
           <a:lstStyle/>
           <a:p>
-            <a:pPr>
-              <a:lnSpc>
-                <a:spcPct val="107000"/>
-              </a:lnSpc>
-              <a:spcBef>
-                <a:spcPts val="1200"/>
-              </a:spcBef>
+            <a:pPr marL="457200" indent="-457200">
+              <a:buFont typeface="+mj-lt"/>
+              <a:buAutoNum type="arabicPeriod"/>
             </a:pPr>
             <a:r>
-              <a:rPr lang="en-US" b="1" dirty="0">
-                <a:latin typeface="Calibri" panose="020F0502020204030204" pitchFamily="34" charset="0"/>
-                <a:ea typeface="Calibri" panose="020F0502020204030204" pitchFamily="34" charset="0"/>
-                <a:cs typeface="Times New Roman" panose="02020603050405020304" pitchFamily="18" charset="0"/>
+              <a:rPr lang="en-US" sz="2200" dirty="0"/>
+              <a:t>Define object-oriented programming</a:t>
+            </a:r>
+          </a:p>
+          <a:p>
+            <a:pPr marL="457200" indent="-457200">
+              <a:buFont typeface="+mj-lt"/>
+              <a:buAutoNum type="arabicPeriod"/>
+            </a:pPr>
+            <a:r>
+              <a:rPr lang="en-US" sz="2200" dirty="0">
+                <a:solidFill>
+                  <a:schemeClr val="bg1">
+                    <a:lumMod val="65000"/>
+                  </a:schemeClr>
+                </a:solidFill>
               </a:rPr>
-              <a:t>Key Dates for Dropping or Withdrawing:</a:t>
-            </a:r>
-            <a:endParaRPr lang="en-US" dirty="0">
-              <a:latin typeface="Calibri" panose="020F0502020204030204" pitchFamily="34" charset="0"/>
-              <a:ea typeface="Calibri" panose="020F0502020204030204" pitchFamily="34" charset="0"/>
-              <a:cs typeface="Times New Roman" panose="02020603050405020304" pitchFamily="18" charset="0"/>
-            </a:endParaRPr>
-          </a:p>
-          <a:p>
-            <a:pPr marL="342900" marR="0" lvl="0" indent="-342900">
-              <a:lnSpc>
-                <a:spcPct val="107000"/>
-              </a:lnSpc>
-              <a:spcBef>
-                <a:spcPts val="0"/>
-              </a:spcBef>
-              <a:spcAft>
-                <a:spcPts val="0"/>
-              </a:spcAft>
-              <a:buFont typeface="Calibri" panose="020F0502020204030204" pitchFamily="34" charset="0"/>
-              <a:buChar char="•"/>
+              <a:t>Position object-oriented programming within Software Development Lifecycle (SDLC)</a:t>
+            </a:r>
+          </a:p>
+          <a:p>
+            <a:pPr marL="457200" indent="-457200">
+              <a:buFont typeface="+mj-lt"/>
+              <a:buAutoNum type="arabicPeriod"/>
             </a:pPr>
             <a:r>
-              <a:rPr lang="en-US" dirty="0">
-                <a:latin typeface="Calibri" panose="020F0502020204030204" pitchFamily="34" charset="0"/>
-                <a:ea typeface="Calibri" panose="020F0502020204030204" pitchFamily="34" charset="0"/>
-                <a:cs typeface="Times New Roman" panose="02020603050405020304" pitchFamily="18" charset="0"/>
+              <a:rPr lang="en-US" sz="2200" dirty="0">
+                <a:solidFill>
+                  <a:schemeClr val="bg1">
+                    <a:lumMod val="65000"/>
+                  </a:schemeClr>
+                </a:solidFill>
               </a:rPr>
-              <a:t>Before March 26, a student can drop the course, receive a full (100%) refund, and nothing will appear on their transcript</a:t>
-            </a:r>
-          </a:p>
-          <a:p>
-            <a:pPr marL="342900" marR="0" lvl="0" indent="-342900">
-              <a:lnSpc>
-                <a:spcPct val="107000"/>
-              </a:lnSpc>
-              <a:spcBef>
-                <a:spcPts val="0"/>
-              </a:spcBef>
-              <a:spcAft>
-                <a:spcPts val="0"/>
-              </a:spcAft>
-              <a:buFont typeface="Calibri" panose="020F0502020204030204" pitchFamily="34" charset="0"/>
-              <a:buChar char="•"/>
+              <a:t>Review object-oriented language and tool selection</a:t>
+            </a:r>
+          </a:p>
+          <a:p>
+            <a:pPr marL="457200" indent="-457200">
+              <a:buFont typeface="+mj-lt"/>
+              <a:buAutoNum type="arabicPeriod"/>
             </a:pPr>
             <a:r>
-              <a:rPr lang="en-US" dirty="0">
-                <a:latin typeface="Calibri" panose="020F0502020204030204" pitchFamily="34" charset="0"/>
-                <a:ea typeface="Calibri" panose="020F0502020204030204" pitchFamily="34" charset="0"/>
-                <a:cs typeface="Times New Roman" panose="02020603050405020304" pitchFamily="18" charset="0"/>
+              <a:rPr lang="en-US" sz="2200" dirty="0"/>
+              <a:t>Demonstrate object-oriented programming </a:t>
+            </a:r>
+            <a:r>
+              <a:rPr lang="en-US" sz="2200" u="sng" dirty="0"/>
+              <a:t>concepts</a:t>
+            </a:r>
+            <a:r>
+              <a:rPr lang="en-US" sz="2200" dirty="0"/>
+              <a:t> with examples</a:t>
+            </a:r>
+          </a:p>
+          <a:p>
+            <a:pPr marL="457200" indent="-457200">
+              <a:buFont typeface="+mj-lt"/>
+              <a:buAutoNum type="arabicPeriod"/>
+            </a:pPr>
+            <a:r>
+              <a:rPr lang="en-US" sz="2200" dirty="0"/>
+              <a:t>Distinguish between a class and an object</a:t>
+            </a:r>
+          </a:p>
+          <a:p>
+            <a:pPr marL="457200" indent="-457200">
+              <a:buFont typeface="+mj-lt"/>
+              <a:buAutoNum type="arabicPeriod"/>
+            </a:pPr>
+            <a:r>
+              <a:rPr lang="en-US" sz="2200" dirty="0"/>
+              <a:t>Review object-oriented concepts… mostly focused on Encapsulation and Polymorphism</a:t>
+            </a:r>
+          </a:p>
+          <a:p>
+            <a:pPr marL="457200" indent="-457200">
+              <a:buFont typeface="+mj-lt"/>
+              <a:buAutoNum type="arabicPeriod"/>
+            </a:pPr>
+            <a:r>
+              <a:rPr lang="en-US" sz="2200" dirty="0"/>
+              <a:t>Identify the superclass and the subclass in an inheritance relationship</a:t>
+            </a:r>
+          </a:p>
+          <a:p>
+            <a:pPr marL="457200" indent="-457200">
+              <a:buFont typeface="+mj-lt"/>
+              <a:buAutoNum type="arabicPeriod"/>
+            </a:pPr>
+            <a:r>
+              <a:rPr lang="en-US" sz="2200" dirty="0"/>
+              <a:t>Demonstrate inheritance, ownership, and abstraction in snippets of Java code</a:t>
+            </a:r>
+          </a:p>
+          <a:p>
+            <a:pPr marL="457200" indent="-457200">
+              <a:buFont typeface="+mj-lt"/>
+              <a:buAutoNum type="arabicPeriod"/>
+            </a:pPr>
+            <a:r>
+              <a:rPr lang="en-US" sz="2200" dirty="0"/>
+              <a:t>Distinguish between aggregation and composition</a:t>
+            </a:r>
+          </a:p>
+          <a:p>
+            <a:pPr marL="457200" indent="-457200">
+              <a:buFont typeface="+mj-lt"/>
+              <a:buAutoNum type="arabicPeriod"/>
+            </a:pPr>
+            <a:r>
+              <a:rPr lang="en-US" sz="2200" dirty="0">
+                <a:solidFill>
+                  <a:schemeClr val="bg1">
+                    <a:lumMod val="65000"/>
+                  </a:schemeClr>
+                </a:solidFill>
               </a:rPr>
-              <a:t>Between March 27 and April 2, a student can drop the course, they will receive a 50% refund, and nothing will appear on their transcript.</a:t>
-            </a:r>
-          </a:p>
-          <a:p>
-            <a:pPr marL="342900" marR="0" lvl="0" indent="-342900">
-              <a:lnSpc>
-                <a:spcPct val="107000"/>
-              </a:lnSpc>
-              <a:spcBef>
-                <a:spcPts val="0"/>
-              </a:spcBef>
-              <a:spcAft>
-                <a:spcPts val="0"/>
-              </a:spcAft>
-              <a:buFont typeface="Calibri" panose="020F0502020204030204" pitchFamily="34" charset="0"/>
-              <a:buChar char="•"/>
+              <a:t>Depict classes and their relationships using UML class diagrams</a:t>
+            </a:r>
+          </a:p>
+          <a:p>
+            <a:pPr marL="457200" indent="-457200">
+              <a:buFont typeface="+mj-lt"/>
+              <a:buAutoNum type="arabicPeriod"/>
             </a:pPr>
             <a:r>
-              <a:rPr lang="en-US" dirty="0">
-                <a:latin typeface="Calibri" panose="020F0502020204030204" pitchFamily="34" charset="0"/>
-                <a:ea typeface="Calibri" panose="020F0502020204030204" pitchFamily="34" charset="0"/>
-                <a:cs typeface="Times New Roman" panose="02020603050405020304" pitchFamily="18" charset="0"/>
+              <a:rPr lang="en-US" sz="2200" dirty="0"/>
+              <a:t>Define and discuss common object-oriented design </a:t>
+            </a:r>
+            <a:r>
+              <a:rPr lang="en-US" sz="2200" u="sng" dirty="0"/>
+              <a:t>patterns</a:t>
+            </a:r>
+            <a:r>
+              <a:rPr lang="en-US" sz="2200" dirty="0"/>
+              <a:t>... </a:t>
+            </a:r>
+            <a:r>
+              <a:rPr lang="en-US" sz="2200" u="sng" dirty="0"/>
+              <a:t>MVC</a:t>
+            </a:r>
+          </a:p>
+          <a:p>
+            <a:pPr marL="457200" indent="-457200">
+              <a:buFont typeface="+mj-lt"/>
+              <a:buAutoNum type="arabicPeriod"/>
+            </a:pPr>
+            <a:r>
+              <a:rPr lang="en-US" sz="2200" dirty="0"/>
+              <a:t>Define and discuss common object-oriented design </a:t>
+            </a:r>
+            <a:r>
+              <a:rPr lang="en-US" sz="2200" u="sng" dirty="0"/>
+              <a:t>principles</a:t>
+            </a:r>
+            <a:r>
+              <a:rPr lang="en-US" sz="2200" dirty="0"/>
+              <a:t> and characteristics of bad software… briefly if there is time </a:t>
+            </a:r>
+          </a:p>
+          <a:p>
+            <a:pPr marL="457200" indent="-457200">
+              <a:buFont typeface="+mj-lt"/>
+              <a:buAutoNum type="arabicPeriod"/>
+            </a:pPr>
+            <a:r>
+              <a:rPr lang="en-US" sz="2200" dirty="0">
+                <a:solidFill>
+                  <a:schemeClr val="bg1">
+                    <a:lumMod val="65000"/>
+                  </a:schemeClr>
+                </a:solidFill>
               </a:rPr>
-              <a:t>Between April 3 and April 18, a student can withdraw from the course and receive a “W” on their transcript (no refund will be received).</a:t>
-            </a:r>
-          </a:p>
-          <a:p>
-            <a:pPr marL="342900" marR="0" lvl="0" indent="-342900">
-              <a:lnSpc>
-                <a:spcPct val="107000"/>
-              </a:lnSpc>
-              <a:spcBef>
-                <a:spcPts val="0"/>
-              </a:spcBef>
-              <a:spcAft>
-                <a:spcPts val="0"/>
-              </a:spcAft>
-              <a:buFont typeface="Calibri" panose="020F0502020204030204" pitchFamily="34" charset="0"/>
-              <a:buChar char="•"/>
+              <a:t>Recap: How is object-oriented programming different</a:t>
+            </a:r>
+          </a:p>
+          <a:p>
+            <a:pPr marL="457200" indent="-457200">
+              <a:buFont typeface="+mj-lt"/>
+              <a:buAutoNum type="arabicPeriod"/>
             </a:pPr>
             <a:r>
-              <a:rPr lang="en-US" dirty="0">
-                <a:latin typeface="Calibri" panose="020F0502020204030204" pitchFamily="34" charset="0"/>
-                <a:ea typeface="Calibri" panose="020F0502020204030204" pitchFamily="34" charset="0"/>
-                <a:cs typeface="Times New Roman" panose="02020603050405020304" pitchFamily="18" charset="0"/>
+              <a:rPr lang="en-US" sz="2200" dirty="0">
+                <a:solidFill>
+                  <a:schemeClr val="bg1">
+                    <a:lumMod val="65000"/>
+                  </a:schemeClr>
+                </a:solidFill>
               </a:rPr>
-              <a:t>After April 18, a student cannot drop or withdraw from the class.</a:t>
-            </a:r>
-          </a:p>
-        </p:txBody>
-      </p:sp>
-      <p:sp>
-        <p:nvSpPr>
-          <p:cNvPr id="5" name="Rectangle 4"/>
-          <p:cNvSpPr/>
-          <p:nvPr/>
-        </p:nvSpPr>
-        <p:spPr>
-          <a:xfrm>
-            <a:off x="838198" y="3813530"/>
-            <a:ext cx="10474843" cy="1574149"/>
-          </a:xfrm>
-          <a:prstGeom prst="rect">
-            <a:avLst/>
-          </a:prstGeom>
-        </p:spPr>
-        <p:txBody>
-          <a:bodyPr wrap="square">
-            <a:spAutoFit/>
-          </a:bodyPr>
-          <a:lstStyle/>
-          <a:p>
-            <a:pPr>
-              <a:lnSpc>
-                <a:spcPct val="107000"/>
-              </a:lnSpc>
-              <a:spcBef>
-                <a:spcPts val="1200"/>
-              </a:spcBef>
-            </a:pPr>
-            <a:r>
-              <a:rPr lang="en-US" b="1" dirty="0">
-                <a:latin typeface="Calibri" panose="020F0502020204030204" pitchFamily="34" charset="0"/>
-                <a:ea typeface="Calibri" panose="020F0502020204030204" pitchFamily="34" charset="0"/>
-                <a:cs typeface="Times New Roman" panose="02020603050405020304" pitchFamily="18" charset="0"/>
-              </a:rPr>
-              <a:t>Participation:</a:t>
-            </a:r>
-            <a:endParaRPr lang="en-US" dirty="0">
-              <a:latin typeface="Calibri" panose="020F0502020204030204" pitchFamily="34" charset="0"/>
-              <a:ea typeface="Calibri" panose="020F0502020204030204" pitchFamily="34" charset="0"/>
-              <a:cs typeface="Times New Roman" panose="02020603050405020304" pitchFamily="18" charset="0"/>
-            </a:endParaRPr>
-          </a:p>
-          <a:p>
-            <a:pPr>
-              <a:lnSpc>
-                <a:spcPct val="107000"/>
-              </a:lnSpc>
-              <a:spcAft>
-                <a:spcPts val="800"/>
-              </a:spcAft>
-            </a:pPr>
-            <a:r>
-              <a:rPr lang="en-US" dirty="0">
-                <a:latin typeface="Calibri" panose="020F0502020204030204" pitchFamily="34" charset="0"/>
-                <a:ea typeface="Calibri" panose="020F0502020204030204" pitchFamily="34" charset="0"/>
-                <a:cs typeface="Times New Roman" panose="02020603050405020304" pitchFamily="18" charset="0"/>
-              </a:rPr>
-              <a:t>You must participate consistently throughout the course by reading the notes, working on the examples from class, attending the class session or watching the class recordings, and working on the homework gradually rather than all at once. If you don’t, you won’t succeed in this course, because you won’t be building a deep understanding of the course material.</a:t>
+              <a:t>Recap: Why did we choose to learn an object-oriented approach in developing software</a:t>
             </a:r>
           </a:p>
         </p:txBody>
@@ -18578,7 +18374,7 @@
     </p:spTree>
     <p:extLst>
       <p:ext uri="{BB962C8B-B14F-4D97-AF65-F5344CB8AC3E}">
-        <p14:creationId xmlns:p14="http://schemas.microsoft.com/office/powerpoint/2010/main" val="1972006166"/>
+        <p14:creationId xmlns:p14="http://schemas.microsoft.com/office/powerpoint/2010/main" val="1072399538"/>
       </p:ext>
     </p:extLst>
   </p:cSld>
@@ -19111,12 +18907,6 @@
 </file>
 
 <file path=customXml/item1.xml><?xml version="1.0" encoding="utf-8"?>
-<p:properties xmlns:p="http://schemas.microsoft.com/office/2006/metadata/properties" xmlns:xsi="http://www.w3.org/2001/XMLSchema-instance" xmlns:pc="http://schemas.microsoft.com/office/infopath/2007/PartnerControls">
-  <documentManagement/>
-</p:properties>
-</file>
-
-<file path=customXml/item2.xml><?xml version="1.0" encoding="utf-8"?>
 <ct:contentTypeSchema xmlns:ct="http://schemas.microsoft.com/office/2006/metadata/contentType" xmlns:ma="http://schemas.microsoft.com/office/2006/metadata/properties/metaAttributes" ct:_="" ma:_="" ma:contentTypeName="Document" ma:contentTypeID="0x0101004E7FF26E314236448B954F3A97640002" ma:contentTypeVersion="0" ma:contentTypeDescription="Create a new document." ma:contentTypeScope="" ma:versionID="dcd134f7ef3b1aa8a267b1d1a9f0b332">
   <xsd:schema xmlns:xsd="http://www.w3.org/2001/XMLSchema" xmlns:xs="http://www.w3.org/2001/XMLSchema" xmlns:p="http://schemas.microsoft.com/office/2006/metadata/properties" targetNamespace="http://schemas.microsoft.com/office/2006/metadata/properties" ma:root="true" ma:fieldsID="fad425956ca267ea5e6d723b3f3bd6f1">
     <xsd:element name="properties">
@@ -19230,6 +19020,12 @@
 </ct:contentTypeSchema>
 </file>
 
+<file path=customXml/item2.xml><?xml version="1.0" encoding="utf-8"?>
+<p:properties xmlns:p="http://schemas.microsoft.com/office/2006/metadata/properties" xmlns:xsi="http://www.w3.org/2001/XMLSchema-instance" xmlns:pc="http://schemas.microsoft.com/office/infopath/2007/PartnerControls">
+  <documentManagement/>
+</p:properties>
+</file>
+
 <file path=customXml/item3.xml><?xml version="1.0" encoding="utf-8"?>
 <?mso-contentType ?>
 <FormTemplates xmlns="http://schemas.microsoft.com/sharepoint/v3/contenttype/forms">
@@ -19240,21 +19036,6 @@
 </file>
 
 <file path=customXml/itemProps1.xml><?xml version="1.0" encoding="utf-8"?>
-<ds:datastoreItem xmlns:ds="http://schemas.openxmlformats.org/officeDocument/2006/customXml" ds:itemID="{3473EA1A-2744-48E8-B2A3-4F89C0FC849C}">
-  <ds:schemaRefs>
-    <ds:schemaRef ds:uri="http://purl.org/dc/elements/1.1/"/>
-    <ds:schemaRef ds:uri="http://schemas.microsoft.com/office/2006/metadata/properties"/>
-    <ds:schemaRef ds:uri="http://purl.org/dc/terms/"/>
-    <ds:schemaRef ds:uri="http://schemas.microsoft.com/office/2006/documentManagement/types"/>
-    <ds:schemaRef ds:uri="http://purl.org/dc/dcmitype/"/>
-    <ds:schemaRef ds:uri="http://schemas.microsoft.com/office/infopath/2007/PartnerControls"/>
-    <ds:schemaRef ds:uri="http://schemas.openxmlformats.org/package/2006/metadata/core-properties"/>
-    <ds:schemaRef ds:uri="http://www.w3.org/XML/1998/namespace"/>
-  </ds:schemaRefs>
-</ds:datastoreItem>
-</file>
-
-<file path=customXml/itemProps2.xml><?xml version="1.0" encoding="utf-8"?>
 <ds:datastoreItem xmlns:ds="http://schemas.openxmlformats.org/officeDocument/2006/customXml" ds:itemID="{A906A71E-D2C6-4CAA-8E79-10C504BC5F58}">
   <ds:schemaRefs>
     <ds:schemaRef ds:uri="http://schemas.microsoft.com/office/2006/metadata/contentType"/>
@@ -19270,6 +19051,21 @@
 </ds:datastoreItem>
 </file>
 
+<file path=customXml/itemProps2.xml><?xml version="1.0" encoding="utf-8"?>
+<ds:datastoreItem xmlns:ds="http://schemas.openxmlformats.org/officeDocument/2006/customXml" ds:itemID="{3473EA1A-2744-48E8-B2A3-4F89C0FC849C}">
+  <ds:schemaRefs>
+    <ds:schemaRef ds:uri="http://purl.org/dc/elements/1.1/"/>
+    <ds:schemaRef ds:uri="http://schemas.microsoft.com/office/2006/metadata/properties"/>
+    <ds:schemaRef ds:uri="http://purl.org/dc/terms/"/>
+    <ds:schemaRef ds:uri="http://schemas.microsoft.com/office/2006/documentManagement/types"/>
+    <ds:schemaRef ds:uri="http://purl.org/dc/dcmitype/"/>
+    <ds:schemaRef ds:uri="http://schemas.microsoft.com/office/infopath/2007/PartnerControls"/>
+    <ds:schemaRef ds:uri="http://schemas.openxmlformats.org/package/2006/metadata/core-properties"/>
+    <ds:schemaRef ds:uri="http://www.w3.org/XML/1998/namespace"/>
+  </ds:schemaRefs>
+</ds:datastoreItem>
+</file>
+
 <file path=customXml/itemProps3.xml><?xml version="1.0" encoding="utf-8"?>
 <ds:datastoreItem xmlns:ds="http://schemas.openxmlformats.org/officeDocument/2006/customXml" ds:itemID="{87FD8B20-B89A-4B23-9329-175195DD4D8A}">
   <ds:schemaRefs>

--- a/CPSC-24500/Week01/2016SpringW01SlidesLecture.pptx
+++ b/CPSC-24500/Week01/2016SpringW01SlidesLecture.pptx
@@ -232,7 +232,7 @@
           <a:p>
             <a:fld id="{91ED72D7-FE6F-4B82-8D31-76BC00B06094}" type="datetimeFigureOut">
               <a:rPr lang="en-US" smtClean="0"/>
-              <a:t>3/20/2017</a:t>
+              <a:t>3/21/2017</a:t>
             </a:fld>
             <a:endParaRPr lang="en-US"/>
           </a:p>
@@ -545,26 +545,11 @@
           <a:p>
             <a:r>
               <a:rPr lang="en-US" sz="1000" dirty="0"/>
-              <a:t>Questions are welcome at any point!</a:t>
+              <a:t>While everyone is getting logged in an set up for our virtual discussion, I wanted to thank those of you who have posted their background and/or responded to other people’s discussion board posting. I have enjoyed reading through your comments. </a:t>
             </a:r>
           </a:p>
           <a:p>
             <a:endParaRPr lang="en-US" sz="1000" dirty="0"/>
-          </a:p>
-          <a:p>
-            <a:r>
-              <a:rPr lang="en-US" sz="1000" dirty="0"/>
-              <a:t>I am not intending to review every part of documents that are out there. </a:t>
-            </a:r>
-          </a:p>
-          <a:p>
-            <a:endParaRPr lang="en-US" sz="1000" dirty="0"/>
-          </a:p>
-          <a:p>
-            <a:r>
-              <a:rPr lang="en-US" sz="1000" dirty="0"/>
-              <a:t>If you have time this week. please get your Java development environment set up this week. That’s not something that you will want to be messing with next week when we are working on our first MVC assignment. </a:t>
-            </a:r>
           </a:p>
         </p:txBody>
       </p:sp>
@@ -671,6 +656,17 @@
             <a:pPr lvl="0"/>
             <a:r>
               <a:rPr lang="en-US" sz="1000" dirty="0"/>
+              <a:t>Concepts: Encapsulation, inheritance, polymorphism…</a:t>
+            </a:r>
+          </a:p>
+          <a:p>
+            <a:pPr lvl="0"/>
+            <a:endParaRPr lang="en-US" sz="1000" dirty="0"/>
+          </a:p>
+          <a:p>
+            <a:pPr lvl="0"/>
+            <a:r>
+              <a:rPr lang="en-US" sz="1000" dirty="0"/>
               <a:t>For the purposes of this class, “attributes” and “properties” will be used interchangeably to describe variable belonging to a class or object. Also “procedures” and “functions” will be used interchangeably.</a:t>
             </a:r>
           </a:p>
@@ -1877,7 +1873,7 @@
           <a:p>
             <a:r>
               <a:rPr lang="en-US" sz="1000" dirty="0"/>
-              <a:t>First off Welcome! I’m glad you are here. My goal is to get every one of you through this class and to help you learn some object oriented software development techniques along the way. Even if you don’t intend to be a professional software developer, many of the things that we learn will be valuable in related areas. </a:t>
+              <a:t>First off Welcome! I’m glad you are here. My goal is to (1) help each of you be successful at getting through this class (2) every one of you through this class and to help you learn some object oriented software development techniques (3) and for us to find a little enjoyment along the way. </a:t>
             </a:r>
           </a:p>
           <a:p>
@@ -1886,34 +1882,29 @@
           <a:p>
             <a:r>
               <a:rPr lang="en-US" sz="1000" dirty="0"/>
-              <a:t>Object-oriented programming is the way that the industry develops modern complex sophisticate applications. There really isn’t a viable alternative to:</a:t>
-            </a:r>
+              <a:t>Even if you don’t intend to be a professional software developer, many of the things that we learn will be valuable in related areas. </a:t>
+            </a:r>
+          </a:p>
+          <a:p>
+            <a:endParaRPr lang="en-US" sz="1000" dirty="0"/>
           </a:p>
           <a:p>
             <a:r>
               <a:rPr lang="en-US" sz="1000" dirty="0"/>
-              <a:t>1 – Effectively leverage other peoples code… Graphical User Interfaces</a:t>
-            </a:r>
-          </a:p>
-          <a:p>
+              <a:t>You live in the Golden Age of software development. Many good jobs, wonderful tools, fantastic source code to look at, interesting and valuable problems to solve. </a:t>
+            </a:r>
+          </a:p>
+          <a:p>
+            <a:endParaRPr lang="en-US" sz="1000" dirty="0"/>
+          </a:p>
+          <a:p>
+            <a:r>
+              <a:rPr lang="en-US" sz="1000" dirty="0" err="1"/>
+              <a:t>Soooo</a:t>
+            </a:r>
             <a:r>
               <a:rPr lang="en-US" sz="1000" dirty="0"/>
-              <a:t>2 – Develop, maintain, support, enhance large applications</a:t>
-            </a:r>
-          </a:p>
-          <a:p>
-            <a:r>
-              <a:rPr lang="en-US" sz="1000" dirty="0"/>
-              <a:t>3 – It will be a challenge at first to adjust your mindset… but I promise it will become easier and more natural </a:t>
-            </a:r>
-          </a:p>
-          <a:p>
-            <a:endParaRPr lang="en-US" sz="1000" dirty="0"/>
-          </a:p>
-          <a:p>
-            <a:r>
-              <a:rPr lang="en-US" sz="1000" dirty="0"/>
-              <a:t>You live in the Golden Age of software development. Many good jobs, wonderful tools, interesting and valuable problems to solve. </a:t>
+              <a:t>… We have 8 weeks to learn something valuable and interesting. Let’s enjoy our time together and make the most out of it. </a:t>
             </a:r>
           </a:p>
         </p:txBody>
@@ -3272,18 +3263,17 @@
           <a:lstStyle/>
           <a:p>
             <a:r>
-              <a:rPr lang="en-US" sz="1000" dirty="0" err="1"/>
-              <a:t>Sooo</a:t>
-            </a:r>
-            <a:r>
               <a:rPr lang="en-US" sz="1000" dirty="0"/>
-              <a:t>… in a moment, I am going to go around on the phone and ask you to give at least a brief introduction of yourself. At least your name and where you are dialing in from today. </a:t>
-            </a:r>
+              <a:t>This is my discussion board post. I’m not going to go through it directly, but will take a few minutes share a couple items and an anecdote or two… </a:t>
+            </a:r>
+          </a:p>
+          <a:p>
+            <a:endParaRPr lang="en-US" sz="1000" dirty="0"/>
           </a:p>
           <a:p>
             <a:r>
               <a:rPr lang="en-US" sz="1000" dirty="0"/>
-              <a:t>This is from my Discussion Board post… I am asking all of you to provide a discussion board introduction post of your-self this week. </a:t>
+              <a:t>But first a quick warning… in a minute or two , I am going to go around on the phone and ask you to give at least a brief introduction of yourself. At least your name and where you are dialing in from today. </a:t>
             </a:r>
           </a:p>
           <a:p>
@@ -3292,7 +3282,19 @@
           <a:p>
             <a:r>
               <a:rPr lang="en-US" sz="1000" dirty="0"/>
-              <a:t>Microsoft C/C++ 6… yes, this was before Visual C++ or Visual Studio. Mid-1990s. There was actually a lot of debate at that time as to if the benefits of C++ were sufficient to move from C. </a:t>
+              <a:t>Object-oriented programming is the way that the industry develops modern complex sophisticate applications. There really isn’t a viable alternative to:</a:t>
+            </a:r>
+          </a:p>
+          <a:p>
+            <a:r>
+              <a:rPr lang="en-US" sz="1000" dirty="0"/>
+              <a:t>1 – Effectively leverage other peoples code… Graphical User Interfaces</a:t>
+            </a:r>
+          </a:p>
+          <a:p>
+            <a:r>
+              <a:rPr lang="en-US" sz="1000" dirty="0"/>
+              <a:t>2 – Develop, maintain, support, enhance large applications</a:t>
             </a:r>
           </a:p>
           <a:p>
@@ -3301,7 +3303,16 @@
           <a:p>
             <a:r>
               <a:rPr lang="en-US" sz="1000" dirty="0"/>
-              <a:t>Although I have taught multiple university level software development courses in the past, this is the first one I have taught at Lewis University. </a:t>
+              <a:t>Menus, toolbars, fonts, and modern GUI elements. OOP is required. </a:t>
+            </a:r>
+          </a:p>
+          <a:p>
+            <a:endParaRPr lang="en-US" sz="1000" dirty="0"/>
+          </a:p>
+          <a:p>
+            <a:r>
+              <a:rPr lang="en-US" sz="1000" dirty="0"/>
+              <a:t>Any volunteers on the phone?</a:t>
             </a:r>
           </a:p>
           <a:p>
@@ -4583,7 +4594,7 @@
           <a:p>
             <a:fld id="{969F32F5-AB1C-41B2-AE79-C9DE1D1745A4}" type="datetimeFigureOut">
               <a:rPr lang="en-US" smtClean="0"/>
-              <a:t>3/20/2017</a:t>
+              <a:t>3/21/2017</a:t>
             </a:fld>
             <a:endParaRPr lang="en-US"/>
           </a:p>
@@ -4751,7 +4762,7 @@
           <a:p>
             <a:fld id="{969F32F5-AB1C-41B2-AE79-C9DE1D1745A4}" type="datetimeFigureOut">
               <a:rPr lang="en-US" smtClean="0"/>
-              <a:t>3/20/2017</a:t>
+              <a:t>3/21/2017</a:t>
             </a:fld>
             <a:endParaRPr lang="en-US"/>
           </a:p>
@@ -4929,7 +4940,7 @@
           <a:p>
             <a:fld id="{969F32F5-AB1C-41B2-AE79-C9DE1D1745A4}" type="datetimeFigureOut">
               <a:rPr lang="en-US" smtClean="0"/>
-              <a:t>3/20/2017</a:t>
+              <a:t>3/21/2017</a:t>
             </a:fld>
             <a:endParaRPr lang="en-US"/>
           </a:p>
@@ -5097,7 +5108,7 @@
           <a:p>
             <a:fld id="{969F32F5-AB1C-41B2-AE79-C9DE1D1745A4}" type="datetimeFigureOut">
               <a:rPr lang="en-US" smtClean="0"/>
-              <a:t>3/20/2017</a:t>
+              <a:t>3/21/2017</a:t>
             </a:fld>
             <a:endParaRPr lang="en-US"/>
           </a:p>
@@ -5342,7 +5353,7 @@
           <a:p>
             <a:fld id="{969F32F5-AB1C-41B2-AE79-C9DE1D1745A4}" type="datetimeFigureOut">
               <a:rPr lang="en-US" smtClean="0"/>
-              <a:t>3/20/2017</a:t>
+              <a:t>3/21/2017</a:t>
             </a:fld>
             <a:endParaRPr lang="en-US"/>
           </a:p>
@@ -5571,7 +5582,7 @@
           <a:p>
             <a:fld id="{969F32F5-AB1C-41B2-AE79-C9DE1D1745A4}" type="datetimeFigureOut">
               <a:rPr lang="en-US" smtClean="0"/>
-              <a:t>3/20/2017</a:t>
+              <a:t>3/21/2017</a:t>
             </a:fld>
             <a:endParaRPr lang="en-US"/>
           </a:p>
@@ -5935,7 +5946,7 @@
           <a:p>
             <a:fld id="{969F32F5-AB1C-41B2-AE79-C9DE1D1745A4}" type="datetimeFigureOut">
               <a:rPr lang="en-US" smtClean="0"/>
-              <a:t>3/20/2017</a:t>
+              <a:t>3/21/2017</a:t>
             </a:fld>
             <a:endParaRPr lang="en-US"/>
           </a:p>
@@ -6052,7 +6063,7 @@
           <a:p>
             <a:fld id="{969F32F5-AB1C-41B2-AE79-C9DE1D1745A4}" type="datetimeFigureOut">
               <a:rPr lang="en-US" smtClean="0"/>
-              <a:t>3/20/2017</a:t>
+              <a:t>3/21/2017</a:t>
             </a:fld>
             <a:endParaRPr lang="en-US"/>
           </a:p>
@@ -6147,7 +6158,7 @@
           <a:p>
             <a:fld id="{969F32F5-AB1C-41B2-AE79-C9DE1D1745A4}" type="datetimeFigureOut">
               <a:rPr lang="en-US" smtClean="0"/>
-              <a:t>3/20/2017</a:t>
+              <a:t>3/21/2017</a:t>
             </a:fld>
             <a:endParaRPr lang="en-US"/>
           </a:p>
@@ -6422,7 +6433,7 @@
           <a:p>
             <a:fld id="{969F32F5-AB1C-41B2-AE79-C9DE1D1745A4}" type="datetimeFigureOut">
               <a:rPr lang="en-US" smtClean="0"/>
-              <a:t>3/20/2017</a:t>
+              <a:t>3/21/2017</a:t>
             </a:fld>
             <a:endParaRPr lang="en-US"/>
           </a:p>
@@ -6674,7 +6685,7 @@
           <a:p>
             <a:fld id="{969F32F5-AB1C-41B2-AE79-C9DE1D1745A4}" type="datetimeFigureOut">
               <a:rPr lang="en-US" smtClean="0"/>
-              <a:t>3/20/2017</a:t>
+              <a:t>3/21/2017</a:t>
             </a:fld>
             <a:endParaRPr lang="en-US"/>
           </a:p>
@@ -6885,7 +6896,7 @@
           <a:p>
             <a:fld id="{969F32F5-AB1C-41B2-AE79-C9DE1D1745A4}" type="datetimeFigureOut">
               <a:rPr lang="en-US" smtClean="0"/>
-              <a:t>3/20/2017</a:t>
+              <a:t>3/21/2017</a:t>
             </a:fld>
             <a:endParaRPr lang="en-US"/>
           </a:p>
@@ -7363,7 +7374,6 @@
               <a:rPr lang="en-US" sz="2000" u="sng" dirty="0"/>
               <a:t>Agenda – Week 1 Discussion &amp; Lecture (21 Mar 17 at 3pm CST)</a:t>
             </a:r>
-            <a:endParaRPr lang="en-US" sz="2000" u="sng" dirty="0"/>
           </a:p>
           <a:p>
             <a:pPr marL="457200" indent="-457200">
@@ -8255,7 +8265,7 @@
           <a:p>
             <a:r>
               <a:rPr lang="en-US" sz="2000" dirty="0"/>
-              <a:t>Attributes</a:t>
+              <a:t>Attributes (or properties)</a:t>
             </a:r>
           </a:p>
           <a:p>
@@ -17331,7 +17341,7 @@
                 <a:ea typeface="Calibri" panose="020F0502020204030204" pitchFamily="34" charset="0"/>
                 <a:cs typeface="Times New Roman" panose="02020603050405020304" pitchFamily="18" charset="0"/>
               </a:rPr>
-              <a:t>List and explain the key concepts of object-oriented development: inheritance, abstraction, information hiding, and polymorphism.</a:t>
+              <a:t>List and explain the key concepts of object-oriented development: Encapsulation, inheritance, polymorphism, abstraction, and information hiding</a:t>
             </a:r>
           </a:p>
           <a:p>
@@ -17534,7 +17544,7 @@
         <p:spPr>
           <a:xfrm>
             <a:off x="838200" y="1004457"/>
-            <a:ext cx="10469526" cy="5592172"/>
+            <a:ext cx="10469526" cy="5449697"/>
           </a:xfrm>
           <a:prstGeom prst="rect">
             <a:avLst/>
@@ -17661,21 +17671,9 @@
               <a:lnSpc>
                 <a:spcPct val="107000"/>
               </a:lnSpc>
-            </a:pPr>
-            <a:r>
-              <a:rPr lang="en-US" dirty="0">
-                <a:latin typeface="Calibri" panose="020F0502020204030204" pitchFamily="34" charset="0"/>
-                <a:ea typeface="Calibri" panose="020F0502020204030204" pitchFamily="34" charset="0"/>
-                <a:cs typeface="Times New Roman" panose="02020603050405020304" pitchFamily="18" charset="0"/>
-              </a:rPr>
-              <a:t> </a:t>
-            </a:r>
-          </a:p>
-          <a:p>
-            <a:pPr>
-              <a:lnSpc>
-                <a:spcPct val="107000"/>
-              </a:lnSpc>
+              <a:spcBef>
+                <a:spcPts val="1200"/>
+              </a:spcBef>
             </a:pPr>
             <a:r>
               <a:rPr lang="en-US" b="1" dirty="0">
@@ -18036,7 +18034,7 @@
         <p:spPr>
           <a:xfrm>
             <a:off x="838198" y="3813530"/>
-            <a:ext cx="10474843" cy="1574149"/>
+            <a:ext cx="10474843" cy="2372060"/>
           </a:xfrm>
           <a:prstGeom prst="rect">
             <a:avLst/>
@@ -18086,6 +18084,39 @@
                 <a:cs typeface="Times New Roman" panose="02020603050405020304" pitchFamily="18" charset="0"/>
               </a:rPr>
               <a:t>You must participate consistently throughout the course by reading the notes, working on the examples from class, attending the class session or watching the class recordings, and working on the homework gradually rather than all at once. If you don’t, you won’t succeed in this course, because you won’t be building a deep understanding of the course material.</a:t>
+            </a:r>
+          </a:p>
+          <a:p>
+            <a:pPr>
+              <a:lnSpc>
+                <a:spcPct val="107000"/>
+              </a:lnSpc>
+              <a:spcAft>
+                <a:spcPts val="800"/>
+              </a:spcAft>
+            </a:pPr>
+            <a:endParaRPr lang="en-US" dirty="0">
+              <a:latin typeface="Calibri" panose="020F0502020204030204" pitchFamily="34" charset="0"/>
+              <a:ea typeface="Calibri" panose="020F0502020204030204" pitchFamily="34" charset="0"/>
+              <a:cs typeface="Times New Roman" panose="02020603050405020304" pitchFamily="18" charset="0"/>
+            </a:endParaRPr>
+          </a:p>
+          <a:p>
+            <a:pPr>
+              <a:lnSpc>
+                <a:spcPct val="107000"/>
+              </a:lnSpc>
+              <a:spcAft>
+                <a:spcPts val="800"/>
+              </a:spcAft>
+            </a:pPr>
+            <a:r>
+              <a:rPr lang="en-US" b="1" dirty="0">
+                <a:latin typeface="Calibri" panose="020F0502020204030204" pitchFamily="34" charset="0"/>
+                <a:ea typeface="Calibri" panose="020F0502020204030204" pitchFamily="34" charset="0"/>
+                <a:cs typeface="Times New Roman" panose="02020603050405020304" pitchFamily="18" charset="0"/>
+              </a:rPr>
+              <a:t>Question before we switch topics?</a:t>
             </a:r>
           </a:p>
         </p:txBody>
@@ -18907,6 +18938,12 @@
 </file>
 
 <file path=customXml/item1.xml><?xml version="1.0" encoding="utf-8"?>
+<p:properties xmlns:p="http://schemas.microsoft.com/office/2006/metadata/properties" xmlns:xsi="http://www.w3.org/2001/XMLSchema-instance" xmlns:pc="http://schemas.microsoft.com/office/infopath/2007/PartnerControls">
+  <documentManagement/>
+</p:properties>
+</file>
+
+<file path=customXml/item2.xml><?xml version="1.0" encoding="utf-8"?>
 <ct:contentTypeSchema xmlns:ct="http://schemas.microsoft.com/office/2006/metadata/contentType" xmlns:ma="http://schemas.microsoft.com/office/2006/metadata/properties/metaAttributes" ct:_="" ma:_="" ma:contentTypeName="Document" ma:contentTypeID="0x0101004E7FF26E314236448B954F3A97640002" ma:contentTypeVersion="0" ma:contentTypeDescription="Create a new document." ma:contentTypeScope="" ma:versionID="dcd134f7ef3b1aa8a267b1d1a9f0b332">
   <xsd:schema xmlns:xsd="http://www.w3.org/2001/XMLSchema" xmlns:xs="http://www.w3.org/2001/XMLSchema" xmlns:p="http://schemas.microsoft.com/office/2006/metadata/properties" targetNamespace="http://schemas.microsoft.com/office/2006/metadata/properties" ma:root="true" ma:fieldsID="fad425956ca267ea5e6d723b3f3bd6f1">
     <xsd:element name="properties">
@@ -19020,12 +19057,6 @@
 </ct:contentTypeSchema>
 </file>
 
-<file path=customXml/item2.xml><?xml version="1.0" encoding="utf-8"?>
-<p:properties xmlns:p="http://schemas.microsoft.com/office/2006/metadata/properties" xmlns:xsi="http://www.w3.org/2001/XMLSchema-instance" xmlns:pc="http://schemas.microsoft.com/office/infopath/2007/PartnerControls">
-  <documentManagement/>
-</p:properties>
-</file>
-
 <file path=customXml/item3.xml><?xml version="1.0" encoding="utf-8"?>
 <?mso-contentType ?>
 <FormTemplates xmlns="http://schemas.microsoft.com/sharepoint/v3/contenttype/forms">
@@ -19036,6 +19067,21 @@
 </file>
 
 <file path=customXml/itemProps1.xml><?xml version="1.0" encoding="utf-8"?>
+<ds:datastoreItem xmlns:ds="http://schemas.openxmlformats.org/officeDocument/2006/customXml" ds:itemID="{3473EA1A-2744-48E8-B2A3-4F89C0FC849C}">
+  <ds:schemaRefs>
+    <ds:schemaRef ds:uri="http://schemas.microsoft.com/office/2006/metadata/properties"/>
+    <ds:schemaRef ds:uri="http://schemas.microsoft.com/office/2006/documentManagement/types"/>
+    <ds:schemaRef ds:uri="http://purl.org/dc/terms/"/>
+    <ds:schemaRef ds:uri="http://schemas.openxmlformats.org/package/2006/metadata/core-properties"/>
+    <ds:schemaRef ds:uri="http://purl.org/dc/dcmitype/"/>
+    <ds:schemaRef ds:uri="http://schemas.microsoft.com/office/infopath/2007/PartnerControls"/>
+    <ds:schemaRef ds:uri="http://purl.org/dc/elements/1.1/"/>
+    <ds:schemaRef ds:uri="http://www.w3.org/XML/1998/namespace"/>
+  </ds:schemaRefs>
+</ds:datastoreItem>
+</file>
+
+<file path=customXml/itemProps2.xml><?xml version="1.0" encoding="utf-8"?>
 <ds:datastoreItem xmlns:ds="http://schemas.openxmlformats.org/officeDocument/2006/customXml" ds:itemID="{A906A71E-D2C6-4CAA-8E79-10C504BC5F58}">
   <ds:schemaRefs>
     <ds:schemaRef ds:uri="http://schemas.microsoft.com/office/2006/metadata/contentType"/>
@@ -19051,21 +19097,6 @@
 </ds:datastoreItem>
 </file>
 
-<file path=customXml/itemProps2.xml><?xml version="1.0" encoding="utf-8"?>
-<ds:datastoreItem xmlns:ds="http://schemas.openxmlformats.org/officeDocument/2006/customXml" ds:itemID="{3473EA1A-2744-48E8-B2A3-4F89C0FC849C}">
-  <ds:schemaRefs>
-    <ds:schemaRef ds:uri="http://purl.org/dc/elements/1.1/"/>
-    <ds:schemaRef ds:uri="http://schemas.microsoft.com/office/2006/metadata/properties"/>
-    <ds:schemaRef ds:uri="http://purl.org/dc/terms/"/>
-    <ds:schemaRef ds:uri="http://schemas.microsoft.com/office/2006/documentManagement/types"/>
-    <ds:schemaRef ds:uri="http://purl.org/dc/dcmitype/"/>
-    <ds:schemaRef ds:uri="http://schemas.microsoft.com/office/infopath/2007/PartnerControls"/>
-    <ds:schemaRef ds:uri="http://schemas.openxmlformats.org/package/2006/metadata/core-properties"/>
-    <ds:schemaRef ds:uri="http://www.w3.org/XML/1998/namespace"/>
-  </ds:schemaRefs>
-</ds:datastoreItem>
-</file>
-
 <file path=customXml/itemProps3.xml><?xml version="1.0" encoding="utf-8"?>
 <ds:datastoreItem xmlns:ds="http://schemas.openxmlformats.org/officeDocument/2006/customXml" ds:itemID="{87FD8B20-B89A-4B23-9329-175195DD4D8A}">
   <ds:schemaRefs>

--- a/CPSC-24500/Week01/2016SpringW01SlidesLecture.pptx
+++ b/CPSC-24500/Week01/2016SpringW01SlidesLecture.pptx
@@ -550,6 +550,12 @@
           </a:p>
           <a:p>
             <a:endParaRPr lang="en-US" sz="1000" dirty="0"/>
+          </a:p>
+          <a:p>
+            <a:r>
+              <a:rPr lang="en-US" sz="1000" dirty="0"/>
+              <a:t>I am going to stat recording so that other can watch later; however, if I think that is impacting our ability to have a good discussion, I will stop the recording and just send out notes later.</a:t>
+            </a:r>
           </a:p>
         </p:txBody>
       </p:sp>
@@ -7464,7 +7470,7 @@
             </a:pPr>
             <a:r>
               <a:rPr lang="en-US" sz="2000" dirty="0"/>
-              <a:t>Wrap-up and Final Notes (~15 min starting no later than 4:15)</a:t>
+              <a:t>Wrap-up and Notes (~15 min starting no later than 4:15pm)</a:t>
             </a:r>
           </a:p>
           <a:p>
@@ -7473,7 +7479,7 @@
             </a:pPr>
             <a:r>
               <a:rPr lang="en-US" sz="2000" dirty="0"/>
-              <a:t>Question &amp; Discussion Welcome at and Time</a:t>
+              <a:t>Question &amp; Discussion Welcome at any Time</a:t>
             </a:r>
           </a:p>
         </p:txBody>
@@ -18938,12 +18944,6 @@
 </file>
 
 <file path=customXml/item1.xml><?xml version="1.0" encoding="utf-8"?>
-<p:properties xmlns:p="http://schemas.microsoft.com/office/2006/metadata/properties" xmlns:xsi="http://www.w3.org/2001/XMLSchema-instance" xmlns:pc="http://schemas.microsoft.com/office/infopath/2007/PartnerControls">
-  <documentManagement/>
-</p:properties>
-</file>
-
-<file path=customXml/item2.xml><?xml version="1.0" encoding="utf-8"?>
 <ct:contentTypeSchema xmlns:ct="http://schemas.microsoft.com/office/2006/metadata/contentType" xmlns:ma="http://schemas.microsoft.com/office/2006/metadata/properties/metaAttributes" ct:_="" ma:_="" ma:contentTypeName="Document" ma:contentTypeID="0x0101004E7FF26E314236448B954F3A97640002" ma:contentTypeVersion="0" ma:contentTypeDescription="Create a new document." ma:contentTypeScope="" ma:versionID="dcd134f7ef3b1aa8a267b1d1a9f0b332">
   <xsd:schema xmlns:xsd="http://www.w3.org/2001/XMLSchema" xmlns:xs="http://www.w3.org/2001/XMLSchema" xmlns:p="http://schemas.microsoft.com/office/2006/metadata/properties" targetNamespace="http://schemas.microsoft.com/office/2006/metadata/properties" ma:root="true" ma:fieldsID="fad425956ca267ea5e6d723b3f3bd6f1">
     <xsd:element name="properties">
@@ -19057,6 +19057,12 @@
 </ct:contentTypeSchema>
 </file>
 
+<file path=customXml/item2.xml><?xml version="1.0" encoding="utf-8"?>
+<p:properties xmlns:p="http://schemas.microsoft.com/office/2006/metadata/properties" xmlns:xsi="http://www.w3.org/2001/XMLSchema-instance" xmlns:pc="http://schemas.microsoft.com/office/infopath/2007/PartnerControls">
+  <documentManagement/>
+</p:properties>
+</file>
+
 <file path=customXml/item3.xml><?xml version="1.0" encoding="utf-8"?>
 <?mso-contentType ?>
 <FormTemplates xmlns="http://schemas.microsoft.com/sharepoint/v3/contenttype/forms">
@@ -19067,21 +19073,6 @@
 </file>
 
 <file path=customXml/itemProps1.xml><?xml version="1.0" encoding="utf-8"?>
-<ds:datastoreItem xmlns:ds="http://schemas.openxmlformats.org/officeDocument/2006/customXml" ds:itemID="{3473EA1A-2744-48E8-B2A3-4F89C0FC849C}">
-  <ds:schemaRefs>
-    <ds:schemaRef ds:uri="http://schemas.microsoft.com/office/2006/metadata/properties"/>
-    <ds:schemaRef ds:uri="http://schemas.microsoft.com/office/2006/documentManagement/types"/>
-    <ds:schemaRef ds:uri="http://purl.org/dc/terms/"/>
-    <ds:schemaRef ds:uri="http://schemas.openxmlformats.org/package/2006/metadata/core-properties"/>
-    <ds:schemaRef ds:uri="http://purl.org/dc/dcmitype/"/>
-    <ds:schemaRef ds:uri="http://schemas.microsoft.com/office/infopath/2007/PartnerControls"/>
-    <ds:schemaRef ds:uri="http://purl.org/dc/elements/1.1/"/>
-    <ds:schemaRef ds:uri="http://www.w3.org/XML/1998/namespace"/>
-  </ds:schemaRefs>
-</ds:datastoreItem>
-</file>
-
-<file path=customXml/itemProps2.xml><?xml version="1.0" encoding="utf-8"?>
 <ds:datastoreItem xmlns:ds="http://schemas.openxmlformats.org/officeDocument/2006/customXml" ds:itemID="{A906A71E-D2C6-4CAA-8E79-10C504BC5F58}">
   <ds:schemaRefs>
     <ds:schemaRef ds:uri="http://schemas.microsoft.com/office/2006/metadata/contentType"/>
@@ -19097,6 +19088,21 @@
 </ds:datastoreItem>
 </file>
 
+<file path=customXml/itemProps2.xml><?xml version="1.0" encoding="utf-8"?>
+<ds:datastoreItem xmlns:ds="http://schemas.openxmlformats.org/officeDocument/2006/customXml" ds:itemID="{3473EA1A-2744-48E8-B2A3-4F89C0FC849C}">
+  <ds:schemaRefs>
+    <ds:schemaRef ds:uri="http://schemas.microsoft.com/office/2006/documentManagement/types"/>
+    <ds:schemaRef ds:uri="http://purl.org/dc/terms/"/>
+    <ds:schemaRef ds:uri="http://schemas.openxmlformats.org/package/2006/metadata/core-properties"/>
+    <ds:schemaRef ds:uri="http://purl.org/dc/dcmitype/"/>
+    <ds:schemaRef ds:uri="http://schemas.microsoft.com/office/infopath/2007/PartnerControls"/>
+    <ds:schemaRef ds:uri="http://purl.org/dc/elements/1.1/"/>
+    <ds:schemaRef ds:uri="http://schemas.microsoft.com/office/2006/metadata/properties"/>
+    <ds:schemaRef ds:uri="http://www.w3.org/XML/1998/namespace"/>
+  </ds:schemaRefs>
+</ds:datastoreItem>
+</file>
+
 <file path=customXml/itemProps3.xml><?xml version="1.0" encoding="utf-8"?>
 <ds:datastoreItem xmlns:ds="http://schemas.openxmlformats.org/officeDocument/2006/customXml" ds:itemID="{87FD8B20-B89A-4B23-9329-175195DD4D8A}">
   <ds:schemaRefs>
